--- a/OM.pptx
+++ b/OM.pptx
@@ -12118,8 +12118,23 @@
                 </a:solidFill>
                 <a:cs typeface="Times New Roman" panose="02020603050405020304" pitchFamily="18" charset="0"/>
               </a:rPr>
-              <a:t>Polarity classification</a:t>
-            </a:r>
+              <a:t>Polarity </a:t>
+            </a:r>
+            <a:r>
+              <a:rPr lang="en-US" sz="2800" dirty="0" smtClean="0">
+                <a:solidFill>
+                  <a:schemeClr val="tx1"/>
+                </a:solidFill>
+                <a:cs typeface="Times New Roman" panose="02020603050405020304" pitchFamily="18" charset="0"/>
+              </a:rPr>
+              <a:t>determination </a:t>
+            </a:r>
+            <a:endParaRPr lang="en-US" sz="2800" dirty="0" smtClean="0">
+              <a:solidFill>
+                <a:schemeClr val="tx1"/>
+              </a:solidFill>
+              <a:cs typeface="Times New Roman" panose="02020603050405020304" pitchFamily="18" charset="0"/>
+            </a:endParaRPr>
           </a:p>
           <a:p>
             <a:pPr lvl="1"/>
@@ -13039,16 +13054,7 @@
                 </a:solidFill>
                 <a:cs typeface="B Nazanin" panose="00000400000000000000" pitchFamily="2" charset="-78"/>
               </a:rPr>
-              <a:t> </a:t>
-            </a:r>
-            <a:r>
-              <a:rPr lang="ar-SA" sz="2400" dirty="0" smtClean="0">
-                <a:solidFill>
-                  <a:schemeClr val="tx1"/>
-                </a:solidFill>
-                <a:cs typeface="B Nazanin" panose="00000400000000000000" pitchFamily="2" charset="-78"/>
-              </a:rPr>
-              <a:t>تحلیل</a:t>
+              <a:t> تحلیل</a:t>
             </a:r>
             <a:r>
               <a:rPr lang="fa-IR" sz="2400" dirty="0" smtClean="0">
@@ -13826,25 +13832,7 @@
                 </a:solidFill>
                 <a:cs typeface="B Nazanin" panose="00000400000000000000" pitchFamily="2" charset="-78"/>
               </a:rPr>
-              <a:t>دقیق و جزئی تر </a:t>
-            </a:r>
-            <a:r>
-              <a:rPr lang="fa-IR" sz="2800" dirty="0" smtClean="0">
-                <a:solidFill>
-                  <a:schemeClr val="tx1"/>
-                </a:solidFill>
-                <a:cs typeface="B Nazanin" panose="00000400000000000000" pitchFamily="2" charset="-78"/>
-              </a:rPr>
-              <a:t>برای </a:t>
-            </a:r>
-            <a:r>
-              <a:rPr lang="fa-IR" sz="2800" dirty="0" smtClean="0">
-                <a:solidFill>
-                  <a:schemeClr val="tx1"/>
-                </a:solidFill>
-                <a:cs typeface="B Nazanin" panose="00000400000000000000" pitchFamily="2" charset="-78"/>
-              </a:rPr>
-              <a:t>تولید </a:t>
+              <a:t>دقیق و جزئی تر برای تولید </a:t>
             </a:r>
             <a:r>
               <a:rPr lang="ar-SA" sz="2800" dirty="0" smtClean="0">
@@ -15548,7 +15536,6 @@
                 <a:rPr lang="en-US" dirty="0"/>
                 <a:t>Negative words</a:t>
               </a:r>
-              <a:endParaRPr lang="en-US" dirty="0"/>
             </a:p>
           </p:txBody>
         </p:sp>
@@ -15581,14 +15568,14 @@
                 <a:gridCol w="785136">
                   <a:extLst>
                     <a:ext uri="{9D8B030D-6E8A-4147-A177-3AD203B41FA5}">
-                      <a16:colId xmlns:a16="http://schemas.microsoft.com/office/drawing/2014/main" val="167062360"/>
+                      <a16:colId xmlns:a16="http://schemas.microsoft.com/office/drawing/2014/main" xmlns="" val="167062360"/>
                     </a:ext>
                   </a:extLst>
                 </a:gridCol>
                 <a:gridCol w="787156">
                   <a:extLst>
                     <a:ext uri="{9D8B030D-6E8A-4147-A177-3AD203B41FA5}">
-                      <a16:colId xmlns:a16="http://schemas.microsoft.com/office/drawing/2014/main" val="3347785289"/>
+                      <a16:colId xmlns:a16="http://schemas.microsoft.com/office/drawing/2014/main" xmlns="" val="3347785289"/>
                     </a:ext>
                   </a:extLst>
                 </a:gridCol>
@@ -15648,7 +15635,7 @@
                 </a:tc>
                 <a:extLst>
                   <a:ext uri="{0D108BD9-81ED-4DB2-BD59-A6C34878D82A}">
-                    <a16:rowId xmlns:a16="http://schemas.microsoft.com/office/drawing/2014/main" val="60234057"/>
+                    <a16:rowId xmlns:a16="http://schemas.microsoft.com/office/drawing/2014/main" xmlns="" val="60234057"/>
                   </a:ext>
                 </a:extLst>
               </a:tr>
@@ -15707,7 +15694,7 @@
                 </a:tc>
                 <a:extLst>
                   <a:ext uri="{0D108BD9-81ED-4DB2-BD59-A6C34878D82A}">
-                    <a16:rowId xmlns:a16="http://schemas.microsoft.com/office/drawing/2014/main" val="3786790151"/>
+                    <a16:rowId xmlns:a16="http://schemas.microsoft.com/office/drawing/2014/main" xmlns="" val="3786790151"/>
                   </a:ext>
                 </a:extLst>
               </a:tr>
@@ -15766,7 +15753,7 @@
                 </a:tc>
                 <a:extLst>
                   <a:ext uri="{0D108BD9-81ED-4DB2-BD59-A6C34878D82A}">
-                    <a16:rowId xmlns:a16="http://schemas.microsoft.com/office/drawing/2014/main" val="1480304723"/>
+                    <a16:rowId xmlns:a16="http://schemas.microsoft.com/office/drawing/2014/main" xmlns="" val="1480304723"/>
                   </a:ext>
                 </a:extLst>
               </a:tr>
@@ -15825,7 +15812,7 @@
                 </a:tc>
                 <a:extLst>
                   <a:ext uri="{0D108BD9-81ED-4DB2-BD59-A6C34878D82A}">
-                    <a16:rowId xmlns:a16="http://schemas.microsoft.com/office/drawing/2014/main" val="2448284065"/>
+                    <a16:rowId xmlns:a16="http://schemas.microsoft.com/office/drawing/2014/main" xmlns="" val="2448284065"/>
                   </a:ext>
                 </a:extLst>
               </a:tr>
@@ -15878,7 +15865,7 @@
                 </a:tc>
                 <a:extLst>
                   <a:ext uri="{0D108BD9-81ED-4DB2-BD59-A6C34878D82A}">
-                    <a16:rowId xmlns:a16="http://schemas.microsoft.com/office/drawing/2014/main" val="1054495008"/>
+                    <a16:rowId xmlns:a16="http://schemas.microsoft.com/office/drawing/2014/main" xmlns="" val="1054495008"/>
                   </a:ext>
                 </a:extLst>
               </a:tr>
@@ -15931,7 +15918,7 @@
                 </a:tc>
                 <a:extLst>
                   <a:ext uri="{0D108BD9-81ED-4DB2-BD59-A6C34878D82A}">
-                    <a16:rowId xmlns:a16="http://schemas.microsoft.com/office/drawing/2014/main" val="3501460536"/>
+                    <a16:rowId xmlns:a16="http://schemas.microsoft.com/office/drawing/2014/main" xmlns="" val="3501460536"/>
                   </a:ext>
                 </a:extLst>
               </a:tr>
@@ -16276,7 +16263,6 @@
                 <a:rPr lang="en-US" dirty="0"/>
                 <a:t>words</a:t>
               </a:r>
-              <a:endParaRPr lang="en-US" dirty="0"/>
             </a:p>
           </p:txBody>
         </p:sp>
@@ -16309,14 +16295,14 @@
                 <a:gridCol w="903923">
                   <a:extLst>
                     <a:ext uri="{9D8B030D-6E8A-4147-A177-3AD203B41FA5}">
-                      <a16:colId xmlns:a16="http://schemas.microsoft.com/office/drawing/2014/main" val="1974480408"/>
+                      <a16:colId xmlns:a16="http://schemas.microsoft.com/office/drawing/2014/main" xmlns="" val="1974480408"/>
                     </a:ext>
                   </a:extLst>
                 </a:gridCol>
                 <a:gridCol w="838780">
                   <a:extLst>
                     <a:ext uri="{9D8B030D-6E8A-4147-A177-3AD203B41FA5}">
-                      <a16:colId xmlns:a16="http://schemas.microsoft.com/office/drawing/2014/main" val="272231565"/>
+                      <a16:colId xmlns:a16="http://schemas.microsoft.com/office/drawing/2014/main" xmlns="" val="272231565"/>
                     </a:ext>
                   </a:extLst>
                 </a:gridCol>
@@ -16376,7 +16362,7 @@
                 </a:tc>
                 <a:extLst>
                   <a:ext uri="{0D108BD9-81ED-4DB2-BD59-A6C34878D82A}">
-                    <a16:rowId xmlns:a16="http://schemas.microsoft.com/office/drawing/2014/main" val="1638280142"/>
+                    <a16:rowId xmlns:a16="http://schemas.microsoft.com/office/drawing/2014/main" xmlns="" val="1638280142"/>
                   </a:ext>
                 </a:extLst>
               </a:tr>
@@ -16435,7 +16421,7 @@
                 </a:tc>
                 <a:extLst>
                   <a:ext uri="{0D108BD9-81ED-4DB2-BD59-A6C34878D82A}">
-                    <a16:rowId xmlns:a16="http://schemas.microsoft.com/office/drawing/2014/main" val="3282361734"/>
+                    <a16:rowId xmlns:a16="http://schemas.microsoft.com/office/drawing/2014/main" xmlns="" val="3282361734"/>
                   </a:ext>
                 </a:extLst>
               </a:tr>
@@ -16494,7 +16480,7 @@
                 </a:tc>
                 <a:extLst>
                   <a:ext uri="{0D108BD9-81ED-4DB2-BD59-A6C34878D82A}">
-                    <a16:rowId xmlns:a16="http://schemas.microsoft.com/office/drawing/2014/main" val="254341647"/>
+                    <a16:rowId xmlns:a16="http://schemas.microsoft.com/office/drawing/2014/main" xmlns="" val="254341647"/>
                   </a:ext>
                 </a:extLst>
               </a:tr>
@@ -16556,7 +16542,7 @@
                 </a:tc>
                 <a:extLst>
                   <a:ext uri="{0D108BD9-81ED-4DB2-BD59-A6C34878D82A}">
-                    <a16:rowId xmlns:a16="http://schemas.microsoft.com/office/drawing/2014/main" val="1633391201"/>
+                    <a16:rowId xmlns:a16="http://schemas.microsoft.com/office/drawing/2014/main" xmlns="" val="1633391201"/>
                   </a:ext>
                 </a:extLst>
               </a:tr>
@@ -16615,7 +16601,7 @@
                 </a:tc>
                 <a:extLst>
                   <a:ext uri="{0D108BD9-81ED-4DB2-BD59-A6C34878D82A}">
-                    <a16:rowId xmlns:a16="http://schemas.microsoft.com/office/drawing/2014/main" val="2492610991"/>
+                    <a16:rowId xmlns:a16="http://schemas.microsoft.com/office/drawing/2014/main" xmlns="" val="2492610991"/>
                   </a:ext>
                 </a:extLst>
               </a:tr>
@@ -16674,7 +16660,7 @@
                 </a:tc>
                 <a:extLst>
                   <a:ext uri="{0D108BD9-81ED-4DB2-BD59-A6C34878D82A}">
-                    <a16:rowId xmlns:a16="http://schemas.microsoft.com/office/drawing/2014/main" val="2215108436"/>
+                    <a16:rowId xmlns:a16="http://schemas.microsoft.com/office/drawing/2014/main" xmlns="" val="2215108436"/>
                   </a:ext>
                 </a:extLst>
               </a:tr>
@@ -20632,8 +20618,8 @@
           </a:p>
         </p:txBody>
       </p:sp>
-      <mc:AlternateContent xmlns:mc="http://schemas.openxmlformats.org/markup-compatibility/2006">
-        <mc:Choice xmlns:a14="http://schemas.microsoft.com/office/drawing/2010/main" Requires="a14">
+      <mc:AlternateContent xmlns:mc="http://schemas.openxmlformats.org/markup-compatibility/2006" xmlns:a14="http://schemas.microsoft.com/office/drawing/2010/main">
+        <mc:Choice Requires="a14">
           <p:sp>
             <p:nvSpPr>
               <p:cNvPr id="3" name="Content Placeholder 2"/>
@@ -20686,16 +20672,7 @@
                     </a:solidFill>
                     <a:cs typeface="B Nazanin" panose="00000400000000000000" pitchFamily="2" charset="-78"/>
                   </a:rPr>
-                  <a:t>نمایش </a:t>
-                </a:r>
-                <a:r>
-                  <a:rPr lang="fa-IR" sz="2800" dirty="0" smtClean="0">
-                    <a:solidFill>
-                      <a:schemeClr val="tx1"/>
-                    </a:solidFill>
-                    <a:cs typeface="B Nazanin" panose="00000400000000000000" pitchFamily="2" charset="-78"/>
-                  </a:rPr>
-                  <a:t>داکیومنت که </a:t>
+                  <a:t>نمایش داکیومنت که </a:t>
                 </a:r>
                 <a:r>
                   <a:rPr lang="fa-IR" sz="2800" dirty="0">
@@ -21216,7 +21193,7 @@
             </p:txBody>
           </p:sp>
         </mc:Choice>
-        <mc:Fallback>
+        <mc:Fallback xmlns="">
           <p:sp>
             <p:nvSpPr>
               <p:cNvPr id="3" name="Content Placeholder 2"/>
@@ -21368,8 +21345,8 @@
           </a:p>
         </p:txBody>
       </p:sp>
-      <mc:AlternateContent xmlns:mc="http://schemas.openxmlformats.org/markup-compatibility/2006">
-        <mc:Choice xmlns:a14="http://schemas.microsoft.com/office/drawing/2010/main" Requires="a14">
+      <mc:AlternateContent xmlns:mc="http://schemas.openxmlformats.org/markup-compatibility/2006" xmlns:a14="http://schemas.microsoft.com/office/drawing/2010/main">
+        <mc:Choice Requires="a14">
           <p:sp>
             <p:nvSpPr>
               <p:cNvPr id="3" name="Content Placeholder 2"/>
@@ -21746,7 +21723,7 @@
             </p:txBody>
           </p:sp>
         </mc:Choice>
-        <mc:Fallback>
+        <mc:Fallback xmlns="">
           <p:sp>
             <p:nvSpPr>
               <p:cNvPr id="3" name="Content Placeholder 2"/>
@@ -21815,8 +21792,8 @@
           </a:p>
         </p:txBody>
       </p:sp>
-      <mc:AlternateContent xmlns:mc="http://schemas.openxmlformats.org/markup-compatibility/2006">
-        <mc:Choice xmlns:a14="http://schemas.microsoft.com/office/drawing/2010/main" Requires="a14">
+      <mc:AlternateContent xmlns:mc="http://schemas.openxmlformats.org/markup-compatibility/2006" xmlns:a14="http://schemas.microsoft.com/office/drawing/2010/main">
+        <mc:Choice Requires="a14">
           <p:sp>
             <p:nvSpPr>
               <p:cNvPr id="5" name="Rectangle 4"/>
@@ -22069,7 +22046,7 @@
             </p:txBody>
           </p:sp>
         </mc:Choice>
-        <mc:Fallback>
+        <mc:Fallback xmlns="">
           <p:sp>
             <p:nvSpPr>
               <p:cNvPr id="5" name="Rectangle 4"/>
@@ -22764,27 +22741,8 @@
                 <a:ea typeface="Noto Sans CJK SC Regular"/>
                 <a:cs typeface="B Nazanin" panose="00000400000000000000" pitchFamily="2" charset="-78"/>
               </a:rPr>
-              <a:t>یک </a:t>
-            </a:r>
-            <a:r>
-              <a:rPr lang="fa-IR" sz="2800" kern="0" dirty="0" smtClean="0">
-                <a:solidFill>
-                  <a:schemeClr val="tx1"/>
-                </a:solidFill>
-                <a:latin typeface="TimesNewRoman"/>
-                <a:ea typeface="Noto Sans CJK SC Regular"/>
-                <a:cs typeface="B Nazanin" panose="00000400000000000000" pitchFamily="2" charset="-78"/>
-              </a:rPr>
-              <a:t>بازی کامپیوتری</a:t>
-            </a:r>
-            <a:endParaRPr lang="fa-IR" sz="2800" kern="0" dirty="0" smtClean="0">
-              <a:solidFill>
-                <a:schemeClr val="tx1"/>
-              </a:solidFill>
-              <a:latin typeface="TimesNewRoman"/>
-              <a:ea typeface="Noto Sans CJK SC Regular"/>
-              <a:cs typeface="B Nazanin" panose="00000400000000000000" pitchFamily="2" charset="-78"/>
-            </a:endParaRPr>
+              <a:t>یک بازی کامپیوتری</a:t>
+            </a:r>
           </a:p>
           <a:p>
             <a:pPr algn="r" rtl="1"/>
@@ -23634,23 +23592,7 @@
                 <a:ea typeface="Noto Sans CJK SC Regular"/>
                 <a:cs typeface="Arial" panose="020B0604020202020204" pitchFamily="34" charset="0"/>
               </a:rPr>
-              <a:t>isn</a:t>
-            </a:r>
-            <a:r>
-              <a:rPr lang="en-US" sz="2000" kern="0" dirty="0" smtClean="0">
-                <a:latin typeface="TimesNewRoman"/>
-                <a:ea typeface="Noto Sans CJK SC Regular"/>
-                <a:cs typeface="Arial" panose="020B0604020202020204" pitchFamily="34" charset="0"/>
-              </a:rPr>
-              <a:t>’</a:t>
-            </a:r>
-            <a:r>
-              <a:rPr lang="en-US" sz="2000" kern="0" dirty="0" smtClean="0">
-                <a:latin typeface="TimesNewRoman"/>
-                <a:ea typeface="Noto Sans CJK SC Regular"/>
-                <a:cs typeface="Arial" panose="020B0604020202020204" pitchFamily="34" charset="0"/>
-              </a:rPr>
-              <a:t>t </a:t>
+              <a:t>isn’t </a:t>
             </a:r>
             <a:r>
               <a:rPr lang="en-US" sz="2000" kern="0" dirty="0">
@@ -25705,133 +25647,133 @@
                 <a:gridCol w="926064">
                   <a:extLst>
                     <a:ext uri="{9D8B030D-6E8A-4147-A177-3AD203B41FA5}">
-                      <a16:colId xmlns:a16="http://schemas.microsoft.com/office/drawing/2014/main" val="1019926350"/>
+                      <a16:colId xmlns:a16="http://schemas.microsoft.com/office/drawing/2014/main" xmlns="" val="1019926350"/>
                     </a:ext>
                   </a:extLst>
                 </a:gridCol>
                 <a:gridCol w="623942">
                   <a:extLst>
                     <a:ext uri="{9D8B030D-6E8A-4147-A177-3AD203B41FA5}">
-                      <a16:colId xmlns:a16="http://schemas.microsoft.com/office/drawing/2014/main" val="1366633884"/>
+                      <a16:colId xmlns:a16="http://schemas.microsoft.com/office/drawing/2014/main" xmlns="" val="1366633884"/>
                     </a:ext>
                   </a:extLst>
                 </a:gridCol>
                 <a:gridCol w="464127">
                   <a:extLst>
                     <a:ext uri="{9D8B030D-6E8A-4147-A177-3AD203B41FA5}">
-                      <a16:colId xmlns:a16="http://schemas.microsoft.com/office/drawing/2014/main" val="1203188509"/>
+                      <a16:colId xmlns:a16="http://schemas.microsoft.com/office/drawing/2014/main" xmlns="" val="1203188509"/>
                     </a:ext>
                   </a:extLst>
                 </a:gridCol>
                 <a:gridCol w="363421">
                   <a:extLst>
                     <a:ext uri="{9D8B030D-6E8A-4147-A177-3AD203B41FA5}">
-                      <a16:colId xmlns:a16="http://schemas.microsoft.com/office/drawing/2014/main" val="3955462489"/>
+                      <a16:colId xmlns:a16="http://schemas.microsoft.com/office/drawing/2014/main" xmlns="" val="3955462489"/>
                     </a:ext>
                   </a:extLst>
                 </a:gridCol>
                 <a:gridCol w="569212">
                   <a:extLst>
                     <a:ext uri="{9D8B030D-6E8A-4147-A177-3AD203B41FA5}">
-                      <a16:colId xmlns:a16="http://schemas.microsoft.com/office/drawing/2014/main" val="2040685962"/>
+                      <a16:colId xmlns:a16="http://schemas.microsoft.com/office/drawing/2014/main" xmlns="" val="2040685962"/>
                     </a:ext>
                   </a:extLst>
                 </a:gridCol>
                 <a:gridCol w="623942">
                   <a:extLst>
                     <a:ext uri="{9D8B030D-6E8A-4147-A177-3AD203B41FA5}">
-                      <a16:colId xmlns:a16="http://schemas.microsoft.com/office/drawing/2014/main" val="3029554536"/>
+                      <a16:colId xmlns:a16="http://schemas.microsoft.com/office/drawing/2014/main" xmlns="" val="3029554536"/>
                     </a:ext>
                   </a:extLst>
                 </a:gridCol>
                 <a:gridCol w="1082599">
                   <a:extLst>
                     <a:ext uri="{9D8B030D-6E8A-4147-A177-3AD203B41FA5}">
-                      <a16:colId xmlns:a16="http://schemas.microsoft.com/office/drawing/2014/main" val="1624095574"/>
+                      <a16:colId xmlns:a16="http://schemas.microsoft.com/office/drawing/2014/main" xmlns="" val="1624095574"/>
                     </a:ext>
                   </a:extLst>
                 </a:gridCol>
                 <a:gridCol w="776098">
                   <a:extLst>
                     <a:ext uri="{9D8B030D-6E8A-4147-A177-3AD203B41FA5}">
-                      <a16:colId xmlns:a16="http://schemas.microsoft.com/office/drawing/2014/main" val="1963546674"/>
+                      <a16:colId xmlns:a16="http://schemas.microsoft.com/office/drawing/2014/main" xmlns="" val="1963546674"/>
                     </a:ext>
                   </a:extLst>
                 </a:gridCol>
                 <a:gridCol w="929347">
                   <a:extLst>
                     <a:ext uri="{9D8B030D-6E8A-4147-A177-3AD203B41FA5}">
-                      <a16:colId xmlns:a16="http://schemas.microsoft.com/office/drawing/2014/main" val="2846790725"/>
+                      <a16:colId xmlns:a16="http://schemas.microsoft.com/office/drawing/2014/main" xmlns="" val="2846790725"/>
                     </a:ext>
                   </a:extLst>
                 </a:gridCol>
                 <a:gridCol w="465221">
                   <a:extLst>
                     <a:ext uri="{9D8B030D-6E8A-4147-A177-3AD203B41FA5}">
-                      <a16:colId xmlns:a16="http://schemas.microsoft.com/office/drawing/2014/main" val="1745787932"/>
+                      <a16:colId xmlns:a16="http://schemas.microsoft.com/office/drawing/2014/main" xmlns="" val="1745787932"/>
                     </a:ext>
                   </a:extLst>
                 </a:gridCol>
                 <a:gridCol w="786503">
                   <a:extLst>
                     <a:ext uri="{9D8B030D-6E8A-4147-A177-3AD203B41FA5}">
-                      <a16:colId xmlns:a16="http://schemas.microsoft.com/office/drawing/2014/main" val="2608921950"/>
+                      <a16:colId xmlns:a16="http://schemas.microsoft.com/office/drawing/2014/main" xmlns="" val="2608921950"/>
                     </a:ext>
                   </a:extLst>
                 </a:gridCol>
                 <a:gridCol w="301486">
                   <a:extLst>
                     <a:ext uri="{9D8B030D-6E8A-4147-A177-3AD203B41FA5}">
-                      <a16:colId xmlns:a16="http://schemas.microsoft.com/office/drawing/2014/main" val="932157743"/>
+                      <a16:colId xmlns:a16="http://schemas.microsoft.com/office/drawing/2014/main" xmlns="" val="932157743"/>
                     </a:ext>
                   </a:extLst>
                 </a:gridCol>
                 <a:gridCol w="630405">
                   <a:extLst>
                     <a:ext uri="{9D8B030D-6E8A-4147-A177-3AD203B41FA5}">
-                      <a16:colId xmlns:a16="http://schemas.microsoft.com/office/drawing/2014/main" val="1087033832"/>
+                      <a16:colId xmlns:a16="http://schemas.microsoft.com/office/drawing/2014/main" xmlns="" val="1087033832"/>
                     </a:ext>
                   </a:extLst>
                 </a:gridCol>
                 <a:gridCol w="360758">
                   <a:extLst>
                     <a:ext uri="{9D8B030D-6E8A-4147-A177-3AD203B41FA5}">
-                      <a16:colId xmlns:a16="http://schemas.microsoft.com/office/drawing/2014/main" val="1394780793"/>
+                      <a16:colId xmlns:a16="http://schemas.microsoft.com/office/drawing/2014/main" xmlns="" val="1394780793"/>
                     </a:ext>
                   </a:extLst>
                 </a:gridCol>
                 <a:gridCol w="788416">
                   <a:extLst>
                     <a:ext uri="{9D8B030D-6E8A-4147-A177-3AD203B41FA5}">
-                      <a16:colId xmlns:a16="http://schemas.microsoft.com/office/drawing/2014/main" val="3177576158"/>
+                      <a16:colId xmlns:a16="http://schemas.microsoft.com/office/drawing/2014/main" xmlns="" val="3177576158"/>
                     </a:ext>
                   </a:extLst>
                 </a:gridCol>
                 <a:gridCol w="693807">
                   <a:extLst>
                     <a:ext uri="{9D8B030D-6E8A-4147-A177-3AD203B41FA5}">
-                      <a16:colId xmlns:a16="http://schemas.microsoft.com/office/drawing/2014/main" val="2097883519"/>
+                      <a16:colId xmlns:a16="http://schemas.microsoft.com/office/drawing/2014/main" xmlns="" val="2097883519"/>
                     </a:ext>
                   </a:extLst>
                 </a:gridCol>
                 <a:gridCol w="819953">
                   <a:extLst>
                     <a:ext uri="{9D8B030D-6E8A-4147-A177-3AD203B41FA5}">
-                      <a16:colId xmlns:a16="http://schemas.microsoft.com/office/drawing/2014/main" val="2132594911"/>
+                      <a16:colId xmlns:a16="http://schemas.microsoft.com/office/drawing/2014/main" xmlns="" val="2132594911"/>
                     </a:ext>
                   </a:extLst>
                 </a:gridCol>
                 <a:gridCol w="536123">
                   <a:extLst>
                     <a:ext uri="{9D8B030D-6E8A-4147-A177-3AD203B41FA5}">
-                      <a16:colId xmlns:a16="http://schemas.microsoft.com/office/drawing/2014/main" val="3087822251"/>
+                      <a16:colId xmlns:a16="http://schemas.microsoft.com/office/drawing/2014/main" xmlns="" val="3087822251"/>
                     </a:ext>
                   </a:extLst>
                 </a:gridCol>
                 <a:gridCol w="961866">
                   <a:extLst>
                     <a:ext uri="{9D8B030D-6E8A-4147-A177-3AD203B41FA5}">
-                      <a16:colId xmlns:a16="http://schemas.microsoft.com/office/drawing/2014/main" val="1280327180"/>
+                      <a16:colId xmlns:a16="http://schemas.microsoft.com/office/drawing/2014/main" xmlns="" val="1280327180"/>
                     </a:ext>
                   </a:extLst>
                 </a:gridCol>
@@ -26403,7 +26345,7 @@
                 </a:tc>
                 <a:extLst>
                   <a:ext uri="{0D108BD9-81ED-4DB2-BD59-A6C34878D82A}">
-                    <a16:rowId xmlns:a16="http://schemas.microsoft.com/office/drawing/2014/main" val="3596903039"/>
+                    <a16:rowId xmlns:a16="http://schemas.microsoft.com/office/drawing/2014/main" xmlns="" val="3596903039"/>
                   </a:ext>
                 </a:extLst>
               </a:tr>
@@ -26929,7 +26871,7 @@
                 </a:tc>
                 <a:extLst>
                   <a:ext uri="{0D108BD9-81ED-4DB2-BD59-A6C34878D82A}">
-                    <a16:rowId xmlns:a16="http://schemas.microsoft.com/office/drawing/2014/main" val="3615953348"/>
+                    <a16:rowId xmlns:a16="http://schemas.microsoft.com/office/drawing/2014/main" xmlns="" val="3615953348"/>
                   </a:ext>
                 </a:extLst>
               </a:tr>
@@ -27455,7 +27397,7 @@
                 </a:tc>
                 <a:extLst>
                   <a:ext uri="{0D108BD9-81ED-4DB2-BD59-A6C34878D82A}">
-                    <a16:rowId xmlns:a16="http://schemas.microsoft.com/office/drawing/2014/main" val="1826018797"/>
+                    <a16:rowId xmlns:a16="http://schemas.microsoft.com/office/drawing/2014/main" xmlns="" val="1826018797"/>
                   </a:ext>
                 </a:extLst>
               </a:tr>
@@ -27939,70 +27881,70 @@
                 <a:gridCol w="1156723">
                   <a:extLst>
                     <a:ext uri="{9D8B030D-6E8A-4147-A177-3AD203B41FA5}">
-                      <a16:colId xmlns:a16="http://schemas.microsoft.com/office/drawing/2014/main" val="3209943541"/>
+                      <a16:colId xmlns:a16="http://schemas.microsoft.com/office/drawing/2014/main" xmlns="" val="3209943541"/>
                     </a:ext>
                   </a:extLst>
                 </a:gridCol>
                 <a:gridCol w="1260841">
                   <a:extLst>
                     <a:ext uri="{9D8B030D-6E8A-4147-A177-3AD203B41FA5}">
-                      <a16:colId xmlns:a16="http://schemas.microsoft.com/office/drawing/2014/main" val="2100578376"/>
+                      <a16:colId xmlns:a16="http://schemas.microsoft.com/office/drawing/2014/main" xmlns="" val="2100578376"/>
                     </a:ext>
                   </a:extLst>
                 </a:gridCol>
                 <a:gridCol w="530580">
                   <a:extLst>
                     <a:ext uri="{9D8B030D-6E8A-4147-A177-3AD203B41FA5}">
-                      <a16:colId xmlns:a16="http://schemas.microsoft.com/office/drawing/2014/main" val="75355962"/>
+                      <a16:colId xmlns:a16="http://schemas.microsoft.com/office/drawing/2014/main" xmlns="" val="75355962"/>
                     </a:ext>
                   </a:extLst>
                 </a:gridCol>
                 <a:gridCol w="740246">
                   <a:extLst>
                     <a:ext uri="{9D8B030D-6E8A-4147-A177-3AD203B41FA5}">
-                      <a16:colId xmlns:a16="http://schemas.microsoft.com/office/drawing/2014/main" val="703225415"/>
+                      <a16:colId xmlns:a16="http://schemas.microsoft.com/office/drawing/2014/main" xmlns="" val="703225415"/>
                     </a:ext>
                   </a:extLst>
                 </a:gridCol>
                 <a:gridCol w="917105">
                   <a:extLst>
                     <a:ext uri="{9D8B030D-6E8A-4147-A177-3AD203B41FA5}">
-                      <a16:colId xmlns:a16="http://schemas.microsoft.com/office/drawing/2014/main" val="4266181011"/>
+                      <a16:colId xmlns:a16="http://schemas.microsoft.com/office/drawing/2014/main" xmlns="" val="4266181011"/>
                     </a:ext>
                   </a:extLst>
                 </a:gridCol>
                 <a:gridCol w="718850">
                   <a:extLst>
                     <a:ext uri="{9D8B030D-6E8A-4147-A177-3AD203B41FA5}">
-                      <a16:colId xmlns:a16="http://schemas.microsoft.com/office/drawing/2014/main" val="2833811841"/>
+                      <a16:colId xmlns:a16="http://schemas.microsoft.com/office/drawing/2014/main" xmlns="" val="2833811841"/>
                     </a:ext>
                   </a:extLst>
                 </a:gridCol>
                 <a:gridCol w="1162427">
                   <a:extLst>
                     <a:ext uri="{9D8B030D-6E8A-4147-A177-3AD203B41FA5}">
-                      <a16:colId xmlns:a16="http://schemas.microsoft.com/office/drawing/2014/main" val="1260269007"/>
+                      <a16:colId xmlns:a16="http://schemas.microsoft.com/office/drawing/2014/main" xmlns="" val="1260269007"/>
                     </a:ext>
                   </a:extLst>
                 </a:gridCol>
                 <a:gridCol w="775902">
                   <a:extLst>
                     <a:ext uri="{9D8B030D-6E8A-4147-A177-3AD203B41FA5}">
-                      <a16:colId xmlns:a16="http://schemas.microsoft.com/office/drawing/2014/main" val="1292009890"/>
+                      <a16:colId xmlns:a16="http://schemas.microsoft.com/office/drawing/2014/main" xmlns="" val="1292009890"/>
                     </a:ext>
                   </a:extLst>
                 </a:gridCol>
                 <a:gridCol w="904269">
                   <a:extLst>
                     <a:ext uri="{9D8B030D-6E8A-4147-A177-3AD203B41FA5}">
-                      <a16:colId xmlns:a16="http://schemas.microsoft.com/office/drawing/2014/main" val="3567343325"/>
+                      <a16:colId xmlns:a16="http://schemas.microsoft.com/office/drawing/2014/main" xmlns="" val="3567343325"/>
                     </a:ext>
                   </a:extLst>
                 </a:gridCol>
                 <a:gridCol w="1082554">
                   <a:extLst>
                     <a:ext uri="{9D8B030D-6E8A-4147-A177-3AD203B41FA5}">
-                      <a16:colId xmlns:a16="http://schemas.microsoft.com/office/drawing/2014/main" val="2508265451"/>
+                      <a16:colId xmlns:a16="http://schemas.microsoft.com/office/drawing/2014/main" xmlns="" val="2508265451"/>
                     </a:ext>
                   </a:extLst>
                 </a:gridCol>
@@ -28280,7 +28222,7 @@
                 </a:tc>
                 <a:extLst>
                   <a:ext uri="{0D108BD9-81ED-4DB2-BD59-A6C34878D82A}">
-                    <a16:rowId xmlns:a16="http://schemas.microsoft.com/office/drawing/2014/main" val="2658127765"/>
+                    <a16:rowId xmlns:a16="http://schemas.microsoft.com/office/drawing/2014/main" xmlns="" val="2658127765"/>
                   </a:ext>
                 </a:extLst>
               </a:tr>
@@ -28557,7 +28499,7 @@
                 </a:tc>
                 <a:extLst>
                   <a:ext uri="{0D108BD9-81ED-4DB2-BD59-A6C34878D82A}">
-                    <a16:rowId xmlns:a16="http://schemas.microsoft.com/office/drawing/2014/main" val="2188284860"/>
+                    <a16:rowId xmlns:a16="http://schemas.microsoft.com/office/drawing/2014/main" xmlns="" val="2188284860"/>
                   </a:ext>
                 </a:extLst>
               </a:tr>
@@ -28834,7 +28776,7 @@
                 </a:tc>
                 <a:extLst>
                   <a:ext uri="{0D108BD9-81ED-4DB2-BD59-A6C34878D82A}">
-                    <a16:rowId xmlns:a16="http://schemas.microsoft.com/office/drawing/2014/main" val="1306071958"/>
+                    <a16:rowId xmlns:a16="http://schemas.microsoft.com/office/drawing/2014/main" xmlns="" val="1306071958"/>
                   </a:ext>
                 </a:extLst>
               </a:tr>
@@ -28901,133 +28843,133 @@
                 <a:gridCol w="926064">
                   <a:extLst>
                     <a:ext uri="{9D8B030D-6E8A-4147-A177-3AD203B41FA5}">
-                      <a16:colId xmlns:a16="http://schemas.microsoft.com/office/drawing/2014/main" val="1019926350"/>
+                      <a16:colId xmlns:a16="http://schemas.microsoft.com/office/drawing/2014/main" xmlns="" val="1019926350"/>
                     </a:ext>
                   </a:extLst>
                 </a:gridCol>
                 <a:gridCol w="623942">
                   <a:extLst>
                     <a:ext uri="{9D8B030D-6E8A-4147-A177-3AD203B41FA5}">
-                      <a16:colId xmlns:a16="http://schemas.microsoft.com/office/drawing/2014/main" val="1366633884"/>
+                      <a16:colId xmlns:a16="http://schemas.microsoft.com/office/drawing/2014/main" xmlns="" val="1366633884"/>
                     </a:ext>
                   </a:extLst>
                 </a:gridCol>
                 <a:gridCol w="464127">
                   <a:extLst>
                     <a:ext uri="{9D8B030D-6E8A-4147-A177-3AD203B41FA5}">
-                      <a16:colId xmlns:a16="http://schemas.microsoft.com/office/drawing/2014/main" val="1203188509"/>
+                      <a16:colId xmlns:a16="http://schemas.microsoft.com/office/drawing/2014/main" xmlns="" val="1203188509"/>
                     </a:ext>
                   </a:extLst>
                 </a:gridCol>
                 <a:gridCol w="363421">
                   <a:extLst>
                     <a:ext uri="{9D8B030D-6E8A-4147-A177-3AD203B41FA5}">
-                      <a16:colId xmlns:a16="http://schemas.microsoft.com/office/drawing/2014/main" val="3955462489"/>
+                      <a16:colId xmlns:a16="http://schemas.microsoft.com/office/drawing/2014/main" xmlns="" val="3955462489"/>
                     </a:ext>
                   </a:extLst>
                 </a:gridCol>
                 <a:gridCol w="569212">
                   <a:extLst>
                     <a:ext uri="{9D8B030D-6E8A-4147-A177-3AD203B41FA5}">
-                      <a16:colId xmlns:a16="http://schemas.microsoft.com/office/drawing/2014/main" val="2040685962"/>
+                      <a16:colId xmlns:a16="http://schemas.microsoft.com/office/drawing/2014/main" xmlns="" val="2040685962"/>
                     </a:ext>
                   </a:extLst>
                 </a:gridCol>
                 <a:gridCol w="623942">
                   <a:extLst>
                     <a:ext uri="{9D8B030D-6E8A-4147-A177-3AD203B41FA5}">
-                      <a16:colId xmlns:a16="http://schemas.microsoft.com/office/drawing/2014/main" val="3029554536"/>
+                      <a16:colId xmlns:a16="http://schemas.microsoft.com/office/drawing/2014/main" xmlns="" val="3029554536"/>
                     </a:ext>
                   </a:extLst>
                 </a:gridCol>
                 <a:gridCol w="1082599">
                   <a:extLst>
                     <a:ext uri="{9D8B030D-6E8A-4147-A177-3AD203B41FA5}">
-                      <a16:colId xmlns:a16="http://schemas.microsoft.com/office/drawing/2014/main" val="1624095574"/>
+                      <a16:colId xmlns:a16="http://schemas.microsoft.com/office/drawing/2014/main" xmlns="" val="1624095574"/>
                     </a:ext>
                   </a:extLst>
                 </a:gridCol>
                 <a:gridCol w="776098">
                   <a:extLst>
                     <a:ext uri="{9D8B030D-6E8A-4147-A177-3AD203B41FA5}">
-                      <a16:colId xmlns:a16="http://schemas.microsoft.com/office/drawing/2014/main" val="1963546674"/>
+                      <a16:colId xmlns:a16="http://schemas.microsoft.com/office/drawing/2014/main" xmlns="" val="1963546674"/>
                     </a:ext>
                   </a:extLst>
                 </a:gridCol>
                 <a:gridCol w="929347">
                   <a:extLst>
                     <a:ext uri="{9D8B030D-6E8A-4147-A177-3AD203B41FA5}">
-                      <a16:colId xmlns:a16="http://schemas.microsoft.com/office/drawing/2014/main" val="2846790725"/>
+                      <a16:colId xmlns:a16="http://schemas.microsoft.com/office/drawing/2014/main" xmlns="" val="2846790725"/>
                     </a:ext>
                   </a:extLst>
                 </a:gridCol>
                 <a:gridCol w="465221">
                   <a:extLst>
                     <a:ext uri="{9D8B030D-6E8A-4147-A177-3AD203B41FA5}">
-                      <a16:colId xmlns:a16="http://schemas.microsoft.com/office/drawing/2014/main" val="1745787932"/>
+                      <a16:colId xmlns:a16="http://schemas.microsoft.com/office/drawing/2014/main" xmlns="" val="1745787932"/>
                     </a:ext>
                   </a:extLst>
                 </a:gridCol>
                 <a:gridCol w="786503">
                   <a:extLst>
                     <a:ext uri="{9D8B030D-6E8A-4147-A177-3AD203B41FA5}">
-                      <a16:colId xmlns:a16="http://schemas.microsoft.com/office/drawing/2014/main" val="2608921950"/>
+                      <a16:colId xmlns:a16="http://schemas.microsoft.com/office/drawing/2014/main" xmlns="" val="2608921950"/>
                     </a:ext>
                   </a:extLst>
                 </a:gridCol>
                 <a:gridCol w="301486">
                   <a:extLst>
                     <a:ext uri="{9D8B030D-6E8A-4147-A177-3AD203B41FA5}">
-                      <a16:colId xmlns:a16="http://schemas.microsoft.com/office/drawing/2014/main" val="932157743"/>
+                      <a16:colId xmlns:a16="http://schemas.microsoft.com/office/drawing/2014/main" xmlns="" val="932157743"/>
                     </a:ext>
                   </a:extLst>
                 </a:gridCol>
                 <a:gridCol w="630405">
                   <a:extLst>
                     <a:ext uri="{9D8B030D-6E8A-4147-A177-3AD203B41FA5}">
-                      <a16:colId xmlns:a16="http://schemas.microsoft.com/office/drawing/2014/main" val="1087033832"/>
+                      <a16:colId xmlns:a16="http://schemas.microsoft.com/office/drawing/2014/main" xmlns="" val="1087033832"/>
                     </a:ext>
                   </a:extLst>
                 </a:gridCol>
                 <a:gridCol w="360758">
                   <a:extLst>
                     <a:ext uri="{9D8B030D-6E8A-4147-A177-3AD203B41FA5}">
-                      <a16:colId xmlns:a16="http://schemas.microsoft.com/office/drawing/2014/main" val="1394780793"/>
+                      <a16:colId xmlns:a16="http://schemas.microsoft.com/office/drawing/2014/main" xmlns="" val="1394780793"/>
                     </a:ext>
                   </a:extLst>
                 </a:gridCol>
                 <a:gridCol w="788416">
                   <a:extLst>
                     <a:ext uri="{9D8B030D-6E8A-4147-A177-3AD203B41FA5}">
-                      <a16:colId xmlns:a16="http://schemas.microsoft.com/office/drawing/2014/main" val="3177576158"/>
+                      <a16:colId xmlns:a16="http://schemas.microsoft.com/office/drawing/2014/main" xmlns="" val="3177576158"/>
                     </a:ext>
                   </a:extLst>
                 </a:gridCol>
                 <a:gridCol w="693807">
                   <a:extLst>
                     <a:ext uri="{9D8B030D-6E8A-4147-A177-3AD203B41FA5}">
-                      <a16:colId xmlns:a16="http://schemas.microsoft.com/office/drawing/2014/main" val="2097883519"/>
+                      <a16:colId xmlns:a16="http://schemas.microsoft.com/office/drawing/2014/main" xmlns="" val="2097883519"/>
                     </a:ext>
                   </a:extLst>
                 </a:gridCol>
                 <a:gridCol w="819953">
                   <a:extLst>
                     <a:ext uri="{9D8B030D-6E8A-4147-A177-3AD203B41FA5}">
-                      <a16:colId xmlns:a16="http://schemas.microsoft.com/office/drawing/2014/main" val="2132594911"/>
+                      <a16:colId xmlns:a16="http://schemas.microsoft.com/office/drawing/2014/main" xmlns="" val="2132594911"/>
                     </a:ext>
                   </a:extLst>
                 </a:gridCol>
                 <a:gridCol w="536123">
                   <a:extLst>
                     <a:ext uri="{9D8B030D-6E8A-4147-A177-3AD203B41FA5}">
-                      <a16:colId xmlns:a16="http://schemas.microsoft.com/office/drawing/2014/main" val="3087822251"/>
+                      <a16:colId xmlns:a16="http://schemas.microsoft.com/office/drawing/2014/main" xmlns="" val="3087822251"/>
                     </a:ext>
                   </a:extLst>
                 </a:gridCol>
                 <a:gridCol w="961866">
                   <a:extLst>
                     <a:ext uri="{9D8B030D-6E8A-4147-A177-3AD203B41FA5}">
-                      <a16:colId xmlns:a16="http://schemas.microsoft.com/office/drawing/2014/main" val="1280327180"/>
+                      <a16:colId xmlns:a16="http://schemas.microsoft.com/office/drawing/2014/main" xmlns="" val="1280327180"/>
                     </a:ext>
                   </a:extLst>
                 </a:gridCol>
@@ -29599,7 +29541,7 @@
                 </a:tc>
                 <a:extLst>
                   <a:ext uri="{0D108BD9-81ED-4DB2-BD59-A6C34878D82A}">
-                    <a16:rowId xmlns:a16="http://schemas.microsoft.com/office/drawing/2014/main" val="3596903039"/>
+                    <a16:rowId xmlns:a16="http://schemas.microsoft.com/office/drawing/2014/main" xmlns="" val="3596903039"/>
                   </a:ext>
                 </a:extLst>
               </a:tr>
@@ -30125,7 +30067,7 @@
                 </a:tc>
                 <a:extLst>
                   <a:ext uri="{0D108BD9-81ED-4DB2-BD59-A6C34878D82A}">
-                    <a16:rowId xmlns:a16="http://schemas.microsoft.com/office/drawing/2014/main" val="3615953348"/>
+                    <a16:rowId xmlns:a16="http://schemas.microsoft.com/office/drawing/2014/main" xmlns="" val="3615953348"/>
                   </a:ext>
                 </a:extLst>
               </a:tr>
@@ -30651,7 +30593,7 @@
                 </a:tc>
                 <a:extLst>
                   <a:ext uri="{0D108BD9-81ED-4DB2-BD59-A6C34878D82A}">
-                    <a16:rowId xmlns:a16="http://schemas.microsoft.com/office/drawing/2014/main" val="1826018797"/>
+                    <a16:rowId xmlns:a16="http://schemas.microsoft.com/office/drawing/2014/main" xmlns="" val="1826018797"/>
                   </a:ext>
                 </a:extLst>
               </a:tr>
@@ -30736,70 +30678,70 @@
                 <a:gridCol w="1156723">
                   <a:extLst>
                     <a:ext uri="{9D8B030D-6E8A-4147-A177-3AD203B41FA5}">
-                      <a16:colId xmlns:a16="http://schemas.microsoft.com/office/drawing/2014/main" val="3209943541"/>
+                      <a16:colId xmlns:a16="http://schemas.microsoft.com/office/drawing/2014/main" xmlns="" val="3209943541"/>
                     </a:ext>
                   </a:extLst>
                 </a:gridCol>
                 <a:gridCol w="1260841">
                   <a:extLst>
                     <a:ext uri="{9D8B030D-6E8A-4147-A177-3AD203B41FA5}">
-                      <a16:colId xmlns:a16="http://schemas.microsoft.com/office/drawing/2014/main" val="2100578376"/>
+                      <a16:colId xmlns:a16="http://schemas.microsoft.com/office/drawing/2014/main" xmlns="" val="2100578376"/>
                     </a:ext>
                   </a:extLst>
                 </a:gridCol>
                 <a:gridCol w="530580">
                   <a:extLst>
                     <a:ext uri="{9D8B030D-6E8A-4147-A177-3AD203B41FA5}">
-                      <a16:colId xmlns:a16="http://schemas.microsoft.com/office/drawing/2014/main" val="75355962"/>
+                      <a16:colId xmlns:a16="http://schemas.microsoft.com/office/drawing/2014/main" xmlns="" val="75355962"/>
                     </a:ext>
                   </a:extLst>
                 </a:gridCol>
                 <a:gridCol w="740246">
                   <a:extLst>
                     <a:ext uri="{9D8B030D-6E8A-4147-A177-3AD203B41FA5}">
-                      <a16:colId xmlns:a16="http://schemas.microsoft.com/office/drawing/2014/main" val="703225415"/>
+                      <a16:colId xmlns:a16="http://schemas.microsoft.com/office/drawing/2014/main" xmlns="" val="703225415"/>
                     </a:ext>
                   </a:extLst>
                 </a:gridCol>
                 <a:gridCol w="917105">
                   <a:extLst>
                     <a:ext uri="{9D8B030D-6E8A-4147-A177-3AD203B41FA5}">
-                      <a16:colId xmlns:a16="http://schemas.microsoft.com/office/drawing/2014/main" val="4266181011"/>
+                      <a16:colId xmlns:a16="http://schemas.microsoft.com/office/drawing/2014/main" xmlns="" val="4266181011"/>
                     </a:ext>
                   </a:extLst>
                 </a:gridCol>
                 <a:gridCol w="718850">
                   <a:extLst>
                     <a:ext uri="{9D8B030D-6E8A-4147-A177-3AD203B41FA5}">
-                      <a16:colId xmlns:a16="http://schemas.microsoft.com/office/drawing/2014/main" val="2833811841"/>
+                      <a16:colId xmlns:a16="http://schemas.microsoft.com/office/drawing/2014/main" xmlns="" val="2833811841"/>
                     </a:ext>
                   </a:extLst>
                 </a:gridCol>
                 <a:gridCol w="1162427">
                   <a:extLst>
                     <a:ext uri="{9D8B030D-6E8A-4147-A177-3AD203B41FA5}">
-                      <a16:colId xmlns:a16="http://schemas.microsoft.com/office/drawing/2014/main" val="1260269007"/>
+                      <a16:colId xmlns:a16="http://schemas.microsoft.com/office/drawing/2014/main" xmlns="" val="1260269007"/>
                     </a:ext>
                   </a:extLst>
                 </a:gridCol>
                 <a:gridCol w="775902">
                   <a:extLst>
                     <a:ext uri="{9D8B030D-6E8A-4147-A177-3AD203B41FA5}">
-                      <a16:colId xmlns:a16="http://schemas.microsoft.com/office/drawing/2014/main" val="1292009890"/>
+                      <a16:colId xmlns:a16="http://schemas.microsoft.com/office/drawing/2014/main" xmlns="" val="1292009890"/>
                     </a:ext>
                   </a:extLst>
                 </a:gridCol>
                 <a:gridCol w="904269">
                   <a:extLst>
                     <a:ext uri="{9D8B030D-6E8A-4147-A177-3AD203B41FA5}">
-                      <a16:colId xmlns:a16="http://schemas.microsoft.com/office/drawing/2014/main" val="3567343325"/>
+                      <a16:colId xmlns:a16="http://schemas.microsoft.com/office/drawing/2014/main" xmlns="" val="3567343325"/>
                     </a:ext>
                   </a:extLst>
                 </a:gridCol>
                 <a:gridCol w="1082554">
                   <a:extLst>
                     <a:ext uri="{9D8B030D-6E8A-4147-A177-3AD203B41FA5}">
-                      <a16:colId xmlns:a16="http://schemas.microsoft.com/office/drawing/2014/main" val="2508265451"/>
+                      <a16:colId xmlns:a16="http://schemas.microsoft.com/office/drawing/2014/main" xmlns="" val="2508265451"/>
                     </a:ext>
                   </a:extLst>
                 </a:gridCol>
@@ -31077,7 +31019,7 @@
                 </a:tc>
                 <a:extLst>
                   <a:ext uri="{0D108BD9-81ED-4DB2-BD59-A6C34878D82A}">
-                    <a16:rowId xmlns:a16="http://schemas.microsoft.com/office/drawing/2014/main" val="2658127765"/>
+                    <a16:rowId xmlns:a16="http://schemas.microsoft.com/office/drawing/2014/main" xmlns="" val="2658127765"/>
                   </a:ext>
                 </a:extLst>
               </a:tr>
@@ -31354,7 +31296,7 @@
                 </a:tc>
                 <a:extLst>
                   <a:ext uri="{0D108BD9-81ED-4DB2-BD59-A6C34878D82A}">
-                    <a16:rowId xmlns:a16="http://schemas.microsoft.com/office/drawing/2014/main" val="2188284860"/>
+                    <a16:rowId xmlns:a16="http://schemas.microsoft.com/office/drawing/2014/main" xmlns="" val="2188284860"/>
                   </a:ext>
                 </a:extLst>
               </a:tr>
@@ -31631,7 +31573,7 @@
                 </a:tc>
                 <a:extLst>
                   <a:ext uri="{0D108BD9-81ED-4DB2-BD59-A6C34878D82A}">
-                    <a16:rowId xmlns:a16="http://schemas.microsoft.com/office/drawing/2014/main" val="1306071958"/>
+                    <a16:rowId xmlns:a16="http://schemas.microsoft.com/office/drawing/2014/main" xmlns="" val="1306071958"/>
                   </a:ext>
                 </a:extLst>
               </a:tr>
@@ -35797,6 +35739,13 @@
       </p:transition>
     </mc:Fallback>
   </mc:AlternateContent>
+  <p:timing>
+    <p:tnLst>
+      <p:par>
+        <p:cTn id="1" dur="indefinite" restart="never" nodeType="tmRoot"/>
+      </p:par>
+    </p:tnLst>
+  </p:timing>
 </p:sld>
 </file>
 

--- a/OM.pptx
+++ b/OM.pptx
@@ -1115,279 +1115,6 @@
       <dsp:cNvGrpSpPr/>
     </dsp:nvGrpSpPr>
     <dsp:grpSpPr/>
-    <dsp:sp modelId="{4C00BA8B-6CE3-475B-906A-0CBDBD0CAA79}">
-      <dsp:nvSpPr>
-        <dsp:cNvPr id="0" name=""/>
-        <dsp:cNvSpPr/>
-      </dsp:nvSpPr>
-      <dsp:spPr>
-        <a:xfrm>
-          <a:off x="4911679" y="71234"/>
-          <a:ext cx="3507167" cy="2104300"/>
-        </a:xfrm>
-        <a:prstGeom prst="roundRect">
-          <a:avLst>
-            <a:gd name="adj" fmla="val 10000"/>
-          </a:avLst>
-        </a:prstGeom>
-        <a:solidFill>
-          <a:schemeClr val="accent1">
-            <a:hueOff val="0"/>
-            <a:satOff val="0"/>
-            <a:lumOff val="0"/>
-            <a:alphaOff val="0"/>
-          </a:schemeClr>
-        </a:solidFill>
-        <a:ln w="15875" cap="rnd" cmpd="sng" algn="ctr">
-          <a:solidFill>
-            <a:schemeClr val="lt1">
-              <a:hueOff val="0"/>
-              <a:satOff val="0"/>
-              <a:lumOff val="0"/>
-              <a:alphaOff val="0"/>
-            </a:schemeClr>
-          </a:solidFill>
-          <a:prstDash val="solid"/>
-        </a:ln>
-        <a:effectLst/>
-      </dsp:spPr>
-      <dsp:style>
-        <a:lnRef idx="2">
-          <a:scrgbClr r="0" g="0" b="0"/>
-        </a:lnRef>
-        <a:fillRef idx="1">
-          <a:scrgbClr r="0" g="0" b="0"/>
-        </a:fillRef>
-        <a:effectRef idx="0">
-          <a:scrgbClr r="0" g="0" b="0"/>
-        </a:effectRef>
-        <a:fontRef idx="minor">
-          <a:schemeClr val="lt1"/>
-        </a:fontRef>
-      </dsp:style>
-      <dsp:txBody>
-        <a:bodyPr spcFirstLastPara="0" vert="horz" wrap="square" lIns="87630" tIns="87630" rIns="87630" bIns="87630" numCol="1" spcCol="1270" anchor="ctr" anchorCtr="0">
-          <a:noAutofit/>
-        </a:bodyPr>
-        <a:lstStyle/>
-        <a:p>
-          <a:pPr lvl="0" algn="ctr" defTabSz="1022350" rtl="1">
-            <a:lnSpc>
-              <a:spcPct val="90000"/>
-            </a:lnSpc>
-            <a:spcBef>
-              <a:spcPct val="0"/>
-            </a:spcBef>
-            <a:spcAft>
-              <a:spcPct val="35000"/>
-            </a:spcAft>
-          </a:pPr>
-          <a:r>
-            <a:rPr lang="fa-IR" sz="2300" kern="1200" dirty="0" smtClean="0">
-              <a:cs typeface="B Nazanin" panose="00000400000000000000" pitchFamily="2" charset="-78"/>
-            </a:rPr>
-            <a:t>1-موضوع( به عنوان ورودی)</a:t>
-          </a:r>
-        </a:p>
-        <a:p>
-          <a:pPr lvl="0" algn="ctr" defTabSz="1022350" rtl="1">
-            <a:lnSpc>
-              <a:spcPct val="90000"/>
-            </a:lnSpc>
-            <a:spcBef>
-              <a:spcPct val="0"/>
-            </a:spcBef>
-            <a:spcAft>
-              <a:spcPct val="35000"/>
-            </a:spcAft>
-          </a:pPr>
-          <a:r>
-            <a:rPr lang="fa-IR" sz="2300" kern="1200" dirty="0" smtClean="0">
-              <a:cs typeface="B Nazanin" panose="00000400000000000000" pitchFamily="2" charset="-78"/>
-            </a:rPr>
-            <a:t>2-مجموعه ای از متن ها راجع به موضوع</a:t>
-          </a:r>
-          <a:endParaRPr lang="fa-IR" sz="2300" kern="1200" dirty="0">
-            <a:cs typeface="B Nazanin" panose="00000400000000000000" pitchFamily="2" charset="-78"/>
-          </a:endParaRPr>
-        </a:p>
-      </dsp:txBody>
-      <dsp:txXfrm>
-        <a:off x="4973312" y="132867"/>
-        <a:ext cx="3383901" cy="1981034"/>
-      </dsp:txXfrm>
-    </dsp:sp>
-    <dsp:sp modelId="{24A79BC2-CC42-453B-92FC-E92A76E9A170}">
-      <dsp:nvSpPr>
-        <dsp:cNvPr id="0" name=""/>
-        <dsp:cNvSpPr/>
-      </dsp:nvSpPr>
-      <dsp:spPr>
-        <a:xfrm rot="10800000">
-          <a:off x="3817443" y="688495"/>
-          <a:ext cx="743519" cy="869777"/>
-        </a:xfrm>
-        <a:prstGeom prst="rightArrow">
-          <a:avLst>
-            <a:gd name="adj1" fmla="val 60000"/>
-            <a:gd name="adj2" fmla="val 50000"/>
-          </a:avLst>
-        </a:prstGeom>
-        <a:solidFill>
-          <a:schemeClr val="accent1">
-            <a:tint val="60000"/>
-            <a:hueOff val="0"/>
-            <a:satOff val="0"/>
-            <a:lumOff val="0"/>
-            <a:alphaOff val="0"/>
-          </a:schemeClr>
-        </a:solidFill>
-        <a:ln>
-          <a:noFill/>
-        </a:ln>
-        <a:effectLst/>
-      </dsp:spPr>
-      <dsp:style>
-        <a:lnRef idx="0">
-          <a:scrgbClr r="0" g="0" b="0"/>
-        </a:lnRef>
-        <a:fillRef idx="1">
-          <a:scrgbClr r="0" g="0" b="0"/>
-        </a:fillRef>
-        <a:effectRef idx="0">
-          <a:scrgbClr r="0" g="0" b="0"/>
-        </a:effectRef>
-        <a:fontRef idx="minor">
-          <a:schemeClr val="lt1"/>
-        </a:fontRef>
-      </dsp:style>
-      <dsp:txBody>
-        <a:bodyPr spcFirstLastPara="0" vert="horz" wrap="square" lIns="0" tIns="0" rIns="0" bIns="0" numCol="1" spcCol="1270" anchor="ctr" anchorCtr="0">
-          <a:noAutofit/>
-        </a:bodyPr>
-        <a:lstStyle/>
-        <a:p>
-          <a:pPr lvl="0" algn="ctr" defTabSz="844550">
-            <a:lnSpc>
-              <a:spcPct val="90000"/>
-            </a:lnSpc>
-            <a:spcBef>
-              <a:spcPct val="0"/>
-            </a:spcBef>
-            <a:spcAft>
-              <a:spcPct val="35000"/>
-            </a:spcAft>
-          </a:pPr>
-          <a:endParaRPr lang="en-US" sz="1900" kern="1200"/>
-        </a:p>
-      </dsp:txBody>
-      <dsp:txXfrm rot="10800000">
-        <a:off x="4040499" y="862450"/>
-        <a:ext cx="520463" cy="521867"/>
-      </dsp:txXfrm>
-    </dsp:sp>
-    <dsp:sp modelId="{E73C8C16-9E29-46F9-A091-A68C3266EBF5}">
-      <dsp:nvSpPr>
-        <dsp:cNvPr id="0" name=""/>
-        <dsp:cNvSpPr/>
-      </dsp:nvSpPr>
-      <dsp:spPr>
-        <a:xfrm>
-          <a:off x="1644" y="71234"/>
-          <a:ext cx="3507167" cy="2104300"/>
-        </a:xfrm>
-        <a:prstGeom prst="roundRect">
-          <a:avLst>
-            <a:gd name="adj" fmla="val 10000"/>
-          </a:avLst>
-        </a:prstGeom>
-        <a:solidFill>
-          <a:schemeClr val="accent1">
-            <a:hueOff val="0"/>
-            <a:satOff val="0"/>
-            <a:lumOff val="0"/>
-            <a:alphaOff val="0"/>
-          </a:schemeClr>
-        </a:solidFill>
-        <a:ln w="15875" cap="rnd" cmpd="sng" algn="ctr">
-          <a:solidFill>
-            <a:schemeClr val="lt1">
-              <a:hueOff val="0"/>
-              <a:satOff val="0"/>
-              <a:lumOff val="0"/>
-              <a:alphaOff val="0"/>
-            </a:schemeClr>
-          </a:solidFill>
-          <a:prstDash val="solid"/>
-        </a:ln>
-        <a:effectLst/>
-      </dsp:spPr>
-      <dsp:style>
-        <a:lnRef idx="2">
-          <a:scrgbClr r="0" g="0" b="0"/>
-        </a:lnRef>
-        <a:fillRef idx="1">
-          <a:scrgbClr r="0" g="0" b="0"/>
-        </a:fillRef>
-        <a:effectRef idx="0">
-          <a:scrgbClr r="0" g="0" b="0"/>
-        </a:effectRef>
-        <a:fontRef idx="minor">
-          <a:schemeClr val="lt1"/>
-        </a:fontRef>
-      </dsp:style>
-      <dsp:txBody>
-        <a:bodyPr spcFirstLastPara="0" vert="horz" wrap="square" lIns="87630" tIns="87630" rIns="87630" bIns="87630" numCol="1" spcCol="1270" anchor="ctr" anchorCtr="0">
-          <a:noAutofit/>
-        </a:bodyPr>
-        <a:lstStyle/>
-        <a:p>
-          <a:pPr lvl="0" algn="ctr" defTabSz="1022350" rtl="1">
-            <a:lnSpc>
-              <a:spcPct val="90000"/>
-            </a:lnSpc>
-            <a:spcBef>
-              <a:spcPct val="0"/>
-            </a:spcBef>
-            <a:spcAft>
-              <a:spcPct val="35000"/>
-            </a:spcAft>
-          </a:pPr>
-          <a:r>
-            <a:rPr lang="fa-IR" sz="2300" kern="1200" dirty="0" smtClean="0">
-              <a:cs typeface="B Nazanin" panose="00000400000000000000" pitchFamily="2" charset="-78"/>
-            </a:rPr>
-            <a:t>1-احساسات اظهار شده در مورد موضوع در هر متن</a:t>
-          </a:r>
-        </a:p>
-        <a:p>
-          <a:pPr lvl="0" algn="ctr" defTabSz="1022350" rtl="1">
-            <a:lnSpc>
-              <a:spcPct val="90000"/>
-            </a:lnSpc>
-            <a:spcBef>
-              <a:spcPct val="0"/>
-            </a:spcBef>
-            <a:spcAft>
-              <a:spcPct val="35000"/>
-            </a:spcAft>
-          </a:pPr>
-          <a:r>
-            <a:rPr lang="fa-IR" sz="2300" kern="1200" dirty="0" smtClean="0">
-              <a:cs typeface="B Nazanin" panose="00000400000000000000" pitchFamily="2" charset="-78"/>
-            </a:rPr>
-            <a:t>2- تشخیص افرادی که هر احساس را بیان کرده اند</a:t>
-          </a:r>
-          <a:endParaRPr lang="en-US" sz="2300" kern="1200" dirty="0">
-            <a:cs typeface="B Nazanin" panose="00000400000000000000" pitchFamily="2" charset="-78"/>
-          </a:endParaRPr>
-        </a:p>
-      </dsp:txBody>
-      <dsp:txXfrm>
-        <a:off x="63277" y="132867"/>
-        <a:ext cx="3383901" cy="1981034"/>
-      </dsp:txXfrm>
-    </dsp:sp>
   </dsp:spTree>
 </dsp:drawing>
 </file>
@@ -12118,23 +11845,8 @@
                 </a:solidFill>
                 <a:cs typeface="Times New Roman" panose="02020603050405020304" pitchFamily="18" charset="0"/>
               </a:rPr>
-              <a:t>Polarity </a:t>
-            </a:r>
-            <a:r>
-              <a:rPr lang="en-US" sz="2800" dirty="0" smtClean="0">
-                <a:solidFill>
-                  <a:schemeClr val="tx1"/>
-                </a:solidFill>
-                <a:cs typeface="Times New Roman" panose="02020603050405020304" pitchFamily="18" charset="0"/>
-              </a:rPr>
-              <a:t>determination </a:t>
-            </a:r>
-            <a:endParaRPr lang="en-US" sz="2800" dirty="0" smtClean="0">
-              <a:solidFill>
-                <a:schemeClr val="tx1"/>
-              </a:solidFill>
-              <a:cs typeface="Times New Roman" panose="02020603050405020304" pitchFamily="18" charset="0"/>
-            </a:endParaRPr>
+              <a:t>Polarity determination </a:t>
+            </a:r>
           </a:p>
           <a:p>
             <a:pPr lvl="1"/>
@@ -15568,14 +15280,14 @@
                 <a:gridCol w="785136">
                   <a:extLst>
                     <a:ext uri="{9D8B030D-6E8A-4147-A177-3AD203B41FA5}">
-                      <a16:colId xmlns:a16="http://schemas.microsoft.com/office/drawing/2014/main" xmlns="" val="167062360"/>
+                      <a16:colId xmlns="" xmlns:a16="http://schemas.microsoft.com/office/drawing/2014/main" val="167062360"/>
                     </a:ext>
                   </a:extLst>
                 </a:gridCol>
                 <a:gridCol w="787156">
                   <a:extLst>
                     <a:ext uri="{9D8B030D-6E8A-4147-A177-3AD203B41FA5}">
-                      <a16:colId xmlns:a16="http://schemas.microsoft.com/office/drawing/2014/main" xmlns="" val="3347785289"/>
+                      <a16:colId xmlns="" xmlns:a16="http://schemas.microsoft.com/office/drawing/2014/main" val="3347785289"/>
                     </a:ext>
                   </a:extLst>
                 </a:gridCol>
@@ -15635,7 +15347,7 @@
                 </a:tc>
                 <a:extLst>
                   <a:ext uri="{0D108BD9-81ED-4DB2-BD59-A6C34878D82A}">
-                    <a16:rowId xmlns:a16="http://schemas.microsoft.com/office/drawing/2014/main" xmlns="" val="60234057"/>
+                    <a16:rowId xmlns="" xmlns:a16="http://schemas.microsoft.com/office/drawing/2014/main" val="60234057"/>
                   </a:ext>
                 </a:extLst>
               </a:tr>
@@ -15694,7 +15406,7 @@
                 </a:tc>
                 <a:extLst>
                   <a:ext uri="{0D108BD9-81ED-4DB2-BD59-A6C34878D82A}">
-                    <a16:rowId xmlns:a16="http://schemas.microsoft.com/office/drawing/2014/main" xmlns="" val="3786790151"/>
+                    <a16:rowId xmlns="" xmlns:a16="http://schemas.microsoft.com/office/drawing/2014/main" val="3786790151"/>
                   </a:ext>
                 </a:extLst>
               </a:tr>
@@ -15753,7 +15465,7 @@
                 </a:tc>
                 <a:extLst>
                   <a:ext uri="{0D108BD9-81ED-4DB2-BD59-A6C34878D82A}">
-                    <a16:rowId xmlns:a16="http://schemas.microsoft.com/office/drawing/2014/main" xmlns="" val="1480304723"/>
+                    <a16:rowId xmlns="" xmlns:a16="http://schemas.microsoft.com/office/drawing/2014/main" val="1480304723"/>
                   </a:ext>
                 </a:extLst>
               </a:tr>
@@ -15812,7 +15524,7 @@
                 </a:tc>
                 <a:extLst>
                   <a:ext uri="{0D108BD9-81ED-4DB2-BD59-A6C34878D82A}">
-                    <a16:rowId xmlns:a16="http://schemas.microsoft.com/office/drawing/2014/main" xmlns="" val="2448284065"/>
+                    <a16:rowId xmlns="" xmlns:a16="http://schemas.microsoft.com/office/drawing/2014/main" val="2448284065"/>
                   </a:ext>
                 </a:extLst>
               </a:tr>
@@ -15865,7 +15577,7 @@
                 </a:tc>
                 <a:extLst>
                   <a:ext uri="{0D108BD9-81ED-4DB2-BD59-A6C34878D82A}">
-                    <a16:rowId xmlns:a16="http://schemas.microsoft.com/office/drawing/2014/main" xmlns="" val="1054495008"/>
+                    <a16:rowId xmlns="" xmlns:a16="http://schemas.microsoft.com/office/drawing/2014/main" val="1054495008"/>
                   </a:ext>
                 </a:extLst>
               </a:tr>
@@ -15918,7 +15630,7 @@
                 </a:tc>
                 <a:extLst>
                   <a:ext uri="{0D108BD9-81ED-4DB2-BD59-A6C34878D82A}">
-                    <a16:rowId xmlns:a16="http://schemas.microsoft.com/office/drawing/2014/main" xmlns="" val="3501460536"/>
+                    <a16:rowId xmlns="" xmlns:a16="http://schemas.microsoft.com/office/drawing/2014/main" val="3501460536"/>
                   </a:ext>
                 </a:extLst>
               </a:tr>
@@ -16295,14 +16007,14 @@
                 <a:gridCol w="903923">
                   <a:extLst>
                     <a:ext uri="{9D8B030D-6E8A-4147-A177-3AD203B41FA5}">
-                      <a16:colId xmlns:a16="http://schemas.microsoft.com/office/drawing/2014/main" xmlns="" val="1974480408"/>
+                      <a16:colId xmlns="" xmlns:a16="http://schemas.microsoft.com/office/drawing/2014/main" val="1974480408"/>
                     </a:ext>
                   </a:extLst>
                 </a:gridCol>
                 <a:gridCol w="838780">
                   <a:extLst>
                     <a:ext uri="{9D8B030D-6E8A-4147-A177-3AD203B41FA5}">
-                      <a16:colId xmlns:a16="http://schemas.microsoft.com/office/drawing/2014/main" xmlns="" val="272231565"/>
+                      <a16:colId xmlns="" xmlns:a16="http://schemas.microsoft.com/office/drawing/2014/main" val="272231565"/>
                     </a:ext>
                   </a:extLst>
                 </a:gridCol>
@@ -16362,7 +16074,7 @@
                 </a:tc>
                 <a:extLst>
                   <a:ext uri="{0D108BD9-81ED-4DB2-BD59-A6C34878D82A}">
-                    <a16:rowId xmlns:a16="http://schemas.microsoft.com/office/drawing/2014/main" xmlns="" val="1638280142"/>
+                    <a16:rowId xmlns="" xmlns:a16="http://schemas.microsoft.com/office/drawing/2014/main" val="1638280142"/>
                   </a:ext>
                 </a:extLst>
               </a:tr>
@@ -16421,7 +16133,7 @@
                 </a:tc>
                 <a:extLst>
                   <a:ext uri="{0D108BD9-81ED-4DB2-BD59-A6C34878D82A}">
-                    <a16:rowId xmlns:a16="http://schemas.microsoft.com/office/drawing/2014/main" xmlns="" val="3282361734"/>
+                    <a16:rowId xmlns="" xmlns:a16="http://schemas.microsoft.com/office/drawing/2014/main" val="3282361734"/>
                   </a:ext>
                 </a:extLst>
               </a:tr>
@@ -16480,7 +16192,7 @@
                 </a:tc>
                 <a:extLst>
                   <a:ext uri="{0D108BD9-81ED-4DB2-BD59-A6C34878D82A}">
-                    <a16:rowId xmlns:a16="http://schemas.microsoft.com/office/drawing/2014/main" xmlns="" val="254341647"/>
+                    <a16:rowId xmlns="" xmlns:a16="http://schemas.microsoft.com/office/drawing/2014/main" val="254341647"/>
                   </a:ext>
                 </a:extLst>
               </a:tr>
@@ -16542,7 +16254,7 @@
                 </a:tc>
                 <a:extLst>
                   <a:ext uri="{0D108BD9-81ED-4DB2-BD59-A6C34878D82A}">
-                    <a16:rowId xmlns:a16="http://schemas.microsoft.com/office/drawing/2014/main" xmlns="" val="1633391201"/>
+                    <a16:rowId xmlns="" xmlns:a16="http://schemas.microsoft.com/office/drawing/2014/main" val="1633391201"/>
                   </a:ext>
                 </a:extLst>
               </a:tr>
@@ -16601,7 +16313,7 @@
                 </a:tc>
                 <a:extLst>
                   <a:ext uri="{0D108BD9-81ED-4DB2-BD59-A6C34878D82A}">
-                    <a16:rowId xmlns:a16="http://schemas.microsoft.com/office/drawing/2014/main" xmlns="" val="2492610991"/>
+                    <a16:rowId xmlns="" xmlns:a16="http://schemas.microsoft.com/office/drawing/2014/main" val="2492610991"/>
                   </a:ext>
                 </a:extLst>
               </a:tr>
@@ -16660,7 +16372,7 @@
                 </a:tc>
                 <a:extLst>
                   <a:ext uri="{0D108BD9-81ED-4DB2-BD59-A6C34878D82A}">
-                    <a16:rowId xmlns:a16="http://schemas.microsoft.com/office/drawing/2014/main" xmlns="" val="2215108436"/>
+                    <a16:rowId xmlns="" xmlns:a16="http://schemas.microsoft.com/office/drawing/2014/main" val="2215108436"/>
                   </a:ext>
                 </a:extLst>
               </a:tr>
@@ -25647,133 +25359,133 @@
                 <a:gridCol w="926064">
                   <a:extLst>
                     <a:ext uri="{9D8B030D-6E8A-4147-A177-3AD203B41FA5}">
-                      <a16:colId xmlns:a16="http://schemas.microsoft.com/office/drawing/2014/main" xmlns="" val="1019926350"/>
+                      <a16:colId xmlns="" xmlns:a16="http://schemas.microsoft.com/office/drawing/2014/main" val="1019926350"/>
                     </a:ext>
                   </a:extLst>
                 </a:gridCol>
                 <a:gridCol w="623942">
                   <a:extLst>
                     <a:ext uri="{9D8B030D-6E8A-4147-A177-3AD203B41FA5}">
-                      <a16:colId xmlns:a16="http://schemas.microsoft.com/office/drawing/2014/main" xmlns="" val="1366633884"/>
+                      <a16:colId xmlns="" xmlns:a16="http://schemas.microsoft.com/office/drawing/2014/main" val="1366633884"/>
                     </a:ext>
                   </a:extLst>
                 </a:gridCol>
                 <a:gridCol w="464127">
                   <a:extLst>
                     <a:ext uri="{9D8B030D-6E8A-4147-A177-3AD203B41FA5}">
-                      <a16:colId xmlns:a16="http://schemas.microsoft.com/office/drawing/2014/main" xmlns="" val="1203188509"/>
+                      <a16:colId xmlns="" xmlns:a16="http://schemas.microsoft.com/office/drawing/2014/main" val="1203188509"/>
                     </a:ext>
                   </a:extLst>
                 </a:gridCol>
                 <a:gridCol w="363421">
                   <a:extLst>
                     <a:ext uri="{9D8B030D-6E8A-4147-A177-3AD203B41FA5}">
-                      <a16:colId xmlns:a16="http://schemas.microsoft.com/office/drawing/2014/main" xmlns="" val="3955462489"/>
+                      <a16:colId xmlns="" xmlns:a16="http://schemas.microsoft.com/office/drawing/2014/main" val="3955462489"/>
                     </a:ext>
                   </a:extLst>
                 </a:gridCol>
                 <a:gridCol w="569212">
                   <a:extLst>
                     <a:ext uri="{9D8B030D-6E8A-4147-A177-3AD203B41FA5}">
-                      <a16:colId xmlns:a16="http://schemas.microsoft.com/office/drawing/2014/main" xmlns="" val="2040685962"/>
+                      <a16:colId xmlns="" xmlns:a16="http://schemas.microsoft.com/office/drawing/2014/main" val="2040685962"/>
                     </a:ext>
                   </a:extLst>
                 </a:gridCol>
                 <a:gridCol w="623942">
                   <a:extLst>
                     <a:ext uri="{9D8B030D-6E8A-4147-A177-3AD203B41FA5}">
-                      <a16:colId xmlns:a16="http://schemas.microsoft.com/office/drawing/2014/main" xmlns="" val="3029554536"/>
+                      <a16:colId xmlns="" xmlns:a16="http://schemas.microsoft.com/office/drawing/2014/main" val="3029554536"/>
                     </a:ext>
                   </a:extLst>
                 </a:gridCol>
                 <a:gridCol w="1082599">
                   <a:extLst>
                     <a:ext uri="{9D8B030D-6E8A-4147-A177-3AD203B41FA5}">
-                      <a16:colId xmlns:a16="http://schemas.microsoft.com/office/drawing/2014/main" xmlns="" val="1624095574"/>
+                      <a16:colId xmlns="" xmlns:a16="http://schemas.microsoft.com/office/drawing/2014/main" val="1624095574"/>
                     </a:ext>
                   </a:extLst>
                 </a:gridCol>
                 <a:gridCol w="776098">
                   <a:extLst>
                     <a:ext uri="{9D8B030D-6E8A-4147-A177-3AD203B41FA5}">
-                      <a16:colId xmlns:a16="http://schemas.microsoft.com/office/drawing/2014/main" xmlns="" val="1963546674"/>
+                      <a16:colId xmlns="" xmlns:a16="http://schemas.microsoft.com/office/drawing/2014/main" val="1963546674"/>
                     </a:ext>
                   </a:extLst>
                 </a:gridCol>
                 <a:gridCol w="929347">
                   <a:extLst>
                     <a:ext uri="{9D8B030D-6E8A-4147-A177-3AD203B41FA5}">
-                      <a16:colId xmlns:a16="http://schemas.microsoft.com/office/drawing/2014/main" xmlns="" val="2846790725"/>
+                      <a16:colId xmlns="" xmlns:a16="http://schemas.microsoft.com/office/drawing/2014/main" val="2846790725"/>
                     </a:ext>
                   </a:extLst>
                 </a:gridCol>
                 <a:gridCol w="465221">
                   <a:extLst>
                     <a:ext uri="{9D8B030D-6E8A-4147-A177-3AD203B41FA5}">
-                      <a16:colId xmlns:a16="http://schemas.microsoft.com/office/drawing/2014/main" xmlns="" val="1745787932"/>
+                      <a16:colId xmlns="" xmlns:a16="http://schemas.microsoft.com/office/drawing/2014/main" val="1745787932"/>
                     </a:ext>
                   </a:extLst>
                 </a:gridCol>
                 <a:gridCol w="786503">
                   <a:extLst>
                     <a:ext uri="{9D8B030D-6E8A-4147-A177-3AD203B41FA5}">
-                      <a16:colId xmlns:a16="http://schemas.microsoft.com/office/drawing/2014/main" xmlns="" val="2608921950"/>
+                      <a16:colId xmlns="" xmlns:a16="http://schemas.microsoft.com/office/drawing/2014/main" val="2608921950"/>
                     </a:ext>
                   </a:extLst>
                 </a:gridCol>
                 <a:gridCol w="301486">
                   <a:extLst>
                     <a:ext uri="{9D8B030D-6E8A-4147-A177-3AD203B41FA5}">
-                      <a16:colId xmlns:a16="http://schemas.microsoft.com/office/drawing/2014/main" xmlns="" val="932157743"/>
+                      <a16:colId xmlns="" xmlns:a16="http://schemas.microsoft.com/office/drawing/2014/main" val="932157743"/>
                     </a:ext>
                   </a:extLst>
                 </a:gridCol>
                 <a:gridCol w="630405">
                   <a:extLst>
                     <a:ext uri="{9D8B030D-6E8A-4147-A177-3AD203B41FA5}">
-                      <a16:colId xmlns:a16="http://schemas.microsoft.com/office/drawing/2014/main" xmlns="" val="1087033832"/>
+                      <a16:colId xmlns="" xmlns:a16="http://schemas.microsoft.com/office/drawing/2014/main" val="1087033832"/>
                     </a:ext>
                   </a:extLst>
                 </a:gridCol>
                 <a:gridCol w="360758">
                   <a:extLst>
                     <a:ext uri="{9D8B030D-6E8A-4147-A177-3AD203B41FA5}">
-                      <a16:colId xmlns:a16="http://schemas.microsoft.com/office/drawing/2014/main" xmlns="" val="1394780793"/>
+                      <a16:colId xmlns="" xmlns:a16="http://schemas.microsoft.com/office/drawing/2014/main" val="1394780793"/>
                     </a:ext>
                   </a:extLst>
                 </a:gridCol>
                 <a:gridCol w="788416">
                   <a:extLst>
                     <a:ext uri="{9D8B030D-6E8A-4147-A177-3AD203B41FA5}">
-                      <a16:colId xmlns:a16="http://schemas.microsoft.com/office/drawing/2014/main" xmlns="" val="3177576158"/>
+                      <a16:colId xmlns="" xmlns:a16="http://schemas.microsoft.com/office/drawing/2014/main" val="3177576158"/>
                     </a:ext>
                   </a:extLst>
                 </a:gridCol>
                 <a:gridCol w="693807">
                   <a:extLst>
                     <a:ext uri="{9D8B030D-6E8A-4147-A177-3AD203B41FA5}">
-                      <a16:colId xmlns:a16="http://schemas.microsoft.com/office/drawing/2014/main" xmlns="" val="2097883519"/>
+                      <a16:colId xmlns="" xmlns:a16="http://schemas.microsoft.com/office/drawing/2014/main" val="2097883519"/>
                     </a:ext>
                   </a:extLst>
                 </a:gridCol>
                 <a:gridCol w="819953">
                   <a:extLst>
                     <a:ext uri="{9D8B030D-6E8A-4147-A177-3AD203B41FA5}">
-                      <a16:colId xmlns:a16="http://schemas.microsoft.com/office/drawing/2014/main" xmlns="" val="2132594911"/>
+                      <a16:colId xmlns="" xmlns:a16="http://schemas.microsoft.com/office/drawing/2014/main" val="2132594911"/>
                     </a:ext>
                   </a:extLst>
                 </a:gridCol>
                 <a:gridCol w="536123">
                   <a:extLst>
                     <a:ext uri="{9D8B030D-6E8A-4147-A177-3AD203B41FA5}">
-                      <a16:colId xmlns:a16="http://schemas.microsoft.com/office/drawing/2014/main" xmlns="" val="3087822251"/>
+                      <a16:colId xmlns="" xmlns:a16="http://schemas.microsoft.com/office/drawing/2014/main" val="3087822251"/>
                     </a:ext>
                   </a:extLst>
                 </a:gridCol>
                 <a:gridCol w="961866">
                   <a:extLst>
                     <a:ext uri="{9D8B030D-6E8A-4147-A177-3AD203B41FA5}">
-                      <a16:colId xmlns:a16="http://schemas.microsoft.com/office/drawing/2014/main" xmlns="" val="1280327180"/>
+                      <a16:colId xmlns="" xmlns:a16="http://schemas.microsoft.com/office/drawing/2014/main" val="1280327180"/>
                     </a:ext>
                   </a:extLst>
                 </a:gridCol>
@@ -26345,7 +26057,7 @@
                 </a:tc>
                 <a:extLst>
                   <a:ext uri="{0D108BD9-81ED-4DB2-BD59-A6C34878D82A}">
-                    <a16:rowId xmlns:a16="http://schemas.microsoft.com/office/drawing/2014/main" xmlns="" val="3596903039"/>
+                    <a16:rowId xmlns="" xmlns:a16="http://schemas.microsoft.com/office/drawing/2014/main" val="3596903039"/>
                   </a:ext>
                 </a:extLst>
               </a:tr>
@@ -26871,7 +26583,7 @@
                 </a:tc>
                 <a:extLst>
                   <a:ext uri="{0D108BD9-81ED-4DB2-BD59-A6C34878D82A}">
-                    <a16:rowId xmlns:a16="http://schemas.microsoft.com/office/drawing/2014/main" xmlns="" val="3615953348"/>
+                    <a16:rowId xmlns="" xmlns:a16="http://schemas.microsoft.com/office/drawing/2014/main" val="3615953348"/>
                   </a:ext>
                 </a:extLst>
               </a:tr>
@@ -27397,7 +27109,7 @@
                 </a:tc>
                 <a:extLst>
                   <a:ext uri="{0D108BD9-81ED-4DB2-BD59-A6C34878D82A}">
-                    <a16:rowId xmlns:a16="http://schemas.microsoft.com/office/drawing/2014/main" xmlns="" val="1826018797"/>
+                    <a16:rowId xmlns="" xmlns:a16="http://schemas.microsoft.com/office/drawing/2014/main" val="1826018797"/>
                   </a:ext>
                 </a:extLst>
               </a:tr>
@@ -27881,70 +27593,70 @@
                 <a:gridCol w="1156723">
                   <a:extLst>
                     <a:ext uri="{9D8B030D-6E8A-4147-A177-3AD203B41FA5}">
-                      <a16:colId xmlns:a16="http://schemas.microsoft.com/office/drawing/2014/main" xmlns="" val="3209943541"/>
+                      <a16:colId xmlns="" xmlns:a16="http://schemas.microsoft.com/office/drawing/2014/main" val="3209943541"/>
                     </a:ext>
                   </a:extLst>
                 </a:gridCol>
                 <a:gridCol w="1260841">
                   <a:extLst>
                     <a:ext uri="{9D8B030D-6E8A-4147-A177-3AD203B41FA5}">
-                      <a16:colId xmlns:a16="http://schemas.microsoft.com/office/drawing/2014/main" xmlns="" val="2100578376"/>
+                      <a16:colId xmlns="" xmlns:a16="http://schemas.microsoft.com/office/drawing/2014/main" val="2100578376"/>
                     </a:ext>
                   </a:extLst>
                 </a:gridCol>
                 <a:gridCol w="530580">
                   <a:extLst>
                     <a:ext uri="{9D8B030D-6E8A-4147-A177-3AD203B41FA5}">
-                      <a16:colId xmlns:a16="http://schemas.microsoft.com/office/drawing/2014/main" xmlns="" val="75355962"/>
+                      <a16:colId xmlns="" xmlns:a16="http://schemas.microsoft.com/office/drawing/2014/main" val="75355962"/>
                     </a:ext>
                   </a:extLst>
                 </a:gridCol>
                 <a:gridCol w="740246">
                   <a:extLst>
                     <a:ext uri="{9D8B030D-6E8A-4147-A177-3AD203B41FA5}">
-                      <a16:colId xmlns:a16="http://schemas.microsoft.com/office/drawing/2014/main" xmlns="" val="703225415"/>
+                      <a16:colId xmlns="" xmlns:a16="http://schemas.microsoft.com/office/drawing/2014/main" val="703225415"/>
                     </a:ext>
                   </a:extLst>
                 </a:gridCol>
                 <a:gridCol w="917105">
                   <a:extLst>
                     <a:ext uri="{9D8B030D-6E8A-4147-A177-3AD203B41FA5}">
-                      <a16:colId xmlns:a16="http://schemas.microsoft.com/office/drawing/2014/main" xmlns="" val="4266181011"/>
+                      <a16:colId xmlns="" xmlns:a16="http://schemas.microsoft.com/office/drawing/2014/main" val="4266181011"/>
                     </a:ext>
                   </a:extLst>
                 </a:gridCol>
                 <a:gridCol w="718850">
                   <a:extLst>
                     <a:ext uri="{9D8B030D-6E8A-4147-A177-3AD203B41FA5}">
-                      <a16:colId xmlns:a16="http://schemas.microsoft.com/office/drawing/2014/main" xmlns="" val="2833811841"/>
+                      <a16:colId xmlns="" xmlns:a16="http://schemas.microsoft.com/office/drawing/2014/main" val="2833811841"/>
                     </a:ext>
                   </a:extLst>
                 </a:gridCol>
                 <a:gridCol w="1162427">
                   <a:extLst>
                     <a:ext uri="{9D8B030D-6E8A-4147-A177-3AD203B41FA5}">
-                      <a16:colId xmlns:a16="http://schemas.microsoft.com/office/drawing/2014/main" xmlns="" val="1260269007"/>
+                      <a16:colId xmlns="" xmlns:a16="http://schemas.microsoft.com/office/drawing/2014/main" val="1260269007"/>
                     </a:ext>
                   </a:extLst>
                 </a:gridCol>
                 <a:gridCol w="775902">
                   <a:extLst>
                     <a:ext uri="{9D8B030D-6E8A-4147-A177-3AD203B41FA5}">
-                      <a16:colId xmlns:a16="http://schemas.microsoft.com/office/drawing/2014/main" xmlns="" val="1292009890"/>
+                      <a16:colId xmlns="" xmlns:a16="http://schemas.microsoft.com/office/drawing/2014/main" val="1292009890"/>
                     </a:ext>
                   </a:extLst>
                 </a:gridCol>
                 <a:gridCol w="904269">
                   <a:extLst>
                     <a:ext uri="{9D8B030D-6E8A-4147-A177-3AD203B41FA5}">
-                      <a16:colId xmlns:a16="http://schemas.microsoft.com/office/drawing/2014/main" xmlns="" val="3567343325"/>
+                      <a16:colId xmlns="" xmlns:a16="http://schemas.microsoft.com/office/drawing/2014/main" val="3567343325"/>
                     </a:ext>
                   </a:extLst>
                 </a:gridCol>
                 <a:gridCol w="1082554">
                   <a:extLst>
                     <a:ext uri="{9D8B030D-6E8A-4147-A177-3AD203B41FA5}">
-                      <a16:colId xmlns:a16="http://schemas.microsoft.com/office/drawing/2014/main" xmlns="" val="2508265451"/>
+                      <a16:colId xmlns="" xmlns:a16="http://schemas.microsoft.com/office/drawing/2014/main" val="2508265451"/>
                     </a:ext>
                   </a:extLst>
                 </a:gridCol>
@@ -28222,7 +27934,7 @@
                 </a:tc>
                 <a:extLst>
                   <a:ext uri="{0D108BD9-81ED-4DB2-BD59-A6C34878D82A}">
-                    <a16:rowId xmlns:a16="http://schemas.microsoft.com/office/drawing/2014/main" xmlns="" val="2658127765"/>
+                    <a16:rowId xmlns="" xmlns:a16="http://schemas.microsoft.com/office/drawing/2014/main" val="2658127765"/>
                   </a:ext>
                 </a:extLst>
               </a:tr>
@@ -28499,7 +28211,7 @@
                 </a:tc>
                 <a:extLst>
                   <a:ext uri="{0D108BD9-81ED-4DB2-BD59-A6C34878D82A}">
-                    <a16:rowId xmlns:a16="http://schemas.microsoft.com/office/drawing/2014/main" xmlns="" val="2188284860"/>
+                    <a16:rowId xmlns="" xmlns:a16="http://schemas.microsoft.com/office/drawing/2014/main" val="2188284860"/>
                   </a:ext>
                 </a:extLst>
               </a:tr>
@@ -28776,7 +28488,7 @@
                 </a:tc>
                 <a:extLst>
                   <a:ext uri="{0D108BD9-81ED-4DB2-BD59-A6C34878D82A}">
-                    <a16:rowId xmlns:a16="http://schemas.microsoft.com/office/drawing/2014/main" xmlns="" val="1306071958"/>
+                    <a16:rowId xmlns="" xmlns:a16="http://schemas.microsoft.com/office/drawing/2014/main" val="1306071958"/>
                   </a:ext>
                 </a:extLst>
               </a:tr>
@@ -28843,133 +28555,133 @@
                 <a:gridCol w="926064">
                   <a:extLst>
                     <a:ext uri="{9D8B030D-6E8A-4147-A177-3AD203B41FA5}">
-                      <a16:colId xmlns:a16="http://schemas.microsoft.com/office/drawing/2014/main" xmlns="" val="1019926350"/>
+                      <a16:colId xmlns="" xmlns:a16="http://schemas.microsoft.com/office/drawing/2014/main" val="1019926350"/>
                     </a:ext>
                   </a:extLst>
                 </a:gridCol>
                 <a:gridCol w="623942">
                   <a:extLst>
                     <a:ext uri="{9D8B030D-6E8A-4147-A177-3AD203B41FA5}">
-                      <a16:colId xmlns:a16="http://schemas.microsoft.com/office/drawing/2014/main" xmlns="" val="1366633884"/>
+                      <a16:colId xmlns="" xmlns:a16="http://schemas.microsoft.com/office/drawing/2014/main" val="1366633884"/>
                     </a:ext>
                   </a:extLst>
                 </a:gridCol>
                 <a:gridCol w="464127">
                   <a:extLst>
                     <a:ext uri="{9D8B030D-6E8A-4147-A177-3AD203B41FA5}">
-                      <a16:colId xmlns:a16="http://schemas.microsoft.com/office/drawing/2014/main" xmlns="" val="1203188509"/>
+                      <a16:colId xmlns="" xmlns:a16="http://schemas.microsoft.com/office/drawing/2014/main" val="1203188509"/>
                     </a:ext>
                   </a:extLst>
                 </a:gridCol>
                 <a:gridCol w="363421">
                   <a:extLst>
                     <a:ext uri="{9D8B030D-6E8A-4147-A177-3AD203B41FA5}">
-                      <a16:colId xmlns:a16="http://schemas.microsoft.com/office/drawing/2014/main" xmlns="" val="3955462489"/>
+                      <a16:colId xmlns="" xmlns:a16="http://schemas.microsoft.com/office/drawing/2014/main" val="3955462489"/>
                     </a:ext>
                   </a:extLst>
                 </a:gridCol>
                 <a:gridCol w="569212">
                   <a:extLst>
                     <a:ext uri="{9D8B030D-6E8A-4147-A177-3AD203B41FA5}">
-                      <a16:colId xmlns:a16="http://schemas.microsoft.com/office/drawing/2014/main" xmlns="" val="2040685962"/>
+                      <a16:colId xmlns="" xmlns:a16="http://schemas.microsoft.com/office/drawing/2014/main" val="2040685962"/>
                     </a:ext>
                   </a:extLst>
                 </a:gridCol>
                 <a:gridCol w="623942">
                   <a:extLst>
                     <a:ext uri="{9D8B030D-6E8A-4147-A177-3AD203B41FA5}">
-                      <a16:colId xmlns:a16="http://schemas.microsoft.com/office/drawing/2014/main" xmlns="" val="3029554536"/>
+                      <a16:colId xmlns="" xmlns:a16="http://schemas.microsoft.com/office/drawing/2014/main" val="3029554536"/>
                     </a:ext>
                   </a:extLst>
                 </a:gridCol>
                 <a:gridCol w="1082599">
                   <a:extLst>
                     <a:ext uri="{9D8B030D-6E8A-4147-A177-3AD203B41FA5}">
-                      <a16:colId xmlns:a16="http://schemas.microsoft.com/office/drawing/2014/main" xmlns="" val="1624095574"/>
+                      <a16:colId xmlns="" xmlns:a16="http://schemas.microsoft.com/office/drawing/2014/main" val="1624095574"/>
                     </a:ext>
                   </a:extLst>
                 </a:gridCol>
                 <a:gridCol w="776098">
                   <a:extLst>
                     <a:ext uri="{9D8B030D-6E8A-4147-A177-3AD203B41FA5}">
-                      <a16:colId xmlns:a16="http://schemas.microsoft.com/office/drawing/2014/main" xmlns="" val="1963546674"/>
+                      <a16:colId xmlns="" xmlns:a16="http://schemas.microsoft.com/office/drawing/2014/main" val="1963546674"/>
                     </a:ext>
                   </a:extLst>
                 </a:gridCol>
                 <a:gridCol w="929347">
                   <a:extLst>
                     <a:ext uri="{9D8B030D-6E8A-4147-A177-3AD203B41FA5}">
-                      <a16:colId xmlns:a16="http://schemas.microsoft.com/office/drawing/2014/main" xmlns="" val="2846790725"/>
+                      <a16:colId xmlns="" xmlns:a16="http://schemas.microsoft.com/office/drawing/2014/main" val="2846790725"/>
                     </a:ext>
                   </a:extLst>
                 </a:gridCol>
                 <a:gridCol w="465221">
                   <a:extLst>
                     <a:ext uri="{9D8B030D-6E8A-4147-A177-3AD203B41FA5}">
-                      <a16:colId xmlns:a16="http://schemas.microsoft.com/office/drawing/2014/main" xmlns="" val="1745787932"/>
+                      <a16:colId xmlns="" xmlns:a16="http://schemas.microsoft.com/office/drawing/2014/main" val="1745787932"/>
                     </a:ext>
                   </a:extLst>
                 </a:gridCol>
                 <a:gridCol w="786503">
                   <a:extLst>
                     <a:ext uri="{9D8B030D-6E8A-4147-A177-3AD203B41FA5}">
-                      <a16:colId xmlns:a16="http://schemas.microsoft.com/office/drawing/2014/main" xmlns="" val="2608921950"/>
+                      <a16:colId xmlns="" xmlns:a16="http://schemas.microsoft.com/office/drawing/2014/main" val="2608921950"/>
                     </a:ext>
                   </a:extLst>
                 </a:gridCol>
                 <a:gridCol w="301486">
                   <a:extLst>
                     <a:ext uri="{9D8B030D-6E8A-4147-A177-3AD203B41FA5}">
-                      <a16:colId xmlns:a16="http://schemas.microsoft.com/office/drawing/2014/main" xmlns="" val="932157743"/>
+                      <a16:colId xmlns="" xmlns:a16="http://schemas.microsoft.com/office/drawing/2014/main" val="932157743"/>
                     </a:ext>
                   </a:extLst>
                 </a:gridCol>
                 <a:gridCol w="630405">
                   <a:extLst>
                     <a:ext uri="{9D8B030D-6E8A-4147-A177-3AD203B41FA5}">
-                      <a16:colId xmlns:a16="http://schemas.microsoft.com/office/drawing/2014/main" xmlns="" val="1087033832"/>
+                      <a16:colId xmlns="" xmlns:a16="http://schemas.microsoft.com/office/drawing/2014/main" val="1087033832"/>
                     </a:ext>
                   </a:extLst>
                 </a:gridCol>
                 <a:gridCol w="360758">
                   <a:extLst>
                     <a:ext uri="{9D8B030D-6E8A-4147-A177-3AD203B41FA5}">
-                      <a16:colId xmlns:a16="http://schemas.microsoft.com/office/drawing/2014/main" xmlns="" val="1394780793"/>
+                      <a16:colId xmlns="" xmlns:a16="http://schemas.microsoft.com/office/drawing/2014/main" val="1394780793"/>
                     </a:ext>
                   </a:extLst>
                 </a:gridCol>
                 <a:gridCol w="788416">
                   <a:extLst>
                     <a:ext uri="{9D8B030D-6E8A-4147-A177-3AD203B41FA5}">
-                      <a16:colId xmlns:a16="http://schemas.microsoft.com/office/drawing/2014/main" xmlns="" val="3177576158"/>
+                      <a16:colId xmlns="" xmlns:a16="http://schemas.microsoft.com/office/drawing/2014/main" val="3177576158"/>
                     </a:ext>
                   </a:extLst>
                 </a:gridCol>
                 <a:gridCol w="693807">
                   <a:extLst>
                     <a:ext uri="{9D8B030D-6E8A-4147-A177-3AD203B41FA5}">
-                      <a16:colId xmlns:a16="http://schemas.microsoft.com/office/drawing/2014/main" xmlns="" val="2097883519"/>
+                      <a16:colId xmlns="" xmlns:a16="http://schemas.microsoft.com/office/drawing/2014/main" val="2097883519"/>
                     </a:ext>
                   </a:extLst>
                 </a:gridCol>
                 <a:gridCol w="819953">
                   <a:extLst>
                     <a:ext uri="{9D8B030D-6E8A-4147-A177-3AD203B41FA5}">
-                      <a16:colId xmlns:a16="http://schemas.microsoft.com/office/drawing/2014/main" xmlns="" val="2132594911"/>
+                      <a16:colId xmlns="" xmlns:a16="http://schemas.microsoft.com/office/drawing/2014/main" val="2132594911"/>
                     </a:ext>
                   </a:extLst>
                 </a:gridCol>
                 <a:gridCol w="536123">
                   <a:extLst>
                     <a:ext uri="{9D8B030D-6E8A-4147-A177-3AD203B41FA5}">
-                      <a16:colId xmlns:a16="http://schemas.microsoft.com/office/drawing/2014/main" xmlns="" val="3087822251"/>
+                      <a16:colId xmlns="" xmlns:a16="http://schemas.microsoft.com/office/drawing/2014/main" val="3087822251"/>
                     </a:ext>
                   </a:extLst>
                 </a:gridCol>
                 <a:gridCol w="961866">
                   <a:extLst>
                     <a:ext uri="{9D8B030D-6E8A-4147-A177-3AD203B41FA5}">
-                      <a16:colId xmlns:a16="http://schemas.microsoft.com/office/drawing/2014/main" xmlns="" val="1280327180"/>
+                      <a16:colId xmlns="" xmlns:a16="http://schemas.microsoft.com/office/drawing/2014/main" val="1280327180"/>
                     </a:ext>
                   </a:extLst>
                 </a:gridCol>
@@ -29541,7 +29253,7 @@
                 </a:tc>
                 <a:extLst>
                   <a:ext uri="{0D108BD9-81ED-4DB2-BD59-A6C34878D82A}">
-                    <a16:rowId xmlns:a16="http://schemas.microsoft.com/office/drawing/2014/main" xmlns="" val="3596903039"/>
+                    <a16:rowId xmlns="" xmlns:a16="http://schemas.microsoft.com/office/drawing/2014/main" val="3596903039"/>
                   </a:ext>
                 </a:extLst>
               </a:tr>
@@ -30067,7 +29779,7 @@
                 </a:tc>
                 <a:extLst>
                   <a:ext uri="{0D108BD9-81ED-4DB2-BD59-A6C34878D82A}">
-                    <a16:rowId xmlns:a16="http://schemas.microsoft.com/office/drawing/2014/main" xmlns="" val="3615953348"/>
+                    <a16:rowId xmlns="" xmlns:a16="http://schemas.microsoft.com/office/drawing/2014/main" val="3615953348"/>
                   </a:ext>
                 </a:extLst>
               </a:tr>
@@ -30593,7 +30305,7 @@
                 </a:tc>
                 <a:extLst>
                   <a:ext uri="{0D108BD9-81ED-4DB2-BD59-A6C34878D82A}">
-                    <a16:rowId xmlns:a16="http://schemas.microsoft.com/office/drawing/2014/main" xmlns="" val="1826018797"/>
+                    <a16:rowId xmlns="" xmlns:a16="http://schemas.microsoft.com/office/drawing/2014/main" val="1826018797"/>
                   </a:ext>
                 </a:extLst>
               </a:tr>
@@ -30678,70 +30390,70 @@
                 <a:gridCol w="1156723">
                   <a:extLst>
                     <a:ext uri="{9D8B030D-6E8A-4147-A177-3AD203B41FA5}">
-                      <a16:colId xmlns:a16="http://schemas.microsoft.com/office/drawing/2014/main" xmlns="" val="3209943541"/>
+                      <a16:colId xmlns="" xmlns:a16="http://schemas.microsoft.com/office/drawing/2014/main" val="3209943541"/>
                     </a:ext>
                   </a:extLst>
                 </a:gridCol>
                 <a:gridCol w="1260841">
                   <a:extLst>
                     <a:ext uri="{9D8B030D-6E8A-4147-A177-3AD203B41FA5}">
-                      <a16:colId xmlns:a16="http://schemas.microsoft.com/office/drawing/2014/main" xmlns="" val="2100578376"/>
+                      <a16:colId xmlns="" xmlns:a16="http://schemas.microsoft.com/office/drawing/2014/main" val="2100578376"/>
                     </a:ext>
                   </a:extLst>
                 </a:gridCol>
                 <a:gridCol w="530580">
                   <a:extLst>
                     <a:ext uri="{9D8B030D-6E8A-4147-A177-3AD203B41FA5}">
-                      <a16:colId xmlns:a16="http://schemas.microsoft.com/office/drawing/2014/main" xmlns="" val="75355962"/>
+                      <a16:colId xmlns="" xmlns:a16="http://schemas.microsoft.com/office/drawing/2014/main" val="75355962"/>
                     </a:ext>
                   </a:extLst>
                 </a:gridCol>
                 <a:gridCol w="740246">
                   <a:extLst>
                     <a:ext uri="{9D8B030D-6E8A-4147-A177-3AD203B41FA5}">
-                      <a16:colId xmlns:a16="http://schemas.microsoft.com/office/drawing/2014/main" xmlns="" val="703225415"/>
+                      <a16:colId xmlns="" xmlns:a16="http://schemas.microsoft.com/office/drawing/2014/main" val="703225415"/>
                     </a:ext>
                   </a:extLst>
                 </a:gridCol>
                 <a:gridCol w="917105">
                   <a:extLst>
                     <a:ext uri="{9D8B030D-6E8A-4147-A177-3AD203B41FA5}">
-                      <a16:colId xmlns:a16="http://schemas.microsoft.com/office/drawing/2014/main" xmlns="" val="4266181011"/>
+                      <a16:colId xmlns="" xmlns:a16="http://schemas.microsoft.com/office/drawing/2014/main" val="4266181011"/>
                     </a:ext>
                   </a:extLst>
                 </a:gridCol>
                 <a:gridCol w="718850">
                   <a:extLst>
                     <a:ext uri="{9D8B030D-6E8A-4147-A177-3AD203B41FA5}">
-                      <a16:colId xmlns:a16="http://schemas.microsoft.com/office/drawing/2014/main" xmlns="" val="2833811841"/>
+                      <a16:colId xmlns="" xmlns:a16="http://schemas.microsoft.com/office/drawing/2014/main" val="2833811841"/>
                     </a:ext>
                   </a:extLst>
                 </a:gridCol>
                 <a:gridCol w="1162427">
                   <a:extLst>
                     <a:ext uri="{9D8B030D-6E8A-4147-A177-3AD203B41FA5}">
-                      <a16:colId xmlns:a16="http://schemas.microsoft.com/office/drawing/2014/main" xmlns="" val="1260269007"/>
+                      <a16:colId xmlns="" xmlns:a16="http://schemas.microsoft.com/office/drawing/2014/main" val="1260269007"/>
                     </a:ext>
                   </a:extLst>
                 </a:gridCol>
                 <a:gridCol w="775902">
                   <a:extLst>
                     <a:ext uri="{9D8B030D-6E8A-4147-A177-3AD203B41FA5}">
-                      <a16:colId xmlns:a16="http://schemas.microsoft.com/office/drawing/2014/main" xmlns="" val="1292009890"/>
+                      <a16:colId xmlns="" xmlns:a16="http://schemas.microsoft.com/office/drawing/2014/main" val="1292009890"/>
                     </a:ext>
                   </a:extLst>
                 </a:gridCol>
                 <a:gridCol w="904269">
                   <a:extLst>
                     <a:ext uri="{9D8B030D-6E8A-4147-A177-3AD203B41FA5}">
-                      <a16:colId xmlns:a16="http://schemas.microsoft.com/office/drawing/2014/main" xmlns="" val="3567343325"/>
+                      <a16:colId xmlns="" xmlns:a16="http://schemas.microsoft.com/office/drawing/2014/main" val="3567343325"/>
                     </a:ext>
                   </a:extLst>
                 </a:gridCol>
                 <a:gridCol w="1082554">
                   <a:extLst>
                     <a:ext uri="{9D8B030D-6E8A-4147-A177-3AD203B41FA5}">
-                      <a16:colId xmlns:a16="http://schemas.microsoft.com/office/drawing/2014/main" xmlns="" val="2508265451"/>
+                      <a16:colId xmlns="" xmlns:a16="http://schemas.microsoft.com/office/drawing/2014/main" val="2508265451"/>
                     </a:ext>
                   </a:extLst>
                 </a:gridCol>
@@ -31019,7 +30731,7 @@
                 </a:tc>
                 <a:extLst>
                   <a:ext uri="{0D108BD9-81ED-4DB2-BD59-A6C34878D82A}">
-                    <a16:rowId xmlns:a16="http://schemas.microsoft.com/office/drawing/2014/main" xmlns="" val="2658127765"/>
+                    <a16:rowId xmlns="" xmlns:a16="http://schemas.microsoft.com/office/drawing/2014/main" val="2658127765"/>
                   </a:ext>
                 </a:extLst>
               </a:tr>
@@ -31296,7 +31008,7 @@
                 </a:tc>
                 <a:extLst>
                   <a:ext uri="{0D108BD9-81ED-4DB2-BD59-A6C34878D82A}">
-                    <a16:rowId xmlns:a16="http://schemas.microsoft.com/office/drawing/2014/main" xmlns="" val="2188284860"/>
+                    <a16:rowId xmlns="" xmlns:a16="http://schemas.microsoft.com/office/drawing/2014/main" val="2188284860"/>
                   </a:ext>
                 </a:extLst>
               </a:tr>
@@ -31573,7 +31285,7 @@
                 </a:tc>
                 <a:extLst>
                   <a:ext uri="{0D108BD9-81ED-4DB2-BD59-A6C34878D82A}">
-                    <a16:rowId xmlns:a16="http://schemas.microsoft.com/office/drawing/2014/main" xmlns="" val="1306071958"/>
+                    <a16:rowId xmlns="" xmlns:a16="http://schemas.microsoft.com/office/drawing/2014/main" val="1306071958"/>
                   </a:ext>
                 </a:extLst>
               </a:tr>
@@ -34178,8 +33890,8 @@
         </p:nvSpPr>
         <p:spPr>
           <a:xfrm>
-            <a:off x="2589212" y="1152907"/>
-            <a:ext cx="8915400" cy="4758315"/>
+            <a:off x="1958591" y="1152907"/>
+            <a:ext cx="9881311" cy="5547438"/>
           </a:xfrm>
         </p:spPr>
         <p:txBody>
@@ -34188,26 +33900,278 @@
           </a:bodyPr>
           <a:lstStyle/>
           <a:p>
-            <a:r>
-              <a:rPr lang="en-US" sz="2000" dirty="0" err="1">
+            <a:pPr algn="r" rtl="1"/>
+            <a:r>
+              <a:rPr lang="fa-IR" sz="2400" dirty="0">
                 <a:solidFill>
                   <a:schemeClr val="tx1"/>
                 </a:solidFill>
                 <a:cs typeface="Times New Roman" panose="02020603050405020304" pitchFamily="18" charset="0"/>
               </a:rPr>
+              <a:t>[1] 	</a:t>
+            </a:r>
+            <a:r>
+              <a:rPr lang="fa-IR" sz="2400" dirty="0">
+                <a:solidFill>
+                  <a:schemeClr val="tx1"/>
+                </a:solidFill>
+                <a:cs typeface="B Nazanin" panose="00000400000000000000" pitchFamily="2" charset="-78"/>
+              </a:rPr>
+              <a:t>م. کیوانپور, ف. حسن زاده </a:t>
+            </a:r>
+            <a:r>
+              <a:rPr lang="en-US" sz="2400" dirty="0" smtClean="0">
+                <a:solidFill>
+                  <a:schemeClr val="tx1"/>
+                </a:solidFill>
+                <a:cs typeface="B Nazanin" panose="00000400000000000000" pitchFamily="2" charset="-78"/>
+              </a:rPr>
+              <a:t>,</a:t>
+            </a:r>
+            <a:r>
+              <a:rPr lang="fa-IR" sz="2400" dirty="0" smtClean="0">
+                <a:solidFill>
+                  <a:schemeClr val="tx1"/>
+                </a:solidFill>
+                <a:cs typeface="B Nazanin" panose="00000400000000000000" pitchFamily="2" charset="-78"/>
+              </a:rPr>
+              <a:t>م</a:t>
+            </a:r>
+            <a:r>
+              <a:rPr lang="fa-IR" sz="2400" dirty="0">
+                <a:solidFill>
+                  <a:schemeClr val="tx1"/>
+                </a:solidFill>
+                <a:cs typeface="B Nazanin" panose="00000400000000000000" pitchFamily="2" charset="-78"/>
+              </a:rPr>
+              <a:t>. مرادی, مباحث پیشرفته در داده کاوی, نشر دانشگاهی کیان, 1397. </a:t>
+            </a:r>
+          </a:p>
+          <a:p>
+            <a:r>
+              <a:rPr lang="fa-IR" sz="2400" dirty="0">
+                <a:solidFill>
+                  <a:schemeClr val="tx1"/>
+                </a:solidFill>
+                <a:cs typeface="Times New Roman" panose="02020603050405020304" pitchFamily="18" charset="0"/>
+              </a:rPr>
+              <a:t>[2] 	</a:t>
+            </a:r>
+            <a:r>
+              <a:rPr lang="en-US" sz="2400" dirty="0">
+                <a:solidFill>
+                  <a:schemeClr val="tx1"/>
+                </a:solidFill>
+                <a:cs typeface="Times New Roman" panose="02020603050405020304" pitchFamily="18" charset="0"/>
+              </a:rPr>
+              <a:t>S. A. </a:t>
+            </a:r>
+            <a:r>
+              <a:rPr lang="en-US" sz="2400" dirty="0" err="1">
+                <a:solidFill>
+                  <a:schemeClr val="tx1"/>
+                </a:solidFill>
+                <a:cs typeface="Times New Roman" panose="02020603050405020304" pitchFamily="18" charset="0"/>
+              </a:rPr>
+              <a:t>Salloum</a:t>
+            </a:r>
+            <a:r>
+              <a:rPr lang="en-US" sz="2400" dirty="0">
+                <a:solidFill>
+                  <a:schemeClr val="tx1"/>
+                </a:solidFill>
+                <a:cs typeface="Times New Roman" panose="02020603050405020304" pitchFamily="18" charset="0"/>
+              </a:rPr>
+              <a:t>, A. Q. </a:t>
+            </a:r>
+            <a:r>
+              <a:rPr lang="en-US" sz="2400" dirty="0" err="1">
+                <a:solidFill>
+                  <a:schemeClr val="tx1"/>
+                </a:solidFill>
+                <a:cs typeface="Times New Roman" panose="02020603050405020304" pitchFamily="18" charset="0"/>
+              </a:rPr>
+              <a:t>AlHamad</a:t>
+            </a:r>
+            <a:r>
+              <a:rPr lang="en-US" sz="2400" dirty="0">
+                <a:solidFill>
+                  <a:schemeClr val="tx1"/>
+                </a:solidFill>
+                <a:cs typeface="Times New Roman" panose="02020603050405020304" pitchFamily="18" charset="0"/>
+              </a:rPr>
+              <a:t>, M. Al-</a:t>
+            </a:r>
+            <a:r>
+              <a:rPr lang="en-US" sz="2400" dirty="0" err="1">
+                <a:solidFill>
+                  <a:schemeClr val="tx1"/>
+                </a:solidFill>
+                <a:cs typeface="Times New Roman" panose="02020603050405020304" pitchFamily="18" charset="0"/>
+              </a:rPr>
+              <a:t>Emran</a:t>
+            </a:r>
+            <a:r>
+              <a:rPr lang="en-US" sz="2400" dirty="0">
+                <a:solidFill>
+                  <a:schemeClr val="tx1"/>
+                </a:solidFill>
+                <a:cs typeface="Times New Roman" panose="02020603050405020304" pitchFamily="18" charset="0"/>
+              </a:rPr>
+              <a:t> and K. </a:t>
+            </a:r>
+            <a:r>
+              <a:rPr lang="en-US" sz="2400" dirty="0" err="1">
+                <a:solidFill>
+                  <a:schemeClr val="tx1"/>
+                </a:solidFill>
+                <a:cs typeface="Times New Roman" panose="02020603050405020304" pitchFamily="18" charset="0"/>
+              </a:rPr>
+              <a:t>Shaalan</a:t>
+            </a:r>
+            <a:r>
+              <a:rPr lang="en-US" sz="2400" dirty="0">
+                <a:solidFill>
+                  <a:schemeClr val="tx1"/>
+                </a:solidFill>
+                <a:cs typeface="Times New Roman" panose="02020603050405020304" pitchFamily="18" charset="0"/>
+              </a:rPr>
+              <a:t>, "A Survey of Arabic Text Mining," in Intelligent Natural Language Processing: Trends and Applications, Springer, 2018, pp. 417-431.</a:t>
+            </a:r>
+          </a:p>
+          <a:p>
+            <a:r>
+              <a:rPr lang="en-US" sz="2400" dirty="0">
+                <a:solidFill>
+                  <a:schemeClr val="tx1"/>
+                </a:solidFill>
+                <a:cs typeface="Times New Roman" panose="02020603050405020304" pitchFamily="18" charset="0"/>
+              </a:rPr>
+              <a:t>[3] 	R. </a:t>
+            </a:r>
+            <a:r>
+              <a:rPr lang="en-US" sz="2400" dirty="0" err="1">
+                <a:solidFill>
+                  <a:schemeClr val="tx1"/>
+                </a:solidFill>
+                <a:cs typeface="Times New Roman" panose="02020603050405020304" pitchFamily="18" charset="0"/>
+              </a:rPr>
+              <a:t>Patibandla</a:t>
+            </a:r>
+            <a:r>
+              <a:rPr lang="en-US" sz="2400" dirty="0">
+                <a:solidFill>
+                  <a:schemeClr val="tx1"/>
+                </a:solidFill>
+                <a:cs typeface="Times New Roman" panose="02020603050405020304" pitchFamily="18" charset="0"/>
+              </a:rPr>
+              <a:t> and N. </a:t>
+            </a:r>
+            <a:r>
+              <a:rPr lang="en-US" sz="2400" dirty="0" err="1">
+                <a:solidFill>
+                  <a:schemeClr val="tx1"/>
+                </a:solidFill>
+                <a:cs typeface="Times New Roman" panose="02020603050405020304" pitchFamily="18" charset="0"/>
+              </a:rPr>
+              <a:t>Veeranjaneyulu</a:t>
+            </a:r>
+            <a:r>
+              <a:rPr lang="en-US" sz="2400" dirty="0">
+                <a:solidFill>
+                  <a:schemeClr val="tx1"/>
+                </a:solidFill>
+                <a:cs typeface="Times New Roman" panose="02020603050405020304" pitchFamily="18" charset="0"/>
+              </a:rPr>
+              <a:t> , "Survey on Clustering Algorithms for Unstructured Data," in Intelligent Engineering Informatics, Singapore, Springer, 2018. </a:t>
+            </a:r>
+          </a:p>
+          <a:p>
+            <a:r>
+              <a:rPr lang="en-US" sz="2400" dirty="0">
+                <a:solidFill>
+                  <a:schemeClr val="tx1"/>
+                </a:solidFill>
+                <a:cs typeface="Times New Roman" panose="02020603050405020304" pitchFamily="18" charset="0"/>
+              </a:rPr>
+              <a:t>[4] 	N. Chandra, S. K. Khatri and S. </a:t>
+            </a:r>
+            <a:r>
+              <a:rPr lang="en-US" sz="2400" dirty="0" err="1">
+                <a:solidFill>
+                  <a:schemeClr val="tx1"/>
+                </a:solidFill>
+                <a:cs typeface="Times New Roman" panose="02020603050405020304" pitchFamily="18" charset="0"/>
+              </a:rPr>
+              <a:t>Som</a:t>
+            </a:r>
+            <a:r>
+              <a:rPr lang="en-US" sz="2400" dirty="0">
+                <a:solidFill>
+                  <a:schemeClr val="tx1"/>
+                </a:solidFill>
+                <a:cs typeface="Times New Roman" panose="02020603050405020304" pitchFamily="18" charset="0"/>
+              </a:rPr>
+              <a:t>, "Natural Language Processing Approach to Identify Analogous Data in Offline Data Repository," in System </a:t>
+            </a:r>
+            <a:r>
+              <a:rPr lang="en-US" sz="2400" dirty="0" smtClean="0">
+                <a:solidFill>
+                  <a:schemeClr val="tx1"/>
+                </a:solidFill>
+                <a:cs typeface="Times New Roman" panose="02020603050405020304" pitchFamily="18" charset="0"/>
+              </a:rPr>
+              <a:t>Performance </a:t>
+            </a:r>
+            <a:r>
+              <a:rPr lang="en-US" sz="2400" dirty="0">
+                <a:solidFill>
+                  <a:schemeClr val="tx1"/>
+                </a:solidFill>
+                <a:cs typeface="Times New Roman" panose="02020603050405020304" pitchFamily="18" charset="0"/>
+              </a:rPr>
+              <a:t>and Management Analytics, Springer, 2018, pp. 65-76</a:t>
+            </a:r>
+            <a:r>
+              <a:rPr lang="en-US" sz="2400" dirty="0" smtClean="0">
+                <a:solidFill>
+                  <a:schemeClr val="tx1"/>
+                </a:solidFill>
+                <a:cs typeface="Times New Roman" panose="02020603050405020304" pitchFamily="18" charset="0"/>
+              </a:rPr>
+              <a:t>.</a:t>
+            </a:r>
+          </a:p>
+          <a:p>
+            <a:r>
+              <a:rPr lang="en-US" sz="2400" dirty="0">
+                <a:solidFill>
+                  <a:schemeClr val="tx1"/>
+                </a:solidFill>
+                <a:cs typeface="Times New Roman" panose="02020603050405020304" pitchFamily="18" charset="0"/>
+              </a:rPr>
+              <a:t>[5] 	"J.A. </a:t>
+            </a:r>
+            <a:r>
+              <a:rPr lang="en-US" sz="2400" dirty="0" err="1">
+                <a:solidFill>
+                  <a:schemeClr val="tx1"/>
+                </a:solidFill>
+                <a:cs typeface="Times New Roman" panose="02020603050405020304" pitchFamily="18" charset="0"/>
+              </a:rPr>
               <a:t>Balazs</a:t>
             </a:r>
             <a:r>
-              <a:rPr lang="en-US" sz="2000" dirty="0">
+              <a:rPr lang="en-US" sz="2400" dirty="0">
                 <a:solidFill>
                   <a:schemeClr val="tx1"/>
                 </a:solidFill>
                 <a:cs typeface="Times New Roman" panose="02020603050405020304" pitchFamily="18" charset="0"/>
               </a:rPr>
-              <a:t>, Jorge A. , Juan D. </a:t>
-            </a:r>
-            <a:r>
-              <a:rPr lang="en-US" sz="2000" dirty="0" err="1">
+              <a:t> , J.D. </a:t>
+            </a:r>
+            <a:r>
+              <a:rPr lang="en-US" sz="2400" dirty="0" err="1">
                 <a:solidFill>
                   <a:schemeClr val="tx1"/>
                 </a:solidFill>
@@ -34216,495 +34180,15 @@
               <a:t>Velásquez</a:t>
             </a:r>
             <a:r>
-              <a:rPr lang="en-US" sz="2000" dirty="0">
+              <a:rPr lang="en-US" sz="2400" dirty="0">
                 <a:solidFill>
                   <a:schemeClr val="tx1"/>
                 </a:solidFill>
                 <a:cs typeface="Times New Roman" panose="02020603050405020304" pitchFamily="18" charset="0"/>
               </a:rPr>
-              <a:t>. 2016. “Opinion Mining and Information Fusion: A survey.” </a:t>
-            </a:r>
-            <a:r>
-              <a:rPr lang="en-US" sz="2000" i="1" dirty="0">
-                <a:solidFill>
-                  <a:schemeClr val="tx1"/>
-                </a:solidFill>
-                <a:cs typeface="Times New Roman" panose="02020603050405020304" pitchFamily="18" charset="0"/>
-              </a:rPr>
-              <a:t>Information Fusion</a:t>
-            </a:r>
-            <a:r>
-              <a:rPr lang="en-US" sz="2000" dirty="0">
-                <a:solidFill>
-                  <a:schemeClr val="tx1"/>
-                </a:solidFill>
-                <a:cs typeface="Times New Roman" panose="02020603050405020304" pitchFamily="18" charset="0"/>
-              </a:rPr>
-              <a:t> 27:95–110.</a:t>
-            </a:r>
-          </a:p>
-          <a:p>
-            <a:r>
-              <a:rPr lang="en-US" sz="2000" dirty="0">
-                <a:solidFill>
-                  <a:schemeClr val="tx1"/>
-                </a:solidFill>
-                <a:cs typeface="Times New Roman" panose="02020603050405020304" pitchFamily="18" charset="0"/>
-              </a:rPr>
-              <a:t>Chandra, </a:t>
-            </a:r>
-            <a:r>
-              <a:rPr lang="en-US" sz="2000" dirty="0" err="1">
-                <a:solidFill>
-                  <a:schemeClr val="tx1"/>
-                </a:solidFill>
-                <a:cs typeface="Times New Roman" panose="02020603050405020304" pitchFamily="18" charset="0"/>
-              </a:rPr>
-              <a:t>Nidhi</a:t>
-            </a:r>
-            <a:r>
-              <a:rPr lang="en-US" sz="2000" dirty="0">
-                <a:solidFill>
-                  <a:schemeClr val="tx1"/>
-                </a:solidFill>
-                <a:cs typeface="Times New Roman" panose="02020603050405020304" pitchFamily="18" charset="0"/>
-              </a:rPr>
-              <a:t>, Sunil Kumar Khatri, </a:t>
-            </a:r>
-            <a:r>
-              <a:rPr lang="fa-IR" sz="2000" dirty="0">
-                <a:solidFill>
-                  <a:schemeClr val="tx1"/>
-                </a:solidFill>
-                <a:cs typeface="Times New Roman" panose="02020603050405020304" pitchFamily="18" charset="0"/>
-              </a:rPr>
-              <a:t>و</a:t>
-            </a:r>
-            <a:r>
-              <a:rPr lang="en-US" sz="2000" dirty="0">
-                <a:solidFill>
-                  <a:schemeClr val="tx1"/>
-                </a:solidFill>
-                <a:cs typeface="Times New Roman" panose="02020603050405020304" pitchFamily="18" charset="0"/>
-              </a:rPr>
-              <a:t> </a:t>
-            </a:r>
-            <a:r>
-              <a:rPr lang="en-US" sz="2000" dirty="0" err="1">
-                <a:solidFill>
-                  <a:schemeClr val="tx1"/>
-                </a:solidFill>
-                <a:cs typeface="Times New Roman" panose="02020603050405020304" pitchFamily="18" charset="0"/>
-              </a:rPr>
-              <a:t>Subhranil</a:t>
-            </a:r>
-            <a:r>
-              <a:rPr lang="en-US" sz="2000" dirty="0">
-                <a:solidFill>
-                  <a:schemeClr val="tx1"/>
-                </a:solidFill>
-                <a:cs typeface="Times New Roman" panose="02020603050405020304" pitchFamily="18" charset="0"/>
-              </a:rPr>
-              <a:t> Som. 2019. </a:t>
-            </a:r>
-            <a:r>
-              <a:rPr lang="en-US" sz="2000" i="1" dirty="0">
-                <a:solidFill>
-                  <a:schemeClr val="tx1"/>
-                </a:solidFill>
-                <a:cs typeface="Times New Roman" panose="02020603050405020304" pitchFamily="18" charset="0"/>
-              </a:rPr>
-              <a:t>Natural Language Processing Approach to Identify Analogous Data in Offline Data Repository</a:t>
-            </a:r>
-            <a:r>
-              <a:rPr lang="en-US" sz="2000" dirty="0">
-                <a:solidFill>
-                  <a:schemeClr val="tx1"/>
-                </a:solidFill>
-                <a:cs typeface="Times New Roman" panose="02020603050405020304" pitchFamily="18" charset="0"/>
-              </a:rPr>
-              <a:t>. Springer Singapore.</a:t>
-            </a:r>
-          </a:p>
-          <a:p>
-            <a:r>
-              <a:rPr lang="en-US" sz="2000" dirty="0" err="1">
-                <a:solidFill>
-                  <a:schemeClr val="tx1"/>
-                </a:solidFill>
-                <a:cs typeface="Times New Roman" panose="02020603050405020304" pitchFamily="18" charset="0"/>
-              </a:rPr>
-              <a:t>Chiranjeevi</a:t>
-            </a:r>
-            <a:r>
-              <a:rPr lang="en-US" sz="2000" dirty="0">
-                <a:solidFill>
-                  <a:schemeClr val="tx1"/>
-                </a:solidFill>
-                <a:cs typeface="Times New Roman" panose="02020603050405020304" pitchFamily="18" charset="0"/>
-              </a:rPr>
-              <a:t>, P., D. </a:t>
-            </a:r>
-            <a:r>
-              <a:rPr lang="en-US" sz="2000" dirty="0" err="1">
-                <a:solidFill>
-                  <a:schemeClr val="tx1"/>
-                </a:solidFill>
-                <a:cs typeface="Times New Roman" panose="02020603050405020304" pitchFamily="18" charset="0"/>
-              </a:rPr>
-              <a:t>Teja</a:t>
-            </a:r>
-            <a:r>
-              <a:rPr lang="en-US" sz="2000" dirty="0">
-                <a:solidFill>
-                  <a:schemeClr val="tx1"/>
-                </a:solidFill>
-                <a:cs typeface="Times New Roman" panose="02020603050405020304" pitchFamily="18" charset="0"/>
-              </a:rPr>
-              <a:t> Santosh, </a:t>
-            </a:r>
-            <a:r>
-              <a:rPr lang="fa-IR" sz="2000" dirty="0">
-                <a:solidFill>
-                  <a:schemeClr val="tx1"/>
-                </a:solidFill>
-                <a:cs typeface="Times New Roman" panose="02020603050405020304" pitchFamily="18" charset="0"/>
-              </a:rPr>
-              <a:t>و</a:t>
-            </a:r>
-            <a:r>
-              <a:rPr lang="en-US" sz="2000" dirty="0">
-                <a:solidFill>
-                  <a:schemeClr val="tx1"/>
-                </a:solidFill>
-                <a:cs typeface="Times New Roman" panose="02020603050405020304" pitchFamily="18" charset="0"/>
-              </a:rPr>
-              <a:t> B. </a:t>
-            </a:r>
-            <a:r>
-              <a:rPr lang="en-US" sz="2000" dirty="0" err="1">
-                <a:solidFill>
-                  <a:schemeClr val="tx1"/>
-                </a:solidFill>
-                <a:cs typeface="Times New Roman" panose="02020603050405020304" pitchFamily="18" charset="0"/>
-              </a:rPr>
-              <a:t>Vishnuvardhan</a:t>
-            </a:r>
-            <a:r>
-              <a:rPr lang="en-US" sz="2000" dirty="0">
-                <a:solidFill>
-                  <a:schemeClr val="tx1"/>
-                </a:solidFill>
-                <a:cs typeface="Times New Roman" panose="02020603050405020304" pitchFamily="18" charset="0"/>
-              </a:rPr>
-              <a:t>. 2019. </a:t>
-            </a:r>
-            <a:r>
-              <a:rPr lang="en-US" sz="2000" i="1" dirty="0">
-                <a:solidFill>
-                  <a:schemeClr val="tx1"/>
-                </a:solidFill>
-                <a:cs typeface="Times New Roman" panose="02020603050405020304" pitchFamily="18" charset="0"/>
-              </a:rPr>
-              <a:t>Survey on Sentiment Analysis Methods for Reputation Evaluation</a:t>
-            </a:r>
-            <a:r>
-              <a:rPr lang="en-US" sz="2000" dirty="0">
-                <a:solidFill>
-                  <a:schemeClr val="tx1"/>
-                </a:solidFill>
-                <a:cs typeface="Times New Roman" panose="02020603050405020304" pitchFamily="18" charset="0"/>
-              </a:rPr>
-              <a:t>. </a:t>
-            </a:r>
-            <a:r>
-              <a:rPr lang="fa-IR" sz="2000" dirty="0">
-                <a:solidFill>
-                  <a:schemeClr val="tx1"/>
-                </a:solidFill>
-                <a:cs typeface="Times New Roman" panose="02020603050405020304" pitchFamily="18" charset="0"/>
-              </a:rPr>
-              <a:t>ج 768</a:t>
-            </a:r>
-            <a:r>
-              <a:rPr lang="en-US" sz="2000" dirty="0">
-                <a:solidFill>
-                  <a:schemeClr val="tx1"/>
-                </a:solidFill>
-                <a:cs typeface="Times New Roman" panose="02020603050405020304" pitchFamily="18" charset="0"/>
-              </a:rPr>
-              <a:t>. Springer Singapore.</a:t>
-            </a:r>
-          </a:p>
-          <a:p>
-            <a:r>
-              <a:rPr lang="en-US" sz="2000" dirty="0" err="1">
-                <a:solidFill>
-                  <a:schemeClr val="tx1"/>
-                </a:solidFill>
-                <a:cs typeface="Times New Roman" panose="02020603050405020304" pitchFamily="18" charset="0"/>
-              </a:rPr>
-              <a:t>Patibandla</a:t>
-            </a:r>
-            <a:r>
-              <a:rPr lang="en-US" sz="2000" dirty="0">
-                <a:solidFill>
-                  <a:schemeClr val="tx1"/>
-                </a:solidFill>
-                <a:cs typeface="Times New Roman" panose="02020603050405020304" pitchFamily="18" charset="0"/>
-              </a:rPr>
-              <a:t>, R. S. M. Lakshmi </a:t>
-            </a:r>
-            <a:r>
-              <a:rPr lang="fa-IR" sz="2000" dirty="0">
-                <a:solidFill>
-                  <a:schemeClr val="tx1"/>
-                </a:solidFill>
-                <a:cs typeface="Times New Roman" panose="02020603050405020304" pitchFamily="18" charset="0"/>
-              </a:rPr>
-              <a:t>و</a:t>
-            </a:r>
-            <a:r>
-              <a:rPr lang="en-US" sz="2000" dirty="0">
-                <a:solidFill>
-                  <a:schemeClr val="tx1"/>
-                </a:solidFill>
-                <a:cs typeface="Times New Roman" panose="02020603050405020304" pitchFamily="18" charset="0"/>
-              </a:rPr>
-              <a:t> N. </a:t>
-            </a:r>
-            <a:r>
-              <a:rPr lang="en-US" sz="2000" dirty="0" err="1">
-                <a:solidFill>
-                  <a:schemeClr val="tx1"/>
-                </a:solidFill>
-                <a:cs typeface="Times New Roman" panose="02020603050405020304" pitchFamily="18" charset="0"/>
-              </a:rPr>
-              <a:t>Veeranjaneyulu</a:t>
-            </a:r>
-            <a:r>
-              <a:rPr lang="en-US" sz="2000" dirty="0">
-                <a:solidFill>
-                  <a:schemeClr val="tx1"/>
-                </a:solidFill>
-                <a:cs typeface="Times New Roman" panose="02020603050405020304" pitchFamily="18" charset="0"/>
-              </a:rPr>
-              <a:t>. 2018. “Survey on Clustering Algorithms for Unstructured Data.” </a:t>
-            </a:r>
-            <a:r>
-              <a:rPr lang="fa-IR" sz="2000" dirty="0">
-                <a:solidFill>
-                  <a:schemeClr val="tx1"/>
-                </a:solidFill>
-                <a:cs typeface="Times New Roman" panose="02020603050405020304" pitchFamily="18" charset="0"/>
-              </a:rPr>
-              <a:t>صص 421–29 در ج 695</a:t>
-            </a:r>
-            <a:r>
-              <a:rPr lang="en-US" sz="2000" dirty="0">
-                <a:solidFill>
-                  <a:schemeClr val="tx1"/>
-                </a:solidFill>
-                <a:cs typeface="Times New Roman" panose="02020603050405020304" pitchFamily="18" charset="0"/>
-              </a:rPr>
-              <a:t>. Springer Singapore.</a:t>
-            </a:r>
-          </a:p>
-          <a:p>
-            <a:r>
-              <a:rPr lang="en-US" sz="2000" dirty="0">
-                <a:solidFill>
-                  <a:schemeClr val="tx1"/>
-                </a:solidFill>
-                <a:cs typeface="Times New Roman" panose="02020603050405020304" pitchFamily="18" charset="0"/>
-              </a:rPr>
-              <a:t>Ravi, Kumar </a:t>
-            </a:r>
-            <a:r>
-              <a:rPr lang="fa-IR" sz="2000" dirty="0">
-                <a:solidFill>
-                  <a:schemeClr val="tx1"/>
-                </a:solidFill>
-                <a:cs typeface="Times New Roman" panose="02020603050405020304" pitchFamily="18" charset="0"/>
-              </a:rPr>
-              <a:t>و</a:t>
-            </a:r>
-            <a:r>
-              <a:rPr lang="en-US" sz="2000" dirty="0">
-                <a:solidFill>
-                  <a:schemeClr val="tx1"/>
-                </a:solidFill>
-                <a:cs typeface="Times New Roman" panose="02020603050405020304" pitchFamily="18" charset="0"/>
-              </a:rPr>
-              <a:t> </a:t>
-            </a:r>
-            <a:r>
-              <a:rPr lang="en-US" sz="2000" dirty="0" err="1">
-                <a:solidFill>
-                  <a:schemeClr val="tx1"/>
-                </a:solidFill>
-                <a:cs typeface="Times New Roman" panose="02020603050405020304" pitchFamily="18" charset="0"/>
-              </a:rPr>
-              <a:t>Vadlamani</a:t>
-            </a:r>
-            <a:r>
-              <a:rPr lang="en-US" sz="2000" dirty="0">
-                <a:solidFill>
-                  <a:schemeClr val="tx1"/>
-                </a:solidFill>
-                <a:cs typeface="Times New Roman" panose="02020603050405020304" pitchFamily="18" charset="0"/>
-              </a:rPr>
-              <a:t> Ravi. 2015. “A survey on opinion mining and sentiment analysis: Tasks, approaches and applications.” </a:t>
-            </a:r>
-            <a:r>
-              <a:rPr lang="en-US" sz="2000" i="1" dirty="0">
-                <a:solidFill>
-                  <a:schemeClr val="tx1"/>
-                </a:solidFill>
-                <a:cs typeface="Times New Roman" panose="02020603050405020304" pitchFamily="18" charset="0"/>
-              </a:rPr>
-              <a:t>Knowledge-Based Systems</a:t>
-            </a:r>
-            <a:r>
-              <a:rPr lang="en-US" sz="2000" dirty="0">
-                <a:solidFill>
-                  <a:schemeClr val="tx1"/>
-                </a:solidFill>
-                <a:cs typeface="Times New Roman" panose="02020603050405020304" pitchFamily="18" charset="0"/>
-              </a:rPr>
-              <a:t> 89:14–46.</a:t>
-            </a:r>
-          </a:p>
-          <a:p>
-            <a:r>
-              <a:rPr lang="en-US" sz="2000" dirty="0" err="1">
-                <a:solidFill>
-                  <a:schemeClr val="tx1"/>
-                </a:solidFill>
-                <a:cs typeface="Times New Roman" panose="02020603050405020304" pitchFamily="18" charset="0"/>
-              </a:rPr>
-              <a:t>Salloum</a:t>
-            </a:r>
-            <a:r>
-              <a:rPr lang="en-US" sz="2000" dirty="0">
-                <a:solidFill>
-                  <a:schemeClr val="tx1"/>
-                </a:solidFill>
-                <a:cs typeface="Times New Roman" panose="02020603050405020304" pitchFamily="18" charset="0"/>
-              </a:rPr>
-              <a:t>, Said A., Ahmad </a:t>
-            </a:r>
-            <a:r>
-              <a:rPr lang="en-US" sz="2000" dirty="0" err="1">
-                <a:solidFill>
-                  <a:schemeClr val="tx1"/>
-                </a:solidFill>
-                <a:cs typeface="Times New Roman" panose="02020603050405020304" pitchFamily="18" charset="0"/>
-              </a:rPr>
-              <a:t>Qasim</a:t>
-            </a:r>
-            <a:r>
-              <a:rPr lang="en-US" sz="2000" dirty="0">
-                <a:solidFill>
-                  <a:schemeClr val="tx1"/>
-                </a:solidFill>
-                <a:cs typeface="Times New Roman" panose="02020603050405020304" pitchFamily="18" charset="0"/>
-              </a:rPr>
-              <a:t> </a:t>
-            </a:r>
-            <a:r>
-              <a:rPr lang="en-US" sz="2000" dirty="0" err="1">
-                <a:solidFill>
-                  <a:schemeClr val="tx1"/>
-                </a:solidFill>
-                <a:cs typeface="Times New Roman" panose="02020603050405020304" pitchFamily="18" charset="0"/>
-              </a:rPr>
-              <a:t>AlHamad</a:t>
-            </a:r>
-            <a:r>
-              <a:rPr lang="en-US" sz="2000" dirty="0">
-                <a:solidFill>
-                  <a:schemeClr val="tx1"/>
-                </a:solidFill>
-                <a:cs typeface="Times New Roman" panose="02020603050405020304" pitchFamily="18" charset="0"/>
-              </a:rPr>
-              <a:t>, </a:t>
-            </a:r>
-            <a:r>
-              <a:rPr lang="en-US" sz="2000" dirty="0" err="1">
-                <a:solidFill>
-                  <a:schemeClr val="tx1"/>
-                </a:solidFill>
-                <a:cs typeface="Times New Roman" panose="02020603050405020304" pitchFamily="18" charset="0"/>
-              </a:rPr>
-              <a:t>Mostafa</a:t>
-            </a:r>
-            <a:r>
-              <a:rPr lang="en-US" sz="2000" dirty="0">
-                <a:solidFill>
-                  <a:schemeClr val="tx1"/>
-                </a:solidFill>
-                <a:cs typeface="Times New Roman" panose="02020603050405020304" pitchFamily="18" charset="0"/>
-              </a:rPr>
-              <a:t> Al-</a:t>
-            </a:r>
-            <a:r>
-              <a:rPr lang="en-US" sz="2000" dirty="0" err="1">
-                <a:solidFill>
-                  <a:schemeClr val="tx1"/>
-                </a:solidFill>
-                <a:cs typeface="Times New Roman" panose="02020603050405020304" pitchFamily="18" charset="0"/>
-              </a:rPr>
-              <a:t>Emran</a:t>
-            </a:r>
-            <a:r>
-              <a:rPr lang="en-US" sz="2000" dirty="0">
-                <a:solidFill>
-                  <a:schemeClr val="tx1"/>
-                </a:solidFill>
-                <a:cs typeface="Times New Roman" panose="02020603050405020304" pitchFamily="18" charset="0"/>
-              </a:rPr>
-              <a:t>, Khaled </a:t>
-            </a:r>
-            <a:r>
-              <a:rPr lang="en-US" sz="2000" dirty="0" err="1">
-                <a:solidFill>
-                  <a:schemeClr val="tx1"/>
-                </a:solidFill>
-                <a:cs typeface="Times New Roman" panose="02020603050405020304" pitchFamily="18" charset="0"/>
-              </a:rPr>
-              <a:t>Shaalan</a:t>
-            </a:r>
-            <a:r>
-              <a:rPr lang="en-US" sz="2000" dirty="0">
-                <a:solidFill>
-                  <a:schemeClr val="tx1"/>
-                </a:solidFill>
-                <a:cs typeface="Times New Roman" panose="02020603050405020304" pitchFamily="18" charset="0"/>
-              </a:rPr>
-              <a:t>. 2018. “A survey of Arabic text mining.” </a:t>
-            </a:r>
-            <a:r>
-              <a:rPr lang="en-US" sz="2000" i="1" dirty="0">
-                <a:solidFill>
-                  <a:schemeClr val="tx1"/>
-                </a:solidFill>
-                <a:cs typeface="Times New Roman" panose="02020603050405020304" pitchFamily="18" charset="0"/>
-              </a:rPr>
-              <a:t>Studies in Computational Intelligence</a:t>
-            </a:r>
-            <a:r>
-              <a:rPr lang="en-US" sz="2000" dirty="0">
-                <a:solidFill>
-                  <a:schemeClr val="tx1"/>
-                </a:solidFill>
-                <a:cs typeface="Times New Roman" panose="02020603050405020304" pitchFamily="18" charset="0"/>
-              </a:rPr>
-              <a:t> 740:417–31.</a:t>
-            </a:r>
-          </a:p>
-          <a:p>
-            <a:endParaRPr lang="en-US" sz="2000" dirty="0">
+              <a:t> , Opinion mining and information fusion: a survey, Inf. Fusion 27 (2016) 95–110 .". </a:t>
+            </a:r>
+            <a:endParaRPr lang="en-US" sz="2400" dirty="0">
               <a:solidFill>
                 <a:schemeClr val="tx1"/>
               </a:solidFill>
@@ -34847,7 +34331,7 @@
         <p:spPr>
           <a:xfrm>
             <a:off x="2589212" y="1322231"/>
-            <a:ext cx="8915400" cy="3777622"/>
+            <a:ext cx="8915400" cy="5188928"/>
           </a:xfrm>
         </p:spPr>
         <p:txBody>
@@ -34857,356 +34341,197 @@
           <a:lstStyle/>
           <a:p>
             <a:r>
-              <a:rPr lang="en-US" sz="2000" dirty="0" smtClean="0">
-                <a:solidFill>
-                  <a:schemeClr val="tx1"/>
-                </a:solidFill>
-                <a:cs typeface="Times New Roman" panose="02020603050405020304" pitchFamily="18" charset="0"/>
-              </a:rPr>
-              <a:t>Khaled </a:t>
-            </a:r>
-            <a:r>
-              <a:rPr lang="en-US" sz="2000" dirty="0" err="1">
-                <a:solidFill>
-                  <a:schemeClr val="tx1"/>
-                </a:solidFill>
-                <a:cs typeface="Times New Roman" panose="02020603050405020304" pitchFamily="18" charset="0"/>
-              </a:rPr>
-              <a:t>Shaalan</a:t>
-            </a:r>
-            <a:r>
-              <a:rPr lang="en-US" sz="2000" dirty="0">
-                <a:solidFill>
-                  <a:schemeClr val="tx1"/>
-                </a:solidFill>
-                <a:cs typeface="Times New Roman" panose="02020603050405020304" pitchFamily="18" charset="0"/>
-              </a:rPr>
-              <a:t>. 2018. “A survey of Arabic text mining.” </a:t>
-            </a:r>
-            <a:r>
-              <a:rPr lang="en-US" sz="2000" i="1" dirty="0">
-                <a:solidFill>
-                  <a:schemeClr val="tx1"/>
-                </a:solidFill>
-                <a:cs typeface="Times New Roman" panose="02020603050405020304" pitchFamily="18" charset="0"/>
-              </a:rPr>
-              <a:t>Studies in Computational Intelligence</a:t>
-            </a:r>
-            <a:r>
-              <a:rPr lang="en-US" sz="2000" dirty="0">
-                <a:solidFill>
-                  <a:schemeClr val="tx1"/>
-                </a:solidFill>
-                <a:cs typeface="Times New Roman" panose="02020603050405020304" pitchFamily="18" charset="0"/>
-              </a:rPr>
-              <a:t> 740:417–31.</a:t>
-            </a:r>
-          </a:p>
-          <a:p>
-            <a:r>
-              <a:rPr lang="en-US" sz="2000" dirty="0">
-                <a:solidFill>
-                  <a:schemeClr val="tx1"/>
-                </a:solidFill>
-                <a:cs typeface="Times New Roman" panose="02020603050405020304" pitchFamily="18" charset="0"/>
-              </a:rPr>
-              <a:t>Sun, </a:t>
-            </a:r>
-            <a:r>
-              <a:rPr lang="en-US" sz="2000" dirty="0" err="1">
-                <a:solidFill>
-                  <a:schemeClr val="tx1"/>
-                </a:solidFill>
-                <a:cs typeface="Times New Roman" panose="02020603050405020304" pitchFamily="18" charset="0"/>
-              </a:rPr>
-              <a:t>Shiliang</a:t>
-            </a:r>
-            <a:r>
-              <a:rPr lang="en-US" sz="2000" dirty="0">
-                <a:solidFill>
-                  <a:schemeClr val="tx1"/>
-                </a:solidFill>
-                <a:cs typeface="Times New Roman" panose="02020603050405020304" pitchFamily="18" charset="0"/>
-              </a:rPr>
-              <a:t>, Chen </a:t>
-            </a:r>
-            <a:r>
-              <a:rPr lang="en-US" sz="2000" dirty="0" err="1">
-                <a:solidFill>
-                  <a:schemeClr val="tx1"/>
-                </a:solidFill>
-                <a:cs typeface="Times New Roman" panose="02020603050405020304" pitchFamily="18" charset="0"/>
+              <a:rPr lang="en-US" sz="2400" dirty="0">
+                <a:solidFill>
+                  <a:schemeClr val="tx1"/>
+                </a:solidFill>
+              </a:rPr>
+              <a:t>[6] 	K. Ravi and V. Ravi, "A survey on opinion mining and sentiment analysis: Tasks, approaches and applications," Knowledge-Based Systems, vol. 89, pp. 14-46, 2015. </a:t>
+            </a:r>
+          </a:p>
+          <a:p>
+            <a:pPr algn="r" rtl="1"/>
+            <a:r>
+              <a:rPr lang="en-US" sz="2400" dirty="0">
+                <a:solidFill>
+                  <a:schemeClr val="tx1"/>
+                </a:solidFill>
+              </a:rPr>
+              <a:t>[7] 	</a:t>
+            </a:r>
+            <a:r>
+              <a:rPr lang="fa-IR" sz="2400" dirty="0">
+                <a:solidFill>
+                  <a:schemeClr val="tx1"/>
+                </a:solidFill>
+                <a:cs typeface="B Nazanin" panose="00000400000000000000" pitchFamily="2" charset="-78"/>
+              </a:rPr>
+              <a:t>م. کیوانپور </a:t>
+            </a:r>
+            <a:r>
+              <a:rPr lang="en-US" sz="2400" dirty="0" smtClean="0">
+                <a:solidFill>
+                  <a:schemeClr val="tx1"/>
+                </a:solidFill>
+                <a:cs typeface="B Nazanin" panose="00000400000000000000" pitchFamily="2" charset="-78"/>
+              </a:rPr>
+              <a:t>,</a:t>
+            </a:r>
+            <a:r>
+              <a:rPr lang="fa-IR" sz="2400" dirty="0" smtClean="0">
+                <a:solidFill>
+                  <a:schemeClr val="tx1"/>
+                </a:solidFill>
+                <a:cs typeface="B Nazanin" panose="00000400000000000000" pitchFamily="2" charset="-78"/>
+              </a:rPr>
+              <a:t>س</a:t>
+            </a:r>
+            <a:r>
+              <a:rPr lang="fa-IR" sz="2400" dirty="0">
+                <a:solidFill>
+                  <a:schemeClr val="tx1"/>
+                </a:solidFill>
+                <a:cs typeface="B Nazanin" panose="00000400000000000000" pitchFamily="2" charset="-78"/>
+              </a:rPr>
+              <a:t>. رحمانی, "دسته بندی و ارزیابی روش های ایده کاوی," </a:t>
+            </a:r>
+            <a:r>
+              <a:rPr lang="en-US" sz="2400" dirty="0">
+                <a:solidFill>
+                  <a:schemeClr val="tx1"/>
+                </a:solidFill>
+                <a:cs typeface="B Nazanin" panose="00000400000000000000" pitchFamily="2" charset="-78"/>
+              </a:rPr>
+              <a:t>in </a:t>
+            </a:r>
+            <a:r>
+              <a:rPr lang="fa-IR" sz="2400" dirty="0">
+                <a:solidFill>
+                  <a:schemeClr val="tx1"/>
+                </a:solidFill>
+                <a:cs typeface="B Nazanin" panose="00000400000000000000" pitchFamily="2" charset="-78"/>
+              </a:rPr>
+              <a:t>سومین همایش ملی مهندسی کامپیوتر و فناوری اطلاعات, همدان, 1389. </a:t>
+            </a:r>
+          </a:p>
+          <a:p>
+            <a:r>
+              <a:rPr lang="fa-IR" sz="2400" dirty="0">
+                <a:solidFill>
+                  <a:schemeClr val="tx1"/>
+                </a:solidFill>
+              </a:rPr>
+              <a:t>[8] 	</a:t>
+            </a:r>
+            <a:r>
+              <a:rPr lang="en-US" sz="2400" dirty="0">
+                <a:solidFill>
+                  <a:schemeClr val="tx1"/>
+                </a:solidFill>
+              </a:rPr>
+              <a:t>M. </a:t>
+            </a:r>
+            <a:r>
+              <a:rPr lang="en-US" sz="2400" dirty="0" err="1">
+                <a:solidFill>
+                  <a:schemeClr val="tx1"/>
+                </a:solidFill>
+              </a:rPr>
+              <a:t>Tubishat</a:t>
+            </a:r>
+            <a:r>
+              <a:rPr lang="en-US" sz="2400" dirty="0">
+                <a:solidFill>
+                  <a:schemeClr val="tx1"/>
+                </a:solidFill>
+              </a:rPr>
+              <a:t>, N. </a:t>
+            </a:r>
+            <a:r>
+              <a:rPr lang="en-US" sz="2400" dirty="0" err="1">
+                <a:solidFill>
+                  <a:schemeClr val="tx1"/>
+                </a:solidFill>
+              </a:rPr>
+              <a:t>Idris</a:t>
+            </a:r>
+            <a:r>
+              <a:rPr lang="en-US" sz="2400" dirty="0">
+                <a:solidFill>
+                  <a:schemeClr val="tx1"/>
+                </a:solidFill>
+              </a:rPr>
+              <a:t> and M. A. </a:t>
+            </a:r>
+            <a:r>
+              <a:rPr lang="en-US" sz="2400" dirty="0" err="1">
+                <a:solidFill>
+                  <a:schemeClr val="tx1"/>
+                </a:solidFill>
+              </a:rPr>
+              <a:t>Abushariah</a:t>
+            </a:r>
+            <a:r>
+              <a:rPr lang="en-US" sz="2400" dirty="0">
+                <a:solidFill>
+                  <a:schemeClr val="tx1"/>
+                </a:solidFill>
+              </a:rPr>
+              <a:t>, "Implicit aspect extraction in sentiment analysis: Review, taxonomy, </a:t>
+            </a:r>
+            <a:r>
+              <a:rPr lang="en-US" sz="2400" dirty="0" err="1">
+                <a:solidFill>
+                  <a:schemeClr val="tx1"/>
+                </a:solidFill>
+              </a:rPr>
+              <a:t>oppportunities</a:t>
+            </a:r>
+            <a:r>
+              <a:rPr lang="en-US" sz="2400" dirty="0">
+                <a:solidFill>
+                  <a:schemeClr val="tx1"/>
+                </a:solidFill>
+              </a:rPr>
+              <a:t>, and open challenges," Information Processing &amp; Management, vol. 54, no. 4, pp. 545-563, 2018. </a:t>
+            </a:r>
+          </a:p>
+          <a:p>
+            <a:r>
+              <a:rPr lang="en-US" sz="2400" dirty="0">
+                <a:solidFill>
+                  <a:schemeClr val="tx1"/>
+                </a:solidFill>
+              </a:rPr>
+              <a:t>[9] 	"Ontology-Supported Polarity Mining". </a:t>
+            </a:r>
+          </a:p>
+          <a:p>
+            <a:r>
+              <a:rPr lang="en-US" sz="2400" dirty="0">
+                <a:solidFill>
+                  <a:schemeClr val="tx1"/>
+                </a:solidFill>
+              </a:rPr>
+              <a:t>[10] 	S. Sun, C. </a:t>
+            </a:r>
+            <a:r>
+              <a:rPr lang="en-US" sz="2400" dirty="0" err="1">
+                <a:solidFill>
+                  <a:schemeClr val="tx1"/>
+                </a:solidFill>
               </a:rPr>
               <a:t>Luo</a:t>
             </a:r>
             <a:r>
-              <a:rPr lang="en-US" sz="2000" dirty="0">
-                <a:solidFill>
-                  <a:schemeClr val="tx1"/>
-                </a:solidFill>
-                <a:cs typeface="Times New Roman" panose="02020603050405020304" pitchFamily="18" charset="0"/>
-              </a:rPr>
-              <a:t>, </a:t>
-            </a:r>
-            <a:r>
-              <a:rPr lang="fa-IR" sz="2000" dirty="0">
-                <a:solidFill>
-                  <a:schemeClr val="tx1"/>
-                </a:solidFill>
-                <a:cs typeface="Times New Roman" panose="02020603050405020304" pitchFamily="18" charset="0"/>
-              </a:rPr>
-              <a:t>و</a:t>
-            </a:r>
-            <a:r>
-              <a:rPr lang="en-US" sz="2000" dirty="0">
-                <a:solidFill>
-                  <a:schemeClr val="tx1"/>
-                </a:solidFill>
-                <a:cs typeface="Times New Roman" panose="02020603050405020304" pitchFamily="18" charset="0"/>
-              </a:rPr>
-              <a:t> </a:t>
-            </a:r>
-            <a:r>
-              <a:rPr lang="en-US" sz="2000" dirty="0" err="1">
-                <a:solidFill>
-                  <a:schemeClr val="tx1"/>
-                </a:solidFill>
-                <a:cs typeface="Times New Roman" panose="02020603050405020304" pitchFamily="18" charset="0"/>
-              </a:rPr>
-              <a:t>Junyu</a:t>
-            </a:r>
-            <a:r>
-              <a:rPr lang="en-US" sz="2000" dirty="0">
-                <a:solidFill>
-                  <a:schemeClr val="tx1"/>
-                </a:solidFill>
-                <a:cs typeface="Times New Roman" panose="02020603050405020304" pitchFamily="18" charset="0"/>
-              </a:rPr>
-              <a:t> Chen. 2017. “A review of natural language processing techniques for opinion mining systems.” </a:t>
-            </a:r>
-            <a:r>
-              <a:rPr lang="en-US" sz="2000" i="1" dirty="0">
-                <a:solidFill>
-                  <a:schemeClr val="tx1"/>
-                </a:solidFill>
-                <a:cs typeface="Times New Roman" panose="02020603050405020304" pitchFamily="18" charset="0"/>
-              </a:rPr>
-              <a:t>Information Fusion</a:t>
-            </a:r>
-            <a:r>
-              <a:rPr lang="en-US" sz="2000" dirty="0">
-                <a:solidFill>
-                  <a:schemeClr val="tx1"/>
-                </a:solidFill>
-                <a:cs typeface="Times New Roman" panose="02020603050405020304" pitchFamily="18" charset="0"/>
-              </a:rPr>
-              <a:t> 36:10–25.</a:t>
-            </a:r>
-          </a:p>
-          <a:p>
-            <a:r>
-              <a:rPr lang="en-US" sz="2000" dirty="0" err="1">
-                <a:solidFill>
-                  <a:schemeClr val="tx1"/>
-                </a:solidFill>
-                <a:cs typeface="Times New Roman" panose="02020603050405020304" pitchFamily="18" charset="0"/>
-              </a:rPr>
-              <a:t>Tubishat</a:t>
-            </a:r>
-            <a:r>
-              <a:rPr lang="en-US" sz="2000" dirty="0">
-                <a:solidFill>
-                  <a:schemeClr val="tx1"/>
-                </a:solidFill>
-                <a:cs typeface="Times New Roman" panose="02020603050405020304" pitchFamily="18" charset="0"/>
-              </a:rPr>
-              <a:t>, Mohammad, </a:t>
-            </a:r>
-            <a:r>
-              <a:rPr lang="en-US" sz="2000" dirty="0" err="1">
-                <a:solidFill>
-                  <a:schemeClr val="tx1"/>
-                </a:solidFill>
-                <a:cs typeface="Times New Roman" panose="02020603050405020304" pitchFamily="18" charset="0"/>
-              </a:rPr>
-              <a:t>Norisma</a:t>
-            </a:r>
-            <a:r>
-              <a:rPr lang="en-US" sz="2000" dirty="0">
-                <a:solidFill>
-                  <a:schemeClr val="tx1"/>
-                </a:solidFill>
-                <a:cs typeface="Times New Roman" panose="02020603050405020304" pitchFamily="18" charset="0"/>
-              </a:rPr>
-              <a:t> </a:t>
-            </a:r>
-            <a:r>
-              <a:rPr lang="en-US" sz="2000" dirty="0" err="1">
-                <a:solidFill>
-                  <a:schemeClr val="tx1"/>
-                </a:solidFill>
-                <a:cs typeface="Times New Roman" panose="02020603050405020304" pitchFamily="18" charset="0"/>
-              </a:rPr>
-              <a:t>Idris</a:t>
-            </a:r>
-            <a:r>
-              <a:rPr lang="en-US" sz="2000" dirty="0">
-                <a:solidFill>
-                  <a:schemeClr val="tx1"/>
-                </a:solidFill>
-                <a:cs typeface="Times New Roman" panose="02020603050405020304" pitchFamily="18" charset="0"/>
-              </a:rPr>
-              <a:t>, </a:t>
-            </a:r>
-            <a:r>
-              <a:rPr lang="fa-IR" sz="2000" dirty="0">
-                <a:solidFill>
-                  <a:schemeClr val="tx1"/>
-                </a:solidFill>
-                <a:cs typeface="Times New Roman" panose="02020603050405020304" pitchFamily="18" charset="0"/>
-              </a:rPr>
-              <a:t>و</a:t>
-            </a:r>
-            <a:r>
-              <a:rPr lang="en-US" sz="2000" dirty="0">
-                <a:solidFill>
-                  <a:schemeClr val="tx1"/>
-                </a:solidFill>
-                <a:cs typeface="Times New Roman" panose="02020603050405020304" pitchFamily="18" charset="0"/>
-              </a:rPr>
-              <a:t> Mohammad A. M. </a:t>
-            </a:r>
-            <a:r>
-              <a:rPr lang="en-US" sz="2000" dirty="0" err="1">
-                <a:solidFill>
-                  <a:schemeClr val="tx1"/>
-                </a:solidFill>
-                <a:cs typeface="Times New Roman" panose="02020603050405020304" pitchFamily="18" charset="0"/>
-              </a:rPr>
-              <a:t>Abushariah</a:t>
-            </a:r>
-            <a:r>
-              <a:rPr lang="en-US" sz="2000" dirty="0">
-                <a:solidFill>
-                  <a:schemeClr val="tx1"/>
-                </a:solidFill>
-                <a:cs typeface="Times New Roman" panose="02020603050405020304" pitchFamily="18" charset="0"/>
-              </a:rPr>
-              <a:t>. 2018. “Implicit aspect extraction in sentiment analysis: Review, taxonomy, </a:t>
-            </a:r>
-            <a:r>
-              <a:rPr lang="en-US" sz="2000" dirty="0" err="1">
-                <a:solidFill>
-                  <a:schemeClr val="tx1"/>
-                </a:solidFill>
-                <a:cs typeface="Times New Roman" panose="02020603050405020304" pitchFamily="18" charset="0"/>
-              </a:rPr>
-              <a:t>oppportunities</a:t>
-            </a:r>
-            <a:r>
-              <a:rPr lang="en-US" sz="2000" dirty="0">
-                <a:solidFill>
-                  <a:schemeClr val="tx1"/>
-                </a:solidFill>
-                <a:cs typeface="Times New Roman" panose="02020603050405020304" pitchFamily="18" charset="0"/>
-              </a:rPr>
-              <a:t>, and open challenges.” </a:t>
-            </a:r>
-            <a:r>
-              <a:rPr lang="en-US" sz="2000" i="1" dirty="0">
-                <a:solidFill>
-                  <a:schemeClr val="tx1"/>
-                </a:solidFill>
-                <a:cs typeface="Times New Roman" panose="02020603050405020304" pitchFamily="18" charset="0"/>
-              </a:rPr>
-              <a:t>Information Processing and Management</a:t>
-            </a:r>
-            <a:r>
-              <a:rPr lang="en-US" sz="2000" dirty="0">
-                <a:solidFill>
-                  <a:schemeClr val="tx1"/>
-                </a:solidFill>
-                <a:cs typeface="Times New Roman" panose="02020603050405020304" pitchFamily="18" charset="0"/>
-              </a:rPr>
-              <a:t> 54(4):545–63</a:t>
-            </a:r>
-            <a:r>
-              <a:rPr lang="en-US" sz="2000" dirty="0" smtClean="0">
-                <a:solidFill>
-                  <a:schemeClr val="tx1"/>
-                </a:solidFill>
-                <a:cs typeface="Times New Roman" panose="02020603050405020304" pitchFamily="18" charset="0"/>
-              </a:rPr>
-              <a:t>.</a:t>
-            </a:r>
-            <a:endParaRPr lang="fa-IR" sz="2000" dirty="0" smtClean="0">
-              <a:solidFill>
-                <a:schemeClr val="tx1"/>
-              </a:solidFill>
-              <a:cs typeface="Times New Roman" panose="02020603050405020304" pitchFamily="18" charset="0"/>
-            </a:endParaRPr>
-          </a:p>
-          <a:p>
-            <a:pPr algn="r" rtl="1"/>
-            <a:r>
-              <a:rPr lang="fa-IR" sz="2000" dirty="0" smtClean="0">
-                <a:solidFill>
-                  <a:schemeClr val="tx1"/>
-                </a:solidFill>
-                <a:cs typeface="Times New Roman" panose="02020603050405020304" pitchFamily="18" charset="0"/>
-              </a:rPr>
-              <a:t>کیوانپور, محمدرضا, فرانک حسن زاده, و محمد مرادی. 1397. مباحث پیشرفته در داده کاوی. چاپ دوم. نشر دانشگاهی کیان</a:t>
-            </a:r>
-            <a:r>
-              <a:rPr lang="en-US" sz="2000" dirty="0" smtClean="0">
-                <a:solidFill>
-                  <a:schemeClr val="tx1"/>
-                </a:solidFill>
-                <a:cs typeface="Times New Roman" panose="02020603050405020304" pitchFamily="18" charset="0"/>
-              </a:rPr>
-              <a:t>.</a:t>
-            </a:r>
-          </a:p>
-          <a:p>
-            <a:pPr algn="r" rtl="1"/>
-            <a:r>
-              <a:rPr lang="fa-IR" sz="2000" dirty="0" smtClean="0">
-                <a:solidFill>
-                  <a:schemeClr val="tx1"/>
-                </a:solidFill>
-                <a:cs typeface="Times New Roman" panose="02020603050405020304" pitchFamily="18" charset="0"/>
-              </a:rPr>
-              <a:t>کیوانپور</a:t>
-            </a:r>
-            <a:r>
-              <a:rPr lang="fa-IR" sz="2000" dirty="0">
-                <a:solidFill>
-                  <a:schemeClr val="tx1"/>
-                </a:solidFill>
-                <a:cs typeface="Times New Roman" panose="02020603050405020304" pitchFamily="18" charset="0"/>
-              </a:rPr>
-              <a:t>, محمدرضا و سمیه رحمانی. 1389. “دسته بندی و ارزیابی روشهای ایده کاوی.” در سومین همایش ملی مهندسی کامپیوتر و فناوری اطلاعات، همدان</a:t>
-            </a:r>
-            <a:r>
-              <a:rPr lang="en-US" sz="2000" dirty="0">
-                <a:solidFill>
-                  <a:schemeClr val="tx1"/>
-                </a:solidFill>
-                <a:cs typeface="Times New Roman" panose="02020603050405020304" pitchFamily="18" charset="0"/>
-              </a:rPr>
-              <a:t>.</a:t>
-            </a:r>
-          </a:p>
-          <a:p>
-            <a:endParaRPr lang="en-US" sz="2000" dirty="0">
-              <a:solidFill>
-                <a:schemeClr val="tx1"/>
-              </a:solidFill>
-              <a:cs typeface="Times New Roman" panose="02020603050405020304" pitchFamily="18" charset="0"/>
-            </a:endParaRPr>
-          </a:p>
-          <a:p>
-            <a:endParaRPr lang="en-US" sz="2000" dirty="0">
+              <a:rPr lang="en-US" sz="2400" dirty="0">
+                <a:solidFill>
+                  <a:schemeClr val="tx1"/>
+                </a:solidFill>
+              </a:rPr>
+              <a:t> and J. Chen, "A review of natural language processing techniques for opinion mining systems," Information Fusion 36 (2017) 10–25. </a:t>
+            </a:r>
+            <a:endParaRPr lang="en-US" sz="2400" dirty="0">
               <a:solidFill>
                 <a:schemeClr val="tx1"/>
               </a:solidFill>
@@ -35339,8 +34664,8 @@
         </p:nvSpPr>
         <p:spPr>
           <a:xfrm>
-            <a:off x="2589212" y="1518738"/>
-            <a:ext cx="8915400" cy="3777622"/>
+            <a:off x="2202979" y="1152907"/>
+            <a:ext cx="9691578" cy="5189489"/>
           </a:xfrm>
         </p:spPr>
         <p:txBody>
@@ -35350,55 +34675,23 @@
           <a:lstStyle/>
           <a:p>
             <a:r>
-              <a:rPr lang="en-US" sz="2000" dirty="0" err="1">
-                <a:solidFill>
-                  <a:schemeClr val="tx1"/>
-                </a:solidFill>
-              </a:rPr>
-              <a:t>MedhatW</a:t>
-            </a:r>
-            <a:r>
-              <a:rPr lang="en-US" sz="2000" dirty="0">
-                <a:solidFill>
-                  <a:schemeClr val="tx1"/>
-                </a:solidFill>
-              </a:rPr>
-              <a:t>, Hassan A, </a:t>
-            </a:r>
-            <a:r>
-              <a:rPr lang="en-US" sz="2000" dirty="0" err="1">
-                <a:solidFill>
-                  <a:schemeClr val="tx1"/>
-                </a:solidFill>
-              </a:rPr>
-              <a:t>Korashy</a:t>
-            </a:r>
-            <a:r>
-              <a:rPr lang="en-US" sz="2000" dirty="0">
-                <a:solidFill>
-                  <a:schemeClr val="tx1"/>
-                </a:solidFill>
-              </a:rPr>
-              <a:t> H (2014) Sentiment analysis algorithms and applications: a survey. Ain </a:t>
-            </a:r>
-            <a:r>
-              <a:rPr lang="en-US" sz="2000" dirty="0" smtClean="0">
-                <a:solidFill>
-                  <a:schemeClr val="tx1"/>
-                </a:solidFill>
-              </a:rPr>
-              <a:t>Shams </a:t>
-            </a:r>
-            <a:r>
-              <a:rPr lang="en-US" sz="2000" dirty="0" err="1" smtClean="0">
-                <a:solidFill>
-                  <a:schemeClr val="tx1"/>
-                </a:solidFill>
-              </a:rPr>
-              <a:t>Eng</a:t>
-            </a:r>
-            <a:r>
-              <a:rPr lang="en-US" sz="2000" dirty="0" smtClean="0">
+              <a:rPr lang="en-US" sz="2400" dirty="0">
+                <a:solidFill>
+                  <a:schemeClr val="tx1"/>
+                </a:solidFill>
+              </a:rPr>
+              <a:t>[11] 	" a review of </a:t>
+            </a:r>
+            <a:r>
+              <a:rPr lang="en-US" sz="2400" dirty="0" err="1">
+                <a:solidFill>
+                  <a:schemeClr val="tx1"/>
+                </a:solidFill>
+              </a:rPr>
+              <a:t>nlp</a:t>
+            </a:r>
+            <a:r>
+              <a:rPr lang="en-US" sz="2400" dirty="0">
                 <a:solidFill>
                   <a:schemeClr val="tx1"/>
                 </a:solidFill>
@@ -35406,33 +34699,117 @@
               <a:t> </a:t>
             </a:r>
             <a:r>
-              <a:rPr lang="en-US" sz="2000" dirty="0">
-                <a:solidFill>
-                  <a:schemeClr val="tx1"/>
-                </a:solidFill>
-              </a:rPr>
-              <a:t>J 5(4):</a:t>
-            </a:r>
-            <a:r>
-              <a:rPr lang="en-US" sz="2000" dirty="0" smtClean="0">
-                <a:solidFill>
-                  <a:schemeClr val="tx1"/>
-                </a:solidFill>
-              </a:rPr>
-              <a:t>1093–1113</a:t>
-            </a:r>
-          </a:p>
-          <a:p>
-            <a:r>
-              <a:rPr lang="en-US" sz="2000" kern="150" dirty="0">
-                <a:solidFill>
-                  <a:schemeClr val="tx1"/>
-                </a:solidFill>
-              </a:rPr>
-              <a:t>B. Pang, L. Lee, and S. </a:t>
-            </a:r>
-            <a:r>
-              <a:rPr lang="en-US" sz="2000" kern="150" dirty="0" err="1">
+              <a:rPr lang="en-US" sz="2400" dirty="0" err="1">
+                <a:solidFill>
+                  <a:schemeClr val="tx1"/>
+                </a:solidFill>
+              </a:rPr>
+              <a:t>tecch</a:t>
+            </a:r>
+            <a:r>
+              <a:rPr lang="en-US" sz="2400" dirty="0">
+                <a:solidFill>
+                  <a:schemeClr val="tx1"/>
+                </a:solidFill>
+              </a:rPr>
+              <a:t> for </a:t>
+            </a:r>
+            <a:r>
+              <a:rPr lang="en-US" sz="2400" dirty="0" err="1">
+                <a:solidFill>
+                  <a:schemeClr val="tx1"/>
+                </a:solidFill>
+              </a:rPr>
+              <a:t>om</a:t>
+            </a:r>
+            <a:r>
+              <a:rPr lang="en-US" sz="2400" dirty="0">
+                <a:solidFill>
+                  <a:schemeClr val="tx1"/>
+                </a:solidFill>
+              </a:rPr>
+              <a:t> systems". </a:t>
+            </a:r>
+          </a:p>
+          <a:p>
+            <a:r>
+              <a:rPr lang="en-US" sz="2400" dirty="0">
+                <a:solidFill>
+                  <a:schemeClr val="tx1"/>
+                </a:solidFill>
+              </a:rPr>
+              <a:t>[12] 	"S.-M. Kim , E. </a:t>
+            </a:r>
+            <a:r>
+              <a:rPr lang="en-US" sz="2400" dirty="0" err="1">
+                <a:solidFill>
+                  <a:schemeClr val="tx1"/>
+                </a:solidFill>
+              </a:rPr>
+              <a:t>Hovy</a:t>
+            </a:r>
+            <a:r>
+              <a:rPr lang="en-US" sz="2400" dirty="0">
+                <a:solidFill>
+                  <a:schemeClr val="tx1"/>
+                </a:solidFill>
+              </a:rPr>
+              <a:t> , Determining the sentiment of opinions, in: Proceed- </a:t>
+            </a:r>
+            <a:r>
+              <a:rPr lang="en-US" sz="2400" dirty="0" err="1">
+                <a:solidFill>
+                  <a:schemeClr val="tx1"/>
+                </a:solidFill>
+              </a:rPr>
+              <a:t>ings</a:t>
+            </a:r>
+            <a:r>
+              <a:rPr lang="en-US" sz="2400" dirty="0">
+                <a:solidFill>
+                  <a:schemeClr val="tx1"/>
+                </a:solidFill>
+              </a:rPr>
+              <a:t> of the 20th". </a:t>
+            </a:r>
+          </a:p>
+          <a:p>
+            <a:r>
+              <a:rPr lang="en-US" sz="2400" dirty="0">
+                <a:solidFill>
+                  <a:schemeClr val="tx1"/>
+                </a:solidFill>
+              </a:rPr>
+              <a:t>[13] 	"W. </a:t>
+            </a:r>
+            <a:r>
+              <a:rPr lang="en-US" sz="2400" dirty="0" err="1">
+                <a:solidFill>
+                  <a:schemeClr val="tx1"/>
+                </a:solidFill>
+              </a:rPr>
+              <a:t>Medhat</a:t>
+            </a:r>
+            <a:r>
+              <a:rPr lang="en-US" sz="2400" dirty="0">
+                <a:solidFill>
+                  <a:schemeClr val="tx1"/>
+                </a:solidFill>
+              </a:rPr>
+              <a:t> et al., Sentiment analysis algorithms and applications: a survey,". </a:t>
+            </a:r>
+          </a:p>
+          <a:p>
+            <a:r>
+              <a:rPr lang="en-US" sz="2400" dirty="0">
+                <a:solidFill>
+                  <a:schemeClr val="tx1"/>
+                </a:solidFill>
+              </a:rPr>
+              <a:t>[14] 	"B. Pang, L. Lee, S. </a:t>
+            </a:r>
+            <a:r>
+              <a:rPr lang="en-US" sz="2400" dirty="0" err="1">
                 <a:solidFill>
                   <a:schemeClr val="tx1"/>
                 </a:solidFill>
@@ -35440,73 +34817,25 @@
               <a:t>Vaithyanathan</a:t>
             </a:r>
             <a:r>
-              <a:rPr lang="en-US" sz="2000" kern="150" dirty="0">
-                <a:solidFill>
-                  <a:schemeClr val="tx1"/>
-                </a:solidFill>
-              </a:rPr>
-              <a:t>. Thumbs </a:t>
-            </a:r>
-            <a:r>
-              <a:rPr lang="en-US" sz="2000" kern="150" dirty="0" err="1">
-                <a:solidFill>
-                  <a:schemeClr val="tx1"/>
-                </a:solidFill>
-              </a:rPr>
-              <a:t>up?Sentiment</a:t>
-            </a:r>
-            <a:r>
-              <a:rPr lang="en-US" sz="2000" kern="150" dirty="0">
-                <a:solidFill>
-                  <a:schemeClr val="tx1"/>
-                </a:solidFill>
-              </a:rPr>
-              <a:t> classification using machine learning </a:t>
-            </a:r>
-            <a:r>
-              <a:rPr lang="en-US" sz="2000" kern="150" dirty="0" err="1">
-                <a:solidFill>
-                  <a:schemeClr val="tx1"/>
-                </a:solidFill>
-              </a:rPr>
-              <a:t>techniques.In</a:t>
-            </a:r>
-            <a:r>
-              <a:rPr lang="en-US" sz="2000" kern="150" dirty="0">
-                <a:solidFill>
-                  <a:schemeClr val="tx1"/>
-                </a:solidFill>
-              </a:rPr>
-              <a:t> Proceedings of the Conference on Empirical Methods </a:t>
-            </a:r>
-            <a:r>
-              <a:rPr lang="en-US" sz="2000" kern="150" dirty="0" err="1">
-                <a:solidFill>
-                  <a:schemeClr val="tx1"/>
-                </a:solidFill>
-              </a:rPr>
-              <a:t>inNatural</a:t>
-            </a:r>
-            <a:r>
-              <a:rPr lang="en-US" sz="2000" kern="150" dirty="0">
-                <a:solidFill>
-                  <a:schemeClr val="tx1"/>
-                </a:solidFill>
-              </a:rPr>
-              <a:t> Language Processing, pages 79–86, 2002.</a:t>
-            </a:r>
-          </a:p>
-          <a:p>
-            <a:r>
-              <a:rPr lang="en-US" sz="2000" kern="150" dirty="0">
-                <a:solidFill>
-                  <a:schemeClr val="tx1"/>
-                </a:solidFill>
-              </a:rPr>
-              <a:t>Miller, G.A., R. Beckwith, C. </a:t>
-            </a:r>
-            <a:r>
-              <a:rPr lang="en-US" sz="2000" kern="150" dirty="0" err="1">
+              <a:rPr lang="en-US" sz="2400" dirty="0">
+                <a:solidFill>
+                  <a:schemeClr val="tx1"/>
+                </a:solidFill>
+              </a:rPr>
+              <a:t>, Thumbs up? Sentiment classification using machine learning techniques, Proceedings of the ACL-02 Conference on Empirical Methods in Natural Language Processing, vol. 10, Association for Computational Linguistics, 2002, p". </a:t>
+            </a:r>
+          </a:p>
+          <a:p>
+            <a:r>
+              <a:rPr lang="en-US" sz="2400" dirty="0">
+                <a:solidFill>
+                  <a:schemeClr val="tx1"/>
+                </a:solidFill>
+              </a:rPr>
+              <a:t>[15] 	"Miller, G.A., R. Beckwith, C. </a:t>
+            </a:r>
+            <a:r>
+              <a:rPr lang="en-US" sz="2400" dirty="0" err="1">
                 <a:solidFill>
                   <a:schemeClr val="tx1"/>
                 </a:solidFill>
@@ -35514,7 +34843,7 @@
               <a:t>Fellbaum</a:t>
             </a:r>
             <a:r>
-              <a:rPr lang="en-US" sz="2000" kern="150" dirty="0">
+              <a:rPr lang="en-US" sz="2400" dirty="0">
                 <a:solidFill>
                   <a:schemeClr val="tx1"/>
                 </a:solidFill>
@@ -35522,7 +34851,7 @@
               <a:t>, </a:t>
             </a:r>
             <a:r>
-              <a:rPr lang="en-US" sz="2000" kern="150" dirty="0" err="1">
+              <a:rPr lang="en-US" sz="2400" dirty="0" err="1">
                 <a:solidFill>
                   <a:schemeClr val="tx1"/>
                 </a:solidFill>
@@ -35530,159 +34859,34 @@
               <a:t>D.Gross</a:t>
             </a:r>
             <a:r>
-              <a:rPr lang="en-US" sz="2000" kern="150" dirty="0">
-                <a:solidFill>
-                  <a:schemeClr val="tx1"/>
-                </a:solidFill>
-              </a:rPr>
-              <a:t>, and K. Miller. 1993. Introduction </a:t>
-            </a:r>
-            <a:r>
-              <a:rPr lang="en-US" sz="2000" kern="150" dirty="0" err="1">
-                <a:solidFill>
-                  <a:schemeClr val="tx1"/>
-                </a:solidFill>
-              </a:rPr>
-              <a:t>toWordNet</a:t>
-            </a:r>
-            <a:r>
-              <a:rPr lang="en-US" sz="2000" kern="150" dirty="0">
-                <a:solidFill>
-                  <a:schemeClr val="tx1"/>
-                </a:solidFill>
-              </a:rPr>
-              <a:t>: An On-Line Lexical Database .</a:t>
-            </a:r>
-            <a:r>
-              <a:rPr lang="en-US" sz="2000" kern="150" dirty="0">
-                <a:solidFill>
-                  <a:schemeClr val="tx1"/>
-                </a:solidFill>
-                <a:hlinkClick r:id="rId2"/>
-              </a:rPr>
-              <a:t>http://www.cosgi.princeton.edu/~wn</a:t>
-            </a:r>
-            <a:r>
-              <a:rPr lang="en-US" sz="2000" kern="150" dirty="0">
-                <a:solidFill>
-                  <a:schemeClr val="tx1"/>
-                </a:solidFill>
-              </a:rPr>
-              <a:t>.</a:t>
-            </a:r>
-          </a:p>
-          <a:p>
-            <a:r>
-              <a:rPr lang="en-US" sz="2000" dirty="0">
-                <a:solidFill>
-                  <a:schemeClr val="tx1"/>
-                </a:solidFill>
-              </a:rPr>
-              <a:t>S.-M. Kim , E. </a:t>
-            </a:r>
-            <a:r>
-              <a:rPr lang="en-US" sz="2000" dirty="0" err="1">
-                <a:solidFill>
-                  <a:schemeClr val="tx1"/>
-                </a:solidFill>
-              </a:rPr>
-              <a:t>Hovy</a:t>
-            </a:r>
-            <a:r>
-              <a:rPr lang="en-US" sz="2000" dirty="0">
-                <a:solidFill>
-                  <a:schemeClr val="tx1"/>
-                </a:solidFill>
-              </a:rPr>
-              <a:t> , Determining the sentiment of opinions, in: Proceed- </a:t>
-            </a:r>
-            <a:r>
-              <a:rPr lang="en-US" sz="2000" dirty="0" err="1">
-                <a:solidFill>
-                  <a:schemeClr val="tx1"/>
-                </a:solidFill>
-              </a:rPr>
-              <a:t>ings</a:t>
-            </a:r>
-            <a:r>
-              <a:rPr lang="en-US" sz="2000" dirty="0">
-                <a:solidFill>
-                  <a:schemeClr val="tx1"/>
-                </a:solidFill>
-              </a:rPr>
-              <a:t> of the 20th International Conference on Computational Linguistics, 2004, pp. 1367–1373 . [34] D. Rao , D. </a:t>
-            </a:r>
-            <a:r>
-              <a:rPr lang="en-US" sz="2000" dirty="0" err="1" smtClean="0">
-                <a:solidFill>
-                  <a:schemeClr val="tx1"/>
-                </a:solidFill>
-              </a:rPr>
-              <a:t>Ravichandran</a:t>
-            </a:r>
-            <a:endParaRPr lang="fa-IR" sz="2000" dirty="0" smtClean="0">
+              <a:rPr lang="en-US" sz="2400" dirty="0">
+                <a:solidFill>
+                  <a:schemeClr val="tx1"/>
+                </a:solidFill>
+              </a:rPr>
+              <a:t>, and K. Miller. 1993. Introduction to </a:t>
+            </a:r>
+            <a:r>
+              <a:rPr lang="en-US" sz="2400" dirty="0" err="1">
+                <a:solidFill>
+                  <a:schemeClr val="tx1"/>
+                </a:solidFill>
+              </a:rPr>
+              <a:t>WordNet</a:t>
+            </a:r>
+            <a:r>
+              <a:rPr lang="en-US" sz="2400" dirty="0">
+                <a:solidFill>
+                  <a:schemeClr val="tx1"/>
+                </a:solidFill>
+              </a:rPr>
+              <a:t>: An On-Line Lexical Database. http://www.cosgi.princeton.edu/~wn.". </a:t>
+            </a:r>
+            <a:endParaRPr lang="en-US" sz="2400" dirty="0">
               <a:solidFill>
                 <a:schemeClr val="tx1"/>
               </a:solidFill>
             </a:endParaRPr>
-          </a:p>
-          <a:p>
-            <a:r>
-              <a:rPr lang="en-US" sz="2000" dirty="0">
-                <a:solidFill>
-                  <a:schemeClr val="tx1"/>
-                </a:solidFill>
-              </a:rPr>
-              <a:t>L. Zhou, P. </a:t>
-            </a:r>
-            <a:r>
-              <a:rPr lang="en-US" sz="2000" dirty="0" err="1">
-                <a:solidFill>
-                  <a:schemeClr val="tx1"/>
-                </a:solidFill>
-              </a:rPr>
-              <a:t>Chaovalit</a:t>
-            </a:r>
-            <a:r>
-              <a:rPr lang="en-US" sz="2000" dirty="0">
-                <a:solidFill>
-                  <a:schemeClr val="tx1"/>
-                </a:solidFill>
-              </a:rPr>
-              <a:t>, Ontology-supported polarity mining, J. Am. Soc. Inf. </a:t>
-            </a:r>
-            <a:r>
-              <a:rPr lang="en-US" sz="2000" dirty="0" smtClean="0">
-                <a:solidFill>
-                  <a:schemeClr val="tx1"/>
-                </a:solidFill>
-              </a:rPr>
-              <a:t>Sci.</a:t>
-            </a:r>
-            <a:r>
-              <a:rPr lang="fa-IR" sz="2000" dirty="0" smtClean="0">
-                <a:solidFill>
-                  <a:schemeClr val="tx1"/>
-                </a:solidFill>
-              </a:rPr>
-              <a:t> </a:t>
-            </a:r>
-            <a:r>
-              <a:rPr lang="en-US" sz="2000" dirty="0" smtClean="0">
-                <a:solidFill>
-                  <a:schemeClr val="tx1"/>
-                </a:solidFill>
-              </a:rPr>
-              <a:t>Technol</a:t>
-            </a:r>
-            <a:r>
-              <a:rPr lang="en-US" sz="2000" dirty="0">
-                <a:solidFill>
-                  <a:schemeClr val="tx1"/>
-                </a:solidFill>
-              </a:rPr>
-              <a:t>. 59 (1) (2008) 98–110, http://dx.doi.org/10.1002/asi.20735.</a:t>
-            </a:r>
           </a:p>
         </p:txBody>
       </p:sp>

--- a/OM.pptx
+++ b/OM.pptx
@@ -43,9 +43,9 @@
     <p:sldId id="290" r:id="rId31"/>
     <p:sldId id="291" r:id="rId32"/>
     <p:sldId id="292" r:id="rId33"/>
-    <p:sldId id="266" r:id="rId34"/>
-    <p:sldId id="267" r:id="rId35"/>
-    <p:sldId id="295" r:id="rId36"/>
+    <p:sldId id="297" r:id="rId34"/>
+    <p:sldId id="298" r:id="rId35"/>
+    <p:sldId id="299" r:id="rId36"/>
   </p:sldIdLst>
   <p:sldSz cx="12192000" cy="6858000"/>
   <p:notesSz cx="6858000" cy="9144000"/>
@@ -1115,6 +1115,279 @@
       <dsp:cNvGrpSpPr/>
     </dsp:nvGrpSpPr>
     <dsp:grpSpPr/>
+    <dsp:sp modelId="{4C00BA8B-6CE3-475B-906A-0CBDBD0CAA79}">
+      <dsp:nvSpPr>
+        <dsp:cNvPr id="0" name=""/>
+        <dsp:cNvSpPr/>
+      </dsp:nvSpPr>
+      <dsp:spPr>
+        <a:xfrm>
+          <a:off x="4911679" y="71234"/>
+          <a:ext cx="3507167" cy="2104300"/>
+        </a:xfrm>
+        <a:prstGeom prst="roundRect">
+          <a:avLst>
+            <a:gd name="adj" fmla="val 10000"/>
+          </a:avLst>
+        </a:prstGeom>
+        <a:solidFill>
+          <a:schemeClr val="accent1">
+            <a:hueOff val="0"/>
+            <a:satOff val="0"/>
+            <a:lumOff val="0"/>
+            <a:alphaOff val="0"/>
+          </a:schemeClr>
+        </a:solidFill>
+        <a:ln w="15875" cap="rnd" cmpd="sng" algn="ctr">
+          <a:solidFill>
+            <a:schemeClr val="lt1">
+              <a:hueOff val="0"/>
+              <a:satOff val="0"/>
+              <a:lumOff val="0"/>
+              <a:alphaOff val="0"/>
+            </a:schemeClr>
+          </a:solidFill>
+          <a:prstDash val="solid"/>
+        </a:ln>
+        <a:effectLst/>
+      </dsp:spPr>
+      <dsp:style>
+        <a:lnRef idx="2">
+          <a:scrgbClr r="0" g="0" b="0"/>
+        </a:lnRef>
+        <a:fillRef idx="1">
+          <a:scrgbClr r="0" g="0" b="0"/>
+        </a:fillRef>
+        <a:effectRef idx="0">
+          <a:scrgbClr r="0" g="0" b="0"/>
+        </a:effectRef>
+        <a:fontRef idx="minor">
+          <a:schemeClr val="lt1"/>
+        </a:fontRef>
+      </dsp:style>
+      <dsp:txBody>
+        <a:bodyPr spcFirstLastPara="0" vert="horz" wrap="square" lIns="87630" tIns="87630" rIns="87630" bIns="87630" numCol="1" spcCol="1270" anchor="ctr" anchorCtr="0">
+          <a:noAutofit/>
+        </a:bodyPr>
+        <a:lstStyle/>
+        <a:p>
+          <a:pPr lvl="0" algn="ctr" defTabSz="1022350" rtl="1">
+            <a:lnSpc>
+              <a:spcPct val="90000"/>
+            </a:lnSpc>
+            <a:spcBef>
+              <a:spcPct val="0"/>
+            </a:spcBef>
+            <a:spcAft>
+              <a:spcPct val="35000"/>
+            </a:spcAft>
+          </a:pPr>
+          <a:r>
+            <a:rPr lang="fa-IR" sz="2300" kern="1200" dirty="0" smtClean="0">
+              <a:cs typeface="B Nazanin" panose="00000400000000000000" pitchFamily="2" charset="-78"/>
+            </a:rPr>
+            <a:t>1-موضوع( به عنوان ورودی)</a:t>
+          </a:r>
+        </a:p>
+        <a:p>
+          <a:pPr lvl="0" algn="ctr" defTabSz="1022350" rtl="1">
+            <a:lnSpc>
+              <a:spcPct val="90000"/>
+            </a:lnSpc>
+            <a:spcBef>
+              <a:spcPct val="0"/>
+            </a:spcBef>
+            <a:spcAft>
+              <a:spcPct val="35000"/>
+            </a:spcAft>
+          </a:pPr>
+          <a:r>
+            <a:rPr lang="fa-IR" sz="2300" kern="1200" dirty="0" smtClean="0">
+              <a:cs typeface="B Nazanin" panose="00000400000000000000" pitchFamily="2" charset="-78"/>
+            </a:rPr>
+            <a:t>2-مجموعه ای از متن ها راجع به موضوع</a:t>
+          </a:r>
+          <a:endParaRPr lang="fa-IR" sz="2300" kern="1200" dirty="0">
+            <a:cs typeface="B Nazanin" panose="00000400000000000000" pitchFamily="2" charset="-78"/>
+          </a:endParaRPr>
+        </a:p>
+      </dsp:txBody>
+      <dsp:txXfrm>
+        <a:off x="4973312" y="132867"/>
+        <a:ext cx="3383901" cy="1981034"/>
+      </dsp:txXfrm>
+    </dsp:sp>
+    <dsp:sp modelId="{24A79BC2-CC42-453B-92FC-E92A76E9A170}">
+      <dsp:nvSpPr>
+        <dsp:cNvPr id="0" name=""/>
+        <dsp:cNvSpPr/>
+      </dsp:nvSpPr>
+      <dsp:spPr>
+        <a:xfrm rot="10800000">
+          <a:off x="3817443" y="688495"/>
+          <a:ext cx="743519" cy="869777"/>
+        </a:xfrm>
+        <a:prstGeom prst="rightArrow">
+          <a:avLst>
+            <a:gd name="adj1" fmla="val 60000"/>
+            <a:gd name="adj2" fmla="val 50000"/>
+          </a:avLst>
+        </a:prstGeom>
+        <a:solidFill>
+          <a:schemeClr val="accent1">
+            <a:tint val="60000"/>
+            <a:hueOff val="0"/>
+            <a:satOff val="0"/>
+            <a:lumOff val="0"/>
+            <a:alphaOff val="0"/>
+          </a:schemeClr>
+        </a:solidFill>
+        <a:ln>
+          <a:noFill/>
+        </a:ln>
+        <a:effectLst/>
+      </dsp:spPr>
+      <dsp:style>
+        <a:lnRef idx="0">
+          <a:scrgbClr r="0" g="0" b="0"/>
+        </a:lnRef>
+        <a:fillRef idx="1">
+          <a:scrgbClr r="0" g="0" b="0"/>
+        </a:fillRef>
+        <a:effectRef idx="0">
+          <a:scrgbClr r="0" g="0" b="0"/>
+        </a:effectRef>
+        <a:fontRef idx="minor">
+          <a:schemeClr val="lt1"/>
+        </a:fontRef>
+      </dsp:style>
+      <dsp:txBody>
+        <a:bodyPr spcFirstLastPara="0" vert="horz" wrap="square" lIns="0" tIns="0" rIns="0" bIns="0" numCol="1" spcCol="1270" anchor="ctr" anchorCtr="0">
+          <a:noAutofit/>
+        </a:bodyPr>
+        <a:lstStyle/>
+        <a:p>
+          <a:pPr lvl="0" algn="ctr" defTabSz="844550">
+            <a:lnSpc>
+              <a:spcPct val="90000"/>
+            </a:lnSpc>
+            <a:spcBef>
+              <a:spcPct val="0"/>
+            </a:spcBef>
+            <a:spcAft>
+              <a:spcPct val="35000"/>
+            </a:spcAft>
+          </a:pPr>
+          <a:endParaRPr lang="en-US" sz="1900" kern="1200"/>
+        </a:p>
+      </dsp:txBody>
+      <dsp:txXfrm rot="10800000">
+        <a:off x="4040499" y="862450"/>
+        <a:ext cx="520463" cy="521867"/>
+      </dsp:txXfrm>
+    </dsp:sp>
+    <dsp:sp modelId="{E73C8C16-9E29-46F9-A091-A68C3266EBF5}">
+      <dsp:nvSpPr>
+        <dsp:cNvPr id="0" name=""/>
+        <dsp:cNvSpPr/>
+      </dsp:nvSpPr>
+      <dsp:spPr>
+        <a:xfrm>
+          <a:off x="1644" y="71234"/>
+          <a:ext cx="3507167" cy="2104300"/>
+        </a:xfrm>
+        <a:prstGeom prst="roundRect">
+          <a:avLst>
+            <a:gd name="adj" fmla="val 10000"/>
+          </a:avLst>
+        </a:prstGeom>
+        <a:solidFill>
+          <a:schemeClr val="accent1">
+            <a:hueOff val="0"/>
+            <a:satOff val="0"/>
+            <a:lumOff val="0"/>
+            <a:alphaOff val="0"/>
+          </a:schemeClr>
+        </a:solidFill>
+        <a:ln w="15875" cap="rnd" cmpd="sng" algn="ctr">
+          <a:solidFill>
+            <a:schemeClr val="lt1">
+              <a:hueOff val="0"/>
+              <a:satOff val="0"/>
+              <a:lumOff val="0"/>
+              <a:alphaOff val="0"/>
+            </a:schemeClr>
+          </a:solidFill>
+          <a:prstDash val="solid"/>
+        </a:ln>
+        <a:effectLst/>
+      </dsp:spPr>
+      <dsp:style>
+        <a:lnRef idx="2">
+          <a:scrgbClr r="0" g="0" b="0"/>
+        </a:lnRef>
+        <a:fillRef idx="1">
+          <a:scrgbClr r="0" g="0" b="0"/>
+        </a:fillRef>
+        <a:effectRef idx="0">
+          <a:scrgbClr r="0" g="0" b="0"/>
+        </a:effectRef>
+        <a:fontRef idx="minor">
+          <a:schemeClr val="lt1"/>
+        </a:fontRef>
+      </dsp:style>
+      <dsp:txBody>
+        <a:bodyPr spcFirstLastPara="0" vert="horz" wrap="square" lIns="87630" tIns="87630" rIns="87630" bIns="87630" numCol="1" spcCol="1270" anchor="ctr" anchorCtr="0">
+          <a:noAutofit/>
+        </a:bodyPr>
+        <a:lstStyle/>
+        <a:p>
+          <a:pPr lvl="0" algn="ctr" defTabSz="1022350" rtl="1">
+            <a:lnSpc>
+              <a:spcPct val="90000"/>
+            </a:lnSpc>
+            <a:spcBef>
+              <a:spcPct val="0"/>
+            </a:spcBef>
+            <a:spcAft>
+              <a:spcPct val="35000"/>
+            </a:spcAft>
+          </a:pPr>
+          <a:r>
+            <a:rPr lang="fa-IR" sz="2300" kern="1200" dirty="0" smtClean="0">
+              <a:cs typeface="B Nazanin" panose="00000400000000000000" pitchFamily="2" charset="-78"/>
+            </a:rPr>
+            <a:t>1-احساسات اظهار شده در مورد موضوع در هر متن</a:t>
+          </a:r>
+        </a:p>
+        <a:p>
+          <a:pPr lvl="0" algn="ctr" defTabSz="1022350" rtl="1">
+            <a:lnSpc>
+              <a:spcPct val="90000"/>
+            </a:lnSpc>
+            <a:spcBef>
+              <a:spcPct val="0"/>
+            </a:spcBef>
+            <a:spcAft>
+              <a:spcPct val="35000"/>
+            </a:spcAft>
+          </a:pPr>
+          <a:r>
+            <a:rPr lang="fa-IR" sz="2300" kern="1200" dirty="0" smtClean="0">
+              <a:cs typeface="B Nazanin" panose="00000400000000000000" pitchFamily="2" charset="-78"/>
+            </a:rPr>
+            <a:t>2- تشخیص افرادی که هر احساس را بیان کرده اند</a:t>
+          </a:r>
+          <a:endParaRPr lang="en-US" sz="2300" kern="1200" dirty="0">
+            <a:cs typeface="B Nazanin" panose="00000400000000000000" pitchFamily="2" charset="-78"/>
+          </a:endParaRPr>
+        </a:p>
+      </dsp:txBody>
+      <dsp:txXfrm>
+        <a:off x="63277" y="132867"/>
+        <a:ext cx="3383901" cy="1981034"/>
+      </dsp:txXfrm>
+    </dsp:sp>
   </dsp:spTree>
 </dsp:drawing>
 </file>
@@ -11845,7 +12118,7 @@
                 </a:solidFill>
                 <a:cs typeface="Times New Roman" panose="02020603050405020304" pitchFamily="18" charset="0"/>
               </a:rPr>
-              <a:t>Polarity determination </a:t>
+              <a:t>Polarity classification</a:t>
             </a:r>
           </a:p>
           <a:p>
@@ -12223,13 +12496,22 @@
           <a:p>
             <a:pPr algn="ctr"/>
             <a:r>
+              <a:rPr lang="fa-IR" sz="4800" dirty="0" smtClean="0">
+                <a:solidFill>
+                  <a:schemeClr val="tx1"/>
+                </a:solidFill>
+                <a:cs typeface="B Nazanin" panose="00000400000000000000" pitchFamily="2" charset="-78"/>
+              </a:rPr>
+              <a:t>رویکرد</a:t>
+            </a:r>
+            <a:r>
               <a:rPr lang="ar-SA" sz="4800" dirty="0" smtClean="0">
                 <a:solidFill>
                   <a:schemeClr val="tx1"/>
                 </a:solidFill>
                 <a:cs typeface="B Nazanin" panose="00000400000000000000" pitchFamily="2" charset="-78"/>
               </a:rPr>
-              <a:t>راهبرد های مختلف</a:t>
+              <a:t>های مختلف</a:t>
             </a:r>
             <a:endParaRPr lang="en-US" sz="4800" dirty="0">
               <a:solidFill>
@@ -13240,13 +13522,31 @@
           <a:p>
             <a:pPr lvl="1" algn="r" rtl="1"/>
             <a:r>
+              <a:rPr lang="fa-IR" sz="2400" dirty="0" smtClean="0">
+                <a:solidFill>
+                  <a:schemeClr val="tx1"/>
+                </a:solidFill>
+                <a:cs typeface="B Nazanin" panose="00000400000000000000" pitchFamily="2" charset="-78"/>
+              </a:rPr>
+              <a:t>دقیق</a:t>
+            </a:r>
+            <a:r>
+              <a:rPr lang="ar-SA" sz="2400" dirty="0" smtClean="0">
+                <a:solidFill>
+                  <a:schemeClr val="tx1"/>
+                </a:solidFill>
+                <a:cs typeface="B Nazanin" panose="00000400000000000000" pitchFamily="2" charset="-78"/>
+              </a:rPr>
+              <a:t> </a:t>
+            </a:r>
+            <a:r>
               <a:rPr lang="ar-SA" sz="2400" dirty="0">
                 <a:solidFill>
                   <a:schemeClr val="tx1"/>
                 </a:solidFill>
                 <a:cs typeface="B Nazanin" panose="00000400000000000000" pitchFamily="2" charset="-78"/>
               </a:rPr>
-              <a:t>ریزدانه ترین </a:t>
+              <a:t>ترین </a:t>
             </a:r>
             <a:r>
               <a:rPr lang="ar-SA" sz="2400" dirty="0" smtClean="0">
@@ -13373,41 +13673,6 @@
               </a:rPr>
               <a:t>		</a:t>
             </a:r>
-            <a:r>
-              <a:rPr lang="fa-IR" sz="2400" dirty="0" smtClean="0">
-                <a:solidFill>
-                  <a:schemeClr val="tx1"/>
-                </a:solidFill>
-              </a:rPr>
-              <a:t> </a:t>
-            </a:r>
-            <a:r>
-              <a:rPr lang="fa-IR" sz="2400" dirty="0" smtClean="0">
-                <a:solidFill>
-                  <a:schemeClr val="tx1"/>
-                </a:solidFill>
-                <a:cs typeface="B Nazanin" panose="00000400000000000000" pitchFamily="2" charset="-78"/>
-              </a:rPr>
-              <a:t>تاپل </a:t>
-            </a:r>
-            <a:r>
-              <a:rPr lang="fa-IR" sz="2400" dirty="0">
-                <a:solidFill>
-                  <a:schemeClr val="tx1"/>
-                </a:solidFill>
-                <a:cs typeface="B Nazanin" panose="00000400000000000000" pitchFamily="2" charset="-78"/>
-              </a:rPr>
-              <a:t>عقیده </a:t>
-            </a:r>
-            <a:r>
-              <a:rPr lang="fa-IR" sz="2400" dirty="0" smtClean="0">
-                <a:solidFill>
-                  <a:schemeClr val="tx1"/>
-                </a:solidFill>
-                <a:cs typeface="B Nazanin" panose="00000400000000000000" pitchFamily="2" charset="-78"/>
-              </a:rPr>
-              <a:t>کامل به دست می آید</a:t>
-            </a:r>
             <a:endParaRPr lang="en-US" sz="2400" dirty="0" smtClean="0">
               <a:solidFill>
                 <a:schemeClr val="tx1"/>
@@ -13455,7 +13720,7 @@
               <a:buNone/>
             </a:pPr>
             <a:r>
-              <a:rPr lang="fa-IR" sz="2000" dirty="0" smtClean="0">
+              <a:rPr lang="fa-IR" sz="2400" dirty="0" smtClean="0">
                 <a:solidFill>
                   <a:schemeClr val="tx1"/>
                 </a:solidFill>
@@ -13464,7 +13729,7 @@
               <a:t>با </a:t>
             </a:r>
             <a:r>
-              <a:rPr lang="fa-IR" sz="2000" dirty="0">
+              <a:rPr lang="fa-IR" sz="2400" dirty="0">
                 <a:solidFill>
                   <a:schemeClr val="tx1"/>
                 </a:solidFill>
@@ -13473,7 +13738,7 @@
               <a:t>یافتن هر </a:t>
             </a:r>
             <a:r>
-              <a:rPr lang="en-US" sz="2000" dirty="0">
+              <a:rPr lang="en-US" sz="2400" dirty="0">
                 <a:solidFill>
                   <a:schemeClr val="tx1"/>
                 </a:solidFill>
@@ -13482,7 +13747,7 @@
               <a:t>aspect</a:t>
             </a:r>
             <a:r>
-              <a:rPr lang="fa-IR" sz="2000" dirty="0">
+              <a:rPr lang="fa-IR" sz="2400" dirty="0">
                 <a:solidFill>
                   <a:schemeClr val="tx1"/>
                 </a:solidFill>
@@ -13491,7 +13756,7 @@
               <a:t> یا ویژگی که در متن ذکر شده و ارتباط دادن آن با یک </a:t>
             </a:r>
             <a:r>
-              <a:rPr lang="fa-IR" sz="2000" dirty="0" smtClean="0">
+              <a:rPr lang="fa-IR" sz="2400" dirty="0" smtClean="0">
                 <a:solidFill>
                   <a:schemeClr val="tx1"/>
                 </a:solidFill>
@@ -13519,41 +13784,6 @@
                 <a:cs typeface="B Nazanin" panose="00000400000000000000" pitchFamily="2" charset="-78"/>
               </a:rPr>
               <a:t>ویژگی</a:t>
-            </a:r>
-            <a:endParaRPr lang="en-US" sz="2800" dirty="0" smtClean="0">
-              <a:solidFill>
-                <a:schemeClr val="tx1"/>
-              </a:solidFill>
-            </a:endParaRPr>
-          </a:p>
-          <a:p>
-            <a:pPr algn="r" rtl="1"/>
-            <a:r>
-              <a:rPr lang="ar-SA" sz="2800" dirty="0">
-                <a:solidFill>
-                  <a:schemeClr val="tx1"/>
-                </a:solidFill>
-                <a:cs typeface="B Nazanin" panose="00000400000000000000" pitchFamily="2" charset="-78"/>
-              </a:rPr>
-              <a:t>تجمیع تحلیل هایی که </a:t>
-            </a:r>
-            <a:r>
-              <a:rPr lang="fa-IR" sz="2800" dirty="0" smtClean="0">
-                <a:solidFill>
-                  <a:schemeClr val="tx1"/>
-                </a:solidFill>
-                <a:cs typeface="B Nazanin" panose="00000400000000000000" pitchFamily="2" charset="-78"/>
-              </a:rPr>
-              <a:t>دقیق و جزئی تر برای تولید </a:t>
-            </a:r>
-            <a:r>
-              <a:rPr lang="ar-SA" sz="2800" dirty="0" smtClean="0">
-                <a:solidFill>
-                  <a:schemeClr val="tx1"/>
-                </a:solidFill>
-                <a:cs typeface="B Nazanin" panose="00000400000000000000" pitchFamily="2" charset="-78"/>
-              </a:rPr>
-              <a:t>سطوح بالاتر</a:t>
             </a:r>
             <a:endParaRPr lang="en-US" sz="2800" dirty="0" smtClean="0">
               <a:solidFill>
@@ -13591,46 +13821,6 @@
                 <a:schemeClr val="bg1"/>
               </a:solidFill>
             </a:endParaRPr>
-          </a:p>
-        </p:txBody>
-      </p:sp>
-      <p:sp>
-        <p:nvSpPr>
-          <p:cNvPr id="7" name="Down Arrow 6"/>
-          <p:cNvSpPr/>
-          <p:nvPr/>
-        </p:nvSpPr>
-        <p:spPr>
-          <a:xfrm rot="5400000">
-            <a:off x="8425542" y="3461657"/>
-            <a:ext cx="313509" cy="587829"/>
-          </a:xfrm>
-          <a:prstGeom prst="downArrow">
-            <a:avLst/>
-          </a:prstGeom>
-        </p:spPr>
-        <p:style>
-          <a:lnRef idx="2">
-            <a:schemeClr val="accent1">
-              <a:shade val="50000"/>
-            </a:schemeClr>
-          </a:lnRef>
-          <a:fillRef idx="1">
-            <a:schemeClr val="accent1"/>
-          </a:fillRef>
-          <a:effectRef idx="0">
-            <a:schemeClr val="accent1"/>
-          </a:effectRef>
-          <a:fontRef idx="minor">
-            <a:schemeClr val="lt1"/>
-          </a:fontRef>
-        </p:style>
-        <p:txBody>
-          <a:bodyPr rtlCol="0" anchor="ctr"/>
-          <a:lstStyle/>
-          <a:p>
-            <a:pPr algn="ctr"/>
-            <a:endParaRPr lang="en-US"/>
           </a:p>
         </p:txBody>
       </p:sp>
@@ -14414,7 +14604,16 @@
                 </a:solidFill>
                 <a:cs typeface="B Nazanin" panose="00000400000000000000" pitchFamily="2" charset="-78"/>
               </a:rPr>
-              <a:t>عقیده ها(موجودیت ها و جنبه ها) معمولا اسم یا ترکیبی از اسامی </a:t>
+              <a:t>عقیده ها(موجودیت ها و </a:t>
+            </a:r>
+            <a:r>
+              <a:rPr lang="en-US" sz="2400" dirty="0" smtClean="0">
+                <a:solidFill>
+                  <a:schemeClr val="tx1"/>
+                </a:solidFill>
+                <a:cs typeface="B Nazanin" panose="00000400000000000000" pitchFamily="2" charset="-78"/>
+              </a:rPr>
+              <a:t>aspect</a:t>
             </a:r>
             <a:r>
               <a:rPr lang="fa-IR" sz="2400" dirty="0" smtClean="0">
@@ -14423,8 +14622,32 @@
                 </a:solidFill>
                 <a:cs typeface="B Nazanin" panose="00000400000000000000" pitchFamily="2" charset="-78"/>
               </a:rPr>
+              <a:t> </a:t>
+            </a:r>
+            <a:r>
+              <a:rPr lang="fa-IR" sz="2400" dirty="0">
+                <a:solidFill>
+                  <a:schemeClr val="tx1"/>
+                </a:solidFill>
+                <a:cs typeface="B Nazanin" panose="00000400000000000000" pitchFamily="2" charset="-78"/>
+              </a:rPr>
+              <a:t>ها) معمولا اسم یا ترکیبی از اسامی </a:t>
+            </a:r>
+            <a:r>
+              <a:rPr lang="fa-IR" sz="2400" dirty="0" smtClean="0">
+                <a:solidFill>
+                  <a:schemeClr val="tx1"/>
+                </a:solidFill>
+                <a:cs typeface="B Nazanin" panose="00000400000000000000" pitchFamily="2" charset="-78"/>
+              </a:rPr>
               <a:t>هستند</a:t>
             </a:r>
+            <a:endParaRPr lang="en-US" sz="2400" dirty="0" smtClean="0">
+              <a:solidFill>
+                <a:schemeClr val="tx1"/>
+              </a:solidFill>
+              <a:cs typeface="B Nazanin" panose="00000400000000000000" pitchFamily="2" charset="-78"/>
+            </a:endParaRPr>
           </a:p>
           <a:p>
             <a:pPr marL="457200" lvl="1" indent="0" algn="r" rtl="1">
@@ -14442,7 +14665,7 @@
               <a:buNone/>
             </a:pPr>
             <a:r>
-              <a:rPr lang="fa-IR" sz="2000" dirty="0" smtClean="0">
+              <a:rPr lang="fa-IR" sz="2000" b="1" dirty="0" smtClean="0">
                 <a:solidFill>
                   <a:schemeClr val="tx1"/>
                 </a:solidFill>
@@ -14451,7 +14674,7 @@
               <a:t>*همه </a:t>
             </a:r>
             <a:r>
-              <a:rPr lang="fa-IR" sz="2000" dirty="0">
+              <a:rPr lang="fa-IR" sz="2000" b="1" dirty="0">
                 <a:solidFill>
                   <a:schemeClr val="tx1"/>
                 </a:solidFill>
@@ -14460,7 +14683,7 @@
               <a:t>ی </a:t>
             </a:r>
             <a:r>
-              <a:rPr lang="fa-IR" sz="2000" dirty="0" smtClean="0">
+              <a:rPr lang="fa-IR" sz="2000" b="1" dirty="0" smtClean="0">
                 <a:solidFill>
                   <a:schemeClr val="tx1"/>
                 </a:solidFill>
@@ -14469,16 +14692,34 @@
               <a:t>فرایندها همیشه </a:t>
             </a:r>
             <a:r>
-              <a:rPr lang="fa-IR" sz="2000" dirty="0">
-                <a:solidFill>
-                  <a:schemeClr val="tx1"/>
-                </a:solidFill>
-                <a:cs typeface="B Nazanin" panose="00000400000000000000" pitchFamily="2" charset="-78"/>
-              </a:rPr>
-              <a:t>ضروری نیستند و باید بر اساس کاربرد عقیده کاوی برای مسئله انتخاب </a:t>
-            </a:r>
-            <a:r>
-              <a:rPr lang="fa-IR" sz="2000" dirty="0" smtClean="0">
+              <a:rPr lang="fa-IR" sz="2000" b="1" dirty="0">
+                <a:solidFill>
+                  <a:schemeClr val="tx1"/>
+                </a:solidFill>
+                <a:cs typeface="B Nazanin" panose="00000400000000000000" pitchFamily="2" charset="-78"/>
+              </a:rPr>
+              <a:t>ضروری نیستند و باید بر اساس کاربرد </a:t>
+            </a:r>
+            <a:r>
+              <a:rPr lang="fa-IR" sz="2000" b="1" dirty="0" smtClean="0">
+                <a:solidFill>
+                  <a:schemeClr val="tx1"/>
+                </a:solidFill>
+                <a:cs typeface="B Nazanin" panose="00000400000000000000" pitchFamily="2" charset="-78"/>
+              </a:rPr>
+              <a:t>مسئله </a:t>
+            </a:r>
+            <a:r>
+              <a:rPr lang="fa-IR" sz="2000" b="1" dirty="0">
+                <a:solidFill>
+                  <a:schemeClr val="tx1"/>
+                </a:solidFill>
+                <a:cs typeface="B Nazanin" panose="00000400000000000000" pitchFamily="2" charset="-78"/>
+              </a:rPr>
+              <a:t>انتخاب </a:t>
+            </a:r>
+            <a:r>
+              <a:rPr lang="fa-IR" sz="2000" b="1" dirty="0" smtClean="0">
                 <a:solidFill>
                   <a:schemeClr val="tx1"/>
                 </a:solidFill>
@@ -14486,7 +14727,7 @@
               </a:rPr>
               <a:t>شوند</a:t>
             </a:r>
-            <a:endParaRPr lang="en-US" sz="2000" dirty="0">
+            <a:endParaRPr lang="en-US" sz="2000" b="1" dirty="0">
               <a:solidFill>
                 <a:schemeClr val="tx1"/>
               </a:solidFill>
@@ -14954,7 +15195,7 @@
                 </a:solidFill>
                 <a:cs typeface="B Nazanin" panose="00000400000000000000" pitchFamily="2" charset="-78"/>
               </a:rPr>
-              <a:t>نظر دهنده ها</a:t>
+              <a:t>نظر دهنده است</a:t>
             </a:r>
           </a:p>
           <a:p>
@@ -14969,7 +15210,7 @@
                 </a:solidFill>
                 <a:cs typeface="B Nazanin" panose="00000400000000000000" pitchFamily="2" charset="-78"/>
               </a:rPr>
-              <a:t>مشخص کردن مرز </a:t>
+              <a:t>مشخص کردن مرز ناحیه ها براساس </a:t>
             </a:r>
             <a:r>
               <a:rPr lang="fa-IR" sz="2800" dirty="0">
@@ -14978,7 +15219,7 @@
                 </a:solidFill>
                 <a:cs typeface="B Nazanin" panose="00000400000000000000" pitchFamily="2" charset="-78"/>
               </a:rPr>
-              <a:t>ناحیه ی مبتنی بر نظر دهنده </a:t>
+              <a:t>نظر دهنده </a:t>
             </a:r>
             <a:r>
               <a:rPr lang="fa-IR" sz="2800" dirty="0" smtClean="0">
@@ -15280,14 +15521,14 @@
                 <a:gridCol w="785136">
                   <a:extLst>
                     <a:ext uri="{9D8B030D-6E8A-4147-A177-3AD203B41FA5}">
-                      <a16:colId xmlns="" xmlns:a16="http://schemas.microsoft.com/office/drawing/2014/main" val="167062360"/>
+                      <a16:colId xmlns:a16="http://schemas.microsoft.com/office/drawing/2014/main" val="167062360"/>
                     </a:ext>
                   </a:extLst>
                 </a:gridCol>
                 <a:gridCol w="787156">
                   <a:extLst>
                     <a:ext uri="{9D8B030D-6E8A-4147-A177-3AD203B41FA5}">
-                      <a16:colId xmlns="" xmlns:a16="http://schemas.microsoft.com/office/drawing/2014/main" val="3347785289"/>
+                      <a16:colId xmlns:a16="http://schemas.microsoft.com/office/drawing/2014/main" val="3347785289"/>
                     </a:ext>
                   </a:extLst>
                 </a:gridCol>
@@ -15347,7 +15588,7 @@
                 </a:tc>
                 <a:extLst>
                   <a:ext uri="{0D108BD9-81ED-4DB2-BD59-A6C34878D82A}">
-                    <a16:rowId xmlns="" xmlns:a16="http://schemas.microsoft.com/office/drawing/2014/main" val="60234057"/>
+                    <a16:rowId xmlns:a16="http://schemas.microsoft.com/office/drawing/2014/main" val="60234057"/>
                   </a:ext>
                 </a:extLst>
               </a:tr>
@@ -15406,7 +15647,7 @@
                 </a:tc>
                 <a:extLst>
                   <a:ext uri="{0D108BD9-81ED-4DB2-BD59-A6C34878D82A}">
-                    <a16:rowId xmlns="" xmlns:a16="http://schemas.microsoft.com/office/drawing/2014/main" val="3786790151"/>
+                    <a16:rowId xmlns:a16="http://schemas.microsoft.com/office/drawing/2014/main" val="3786790151"/>
                   </a:ext>
                 </a:extLst>
               </a:tr>
@@ -15465,7 +15706,7 @@
                 </a:tc>
                 <a:extLst>
                   <a:ext uri="{0D108BD9-81ED-4DB2-BD59-A6C34878D82A}">
-                    <a16:rowId xmlns="" xmlns:a16="http://schemas.microsoft.com/office/drawing/2014/main" val="1480304723"/>
+                    <a16:rowId xmlns:a16="http://schemas.microsoft.com/office/drawing/2014/main" val="1480304723"/>
                   </a:ext>
                 </a:extLst>
               </a:tr>
@@ -15524,7 +15765,7 @@
                 </a:tc>
                 <a:extLst>
                   <a:ext uri="{0D108BD9-81ED-4DB2-BD59-A6C34878D82A}">
-                    <a16:rowId xmlns="" xmlns:a16="http://schemas.microsoft.com/office/drawing/2014/main" val="2448284065"/>
+                    <a16:rowId xmlns:a16="http://schemas.microsoft.com/office/drawing/2014/main" val="2448284065"/>
                   </a:ext>
                 </a:extLst>
               </a:tr>
@@ -15577,7 +15818,7 @@
                 </a:tc>
                 <a:extLst>
                   <a:ext uri="{0D108BD9-81ED-4DB2-BD59-A6C34878D82A}">
-                    <a16:rowId xmlns="" xmlns:a16="http://schemas.microsoft.com/office/drawing/2014/main" val="1054495008"/>
+                    <a16:rowId xmlns:a16="http://schemas.microsoft.com/office/drawing/2014/main" val="1054495008"/>
                   </a:ext>
                 </a:extLst>
               </a:tr>
@@ -15630,7 +15871,7 @@
                 </a:tc>
                 <a:extLst>
                   <a:ext uri="{0D108BD9-81ED-4DB2-BD59-A6C34878D82A}">
-                    <a16:rowId xmlns="" xmlns:a16="http://schemas.microsoft.com/office/drawing/2014/main" val="3501460536"/>
+                    <a16:rowId xmlns:a16="http://schemas.microsoft.com/office/drawing/2014/main" val="3501460536"/>
                   </a:ext>
                 </a:extLst>
               </a:tr>
@@ -15719,7 +15960,25 @@
                 </a:solidFill>
                 <a:cs typeface="B Nazanin" panose="00000400000000000000" pitchFamily="2" charset="-78"/>
               </a:rPr>
-              <a:t>کوچکی از کلمات را به صورت دستی </a:t>
+              <a:t>کوچکی از </a:t>
+            </a:r>
+            <a:r>
+              <a:rPr lang="fa-IR" sz="2800" dirty="0" smtClean="0">
+                <a:solidFill>
+                  <a:schemeClr val="tx1"/>
+                </a:solidFill>
+                <a:cs typeface="B Nazanin" panose="00000400000000000000" pitchFamily="2" charset="-78"/>
+              </a:rPr>
+              <a:t>کلمات </a:t>
+            </a:r>
+            <a:r>
+              <a:rPr lang="fa-IR" sz="2800" dirty="0">
+                <a:solidFill>
+                  <a:schemeClr val="tx1"/>
+                </a:solidFill>
+                <a:cs typeface="B Nazanin" panose="00000400000000000000" pitchFamily="2" charset="-78"/>
+              </a:rPr>
+              <a:t>به صورت دستی </a:t>
             </a:r>
             <a:endParaRPr lang="fa-IR" sz="2800" dirty="0" smtClean="0">
               <a:solidFill>
@@ -16007,14 +16266,14 @@
                 <a:gridCol w="903923">
                   <a:extLst>
                     <a:ext uri="{9D8B030D-6E8A-4147-A177-3AD203B41FA5}">
-                      <a16:colId xmlns="" xmlns:a16="http://schemas.microsoft.com/office/drawing/2014/main" val="1974480408"/>
+                      <a16:colId xmlns:a16="http://schemas.microsoft.com/office/drawing/2014/main" val="1974480408"/>
                     </a:ext>
                   </a:extLst>
                 </a:gridCol>
                 <a:gridCol w="838780">
                   <a:extLst>
                     <a:ext uri="{9D8B030D-6E8A-4147-A177-3AD203B41FA5}">
-                      <a16:colId xmlns="" xmlns:a16="http://schemas.microsoft.com/office/drawing/2014/main" val="272231565"/>
+                      <a16:colId xmlns:a16="http://schemas.microsoft.com/office/drawing/2014/main" val="272231565"/>
                     </a:ext>
                   </a:extLst>
                 </a:gridCol>
@@ -16074,7 +16333,7 @@
                 </a:tc>
                 <a:extLst>
                   <a:ext uri="{0D108BD9-81ED-4DB2-BD59-A6C34878D82A}">
-                    <a16:rowId xmlns="" xmlns:a16="http://schemas.microsoft.com/office/drawing/2014/main" val="1638280142"/>
+                    <a16:rowId xmlns:a16="http://schemas.microsoft.com/office/drawing/2014/main" val="1638280142"/>
                   </a:ext>
                 </a:extLst>
               </a:tr>
@@ -16133,7 +16392,7 @@
                 </a:tc>
                 <a:extLst>
                   <a:ext uri="{0D108BD9-81ED-4DB2-BD59-A6C34878D82A}">
-                    <a16:rowId xmlns="" xmlns:a16="http://schemas.microsoft.com/office/drawing/2014/main" val="3282361734"/>
+                    <a16:rowId xmlns:a16="http://schemas.microsoft.com/office/drawing/2014/main" val="3282361734"/>
                   </a:ext>
                 </a:extLst>
               </a:tr>
@@ -16192,7 +16451,7 @@
                 </a:tc>
                 <a:extLst>
                   <a:ext uri="{0D108BD9-81ED-4DB2-BD59-A6C34878D82A}">
-                    <a16:rowId xmlns="" xmlns:a16="http://schemas.microsoft.com/office/drawing/2014/main" val="254341647"/>
+                    <a16:rowId xmlns:a16="http://schemas.microsoft.com/office/drawing/2014/main" val="254341647"/>
                   </a:ext>
                 </a:extLst>
               </a:tr>
@@ -16254,7 +16513,7 @@
                 </a:tc>
                 <a:extLst>
                   <a:ext uri="{0D108BD9-81ED-4DB2-BD59-A6C34878D82A}">
-                    <a16:rowId xmlns="" xmlns:a16="http://schemas.microsoft.com/office/drawing/2014/main" val="1633391201"/>
+                    <a16:rowId xmlns:a16="http://schemas.microsoft.com/office/drawing/2014/main" val="1633391201"/>
                   </a:ext>
                 </a:extLst>
               </a:tr>
@@ -16313,7 +16572,7 @@
                 </a:tc>
                 <a:extLst>
                   <a:ext uri="{0D108BD9-81ED-4DB2-BD59-A6C34878D82A}">
-                    <a16:rowId xmlns="" xmlns:a16="http://schemas.microsoft.com/office/drawing/2014/main" val="2492610991"/>
+                    <a16:rowId xmlns:a16="http://schemas.microsoft.com/office/drawing/2014/main" val="2492610991"/>
                   </a:ext>
                 </a:extLst>
               </a:tr>
@@ -16372,7 +16631,7 @@
                 </a:tc>
                 <a:extLst>
                   <a:ext uri="{0D108BD9-81ED-4DB2-BD59-A6C34878D82A}">
-                    <a16:rowId xmlns="" xmlns:a16="http://schemas.microsoft.com/office/drawing/2014/main" val="2215108436"/>
+                    <a16:rowId xmlns:a16="http://schemas.microsoft.com/office/drawing/2014/main" val="2215108436"/>
                   </a:ext>
                 </a:extLst>
               </a:tr>
@@ -16475,7 +16734,7 @@
                 </a:solidFill>
                 <a:cs typeface="B Nazanin" panose="00000400000000000000" pitchFamily="2" charset="-78"/>
               </a:rPr>
-              <a:t>مشاهده تکرار برخی کلمات مانند </a:t>
+              <a:t>تکرار برخی کلمات مانند </a:t>
             </a:r>
             <a:r>
               <a:rPr lang="en-US" sz="2400" dirty="0" smtClean="0">
@@ -16956,7 +17215,7 @@
         </p:nvSpPr>
         <p:spPr>
           <a:xfrm rot="5400000">
-            <a:off x="9537700" y="2383126"/>
+            <a:off x="9947603" y="2383126"/>
             <a:ext cx="571500" cy="914400"/>
           </a:xfrm>
           <a:prstGeom prst="downArrow">
@@ -17026,7 +17285,7 @@
         </p:nvSpPr>
         <p:spPr>
           <a:xfrm>
-            <a:off x="1721109" y="6229301"/>
+            <a:off x="1848233" y="6238031"/>
             <a:ext cx="5761514" cy="369332"/>
           </a:xfrm>
           <a:prstGeom prst="rect">
@@ -17914,7 +18173,12 @@
             <p:ph idx="1"/>
           </p:nvPr>
         </p:nvSpPr>
-        <p:spPr/>
+        <p:spPr>
+          <a:xfrm>
+            <a:off x="2002221" y="2133600"/>
+            <a:ext cx="9502391" cy="3777622"/>
+          </a:xfrm>
+        </p:spPr>
         <p:txBody>
           <a:bodyPr>
             <a:noAutofit/>
@@ -18023,12 +18287,9 @@
             </a:r>
           </a:p>
           <a:p>
-            <a:pPr marL="914400" lvl="1" indent="-514350" algn="r" rtl="1">
-              <a:buFont typeface="+mj-lt"/>
-              <a:buAutoNum type="arabicPeriod"/>
-            </a:pPr>
-            <a:r>
-              <a:rPr lang="fa-IR" sz="2600" kern="0" dirty="0" smtClean="0">
+            <a:pPr marL="1200150" lvl="2" indent="-342900" algn="r" rtl="1"/>
+            <a:r>
+              <a:rPr lang="fa-IR" sz="2400" kern="0" dirty="0" smtClean="0">
                 <a:solidFill>
                   <a:schemeClr val="tx1"/>
                 </a:solidFill>
@@ -18036,10 +18297,10 @@
                 <a:ea typeface="Noto Sans CJK SC Regular"/>
                 <a:cs typeface="B Nazanin" panose="00000400000000000000" pitchFamily="2" charset="-78"/>
               </a:rPr>
-              <a:t>یافتن </a:t>
-            </a:r>
-            <a:r>
-              <a:rPr lang="fa-IR" sz="2600" kern="0" dirty="0">
+              <a:t>استفاده از </a:t>
+            </a:r>
+            <a:r>
+              <a:rPr lang="fa-IR" sz="2400" kern="0" dirty="0">
                 <a:solidFill>
                   <a:schemeClr val="tx1"/>
                 </a:solidFill>
@@ -18047,24 +18308,10 @@
                 <a:ea typeface="Noto Sans CJK SC Regular"/>
                 <a:cs typeface="B Nazanin" panose="00000400000000000000" pitchFamily="2" charset="-78"/>
               </a:rPr>
-              <a:t>موضوع با جست و جوی خود کلمه در متن </a:t>
-            </a:r>
-            <a:endParaRPr lang="fa-IR" sz="2600" kern="0" dirty="0" smtClean="0">
-              <a:solidFill>
-                <a:schemeClr val="tx1"/>
-              </a:solidFill>
-              <a:latin typeface="TimesNewRoman"/>
-              <a:ea typeface="Noto Sans CJK SC Regular"/>
-              <a:cs typeface="B Nazanin" panose="00000400000000000000" pitchFamily="2" charset="-78"/>
-            </a:endParaRPr>
-          </a:p>
-          <a:p>
-            <a:pPr marL="914400" lvl="1" indent="-514350" algn="r" rtl="1">
-              <a:buFont typeface="+mj-lt"/>
-              <a:buAutoNum type="arabicPeriod"/>
-            </a:pPr>
-            <a:r>
-              <a:rPr lang="fa-IR" sz="2600" kern="0" dirty="0" smtClean="0">
+              <a:t>ابزاری برای مشخص کردن </a:t>
+            </a:r>
+            <a:r>
+              <a:rPr lang="en-US" sz="2000" kern="0" dirty="0">
                 <a:solidFill>
                   <a:schemeClr val="tx1"/>
                 </a:solidFill>
@@ -18072,15 +18319,10 @@
                 <a:ea typeface="Noto Sans CJK SC Regular"/>
                 <a:cs typeface="B Nazanin" panose="00000400000000000000" pitchFamily="2" charset="-78"/>
               </a:rPr>
-              <a:t> یافتن نظردهنده </a:t>
-            </a:r>
-          </a:p>
-          <a:p>
-            <a:pPr marL="857250" lvl="2" indent="0" algn="r" rtl="1">
-              <a:buNone/>
-            </a:pPr>
-            <a:r>
-              <a:rPr lang="fa-IR" sz="2400" kern="0" dirty="0">
+              <a:t>Named entity </a:t>
+            </a:r>
+            <a:r>
+              <a:rPr lang="fa-IR" sz="2000" kern="0" dirty="0" smtClean="0">
                 <a:solidFill>
                   <a:schemeClr val="tx1"/>
                 </a:solidFill>
@@ -18088,7 +18330,29 @@
                 <a:ea typeface="Noto Sans CJK SC Regular"/>
                 <a:cs typeface="B Nazanin" panose="00000400000000000000" pitchFamily="2" charset="-78"/>
               </a:rPr>
-              <a:t> فقط فرد یا سازمان را به عنوان نظردهنده های ممکن در نظر گرفته است</a:t>
+              <a:t> </a:t>
+            </a:r>
+            <a:r>
+              <a:rPr lang="fa-IR" sz="2400" kern="0" dirty="0" smtClean="0">
+                <a:solidFill>
+                  <a:schemeClr val="tx1"/>
+                </a:solidFill>
+                <a:latin typeface="TimesNewRoman"/>
+                <a:ea typeface="Noto Sans CJK SC Regular"/>
+                <a:cs typeface="B Nazanin" panose="00000400000000000000" pitchFamily="2" charset="-78"/>
+              </a:rPr>
+              <a:t>ها  </a:t>
+            </a:r>
+            <a:r>
+              <a:rPr lang="fa-IR" sz="2400" kern="0" dirty="0">
+                <a:solidFill>
+                  <a:schemeClr val="tx1"/>
+                </a:solidFill>
+                <a:latin typeface="TimesNewRoman"/>
+                <a:ea typeface="Noto Sans CJK SC Regular"/>
+                <a:cs typeface="B Nazanin" panose="00000400000000000000" pitchFamily="2" charset="-78"/>
+              </a:rPr>
+              <a:t>برای تشخیص نظردهندگان یک عقیده </a:t>
             </a:r>
             <a:endParaRPr lang="fa-IR" sz="2400" kern="0" dirty="0" smtClean="0">
               <a:solidFill>
@@ -18100,12 +18364,9 @@
             </a:endParaRPr>
           </a:p>
           <a:p>
-            <a:pPr marL="914400" lvl="1" indent="-514350" algn="r" rtl="1">
-              <a:buFont typeface="+mj-lt"/>
-              <a:buAutoNum type="arabicPeriod"/>
-            </a:pPr>
-            <a:r>
-              <a:rPr lang="fa-IR" sz="2600" kern="0" dirty="0" smtClean="0">
+            <a:pPr marL="1200150" lvl="2" indent="-342900" algn="r" rtl="1"/>
+            <a:r>
+              <a:rPr lang="fa-IR" sz="2400" kern="0" dirty="0">
                 <a:solidFill>
                   <a:schemeClr val="tx1"/>
                 </a:solidFill>
@@ -18113,10 +18374,10 @@
                 <a:ea typeface="Noto Sans CJK SC Regular"/>
                 <a:cs typeface="B Nazanin" panose="00000400000000000000" pitchFamily="2" charset="-78"/>
               </a:rPr>
-              <a:t>تعیین</a:t>
-            </a:r>
-            <a:r>
-              <a:rPr lang="fa-IR" sz="2600" kern="0" dirty="0">
+              <a:t>نظردهنده های ممکن </a:t>
+            </a:r>
+            <a:r>
+              <a:rPr lang="fa-IR" sz="2400" kern="0" dirty="0" smtClean="0">
                 <a:solidFill>
                   <a:schemeClr val="tx1"/>
                 </a:solidFill>
@@ -18124,10 +18385,10 @@
                 <a:ea typeface="Noto Sans CJK SC Regular"/>
                 <a:cs typeface="B Nazanin" panose="00000400000000000000" pitchFamily="2" charset="-78"/>
               </a:rPr>
-              <a:t> منطقه نزدیک هر نظر </a:t>
-            </a:r>
-            <a:r>
-              <a:rPr lang="fa-IR" sz="2600" kern="0" dirty="0" smtClean="0">
+              <a:t>: </a:t>
+            </a:r>
+            <a:r>
+              <a:rPr lang="fa-IR" sz="2400" kern="0" dirty="0">
                 <a:solidFill>
                   <a:schemeClr val="tx1"/>
                 </a:solidFill>
@@ -18135,42 +18396,202 @@
                 <a:ea typeface="Noto Sans CJK SC Regular"/>
                 <a:cs typeface="B Nazanin" panose="00000400000000000000" pitchFamily="2" charset="-78"/>
               </a:rPr>
-              <a:t>هنده، </a:t>
-            </a:r>
-            <a:r>
-              <a:rPr lang="fa-IR" sz="2600" kern="0" dirty="0">
-                <a:solidFill>
-                  <a:schemeClr val="tx1"/>
-                </a:solidFill>
-                <a:latin typeface="TimesNewRoman"/>
-                <a:ea typeface="Noto Sans CJK SC Regular"/>
-                <a:cs typeface="B Nazanin" panose="00000400000000000000" pitchFamily="2" charset="-78"/>
-              </a:rPr>
-              <a:t>که احساسات آن باید در نظر گرفته </a:t>
-            </a:r>
-            <a:r>
-              <a:rPr lang="fa-IR" sz="2600" kern="0" dirty="0" smtClean="0">
-                <a:solidFill>
-                  <a:schemeClr val="tx1"/>
-                </a:solidFill>
-                <a:latin typeface="TimesNewRoman"/>
-                <a:ea typeface="Noto Sans CJK SC Regular"/>
-                <a:cs typeface="B Nazanin" panose="00000400000000000000" pitchFamily="2" charset="-78"/>
-              </a:rPr>
-              <a:t>شود</a:t>
-            </a:r>
-            <a:endParaRPr lang="en-US" sz="2600" kern="150" dirty="0" smtClean="0">
+              <a:t>فرد یا سازمان </a:t>
+            </a:r>
+            <a:endParaRPr lang="fa-IR" sz="2400" kern="0" dirty="0" smtClean="0">
               <a:solidFill>
                 <a:schemeClr val="tx1"/>
               </a:solidFill>
-              <a:effectLst/>
-              <a:latin typeface="Liberation Serif"/>
+              <a:latin typeface="TimesNewRoman"/>
               <a:ea typeface="Noto Sans CJK SC Regular"/>
-              <a:cs typeface="FreeSans"/>
+              <a:cs typeface="B Nazanin" panose="00000400000000000000" pitchFamily="2" charset="-78"/>
             </a:endParaRPr>
           </a:p>
           <a:p>
-            <a:pPr algn="r" rtl="1"/>
+            <a:pPr marL="1200150" lvl="2" indent="-342900" algn="r" rtl="1"/>
+            <a:r>
+              <a:rPr lang="fa-IR" sz="2400" kern="0" dirty="0" smtClean="0">
+                <a:solidFill>
+                  <a:schemeClr val="tx1"/>
+                </a:solidFill>
+                <a:latin typeface="TimesNewRoman"/>
+                <a:ea typeface="Noto Sans CJK SC Regular"/>
+                <a:cs typeface="B Nazanin" panose="00000400000000000000" pitchFamily="2" charset="-78"/>
+              </a:rPr>
+              <a:t>جمله </a:t>
+            </a:r>
+            <a:r>
+              <a:rPr lang="fa-IR" sz="2400" kern="0" dirty="0">
+                <a:solidFill>
+                  <a:schemeClr val="tx1"/>
+                </a:solidFill>
+                <a:latin typeface="TimesNewRoman"/>
+                <a:ea typeface="Noto Sans CJK SC Regular"/>
+                <a:cs typeface="B Nazanin" panose="00000400000000000000" pitchFamily="2" charset="-78"/>
+              </a:rPr>
+              <a:t>هایی با بیشتر از یک نظر </a:t>
+            </a:r>
+            <a:r>
+              <a:rPr lang="fa-IR" sz="2400" kern="0" dirty="0" smtClean="0">
+                <a:solidFill>
+                  <a:schemeClr val="tx1"/>
+                </a:solidFill>
+                <a:latin typeface="TimesNewRoman"/>
+                <a:ea typeface="Noto Sans CJK SC Regular"/>
+                <a:cs typeface="B Nazanin" panose="00000400000000000000" pitchFamily="2" charset="-78"/>
+              </a:rPr>
+              <a:t>دهنده:</a:t>
+            </a:r>
+            <a:r>
+              <a:rPr lang="fa-IR" sz="2400" kern="0" dirty="0">
+                <a:solidFill>
+                  <a:schemeClr val="tx1"/>
+                </a:solidFill>
+                <a:latin typeface="TimesNewRoman"/>
+                <a:ea typeface="Noto Sans CJK SC Regular"/>
+                <a:cs typeface="B Nazanin" panose="00000400000000000000" pitchFamily="2" charset="-78"/>
+              </a:rPr>
+              <a:t> انتخاب</a:t>
+            </a:r>
+            <a:r>
+              <a:rPr lang="fa-IR" sz="2400" kern="0" dirty="0" smtClean="0">
+                <a:solidFill>
+                  <a:schemeClr val="tx1"/>
+                </a:solidFill>
+                <a:latin typeface="TimesNewRoman"/>
+                <a:ea typeface="Noto Sans CJK SC Regular"/>
+                <a:cs typeface="B Nazanin" panose="00000400000000000000" pitchFamily="2" charset="-78"/>
+              </a:rPr>
+              <a:t> نامی که </a:t>
+            </a:r>
+            <a:r>
+              <a:rPr lang="fa-IR" sz="2400" kern="0" dirty="0">
+                <a:solidFill>
+                  <a:schemeClr val="tx1"/>
+                </a:solidFill>
+                <a:latin typeface="TimesNewRoman"/>
+                <a:ea typeface="Noto Sans CJK SC Regular"/>
+                <a:cs typeface="B Nazanin" panose="00000400000000000000" pitchFamily="2" charset="-78"/>
+              </a:rPr>
+              <a:t>به عبارت  موضوع نزدیکتر </a:t>
+            </a:r>
+            <a:r>
+              <a:rPr lang="fa-IR" sz="2400" kern="0" dirty="0" smtClean="0">
+                <a:solidFill>
+                  <a:schemeClr val="tx1"/>
+                </a:solidFill>
+                <a:latin typeface="TimesNewRoman"/>
+                <a:ea typeface="Noto Sans CJK SC Regular"/>
+                <a:cs typeface="B Nazanin" panose="00000400000000000000" pitchFamily="2" charset="-78"/>
+              </a:rPr>
+              <a:t>باشد</a:t>
+            </a:r>
+            <a:endParaRPr lang="fa-IR" sz="2400" kern="0" dirty="0">
+              <a:solidFill>
+                <a:schemeClr val="tx1"/>
+              </a:solidFill>
+              <a:latin typeface="TimesNewRoman"/>
+              <a:ea typeface="Noto Sans CJK SC Regular"/>
+              <a:cs typeface="B Nazanin" panose="00000400000000000000" pitchFamily="2" charset="-78"/>
+            </a:endParaRPr>
+          </a:p>
+          <a:p>
+            <a:pPr marL="457200" lvl="1" indent="0" algn="r" rtl="1">
+              <a:buNone/>
+            </a:pPr>
+            <a:r>
+              <a:rPr lang="fa-IR" sz="2600" kern="0" dirty="0" smtClean="0">
+                <a:solidFill>
+                  <a:schemeClr val="tx1"/>
+                </a:solidFill>
+                <a:latin typeface="TimesNewRoman"/>
+                <a:ea typeface="Noto Sans CJK SC Regular"/>
+                <a:cs typeface="B Nazanin" panose="00000400000000000000" pitchFamily="2" charset="-78"/>
+              </a:rPr>
+              <a:t>*</a:t>
+            </a:r>
+            <a:r>
+              <a:rPr lang="en-US" sz="2600" kern="0" dirty="0" smtClean="0">
+                <a:solidFill>
+                  <a:schemeClr val="tx1"/>
+                </a:solidFill>
+                <a:latin typeface="TimesNewRoman"/>
+                <a:ea typeface="Noto Sans CJK SC Regular"/>
+                <a:cs typeface="B Nazanin" panose="00000400000000000000" pitchFamily="2" charset="-78"/>
+              </a:rPr>
+              <a:t>Named </a:t>
+            </a:r>
+            <a:r>
+              <a:rPr lang="en-US" sz="2600" kern="0" dirty="0">
+                <a:solidFill>
+                  <a:schemeClr val="tx1"/>
+                </a:solidFill>
+                <a:latin typeface="TimesNewRoman"/>
+                <a:ea typeface="Noto Sans CJK SC Regular"/>
+                <a:cs typeface="B Nazanin" panose="00000400000000000000" pitchFamily="2" charset="-78"/>
+              </a:rPr>
+              <a:t>entity  </a:t>
+            </a:r>
+            <a:r>
+              <a:rPr lang="fa-IR" sz="2600" kern="0" dirty="0" smtClean="0">
+                <a:solidFill>
+                  <a:schemeClr val="tx1"/>
+                </a:solidFill>
+                <a:latin typeface="TimesNewRoman"/>
+                <a:ea typeface="Noto Sans CJK SC Regular"/>
+                <a:cs typeface="B Nazanin" panose="00000400000000000000" pitchFamily="2" charset="-78"/>
+              </a:rPr>
+              <a:t>یک </a:t>
+            </a:r>
+            <a:r>
+              <a:rPr lang="fa-IR" sz="2600" kern="0" dirty="0">
+                <a:solidFill>
+                  <a:schemeClr val="tx1"/>
+                </a:solidFill>
+                <a:latin typeface="TimesNewRoman"/>
+                <a:ea typeface="Noto Sans CJK SC Regular"/>
+                <a:cs typeface="B Nazanin" panose="00000400000000000000" pitchFamily="2" charset="-78"/>
+              </a:rPr>
+              <a:t>مفهوم در دنیای واقعی است مانند </a:t>
+            </a:r>
+            <a:r>
+              <a:rPr lang="fa-IR" sz="2600" kern="0" dirty="0" smtClean="0">
+                <a:solidFill>
+                  <a:schemeClr val="tx1"/>
+                </a:solidFill>
+                <a:latin typeface="TimesNewRoman"/>
+                <a:ea typeface="Noto Sans CJK SC Regular"/>
+                <a:cs typeface="B Nazanin" panose="00000400000000000000" pitchFamily="2" charset="-78"/>
+              </a:rPr>
+              <a:t>افراد </a:t>
+            </a:r>
+            <a:r>
+              <a:rPr lang="fa-IR" sz="2600" kern="0" dirty="0">
+                <a:solidFill>
+                  <a:schemeClr val="tx1"/>
+                </a:solidFill>
+                <a:latin typeface="TimesNewRoman"/>
+                <a:ea typeface="Noto Sans CJK SC Regular"/>
+                <a:cs typeface="B Nazanin" panose="00000400000000000000" pitchFamily="2" charset="-78"/>
+              </a:rPr>
+              <a:t>مکان ها سازمان ها محصولات و..که می تواند با یک نام خاص نشان داده </a:t>
+            </a:r>
+            <a:r>
+              <a:rPr lang="fa-IR" sz="2600" kern="0" dirty="0" smtClean="0">
+                <a:solidFill>
+                  <a:schemeClr val="tx1"/>
+                </a:solidFill>
+                <a:latin typeface="TimesNewRoman"/>
+                <a:ea typeface="Noto Sans CJK SC Regular"/>
+                <a:cs typeface="B Nazanin" panose="00000400000000000000" pitchFamily="2" charset="-78"/>
+              </a:rPr>
+              <a:t>شود</a:t>
+            </a:r>
+          </a:p>
+          <a:p>
+            <a:pPr marL="0" indent="0" algn="r" rtl="1">
+              <a:buNone/>
+            </a:pPr>
             <a:endParaRPr lang="en-US" sz="2800" dirty="0">
               <a:solidFill>
                 <a:schemeClr val="tx1"/>
@@ -18293,20 +18714,8 @@
                 </a:solidFill>
                 <a:cs typeface="B Nazanin" panose="00000400000000000000" pitchFamily="2" charset="-78"/>
               </a:rPr>
-              <a:t>- </a:t>
-            </a:r>
-            <a:r>
-              <a:rPr lang="fa-IR" sz="4000" dirty="0" smtClean="0">
-                <a:solidFill>
-                  <a:schemeClr val="tx1"/>
-                </a:solidFill>
-                <a:cs typeface="B Nazanin" panose="00000400000000000000" pitchFamily="2" charset="-78"/>
-              </a:rPr>
-              <a:t>گرایش جملات</a:t>
-            </a:r>
-            <a:endParaRPr lang="en-US" sz="4000" dirty="0">
-              <a:latin typeface="Times New Roman" panose="02020603050405020304" pitchFamily="18" charset="0"/>
-            </a:endParaRPr>
+              <a:t>- یافتن نظردهنده </a:t>
+            </a:r>
           </a:p>
         </p:txBody>
       </p:sp>
@@ -18438,7 +18847,7 @@
                 <a:ea typeface="Noto Sans CJK SC Regular"/>
                 <a:cs typeface="B Nazanin" panose="00000400000000000000" pitchFamily="2" charset="-78"/>
               </a:rPr>
-              <a:t>امکان مشخص کردن </a:t>
+              <a:t>مشخص کردن </a:t>
             </a:r>
             <a:r>
               <a:rPr lang="fa-IR" sz="2800" kern="0" dirty="0">
@@ -18482,7 +18891,7 @@
                 <a:ea typeface="Noto Sans CJK SC Regular"/>
                 <a:cs typeface="B Nazanin" panose="00000400000000000000" pitchFamily="2" charset="-78"/>
               </a:rPr>
-              <a:t>مختلفی:</a:t>
+              <a:t>مختلف:</a:t>
             </a:r>
             <a:endParaRPr lang="en-US" sz="2800" kern="150" dirty="0" smtClean="0">
               <a:solidFill>
@@ -18495,9 +18904,12 @@
             </a:endParaRPr>
           </a:p>
           <a:p>
-            <a:pPr lvl="1" algn="r" rtl="1"/>
-            <a:r>
-              <a:rPr lang="fa-IR" sz="2600" kern="0" dirty="0">
+            <a:pPr marL="514350" indent="-514350" algn="r" rtl="1">
+              <a:buFont typeface="+mj-lt"/>
+              <a:buAutoNum type="arabicPeriod"/>
+            </a:pPr>
+            <a:r>
+              <a:rPr lang="fa-IR" sz="2800" kern="0" dirty="0" smtClean="0">
                 <a:solidFill>
                   <a:schemeClr val="tx1"/>
                 </a:solidFill>
@@ -18505,9 +18917,20 @@
                 <a:ea typeface="Noto Sans CJK SC Regular"/>
                 <a:cs typeface="B Nazanin" panose="00000400000000000000" pitchFamily="2" charset="-78"/>
               </a:rPr>
-              <a:t>پنجره 1: کل جمله</a:t>
-            </a:r>
-            <a:endParaRPr lang="en-US" sz="2600" kern="150" dirty="0" smtClean="0">
+              <a:t> </a:t>
+            </a:r>
+            <a:r>
+              <a:rPr lang="fa-IR" sz="2800" kern="0" dirty="0">
+                <a:solidFill>
+                  <a:schemeClr val="tx1"/>
+                </a:solidFill>
+                <a:latin typeface="TimesNewRoman"/>
+                <a:ea typeface="Noto Sans CJK SC Regular"/>
+                <a:cs typeface="B Nazanin" panose="00000400000000000000" pitchFamily="2" charset="-78"/>
+              </a:rPr>
+              <a:t>کل جمله</a:t>
+            </a:r>
+            <a:endParaRPr lang="en-US" sz="2800" kern="150" dirty="0" smtClean="0">
               <a:solidFill>
                 <a:schemeClr val="tx1"/>
               </a:solidFill>
@@ -18518,9 +18941,12 @@
             </a:endParaRPr>
           </a:p>
           <a:p>
-            <a:pPr lvl="1" algn="r" rtl="1"/>
-            <a:r>
-              <a:rPr lang="fa-IR" sz="2600" kern="0" dirty="0">
+            <a:pPr marL="514350" indent="-514350" algn="r" rtl="1">
+              <a:buFont typeface="+mj-lt"/>
+              <a:buAutoNum type="arabicPeriod"/>
+            </a:pPr>
+            <a:r>
+              <a:rPr lang="fa-IR" sz="2800" kern="0" dirty="0" smtClean="0">
                 <a:solidFill>
                   <a:schemeClr val="tx1"/>
                 </a:solidFill>
@@ -18528,21 +18954,10 @@
                 <a:ea typeface="Noto Sans CJK SC Regular"/>
                 <a:cs typeface="B Nazanin" panose="00000400000000000000" pitchFamily="2" charset="-78"/>
               </a:rPr>
-              <a:t>پنجره 2: </a:t>
-            </a:r>
-            <a:endParaRPr lang="en-US" sz="2600" kern="0" dirty="0" smtClean="0">
-              <a:solidFill>
-                <a:schemeClr val="tx1"/>
-              </a:solidFill>
-              <a:latin typeface="TimesNewRoman"/>
-              <a:ea typeface="Noto Sans CJK SC Regular"/>
-              <a:cs typeface="B Nazanin" panose="00000400000000000000" pitchFamily="2" charset="-78"/>
-            </a:endParaRPr>
-          </a:p>
-          <a:p>
-            <a:pPr lvl="1" algn="r" rtl="1"/>
-            <a:r>
-              <a:rPr lang="fa-IR" sz="2600" kern="0" dirty="0" smtClean="0">
+              <a:t> لغات </a:t>
+            </a:r>
+            <a:r>
+              <a:rPr lang="fa-IR" sz="2800" kern="0" dirty="0">
                 <a:solidFill>
                   <a:schemeClr val="tx1"/>
                 </a:solidFill>
@@ -18550,20 +18965,9 @@
                 <a:ea typeface="Noto Sans CJK SC Regular"/>
                 <a:cs typeface="B Nazanin" panose="00000400000000000000" pitchFamily="2" charset="-78"/>
               </a:rPr>
-              <a:t>لغات </a:t>
-            </a:r>
-            <a:r>
-              <a:rPr lang="fa-IR" sz="2600" kern="0" dirty="0">
-                <a:solidFill>
-                  <a:schemeClr val="tx1"/>
-                </a:solidFill>
-                <a:latin typeface="TimesNewRoman"/>
-                <a:ea typeface="Noto Sans CJK SC Regular"/>
-                <a:cs typeface="B Nazanin" panose="00000400000000000000" pitchFamily="2" charset="-78"/>
-              </a:rPr>
               <a:t>بین نظردهنده وعبارت موضوع</a:t>
             </a:r>
-            <a:endParaRPr lang="en-US" sz="2600" kern="150" dirty="0" smtClean="0">
+            <a:endParaRPr lang="en-US" sz="2800" kern="150" dirty="0" smtClean="0">
               <a:solidFill>
                 <a:schemeClr val="tx1"/>
               </a:solidFill>
@@ -18574,9 +18978,12 @@
             </a:endParaRPr>
           </a:p>
           <a:p>
-            <a:pPr lvl="1" algn="r" rtl="1"/>
-            <a:r>
-              <a:rPr lang="fa-IR" sz="2600" kern="0" dirty="0">
+            <a:pPr marL="514350" indent="-514350" algn="r" rtl="1">
+              <a:buFont typeface="+mj-lt"/>
+              <a:buAutoNum type="arabicPeriod"/>
+            </a:pPr>
+            <a:r>
+              <a:rPr lang="fa-IR" sz="2800" kern="0" dirty="0" smtClean="0">
                 <a:solidFill>
                   <a:schemeClr val="tx1"/>
                 </a:solidFill>
@@ -18584,21 +18991,10 @@
                 <a:ea typeface="Noto Sans CJK SC Regular"/>
                 <a:cs typeface="B Nazanin" panose="00000400000000000000" pitchFamily="2" charset="-78"/>
               </a:rPr>
-              <a:t>پنجره 3: </a:t>
-            </a:r>
-            <a:r>
-              <a:rPr lang="fa-IR" sz="2600" kern="0" dirty="0" smtClean="0">
-                <a:solidFill>
-                  <a:schemeClr val="tx1"/>
-                </a:solidFill>
-                <a:latin typeface="TimesNewRoman"/>
-                <a:ea typeface="Noto Sans CJK SC Regular"/>
-                <a:cs typeface="B Nazanin" panose="00000400000000000000" pitchFamily="2" charset="-78"/>
-              </a:rPr>
-              <a:t>پنجره2 </a:t>
-            </a:r>
-            <a:r>
-              <a:rPr lang="fa-IR" sz="2600" kern="0" dirty="0">
+              <a:t> پنجره2 </a:t>
+            </a:r>
+            <a:r>
+              <a:rPr lang="fa-IR" sz="2800" kern="0" dirty="0">
                 <a:solidFill>
                   <a:schemeClr val="tx1"/>
                 </a:solidFill>
@@ -18608,7 +19004,7 @@
               </a:rPr>
               <a:t>± دوکلمه</a:t>
             </a:r>
-            <a:endParaRPr lang="en-US" sz="2600" kern="150" dirty="0" smtClean="0">
+            <a:endParaRPr lang="en-US" sz="2800" kern="150" dirty="0" smtClean="0">
               <a:solidFill>
                 <a:schemeClr val="tx1"/>
               </a:solidFill>
@@ -18619,9 +19015,12 @@
             </a:endParaRPr>
           </a:p>
           <a:p>
-            <a:pPr lvl="1" algn="r" rtl="1"/>
-            <a:r>
-              <a:rPr lang="fa-IR" sz="2600" kern="0" dirty="0">
+            <a:pPr marL="514350" indent="-514350" algn="r" rtl="1">
+              <a:buFont typeface="+mj-lt"/>
+              <a:buAutoNum type="arabicPeriod"/>
+            </a:pPr>
+            <a:r>
+              <a:rPr lang="fa-IR" sz="2800" kern="0" dirty="0" smtClean="0">
                 <a:solidFill>
                   <a:schemeClr val="tx1"/>
                 </a:solidFill>
@@ -18629,10 +19028,10 @@
                 <a:ea typeface="Noto Sans CJK SC Regular"/>
                 <a:cs typeface="Times New Roman" panose="02020603050405020304" pitchFamily="18" charset="0"/>
               </a:rPr>
-              <a:t>پنجره 4: </a:t>
-            </a:r>
-            <a:r>
-              <a:rPr lang="fa-IR" sz="2600" kern="0" dirty="0" smtClean="0">
+              <a:t>پنجره </a:t>
+            </a:r>
+            <a:r>
+              <a:rPr lang="fa-IR" sz="2800" kern="0" dirty="0">
                 <a:solidFill>
                   <a:schemeClr val="tx1"/>
                 </a:solidFill>
@@ -18640,10 +19039,10 @@
                 <a:ea typeface="Noto Sans CJK SC Regular"/>
                 <a:cs typeface="Times New Roman" panose="02020603050405020304" pitchFamily="18" charset="0"/>
               </a:rPr>
-              <a:t>پنجره </a:t>
-            </a:r>
-            <a:r>
-              <a:rPr lang="fa-IR" sz="2600" kern="0" dirty="0">
+              <a:t>2 تا پایان </a:t>
+            </a:r>
+            <a:r>
+              <a:rPr lang="fa-IR" sz="2800" kern="0" dirty="0" smtClean="0">
                 <a:solidFill>
                   <a:schemeClr val="tx1"/>
                 </a:solidFill>
@@ -18651,20 +19050,9 @@
                 <a:ea typeface="Noto Sans CJK SC Regular"/>
                 <a:cs typeface="Times New Roman" panose="02020603050405020304" pitchFamily="18" charset="0"/>
               </a:rPr>
-              <a:t>2 تا پایان </a:t>
-            </a:r>
-            <a:r>
-              <a:rPr lang="fa-IR" sz="2600" kern="0" dirty="0" smtClean="0">
-                <a:solidFill>
-                  <a:schemeClr val="tx1"/>
-                </a:solidFill>
-                <a:latin typeface="Liberation Serif"/>
-                <a:ea typeface="Noto Sans CJK SC Regular"/>
-                <a:cs typeface="Times New Roman" panose="02020603050405020304" pitchFamily="18" charset="0"/>
-              </a:rPr>
               <a:t>جمله</a:t>
             </a:r>
-            <a:endParaRPr lang="en-US" sz="2600" kern="150" dirty="0" smtClean="0">
+            <a:endParaRPr lang="en-US" sz="2800" kern="150" dirty="0" smtClean="0">
               <a:solidFill>
                 <a:schemeClr val="tx1"/>
               </a:solidFill>
@@ -18830,7 +19218,7 @@
         </p:nvSpPr>
         <p:spPr>
           <a:xfrm>
-            <a:off x="873792" y="2639877"/>
+            <a:off x="700372" y="2922340"/>
             <a:ext cx="6173394" cy="2799226"/>
           </a:xfrm>
           <a:prstGeom prst="rect">
@@ -19298,18 +19686,7 @@
               <a:t> </a:t>
             </a:r>
             <a:r>
-              <a:rPr lang="fa-IR" sz="2800" kern="0" dirty="0">
-                <a:solidFill>
-                  <a:schemeClr val="tx1"/>
-                </a:solidFill>
-                <a:latin typeface="TimesNewRoman"/>
-                <a:ea typeface="Noto Sans CJK SC Regular"/>
-                <a:cs typeface="B Nazanin" panose="00000400000000000000" pitchFamily="2" charset="-78"/>
-              </a:rPr>
-              <a:t>و  </a:t>
-            </a:r>
-            <a:r>
-              <a:rPr lang="en-US" sz="2800" kern="0" dirty="0">
+              <a:rPr lang="fa-IR" sz="2800" kern="0" dirty="0" smtClean="0">
                 <a:solidFill>
                   <a:schemeClr val="tx1"/>
                 </a:solidFill>
@@ -19320,7 +19697,18 @@
               <a:t> </a:t>
             </a:r>
             <a:r>
-              <a:rPr lang="en-US" sz="2400" kern="0" dirty="0">
+              <a:rPr lang="fa-IR" sz="2800" kern="0" dirty="0" smtClean="0">
+                <a:solidFill>
+                  <a:schemeClr val="tx1"/>
+                </a:solidFill>
+                <a:latin typeface="TimesNewRoman"/>
+                <a:ea typeface="Noto Sans CJK SC Regular"/>
+                <a:cs typeface="B Nazanin" panose="00000400000000000000" pitchFamily="2" charset="-78"/>
+              </a:rPr>
+              <a:t>و </a:t>
+            </a:r>
+            <a:r>
+              <a:rPr lang="en-US" sz="2800" kern="0" dirty="0" smtClean="0">
                 <a:solidFill>
                   <a:schemeClr val="tx1"/>
                 </a:solidFill>
@@ -19328,21 +19716,21 @@
                 <a:ea typeface="Noto Sans CJK SC Regular"/>
                 <a:cs typeface="Arial" panose="020B0604020202020204" pitchFamily="34" charset="0"/>
               </a:rPr>
-              <a:t>never</a:t>
-            </a:r>
-            <a:r>
-              <a:rPr lang="fa-IR" sz="2800" kern="0" dirty="0">
+              <a:t> </a:t>
+            </a:r>
+            <a:r>
+              <a:rPr lang="en-US" sz="2400" kern="0" dirty="0">
                 <a:solidFill>
                   <a:schemeClr val="tx1"/>
                 </a:solidFill>
                 <a:latin typeface="TimesNewRoman"/>
                 <a:ea typeface="Noto Sans CJK SC Regular"/>
-                <a:cs typeface="B Nazanin" panose="00000400000000000000" pitchFamily="2" charset="-78"/>
-              </a:rPr>
-              <a:t>می تواند گرایش احساسی را وارونه کند</a:t>
-            </a:r>
-            <a:r>
-              <a:rPr lang="fa-IR" sz="2800" kern="0" dirty="0" smtClean="0">
+                <a:cs typeface="Arial" panose="020B0604020202020204" pitchFamily="34" charset="0"/>
+              </a:rPr>
+              <a:t>never</a:t>
+            </a:r>
+            <a:r>
+              <a:rPr lang="fa-IR" sz="2800" kern="0" dirty="0">
                 <a:solidFill>
                   <a:schemeClr val="tx1"/>
                 </a:solidFill>
@@ -19350,7 +19738,18 @@
                 <a:ea typeface="Noto Sans CJK SC Regular"/>
                 <a:cs typeface="B Nazanin" panose="00000400000000000000" pitchFamily="2" charset="-78"/>
               </a:rPr>
-              <a:t>.</a:t>
+              <a:t>می تواند گرایش احساسی را وارونه </a:t>
+            </a:r>
+            <a:r>
+              <a:rPr lang="fa-IR" sz="2800" kern="0" dirty="0" smtClean="0">
+                <a:solidFill>
+                  <a:schemeClr val="tx1"/>
+                </a:solidFill>
+                <a:latin typeface="TimesNewRoman"/>
+                <a:ea typeface="Noto Sans CJK SC Regular"/>
+                <a:cs typeface="B Nazanin" panose="00000400000000000000" pitchFamily="2" charset="-78"/>
+              </a:rPr>
+              <a:t>کنند.</a:t>
             </a:r>
           </a:p>
           <a:p>
@@ -20393,7 +20792,7 @@
                     </a:solidFill>
                     <a:cs typeface="B Nazanin" panose="00000400000000000000" pitchFamily="2" charset="-78"/>
                   </a:rPr>
-                  <a:t>در آن متن به صورت مجموعه ای از کلمات بدون ترتیب نمایش داده می شود و قوانین گرامری و ترتیب کلمات را نادیده </a:t>
+                  <a:t>در آن متن به صورت مجموعه ای از کلمات بدون ترتیب نمایش داده می شود و قوانین گرامری </a:t>
                 </a:r>
                 <a:r>
                   <a:rPr lang="fa-IR" sz="2800" dirty="0" smtClean="0">
@@ -20402,7 +20801,25 @@
                     </a:solidFill>
                     <a:cs typeface="B Nazanin" panose="00000400000000000000" pitchFamily="2" charset="-78"/>
                   </a:rPr>
-                  <a:t>گرفته می شود</a:t>
+                  <a:t>را </a:t>
+                </a:r>
+                <a:r>
+                  <a:rPr lang="fa-IR" sz="2800" dirty="0">
+                    <a:solidFill>
+                      <a:schemeClr val="tx1"/>
+                    </a:solidFill>
+                    <a:cs typeface="B Nazanin" panose="00000400000000000000" pitchFamily="2" charset="-78"/>
+                  </a:rPr>
+                  <a:t>نادیده </a:t>
+                </a:r>
+                <a:r>
+                  <a:rPr lang="fa-IR" sz="2800" dirty="0" smtClean="0">
+                    <a:solidFill>
+                      <a:schemeClr val="tx1"/>
+                    </a:solidFill>
+                    <a:cs typeface="B Nazanin" panose="00000400000000000000" pitchFamily="2" charset="-78"/>
+                  </a:rPr>
+                  <a:t>می گیرد</a:t>
                 </a:r>
                 <a:endParaRPr lang="en-US" sz="2400" dirty="0" smtClean="0">
                   <a:solidFill>
@@ -20920,7 +21337,7 @@
               <a:blipFill>
                 <a:blip r:embed="rId3"/>
                 <a:stretch>
-                  <a:fillRect l="-1573" t="-2258" r="-1300" b="-10484"/>
+                  <a:fillRect l="-1573" t="-2258" r="-1300"/>
                 </a:stretch>
               </a:blipFill>
             </p:spPr>
@@ -21077,7 +21494,7 @@
             </p:spPr>
             <p:txBody>
               <a:bodyPr>
-                <a:normAutofit lnSpcReduction="10000"/>
+                <a:normAutofit fontScale="92500"/>
               </a:bodyPr>
               <a:lstStyle/>
               <a:p>
@@ -21325,7 +21742,7 @@
               </a:p>
               <a:p>
                 <a:pPr lvl="1" algn="r" rtl="1"/>
-                <a:endParaRPr lang="en-US" sz="3000" dirty="0" smtClean="0">
+                <a:endParaRPr lang="en-US" sz="2600" dirty="0" smtClean="0">
                   <a:solidFill>
                     <a:schemeClr val="tx1"/>
                   </a:solidFill>
@@ -21334,7 +21751,7 @@
               </a:p>
               <a:p>
                 <a:pPr lvl="1" algn="r" rtl="1"/>
-                <a:endParaRPr lang="fa-IR" sz="3000" dirty="0" smtClean="0">
+                <a:endParaRPr lang="fa-IR" sz="2600" dirty="0" smtClean="0">
                   <a:solidFill>
                     <a:schemeClr val="tx1"/>
                   </a:solidFill>
@@ -21350,7 +21767,7 @@
                     </a:solidFill>
                     <a:cs typeface="B Nazanin" panose="00000400000000000000" pitchFamily="2" charset="-78"/>
                   </a:rPr>
-                  <a:t>به </a:t>
+                  <a:t>با این روش به </a:t>
                 </a:r>
                 <a:r>
                   <a:rPr lang="fa-IR" sz="2600" dirty="0">
@@ -21368,7 +21785,7 @@
                     </a:solidFill>
                     <a:cs typeface="B Nazanin" panose="00000400000000000000" pitchFamily="2" charset="-78"/>
                   </a:rPr>
-                  <a:t> </a:t>
+                  <a:t> و جمع </a:t>
                 </a:r>
                 <a:r>
                   <a:rPr lang="fa-IR" sz="2600" dirty="0">
@@ -21377,7 +21794,7 @@
                     </a:solidFill>
                     <a:cs typeface="B Nazanin" panose="00000400000000000000" pitchFamily="2" charset="-78"/>
                   </a:rPr>
-                  <a:t>جمع احتمال همه ی کلمات </a:t>
+                  <a:t>احتمال همه ی کلمات </a:t>
                 </a:r>
                 <a:r>
                   <a:rPr lang="fa-IR" sz="2600" dirty="0" smtClean="0">
@@ -21454,7 +21871,7 @@
               <a:blipFill>
                 <a:blip r:embed="rId2"/>
                 <a:stretch>
-                  <a:fillRect l="-479"/>
+                  <a:fillRect l="-1642"/>
                 </a:stretch>
               </a:blipFill>
             </p:spPr>
@@ -22984,10 +23401,10 @@
                 <a:ea typeface="Noto Sans CJK SC Regular"/>
                 <a:cs typeface="B Nazanin" panose="00000400000000000000" pitchFamily="2" charset="-78"/>
               </a:rPr>
-              <a:t> انجام </a:t>
-            </a:r>
-            <a:r>
-              <a:rPr lang="en-US" sz="2000" kern="0" dirty="0">
+              <a:t> </a:t>
+            </a:r>
+            <a:r>
+              <a:rPr lang="en-US" sz="2400" kern="0" dirty="0">
                 <a:solidFill>
                   <a:schemeClr val="tx1"/>
                 </a:solidFill>
@@ -22998,7 +23415,7 @@
               <a:t>tokenization</a:t>
             </a:r>
             <a:r>
-              <a:rPr lang="en-US" sz="2400" kern="0" dirty="0">
+              <a:rPr lang="en-US" sz="2800" kern="0" dirty="0">
                 <a:solidFill>
                   <a:schemeClr val="tx1"/>
                 </a:solidFill>
@@ -23009,7 +23426,7 @@
               <a:t> </a:t>
             </a:r>
             <a:r>
-              <a:rPr lang="fa-IR" sz="2400" kern="0" dirty="0">
+              <a:rPr lang="fa-IR" sz="2800" kern="0" dirty="0">
                 <a:solidFill>
                   <a:schemeClr val="tx1"/>
                 </a:solidFill>
@@ -23019,22 +23436,8 @@
               </a:rPr>
               <a:t> </a:t>
             </a:r>
-            <a:endParaRPr lang="en-US" sz="2400" kern="0" dirty="0">
-              <a:solidFill>
-                <a:schemeClr val="tx1"/>
-              </a:solidFill>
-              <a:latin typeface="TimesNewRoman"/>
-              <a:ea typeface="Noto Sans CJK SC Regular"/>
-              <a:cs typeface="B Nazanin" panose="00000400000000000000" pitchFamily="2" charset="-78"/>
-            </a:endParaRPr>
-          </a:p>
-          <a:p>
-            <a:pPr marL="514350" indent="-514350" algn="r" rtl="1">
-              <a:buFont typeface="+mj-lt"/>
-              <a:buAutoNum type="arabicPeriod"/>
-            </a:pPr>
-            <a:r>
-              <a:rPr lang="fa-IR" sz="2400" kern="0" dirty="0">
+            <a:r>
+              <a:rPr lang="fa-IR" sz="2400" kern="0" dirty="0" smtClean="0">
                 <a:solidFill>
                   <a:schemeClr val="tx1"/>
                 </a:solidFill>
@@ -23042,7 +23445,18 @@
                 <a:ea typeface="Noto Sans CJK SC Regular"/>
                 <a:cs typeface="B Nazanin" panose="00000400000000000000" pitchFamily="2" charset="-78"/>
               </a:rPr>
-              <a:t> اعمال منفی کننده </a:t>
+              <a:t>و اعمال </a:t>
+            </a:r>
+            <a:r>
+              <a:rPr lang="fa-IR" sz="2400" kern="0" dirty="0">
+                <a:solidFill>
+                  <a:schemeClr val="tx1"/>
+                </a:solidFill>
+                <a:latin typeface="TimesNewRoman"/>
+                <a:ea typeface="Noto Sans CJK SC Regular"/>
+                <a:cs typeface="B Nazanin" panose="00000400000000000000" pitchFamily="2" charset="-78"/>
+              </a:rPr>
+              <a:t>منفی کننده </a:t>
             </a:r>
             <a:r>
               <a:rPr lang="fa-IR" sz="2400" kern="0" dirty="0" smtClean="0">
@@ -23085,7 +23499,7 @@
                 </a:solidFill>
                 <a:cs typeface="B Nazanin" panose="00000400000000000000" pitchFamily="2" charset="-78"/>
               </a:rPr>
-              <a:t> به </a:t>
+              <a:t> به کلماتی </a:t>
             </a:r>
             <a:r>
               <a:rPr lang="fa-IR" sz="2000" dirty="0">
@@ -23094,7 +23508,7 @@
                 </a:solidFill>
                 <a:cs typeface="B Nazanin" panose="00000400000000000000" pitchFamily="2" charset="-78"/>
               </a:rPr>
-              <a:t>کلماتی که بین عبارت منفی کننده مانند </a:t>
+              <a:t>که بین عبارت منفی کننده مانند </a:t>
             </a:r>
             <a:r>
               <a:rPr lang="en-US" sz="2000" dirty="0">
@@ -23167,7 +23581,7 @@
               <a:buAutoNum type="arabicPeriod"/>
             </a:pPr>
             <a:r>
-              <a:rPr lang="fa-IR" sz="2400" kern="0" dirty="0" smtClean="0">
+              <a:rPr lang="fa-IR" sz="2400" kern="0" dirty="0">
                 <a:solidFill>
                   <a:schemeClr val="tx1"/>
                 </a:solidFill>
@@ -23175,10 +23589,10 @@
                 <a:ea typeface="Noto Sans CJK SC Regular"/>
                 <a:cs typeface="B Nazanin" panose="00000400000000000000" pitchFamily="2" charset="-78"/>
               </a:rPr>
-              <a:t>کلمات </a:t>
-            </a:r>
-            <a:r>
-              <a:rPr lang="fa-IR" sz="2400" kern="0" dirty="0">
+              <a:t>برچسب </a:t>
+            </a:r>
+            <a:r>
+              <a:rPr lang="fa-IR" sz="2400" kern="0" dirty="0" smtClean="0">
                 <a:solidFill>
                   <a:schemeClr val="tx1"/>
                 </a:solidFill>
@@ -23186,7 +23600,29 @@
                 <a:ea typeface="Noto Sans CJK SC Regular"/>
                 <a:cs typeface="B Nazanin" panose="00000400000000000000" pitchFamily="2" charset="-78"/>
               </a:rPr>
-              <a:t>جملات مثبت برچسب مثبت زده </a:t>
+              <a:t>مثبت به کلمات </a:t>
+            </a:r>
+            <a:r>
+              <a:rPr lang="fa-IR" sz="2400" kern="0" dirty="0">
+                <a:solidFill>
+                  <a:schemeClr val="tx1"/>
+                </a:solidFill>
+                <a:latin typeface="TimesNewRoman"/>
+                <a:ea typeface="Noto Sans CJK SC Regular"/>
+                <a:cs typeface="B Nazanin" panose="00000400000000000000" pitchFamily="2" charset="-78"/>
+              </a:rPr>
+              <a:t>جملات </a:t>
+            </a:r>
+            <a:r>
+              <a:rPr lang="fa-IR" sz="2400" kern="0" dirty="0" smtClean="0">
+                <a:solidFill>
+                  <a:schemeClr val="tx1"/>
+                </a:solidFill>
+                <a:latin typeface="TimesNewRoman"/>
+                <a:ea typeface="Noto Sans CJK SC Regular"/>
+                <a:cs typeface="B Nazanin" panose="00000400000000000000" pitchFamily="2" charset="-78"/>
+              </a:rPr>
+              <a:t>مثبت</a:t>
             </a:r>
             <a:endParaRPr lang="en-US" sz="2400" kern="0" dirty="0">
               <a:solidFill>
@@ -23210,18 +23646,38 @@
                 <a:ea typeface="Noto Sans CJK SC Regular"/>
                 <a:cs typeface="B Nazanin" panose="00000400000000000000" pitchFamily="2" charset="-78"/>
               </a:rPr>
-              <a:t>کلمات جملات منفی برچسب منفی</a:t>
-            </a:r>
-            <a:endParaRPr lang="en-US" sz="2400" dirty="0">
-              <a:solidFill>
-                <a:schemeClr val="tx1"/>
-              </a:solidFill>
-            </a:endParaRPr>
-          </a:p>
-          <a:p>
-            <a:pPr marL="457200" lvl="1" indent="0" algn="r" rtl="1">
-              <a:buNone/>
-            </a:pPr>
+              <a:t>برچسب </a:t>
+            </a:r>
+            <a:r>
+              <a:rPr lang="fa-IR" sz="2400" kern="0" dirty="0" smtClean="0">
+                <a:solidFill>
+                  <a:schemeClr val="tx1"/>
+                </a:solidFill>
+                <a:latin typeface="TimesNewRoman"/>
+                <a:ea typeface="Noto Sans CJK SC Regular"/>
+                <a:cs typeface="B Nazanin" panose="00000400000000000000" pitchFamily="2" charset="-78"/>
+              </a:rPr>
+              <a:t>منفی</a:t>
+            </a:r>
+            <a:r>
+              <a:rPr lang="fa-IR" sz="2400" dirty="0" smtClean="0">
+                <a:solidFill>
+                  <a:schemeClr val="tx1"/>
+                </a:solidFill>
+              </a:rPr>
+              <a:t> </a:t>
+            </a:r>
+            <a:r>
+              <a:rPr lang="fa-IR" sz="2400" kern="0" dirty="0" smtClean="0">
+                <a:solidFill>
+                  <a:schemeClr val="tx1"/>
+                </a:solidFill>
+                <a:latin typeface="TimesNewRoman"/>
+                <a:ea typeface="Noto Sans CJK SC Regular"/>
+                <a:cs typeface="B Nazanin" panose="00000400000000000000" pitchFamily="2" charset="-78"/>
+              </a:rPr>
+              <a:t>به کلمات جملات منفی</a:t>
+            </a:r>
             <a:endParaRPr lang="en-US" sz="2400" kern="0" dirty="0">
               <a:solidFill>
                 <a:schemeClr val="tx1"/>
@@ -23549,7 +24005,28 @@
                 </a:solidFill>
                 <a:latin typeface="Times New Roman" panose="02020603050405020304" pitchFamily="18" charset="0"/>
               </a:rPr>
-              <a:t>crashing for no reason. </a:t>
+              <a:t>crashing for </a:t>
+            </a:r>
+            <a:r>
+              <a:rPr lang="en-US" dirty="0">
+                <a:solidFill>
+                  <a:srgbClr val="FF0000"/>
+                </a:solidFill>
+                <a:latin typeface="Times New Roman" panose="02020603050405020304" pitchFamily="18" charset="0"/>
+              </a:rPr>
+              <a:t>no</a:t>
+            </a:r>
+            <a:r>
+              <a:rPr lang="en-US" dirty="0">
+                <a:solidFill>
+                  <a:prstClr val="black">
+                    <a:lumMod val="75000"/>
+                    <a:lumOff val="25000"/>
+                  </a:prstClr>
+                </a:solidFill>
+                <a:latin typeface="Times New Roman" panose="02020603050405020304" pitchFamily="18" charset="0"/>
+              </a:rPr>
+              <a:t> reason. </a:t>
             </a:r>
             <a:r>
               <a:rPr lang="en-US" dirty="0" smtClean="0">
@@ -23891,7 +24368,19 @@
                 </a:solidFill>
                 <a:latin typeface="Times New Roman" panose="02020603050405020304" pitchFamily="18" charset="0"/>
               </a:rPr>
-              <a:t>started ,crashing ,for ,no ,reason</a:t>
+              <a:t>started ,crashing ,for ,</a:t>
+            </a:r>
+            <a:r>
+              <a:rPr lang="en-US" dirty="0" err="1" smtClean="0">
+                <a:solidFill>
+                  <a:prstClr val="black">
+                    <a:lumMod val="75000"/>
+                    <a:lumOff val="25000"/>
+                  </a:prstClr>
+                </a:solidFill>
+                <a:latin typeface="Times New Roman" panose="02020603050405020304" pitchFamily="18" charset="0"/>
+              </a:rPr>
+              <a:t>NO_reason</a:t>
             </a:r>
             <a:r>
               <a:rPr lang="fa-IR" dirty="0" smtClean="0">
@@ -24341,33 +24830,15 @@
                                   </p:childTnLst>
                                 </p:cTn>
                               </p:par>
-                            </p:childTnLst>
-                          </p:cTn>
-                        </p:par>
-                      </p:childTnLst>
-                    </p:cTn>
-                  </p:par>
-                  <p:par>
-                    <p:cTn id="10" fill="hold">
-                      <p:stCondLst>
-                        <p:cond delay="indefinite"/>
-                      </p:stCondLst>
-                      <p:childTnLst>
-                        <p:par>
-                          <p:cTn id="11" fill="hold">
-                            <p:stCondLst>
-                              <p:cond delay="0"/>
-                            </p:stCondLst>
-                            <p:childTnLst>
                               <p:par>
-                                <p:cTn id="12" presetID="10" presetClass="entr" presetSubtype="0" fill="hold" nodeType="clickEffect">
+                                <p:cTn id="10" presetID="10" presetClass="entr" presetSubtype="0" fill="hold" nodeType="withEffect">
                                   <p:stCondLst>
                                     <p:cond delay="0"/>
                                   </p:stCondLst>
                                   <p:childTnLst>
                                     <p:set>
                                       <p:cBhvr>
-                                        <p:cTn id="13" dur="1" fill="hold">
+                                        <p:cTn id="11" dur="1" fill="hold">
                                           <p:stCondLst>
                                             <p:cond delay="0"/>
                                           </p:stCondLst>
@@ -24389,7 +24860,7 @@
                                     </p:set>
                                     <p:animEffect transition="in" filter="fade">
                                       <p:cBhvr>
-                                        <p:cTn id="14" dur="500"/>
+                                        <p:cTn id="12" dur="500"/>
                                         <p:tgtEl>
                                           <p:spTgt spid="3">
                                             <p:txEl>
@@ -24403,57 +24874,14 @@
                                 </p:cTn>
                               </p:par>
                               <p:par>
-                                <p:cTn id="15" presetID="10" presetClass="entr" presetSubtype="0" fill="hold" nodeType="withEffect">
+                                <p:cTn id="13" presetID="10" presetClass="entr" presetSubtype="0" fill="hold" grpId="0" nodeType="withEffect">
                                   <p:stCondLst>
                                     <p:cond delay="0"/>
                                   </p:stCondLst>
                                   <p:childTnLst>
                                     <p:set>
                                       <p:cBhvr>
-                                        <p:cTn id="16" dur="1" fill="hold">
-                                          <p:stCondLst>
-                                            <p:cond delay="0"/>
-                                          </p:stCondLst>
-                                        </p:cTn>
-                                        <p:tgtEl>
-                                          <p:spTgt spid="3">
-                                            <p:txEl>
-                                              <p:pRg st="2" end="2"/>
-                                            </p:txEl>
-                                          </p:spTgt>
-                                        </p:tgtEl>
-                                        <p:attrNameLst>
-                                          <p:attrName>style.visibility</p:attrName>
-                                        </p:attrNameLst>
-                                      </p:cBhvr>
-                                      <p:to>
-                                        <p:strVal val="visible"/>
-                                      </p:to>
-                                    </p:set>
-                                    <p:animEffect transition="in" filter="fade">
-                                      <p:cBhvr>
-                                        <p:cTn id="17" dur="500"/>
-                                        <p:tgtEl>
-                                          <p:spTgt spid="3">
-                                            <p:txEl>
-                                              <p:pRg st="2" end="2"/>
-                                            </p:txEl>
-                                          </p:spTgt>
-                                        </p:tgtEl>
-                                      </p:cBhvr>
-                                    </p:animEffect>
-                                  </p:childTnLst>
-                                </p:cTn>
-                              </p:par>
-                              <p:par>
-                                <p:cTn id="18" presetID="10" presetClass="entr" presetSubtype="0" fill="hold" grpId="0" nodeType="withEffect">
-                                  <p:stCondLst>
-                                    <p:cond delay="0"/>
-                                  </p:stCondLst>
-                                  <p:childTnLst>
-                                    <p:set>
-                                      <p:cBhvr>
-                                        <p:cTn id="19" dur="1" fill="hold">
+                                        <p:cTn id="14" dur="1" fill="hold">
                                           <p:stCondLst>
                                             <p:cond delay="0"/>
                                           </p:stCondLst>
@@ -24471,7 +24899,7 @@
                                     </p:set>
                                     <p:animEffect transition="in" filter="fade">
                                       <p:cBhvr>
-                                        <p:cTn id="20" dur="500"/>
+                                        <p:cTn id="15" dur="500"/>
                                         <p:tgtEl>
                                           <p:spTgt spid="5"/>
                                         </p:tgtEl>
@@ -24487,26 +24915,227 @@
                     </p:cTn>
                   </p:par>
                   <p:par>
-                    <p:cTn id="21" fill="hold">
+                    <p:cTn id="16" fill="hold">
                       <p:stCondLst>
                         <p:cond delay="indefinite"/>
                       </p:stCondLst>
                       <p:childTnLst>
                         <p:par>
-                          <p:cTn id="22" fill="hold">
+                          <p:cTn id="17" fill="hold">
                             <p:stCondLst>
                               <p:cond delay="0"/>
                             </p:stCondLst>
                             <p:childTnLst>
                               <p:par>
-                                <p:cTn id="23" presetID="10" presetClass="entr" presetSubtype="0" fill="hold" nodeType="clickEffect">
+                                <p:cTn id="18" presetID="10" presetClass="entr" presetSubtype="0" fill="hold" nodeType="clickEffect">
                                   <p:stCondLst>
                                     <p:cond delay="0"/>
                                   </p:stCondLst>
                                   <p:childTnLst>
                                     <p:set>
                                       <p:cBhvr>
-                                        <p:cTn id="24" dur="1" fill="hold">
+                                        <p:cTn id="19" dur="1" fill="hold">
+                                          <p:stCondLst>
+                                            <p:cond delay="0"/>
+                                          </p:stCondLst>
+                                        </p:cTn>
+                                        <p:tgtEl>
+                                          <p:spTgt spid="3">
+                                            <p:txEl>
+                                              <p:pRg st="3" end="3"/>
+                                            </p:txEl>
+                                          </p:spTgt>
+                                        </p:tgtEl>
+                                        <p:attrNameLst>
+                                          <p:attrName>style.visibility</p:attrName>
+                                        </p:attrNameLst>
+                                      </p:cBhvr>
+                                      <p:to>
+                                        <p:strVal val="visible"/>
+                                      </p:to>
+                                    </p:set>
+                                    <p:animEffect transition="in" filter="fade">
+                                      <p:cBhvr>
+                                        <p:cTn id="20" dur="500"/>
+                                        <p:tgtEl>
+                                          <p:spTgt spid="3">
+                                            <p:txEl>
+                                              <p:pRg st="3" end="3"/>
+                                            </p:txEl>
+                                          </p:spTgt>
+                                        </p:tgtEl>
+                                      </p:cBhvr>
+                                    </p:animEffect>
+                                  </p:childTnLst>
+                                </p:cTn>
+                              </p:par>
+                              <p:par>
+                                <p:cTn id="21" presetID="10" presetClass="entr" presetSubtype="0" fill="hold" grpId="0" nodeType="withEffect">
+                                  <p:stCondLst>
+                                    <p:cond delay="0"/>
+                                  </p:stCondLst>
+                                  <p:childTnLst>
+                                    <p:set>
+                                      <p:cBhvr>
+                                        <p:cTn id="22" dur="1" fill="hold">
+                                          <p:stCondLst>
+                                            <p:cond delay="0"/>
+                                          </p:stCondLst>
+                                        </p:cTn>
+                                        <p:tgtEl>
+                                          <p:spTgt spid="14"/>
+                                        </p:tgtEl>
+                                        <p:attrNameLst>
+                                          <p:attrName>style.visibility</p:attrName>
+                                        </p:attrNameLst>
+                                      </p:cBhvr>
+                                      <p:to>
+                                        <p:strVal val="visible"/>
+                                      </p:to>
+                                    </p:set>
+                                    <p:animEffect transition="in" filter="fade">
+                                      <p:cBhvr>
+                                        <p:cTn id="23" dur="500"/>
+                                        <p:tgtEl>
+                                          <p:spTgt spid="14"/>
+                                        </p:tgtEl>
+                                      </p:cBhvr>
+                                    </p:animEffect>
+                                  </p:childTnLst>
+                                </p:cTn>
+                              </p:par>
+                              <p:par>
+                                <p:cTn id="24" presetID="10" presetClass="entr" presetSubtype="0" fill="hold" grpId="0" nodeType="withEffect">
+                                  <p:stCondLst>
+                                    <p:cond delay="0"/>
+                                  </p:stCondLst>
+                                  <p:childTnLst>
+                                    <p:set>
+                                      <p:cBhvr>
+                                        <p:cTn id="25" dur="1" fill="hold">
+                                          <p:stCondLst>
+                                            <p:cond delay="0"/>
+                                          </p:stCondLst>
+                                        </p:cTn>
+                                        <p:tgtEl>
+                                          <p:spTgt spid="15"/>
+                                        </p:tgtEl>
+                                        <p:attrNameLst>
+                                          <p:attrName>style.visibility</p:attrName>
+                                        </p:attrNameLst>
+                                      </p:cBhvr>
+                                      <p:to>
+                                        <p:strVal val="visible"/>
+                                      </p:to>
+                                    </p:set>
+                                    <p:animEffect transition="in" filter="fade">
+                                      <p:cBhvr>
+                                        <p:cTn id="26" dur="500"/>
+                                        <p:tgtEl>
+                                          <p:spTgt spid="15"/>
+                                        </p:tgtEl>
+                                      </p:cBhvr>
+                                    </p:animEffect>
+                                  </p:childTnLst>
+                                </p:cTn>
+                              </p:par>
+                              <p:par>
+                                <p:cTn id="27" presetID="10" presetClass="entr" presetSubtype="0" fill="hold" grpId="0" nodeType="withEffect">
+                                  <p:stCondLst>
+                                    <p:cond delay="0"/>
+                                  </p:stCondLst>
+                                  <p:childTnLst>
+                                    <p:set>
+                                      <p:cBhvr>
+                                        <p:cTn id="28" dur="1" fill="hold">
+                                          <p:stCondLst>
+                                            <p:cond delay="0"/>
+                                          </p:stCondLst>
+                                        </p:cTn>
+                                        <p:tgtEl>
+                                          <p:spTgt spid="12"/>
+                                        </p:tgtEl>
+                                        <p:attrNameLst>
+                                          <p:attrName>style.visibility</p:attrName>
+                                        </p:attrNameLst>
+                                      </p:cBhvr>
+                                      <p:to>
+                                        <p:strVal val="visible"/>
+                                      </p:to>
+                                    </p:set>
+                                    <p:animEffect transition="in" filter="fade">
+                                      <p:cBhvr>
+                                        <p:cTn id="29" dur="500"/>
+                                        <p:tgtEl>
+                                          <p:spTgt spid="12"/>
+                                        </p:tgtEl>
+                                      </p:cBhvr>
+                                    </p:animEffect>
+                                  </p:childTnLst>
+                                </p:cTn>
+                              </p:par>
+                              <p:par>
+                                <p:cTn id="30" presetID="10" presetClass="entr" presetSubtype="0" fill="hold" grpId="0" nodeType="withEffect">
+                                  <p:stCondLst>
+                                    <p:cond delay="0"/>
+                                  </p:stCondLst>
+                                  <p:childTnLst>
+                                    <p:set>
+                                      <p:cBhvr>
+                                        <p:cTn id="31" dur="1" fill="hold">
+                                          <p:stCondLst>
+                                            <p:cond delay="0"/>
+                                          </p:stCondLst>
+                                        </p:cTn>
+                                        <p:tgtEl>
+                                          <p:spTgt spid="13"/>
+                                        </p:tgtEl>
+                                        <p:attrNameLst>
+                                          <p:attrName>style.visibility</p:attrName>
+                                        </p:attrNameLst>
+                                      </p:cBhvr>
+                                      <p:to>
+                                        <p:strVal val="visible"/>
+                                      </p:to>
+                                    </p:set>
+                                    <p:animEffect transition="in" filter="fade">
+                                      <p:cBhvr>
+                                        <p:cTn id="32" dur="500"/>
+                                        <p:tgtEl>
+                                          <p:spTgt spid="13"/>
+                                        </p:tgtEl>
+                                      </p:cBhvr>
+                                    </p:animEffect>
+                                  </p:childTnLst>
+                                </p:cTn>
+                              </p:par>
+                            </p:childTnLst>
+                          </p:cTn>
+                        </p:par>
+                      </p:childTnLst>
+                    </p:cTn>
+                  </p:par>
+                  <p:par>
+                    <p:cTn id="33" fill="hold">
+                      <p:stCondLst>
+                        <p:cond delay="indefinite"/>
+                      </p:stCondLst>
+                      <p:childTnLst>
+                        <p:par>
+                          <p:cTn id="34" fill="hold">
+                            <p:stCondLst>
+                              <p:cond delay="0"/>
+                            </p:stCondLst>
+                            <p:childTnLst>
+                              <p:par>
+                                <p:cTn id="35" presetID="10" presetClass="entr" presetSubtype="0" fill="hold" nodeType="clickEffect">
+                                  <p:stCondLst>
+                                    <p:cond delay="0"/>
+                                  </p:stCondLst>
+                                  <p:childTnLst>
+                                    <p:set>
+                                      <p:cBhvr>
+                                        <p:cTn id="36" dur="1" fill="hold">
                                           <p:stCondLst>
                                             <p:cond delay="0"/>
                                           </p:stCondLst>
@@ -24528,153 +25157,13 @@
                                     </p:set>
                                     <p:animEffect transition="in" filter="fade">
                                       <p:cBhvr>
-                                        <p:cTn id="25" dur="500"/>
+                                        <p:cTn id="37" dur="500"/>
                                         <p:tgtEl>
                                           <p:spTgt spid="3">
                                             <p:txEl>
                                               <p:pRg st="4" end="4"/>
                                             </p:txEl>
                                           </p:spTgt>
-                                        </p:tgtEl>
-                                      </p:cBhvr>
-                                    </p:animEffect>
-                                  </p:childTnLst>
-                                </p:cTn>
-                              </p:par>
-                              <p:par>
-                                <p:cTn id="26" presetID="10" presetClass="entr" presetSubtype="0" fill="hold" grpId="0" nodeType="withEffect">
-                                  <p:stCondLst>
-                                    <p:cond delay="0"/>
-                                  </p:stCondLst>
-                                  <p:childTnLst>
-                                    <p:set>
-                                      <p:cBhvr>
-                                        <p:cTn id="27" dur="1" fill="hold">
-                                          <p:stCondLst>
-                                            <p:cond delay="0"/>
-                                          </p:stCondLst>
-                                        </p:cTn>
-                                        <p:tgtEl>
-                                          <p:spTgt spid="14"/>
-                                        </p:tgtEl>
-                                        <p:attrNameLst>
-                                          <p:attrName>style.visibility</p:attrName>
-                                        </p:attrNameLst>
-                                      </p:cBhvr>
-                                      <p:to>
-                                        <p:strVal val="visible"/>
-                                      </p:to>
-                                    </p:set>
-                                    <p:animEffect transition="in" filter="fade">
-                                      <p:cBhvr>
-                                        <p:cTn id="28" dur="500"/>
-                                        <p:tgtEl>
-                                          <p:spTgt spid="14"/>
-                                        </p:tgtEl>
-                                      </p:cBhvr>
-                                    </p:animEffect>
-                                  </p:childTnLst>
-                                </p:cTn>
-                              </p:par>
-                              <p:par>
-                                <p:cTn id="29" presetID="10" presetClass="entr" presetSubtype="0" fill="hold" grpId="0" nodeType="withEffect">
-                                  <p:stCondLst>
-                                    <p:cond delay="0"/>
-                                  </p:stCondLst>
-                                  <p:childTnLst>
-                                    <p:set>
-                                      <p:cBhvr>
-                                        <p:cTn id="30" dur="1" fill="hold">
-                                          <p:stCondLst>
-                                            <p:cond delay="0"/>
-                                          </p:stCondLst>
-                                        </p:cTn>
-                                        <p:tgtEl>
-                                          <p:spTgt spid="15"/>
-                                        </p:tgtEl>
-                                        <p:attrNameLst>
-                                          <p:attrName>style.visibility</p:attrName>
-                                        </p:attrNameLst>
-                                      </p:cBhvr>
-                                      <p:to>
-                                        <p:strVal val="visible"/>
-                                      </p:to>
-                                    </p:set>
-                                    <p:animEffect transition="in" filter="fade">
-                                      <p:cBhvr>
-                                        <p:cTn id="31" dur="500"/>
-                                        <p:tgtEl>
-                                          <p:spTgt spid="15"/>
-                                        </p:tgtEl>
-                                      </p:cBhvr>
-                                    </p:animEffect>
-                                  </p:childTnLst>
-                                </p:cTn>
-                              </p:par>
-                              <p:par>
-                                <p:cTn id="32" presetID="10" presetClass="entr" presetSubtype="0" fill="hold" grpId="0" nodeType="withEffect">
-                                  <p:stCondLst>
-                                    <p:cond delay="0"/>
-                                  </p:stCondLst>
-                                  <p:childTnLst>
-                                    <p:set>
-                                      <p:cBhvr>
-                                        <p:cTn id="33" dur="1" fill="hold">
-                                          <p:stCondLst>
-                                            <p:cond delay="0"/>
-                                          </p:stCondLst>
-                                        </p:cTn>
-                                        <p:tgtEl>
-                                          <p:spTgt spid="12"/>
-                                        </p:tgtEl>
-                                        <p:attrNameLst>
-                                          <p:attrName>style.visibility</p:attrName>
-                                        </p:attrNameLst>
-                                      </p:cBhvr>
-                                      <p:to>
-                                        <p:strVal val="visible"/>
-                                      </p:to>
-                                    </p:set>
-                                    <p:animEffect transition="in" filter="fade">
-                                      <p:cBhvr>
-                                        <p:cTn id="34" dur="500"/>
-                                        <p:tgtEl>
-                                          <p:spTgt spid="12"/>
-                                        </p:tgtEl>
-                                      </p:cBhvr>
-                                    </p:animEffect>
-                                  </p:childTnLst>
-                                </p:cTn>
-                              </p:par>
-                              <p:par>
-                                <p:cTn id="35" presetID="10" presetClass="entr" presetSubtype="0" fill="hold" grpId="0" nodeType="withEffect">
-                                  <p:stCondLst>
-                                    <p:cond delay="0"/>
-                                  </p:stCondLst>
-                                  <p:childTnLst>
-                                    <p:set>
-                                      <p:cBhvr>
-                                        <p:cTn id="36" dur="1" fill="hold">
-                                          <p:stCondLst>
-                                            <p:cond delay="0"/>
-                                          </p:stCondLst>
-                                        </p:cTn>
-                                        <p:tgtEl>
-                                          <p:spTgt spid="13"/>
-                                        </p:tgtEl>
-                                        <p:attrNameLst>
-                                          <p:attrName>style.visibility</p:attrName>
-                                        </p:attrNameLst>
-                                      </p:cBhvr>
-                                      <p:to>
-                                        <p:strVal val="visible"/>
-                                      </p:to>
-                                    </p:set>
-                                    <p:animEffect transition="in" filter="fade">
-                                      <p:cBhvr>
-                                        <p:cTn id="37" dur="500"/>
-                                        <p:tgtEl>
-                                          <p:spTgt spid="13"/>
                                         </p:tgtEl>
                                       </p:cBhvr>
                                     </p:animEffect>
@@ -24734,67 +25223,6 @@
                                           <p:spTgt spid="3">
                                             <p:txEl>
                                               <p:pRg st="5" end="5"/>
-                                            </p:txEl>
-                                          </p:spTgt>
-                                        </p:tgtEl>
-                                      </p:cBhvr>
-                                    </p:animEffect>
-                                  </p:childTnLst>
-                                </p:cTn>
-                              </p:par>
-                            </p:childTnLst>
-                          </p:cTn>
-                        </p:par>
-                      </p:childTnLst>
-                    </p:cTn>
-                  </p:par>
-                  <p:par>
-                    <p:cTn id="43" fill="hold">
-                      <p:stCondLst>
-                        <p:cond delay="indefinite"/>
-                      </p:stCondLst>
-                      <p:childTnLst>
-                        <p:par>
-                          <p:cTn id="44" fill="hold">
-                            <p:stCondLst>
-                              <p:cond delay="0"/>
-                            </p:stCondLst>
-                            <p:childTnLst>
-                              <p:par>
-                                <p:cTn id="45" presetID="10" presetClass="entr" presetSubtype="0" fill="hold" nodeType="clickEffect">
-                                  <p:stCondLst>
-                                    <p:cond delay="0"/>
-                                  </p:stCondLst>
-                                  <p:childTnLst>
-                                    <p:set>
-                                      <p:cBhvr>
-                                        <p:cTn id="46" dur="1" fill="hold">
-                                          <p:stCondLst>
-                                            <p:cond delay="0"/>
-                                          </p:stCondLst>
-                                        </p:cTn>
-                                        <p:tgtEl>
-                                          <p:spTgt spid="3">
-                                            <p:txEl>
-                                              <p:pRg st="6" end="6"/>
-                                            </p:txEl>
-                                          </p:spTgt>
-                                        </p:tgtEl>
-                                        <p:attrNameLst>
-                                          <p:attrName>style.visibility</p:attrName>
-                                        </p:attrNameLst>
-                                      </p:cBhvr>
-                                      <p:to>
-                                        <p:strVal val="visible"/>
-                                      </p:to>
-                                    </p:set>
-                                    <p:animEffect transition="in" filter="fade">
-                                      <p:cBhvr>
-                                        <p:cTn id="47" dur="500"/>
-                                        <p:tgtEl>
-                                          <p:spTgt spid="3">
-                                            <p:txEl>
-                                              <p:pRg st="6" end="6"/>
                                             </p:txEl>
                                           </p:spTgt>
                                         </p:tgtEl>
@@ -25359,133 +25787,133 @@
                 <a:gridCol w="926064">
                   <a:extLst>
                     <a:ext uri="{9D8B030D-6E8A-4147-A177-3AD203B41FA5}">
-                      <a16:colId xmlns="" xmlns:a16="http://schemas.microsoft.com/office/drawing/2014/main" val="1019926350"/>
+                      <a16:colId xmlns:a16="http://schemas.microsoft.com/office/drawing/2014/main" val="1019926350"/>
                     </a:ext>
                   </a:extLst>
                 </a:gridCol>
                 <a:gridCol w="623942">
                   <a:extLst>
                     <a:ext uri="{9D8B030D-6E8A-4147-A177-3AD203B41FA5}">
-                      <a16:colId xmlns="" xmlns:a16="http://schemas.microsoft.com/office/drawing/2014/main" val="1366633884"/>
+                      <a16:colId xmlns:a16="http://schemas.microsoft.com/office/drawing/2014/main" val="1366633884"/>
                     </a:ext>
                   </a:extLst>
                 </a:gridCol>
                 <a:gridCol w="464127">
                   <a:extLst>
                     <a:ext uri="{9D8B030D-6E8A-4147-A177-3AD203B41FA5}">
-                      <a16:colId xmlns="" xmlns:a16="http://schemas.microsoft.com/office/drawing/2014/main" val="1203188509"/>
+                      <a16:colId xmlns:a16="http://schemas.microsoft.com/office/drawing/2014/main" val="1203188509"/>
                     </a:ext>
                   </a:extLst>
                 </a:gridCol>
                 <a:gridCol w="363421">
                   <a:extLst>
                     <a:ext uri="{9D8B030D-6E8A-4147-A177-3AD203B41FA5}">
-                      <a16:colId xmlns="" xmlns:a16="http://schemas.microsoft.com/office/drawing/2014/main" val="3955462489"/>
+                      <a16:colId xmlns:a16="http://schemas.microsoft.com/office/drawing/2014/main" val="3955462489"/>
                     </a:ext>
                   </a:extLst>
                 </a:gridCol>
                 <a:gridCol w="569212">
                   <a:extLst>
                     <a:ext uri="{9D8B030D-6E8A-4147-A177-3AD203B41FA5}">
-                      <a16:colId xmlns="" xmlns:a16="http://schemas.microsoft.com/office/drawing/2014/main" val="2040685962"/>
+                      <a16:colId xmlns:a16="http://schemas.microsoft.com/office/drawing/2014/main" val="2040685962"/>
                     </a:ext>
                   </a:extLst>
                 </a:gridCol>
                 <a:gridCol w="623942">
                   <a:extLst>
                     <a:ext uri="{9D8B030D-6E8A-4147-A177-3AD203B41FA5}">
-                      <a16:colId xmlns="" xmlns:a16="http://schemas.microsoft.com/office/drawing/2014/main" val="3029554536"/>
+                      <a16:colId xmlns:a16="http://schemas.microsoft.com/office/drawing/2014/main" val="3029554536"/>
                     </a:ext>
                   </a:extLst>
                 </a:gridCol>
                 <a:gridCol w="1082599">
                   <a:extLst>
                     <a:ext uri="{9D8B030D-6E8A-4147-A177-3AD203B41FA5}">
-                      <a16:colId xmlns="" xmlns:a16="http://schemas.microsoft.com/office/drawing/2014/main" val="1624095574"/>
+                      <a16:colId xmlns:a16="http://schemas.microsoft.com/office/drawing/2014/main" val="1624095574"/>
                     </a:ext>
                   </a:extLst>
                 </a:gridCol>
                 <a:gridCol w="776098">
                   <a:extLst>
                     <a:ext uri="{9D8B030D-6E8A-4147-A177-3AD203B41FA5}">
-                      <a16:colId xmlns="" xmlns:a16="http://schemas.microsoft.com/office/drawing/2014/main" val="1963546674"/>
+                      <a16:colId xmlns:a16="http://schemas.microsoft.com/office/drawing/2014/main" val="1963546674"/>
                     </a:ext>
                   </a:extLst>
                 </a:gridCol>
                 <a:gridCol w="929347">
                   <a:extLst>
                     <a:ext uri="{9D8B030D-6E8A-4147-A177-3AD203B41FA5}">
-                      <a16:colId xmlns="" xmlns:a16="http://schemas.microsoft.com/office/drawing/2014/main" val="2846790725"/>
+                      <a16:colId xmlns:a16="http://schemas.microsoft.com/office/drawing/2014/main" val="2846790725"/>
                     </a:ext>
                   </a:extLst>
                 </a:gridCol>
                 <a:gridCol w="465221">
                   <a:extLst>
                     <a:ext uri="{9D8B030D-6E8A-4147-A177-3AD203B41FA5}">
-                      <a16:colId xmlns="" xmlns:a16="http://schemas.microsoft.com/office/drawing/2014/main" val="1745787932"/>
+                      <a16:colId xmlns:a16="http://schemas.microsoft.com/office/drawing/2014/main" val="1745787932"/>
                     </a:ext>
                   </a:extLst>
                 </a:gridCol>
                 <a:gridCol w="786503">
                   <a:extLst>
                     <a:ext uri="{9D8B030D-6E8A-4147-A177-3AD203B41FA5}">
-                      <a16:colId xmlns="" xmlns:a16="http://schemas.microsoft.com/office/drawing/2014/main" val="2608921950"/>
+                      <a16:colId xmlns:a16="http://schemas.microsoft.com/office/drawing/2014/main" val="2608921950"/>
                     </a:ext>
                   </a:extLst>
                 </a:gridCol>
                 <a:gridCol w="301486">
                   <a:extLst>
                     <a:ext uri="{9D8B030D-6E8A-4147-A177-3AD203B41FA5}">
-                      <a16:colId xmlns="" xmlns:a16="http://schemas.microsoft.com/office/drawing/2014/main" val="932157743"/>
+                      <a16:colId xmlns:a16="http://schemas.microsoft.com/office/drawing/2014/main" val="932157743"/>
                     </a:ext>
                   </a:extLst>
                 </a:gridCol>
                 <a:gridCol w="630405">
                   <a:extLst>
                     <a:ext uri="{9D8B030D-6E8A-4147-A177-3AD203B41FA5}">
-                      <a16:colId xmlns="" xmlns:a16="http://schemas.microsoft.com/office/drawing/2014/main" val="1087033832"/>
+                      <a16:colId xmlns:a16="http://schemas.microsoft.com/office/drawing/2014/main" val="1087033832"/>
                     </a:ext>
                   </a:extLst>
                 </a:gridCol>
                 <a:gridCol w="360758">
                   <a:extLst>
                     <a:ext uri="{9D8B030D-6E8A-4147-A177-3AD203B41FA5}">
-                      <a16:colId xmlns="" xmlns:a16="http://schemas.microsoft.com/office/drawing/2014/main" val="1394780793"/>
+                      <a16:colId xmlns:a16="http://schemas.microsoft.com/office/drawing/2014/main" val="1394780793"/>
                     </a:ext>
                   </a:extLst>
                 </a:gridCol>
                 <a:gridCol w="788416">
                   <a:extLst>
                     <a:ext uri="{9D8B030D-6E8A-4147-A177-3AD203B41FA5}">
-                      <a16:colId xmlns="" xmlns:a16="http://schemas.microsoft.com/office/drawing/2014/main" val="3177576158"/>
+                      <a16:colId xmlns:a16="http://schemas.microsoft.com/office/drawing/2014/main" val="3177576158"/>
                     </a:ext>
                   </a:extLst>
                 </a:gridCol>
                 <a:gridCol w="693807">
                   <a:extLst>
                     <a:ext uri="{9D8B030D-6E8A-4147-A177-3AD203B41FA5}">
-                      <a16:colId xmlns="" xmlns:a16="http://schemas.microsoft.com/office/drawing/2014/main" val="2097883519"/>
+                      <a16:colId xmlns:a16="http://schemas.microsoft.com/office/drawing/2014/main" val="2097883519"/>
                     </a:ext>
                   </a:extLst>
                 </a:gridCol>
                 <a:gridCol w="819953">
                   <a:extLst>
                     <a:ext uri="{9D8B030D-6E8A-4147-A177-3AD203B41FA5}">
-                      <a16:colId xmlns="" xmlns:a16="http://schemas.microsoft.com/office/drawing/2014/main" val="2132594911"/>
+                      <a16:colId xmlns:a16="http://schemas.microsoft.com/office/drawing/2014/main" val="2132594911"/>
                     </a:ext>
                   </a:extLst>
                 </a:gridCol>
                 <a:gridCol w="536123">
                   <a:extLst>
                     <a:ext uri="{9D8B030D-6E8A-4147-A177-3AD203B41FA5}">
-                      <a16:colId xmlns="" xmlns:a16="http://schemas.microsoft.com/office/drawing/2014/main" val="3087822251"/>
+                      <a16:colId xmlns:a16="http://schemas.microsoft.com/office/drawing/2014/main" val="3087822251"/>
                     </a:ext>
                   </a:extLst>
                 </a:gridCol>
                 <a:gridCol w="961866">
                   <a:extLst>
                     <a:ext uri="{9D8B030D-6E8A-4147-A177-3AD203B41FA5}">
-                      <a16:colId xmlns="" xmlns:a16="http://schemas.microsoft.com/office/drawing/2014/main" val="1280327180"/>
+                      <a16:colId xmlns:a16="http://schemas.microsoft.com/office/drawing/2014/main" val="1280327180"/>
                     </a:ext>
                   </a:extLst>
                 </a:gridCol>
@@ -26057,7 +26485,7 @@
                 </a:tc>
                 <a:extLst>
                   <a:ext uri="{0D108BD9-81ED-4DB2-BD59-A6C34878D82A}">
-                    <a16:rowId xmlns="" xmlns:a16="http://schemas.microsoft.com/office/drawing/2014/main" val="3596903039"/>
+                    <a16:rowId xmlns:a16="http://schemas.microsoft.com/office/drawing/2014/main" val="3596903039"/>
                   </a:ext>
                 </a:extLst>
               </a:tr>
@@ -26583,7 +27011,7 @@
                 </a:tc>
                 <a:extLst>
                   <a:ext uri="{0D108BD9-81ED-4DB2-BD59-A6C34878D82A}">
-                    <a16:rowId xmlns="" xmlns:a16="http://schemas.microsoft.com/office/drawing/2014/main" val="3615953348"/>
+                    <a16:rowId xmlns:a16="http://schemas.microsoft.com/office/drawing/2014/main" val="3615953348"/>
                   </a:ext>
                 </a:extLst>
               </a:tr>
@@ -27109,7 +27537,7 @@
                 </a:tc>
                 <a:extLst>
                   <a:ext uri="{0D108BD9-81ED-4DB2-BD59-A6C34878D82A}">
-                    <a16:rowId xmlns="" xmlns:a16="http://schemas.microsoft.com/office/drawing/2014/main" val="1826018797"/>
+                    <a16:rowId xmlns:a16="http://schemas.microsoft.com/office/drawing/2014/main" val="1826018797"/>
                   </a:ext>
                 </a:extLst>
               </a:tr>
@@ -27117,6 +27545,415 @@
           </a:graphicData>
         </a:graphic>
       </p:graphicFrame>
+      <p:sp>
+        <p:nvSpPr>
+          <p:cNvPr id="7" name="TextBox 6"/>
+          <p:cNvSpPr txBox="1"/>
+          <p:nvPr/>
+        </p:nvSpPr>
+        <p:spPr>
+          <a:xfrm>
+            <a:off x="7094702" y="1080402"/>
+            <a:ext cx="5044446" cy="1990288"/>
+          </a:xfrm>
+          <a:prstGeom prst="rect">
+            <a:avLst/>
+          </a:prstGeom>
+          <a:noFill/>
+        </p:spPr>
+        <p:txBody>
+          <a:bodyPr wrap="square" rtlCol="0">
+            <a:spAutoFit/>
+          </a:bodyPr>
+          <a:lstStyle/>
+          <a:p>
+            <a:pPr lvl="0" defTabSz="457200">
+              <a:spcBef>
+                <a:spcPts val="1000"/>
+              </a:spcBef>
+              <a:buClr>
+                <a:srgbClr val="5B9BD5"/>
+              </a:buClr>
+            </a:pPr>
+            <a:endParaRPr lang="fa-IR" dirty="0">
+              <a:solidFill>
+                <a:prstClr val="black">
+                  <a:lumMod val="75000"/>
+                  <a:lumOff val="25000"/>
+                </a:prstClr>
+              </a:solidFill>
+              <a:latin typeface="Times New Roman" panose="02020603050405020304" pitchFamily="18" charset="0"/>
+            </a:endParaRPr>
+          </a:p>
+          <a:p>
+            <a:pPr lvl="0" defTabSz="457200">
+              <a:spcBef>
+                <a:spcPts val="1000"/>
+              </a:spcBef>
+              <a:buClr>
+                <a:srgbClr val="5B9BD5"/>
+              </a:buClr>
+            </a:pPr>
+            <a:r>
+              <a:rPr lang="fa-IR" dirty="0" smtClean="0">
+                <a:solidFill>
+                  <a:prstClr val="black">
+                    <a:lumMod val="75000"/>
+                    <a:lumOff val="25000"/>
+                  </a:prstClr>
+                </a:solidFill>
+                <a:latin typeface="Times New Roman" panose="02020603050405020304" pitchFamily="18" charset="0"/>
+              </a:rPr>
+              <a:t>}</a:t>
+            </a:r>
+            <a:r>
+              <a:rPr lang="en-US" dirty="0" smtClean="0">
+                <a:solidFill>
+                  <a:prstClr val="black">
+                    <a:lumMod val="75000"/>
+                    <a:lumOff val="25000"/>
+                  </a:prstClr>
+                </a:solidFill>
+                <a:latin typeface="Times New Roman" panose="02020603050405020304" pitchFamily="18" charset="0"/>
+              </a:rPr>
+              <a:t>This </a:t>
+            </a:r>
+            <a:r>
+              <a:rPr lang="en-US" dirty="0">
+                <a:solidFill>
+                  <a:prstClr val="black">
+                    <a:lumMod val="75000"/>
+                    <a:lumOff val="25000"/>
+                  </a:prstClr>
+                </a:solidFill>
+                <a:latin typeface="Times New Roman" panose="02020603050405020304" pitchFamily="18" charset="0"/>
+              </a:rPr>
+              <a:t>,</a:t>
+            </a:r>
+            <a:r>
+              <a:rPr lang="en-US" dirty="0" smtClean="0">
+                <a:solidFill>
+                  <a:prstClr val="black">
+                    <a:lumMod val="75000"/>
+                    <a:lumOff val="25000"/>
+                  </a:prstClr>
+                </a:solidFill>
+                <a:latin typeface="Times New Roman" panose="02020603050405020304" pitchFamily="18" charset="0"/>
+              </a:rPr>
+              <a:t>is ,a ,fun ,game</a:t>
+            </a:r>
+            <a:r>
+              <a:rPr lang="fa-IR" dirty="0" smtClean="0">
+                <a:solidFill>
+                  <a:prstClr val="black">
+                    <a:lumMod val="75000"/>
+                    <a:lumOff val="25000"/>
+                  </a:prstClr>
+                </a:solidFill>
+                <a:latin typeface="Times New Roman" panose="02020603050405020304" pitchFamily="18" charset="0"/>
+              </a:rPr>
+              <a:t>{</a:t>
+            </a:r>
+            <a:r>
+              <a:rPr lang="en-US" dirty="0" smtClean="0">
+                <a:solidFill>
+                  <a:prstClr val="black">
+                    <a:lumMod val="75000"/>
+                    <a:lumOff val="25000"/>
+                  </a:prstClr>
+                </a:solidFill>
+                <a:latin typeface="Times New Roman" panose="02020603050405020304" pitchFamily="18" charset="0"/>
+              </a:rPr>
+              <a:t>  </a:t>
+            </a:r>
+            <a:endParaRPr lang="en-US" dirty="0">
+              <a:solidFill>
+                <a:schemeClr val="accent1"/>
+              </a:solidFill>
+              <a:latin typeface="Times New Roman" panose="02020603050405020304" pitchFamily="18" charset="0"/>
+            </a:endParaRPr>
+          </a:p>
+          <a:p>
+            <a:pPr lvl="0" defTabSz="457200">
+              <a:spcBef>
+                <a:spcPts val="1000"/>
+              </a:spcBef>
+              <a:buClr>
+                <a:srgbClr val="5B9BD5"/>
+              </a:buClr>
+            </a:pPr>
+            <a:r>
+              <a:rPr lang="fa-IR" dirty="0" smtClean="0">
+                <a:solidFill>
+                  <a:prstClr val="black">
+                    <a:lumMod val="75000"/>
+                    <a:lumOff val="25000"/>
+                  </a:prstClr>
+                </a:solidFill>
+                <a:latin typeface="Times New Roman" panose="02020603050405020304" pitchFamily="18" charset="0"/>
+              </a:rPr>
+              <a:t>}</a:t>
+            </a:r>
+            <a:r>
+              <a:rPr lang="en-US" dirty="0" smtClean="0">
+                <a:solidFill>
+                  <a:prstClr val="black">
+                    <a:lumMod val="75000"/>
+                    <a:lumOff val="25000"/>
+                  </a:prstClr>
+                </a:solidFill>
+                <a:latin typeface="Times New Roman" panose="02020603050405020304" pitchFamily="18" charset="0"/>
+              </a:rPr>
+              <a:t>This ,game ,is ,wonderful</a:t>
+            </a:r>
+            <a:r>
+              <a:rPr lang="fa-IR" dirty="0" smtClean="0">
+                <a:solidFill>
+                  <a:prstClr val="black">
+                    <a:lumMod val="75000"/>
+                    <a:lumOff val="25000"/>
+                  </a:prstClr>
+                </a:solidFill>
+                <a:latin typeface="Times New Roman" panose="02020603050405020304" pitchFamily="18" charset="0"/>
+              </a:rPr>
+              <a:t>{</a:t>
+            </a:r>
+            <a:r>
+              <a:rPr lang="en-US" dirty="0" smtClean="0">
+                <a:solidFill>
+                  <a:prstClr val="black">
+                    <a:lumMod val="75000"/>
+                    <a:lumOff val="25000"/>
+                  </a:prstClr>
+                </a:solidFill>
+                <a:latin typeface="Times New Roman" panose="02020603050405020304" pitchFamily="18" charset="0"/>
+              </a:rPr>
+              <a:t> </a:t>
+            </a:r>
+            <a:r>
+              <a:rPr lang="fa-IR" dirty="0" smtClean="0">
+                <a:solidFill>
+                  <a:prstClr val="black">
+                    <a:lumMod val="75000"/>
+                    <a:lumOff val="25000"/>
+                  </a:prstClr>
+                </a:solidFill>
+                <a:latin typeface="Times New Roman" panose="02020603050405020304" pitchFamily="18" charset="0"/>
+              </a:rPr>
+              <a:t>  </a:t>
+            </a:r>
+            <a:endParaRPr lang="en-US" dirty="0">
+              <a:solidFill>
+                <a:schemeClr val="accent1"/>
+              </a:solidFill>
+              <a:latin typeface="Times New Roman" panose="02020603050405020304" pitchFamily="18" charset="0"/>
+            </a:endParaRPr>
+          </a:p>
+          <a:p>
+            <a:pPr lvl="0" defTabSz="457200">
+              <a:spcBef>
+                <a:spcPts val="1000"/>
+              </a:spcBef>
+              <a:buClr>
+                <a:srgbClr val="5B9BD5"/>
+              </a:buClr>
+            </a:pPr>
+            <a:r>
+              <a:rPr lang="fa-IR" dirty="0" smtClean="0">
+                <a:solidFill>
+                  <a:prstClr val="black">
+                    <a:lumMod val="75000"/>
+                    <a:lumOff val="25000"/>
+                  </a:prstClr>
+                </a:solidFill>
+                <a:latin typeface="Times New Roman" panose="02020603050405020304" pitchFamily="18" charset="0"/>
+              </a:rPr>
+              <a:t>}</a:t>
+            </a:r>
+            <a:r>
+              <a:rPr lang="en-US" dirty="0" smtClean="0">
+                <a:solidFill>
+                  <a:prstClr val="black">
+                    <a:lumMod val="75000"/>
+                    <a:lumOff val="25000"/>
+                  </a:prstClr>
+                </a:solidFill>
+                <a:latin typeface="Times New Roman" panose="02020603050405020304" pitchFamily="18" charset="0"/>
+              </a:rPr>
+              <a:t>started ,crashing ,for ,</a:t>
+            </a:r>
+            <a:r>
+              <a:rPr lang="en-US" dirty="0" err="1" smtClean="0">
+                <a:solidFill>
+                  <a:prstClr val="black">
+                    <a:lumMod val="75000"/>
+                    <a:lumOff val="25000"/>
+                  </a:prstClr>
+                </a:solidFill>
+                <a:latin typeface="Times New Roman" panose="02020603050405020304" pitchFamily="18" charset="0"/>
+              </a:rPr>
+              <a:t>NO_reason</a:t>
+            </a:r>
+            <a:r>
+              <a:rPr lang="fa-IR" dirty="0" smtClean="0">
+                <a:solidFill>
+                  <a:prstClr val="black">
+                    <a:lumMod val="75000"/>
+                    <a:lumOff val="25000"/>
+                  </a:prstClr>
+                </a:solidFill>
+                <a:latin typeface="Times New Roman" panose="02020603050405020304" pitchFamily="18" charset="0"/>
+              </a:rPr>
+              <a:t>{</a:t>
+            </a:r>
+            <a:r>
+              <a:rPr lang="en-US" dirty="0" smtClean="0">
+                <a:solidFill>
+                  <a:prstClr val="black">
+                    <a:lumMod val="75000"/>
+                    <a:lumOff val="25000"/>
+                  </a:prstClr>
+                </a:solidFill>
+                <a:latin typeface="Times New Roman" panose="02020603050405020304" pitchFamily="18" charset="0"/>
+              </a:rPr>
+              <a:t> </a:t>
+            </a:r>
+            <a:r>
+              <a:rPr lang="fa-IR" dirty="0" smtClean="0">
+                <a:solidFill>
+                  <a:prstClr val="black">
+                    <a:lumMod val="75000"/>
+                    <a:lumOff val="25000"/>
+                  </a:prstClr>
+                </a:solidFill>
+                <a:latin typeface="Times New Roman" panose="02020603050405020304" pitchFamily="18" charset="0"/>
+              </a:rPr>
+              <a:t> </a:t>
+            </a:r>
+            <a:endParaRPr lang="fa-IR" dirty="0">
+              <a:solidFill>
+                <a:prstClr val="black">
+                  <a:lumMod val="75000"/>
+                  <a:lumOff val="25000"/>
+                </a:prstClr>
+              </a:solidFill>
+              <a:latin typeface="Times New Roman" panose="02020603050405020304" pitchFamily="18" charset="0"/>
+            </a:endParaRPr>
+          </a:p>
+          <a:p>
+            <a:pPr lvl="0" defTabSz="457200">
+              <a:spcBef>
+                <a:spcPts val="1000"/>
+              </a:spcBef>
+              <a:buClr>
+                <a:srgbClr val="5B9BD5"/>
+              </a:buClr>
+            </a:pPr>
+            <a:r>
+              <a:rPr lang="fa-IR" dirty="0" smtClean="0">
+                <a:solidFill>
+                  <a:prstClr val="black">
+                    <a:lumMod val="75000"/>
+                    <a:lumOff val="25000"/>
+                  </a:prstClr>
+                </a:solidFill>
+                <a:latin typeface="Times New Roman" panose="02020603050405020304" pitchFamily="18" charset="0"/>
+              </a:rPr>
+              <a:t>}</a:t>
+            </a:r>
+            <a:r>
+              <a:rPr lang="en-US" dirty="0" smtClean="0">
+                <a:solidFill>
+                  <a:prstClr val="black">
+                    <a:lumMod val="75000"/>
+                    <a:lumOff val="25000"/>
+                  </a:prstClr>
+                </a:solidFill>
+                <a:latin typeface="Times New Roman" panose="02020603050405020304" pitchFamily="18" charset="0"/>
+              </a:rPr>
+              <a:t>I ,have ,to ,restart ,</a:t>
+            </a:r>
+            <a:r>
+              <a:rPr lang="en-US" dirty="0" err="1" smtClean="0">
+                <a:solidFill>
+                  <a:prstClr val="black">
+                    <a:lumMod val="75000"/>
+                    <a:lumOff val="25000"/>
+                  </a:prstClr>
+                </a:solidFill>
+                <a:latin typeface="Times New Roman" panose="02020603050405020304" pitchFamily="18" charset="0"/>
+              </a:rPr>
+              <a:t>everytime</a:t>
+            </a:r>
+            <a:r>
+              <a:rPr lang="en-US" dirty="0" smtClean="0">
+                <a:solidFill>
+                  <a:prstClr val="black">
+                    <a:lumMod val="75000"/>
+                    <a:lumOff val="25000"/>
+                  </a:prstClr>
+                </a:solidFill>
+                <a:latin typeface="Times New Roman" panose="02020603050405020304" pitchFamily="18" charset="0"/>
+              </a:rPr>
+              <a:t> ,before ,new </a:t>
+            </a:r>
+            <a:r>
+              <a:rPr lang="en-US" dirty="0">
+                <a:solidFill>
+                  <a:prstClr val="black">
+                    <a:lumMod val="75000"/>
+                    <a:lumOff val="25000"/>
+                  </a:prstClr>
+                </a:solidFill>
+                <a:latin typeface="Times New Roman" panose="02020603050405020304" pitchFamily="18" charset="0"/>
+              </a:rPr>
+              <a:t>game</a:t>
+            </a:r>
+            <a:r>
+              <a:rPr lang="en-US" dirty="0" smtClean="0">
+                <a:solidFill>
+                  <a:prstClr val="black">
+                    <a:lumMod val="75000"/>
+                    <a:lumOff val="25000"/>
+                  </a:prstClr>
+                </a:solidFill>
+                <a:latin typeface="Times New Roman" panose="02020603050405020304" pitchFamily="18" charset="0"/>
+              </a:rPr>
+              <a:t>.</a:t>
+            </a:r>
+            <a:r>
+              <a:rPr lang="fa-IR" dirty="0" smtClean="0">
+                <a:solidFill>
+                  <a:prstClr val="black">
+                    <a:lumMod val="75000"/>
+                    <a:lumOff val="25000"/>
+                  </a:prstClr>
+                </a:solidFill>
+                <a:latin typeface="Times New Roman" panose="02020603050405020304" pitchFamily="18" charset="0"/>
+              </a:rPr>
+              <a:t>{</a:t>
+            </a:r>
+            <a:r>
+              <a:rPr lang="en-US" dirty="0" smtClean="0">
+                <a:solidFill>
+                  <a:prstClr val="black">
+                    <a:lumMod val="75000"/>
+                    <a:lumOff val="25000"/>
+                  </a:prstClr>
+                </a:solidFill>
+                <a:latin typeface="Times New Roman" panose="02020603050405020304" pitchFamily="18" charset="0"/>
+              </a:rPr>
+              <a:t> </a:t>
+            </a:r>
+            <a:endParaRPr lang="en-US" dirty="0">
+              <a:solidFill>
+                <a:schemeClr val="accent2"/>
+              </a:solidFill>
+              <a:latin typeface="Times New Roman" panose="02020603050405020304" pitchFamily="18" charset="0"/>
+            </a:endParaRPr>
+          </a:p>
+        </p:txBody>
+      </p:sp>
     </p:spTree>
     <p:extLst>
       <p:ext uri="{BB962C8B-B14F-4D97-AF65-F5344CB8AC3E}">
@@ -27142,7 +27979,75 @@
   <p:timing>
     <p:tnLst>
       <p:par>
-        <p:cTn id="1" dur="indefinite" restart="never" nodeType="tmRoot"/>
+        <p:cTn id="1" dur="indefinite" restart="never" nodeType="tmRoot">
+          <p:childTnLst>
+            <p:seq concurrent="1" nextAc="seek">
+              <p:cTn id="2" dur="indefinite" nodeType="mainSeq">
+                <p:childTnLst>
+                  <p:par>
+                    <p:cTn id="3" fill="hold">
+                      <p:stCondLst>
+                        <p:cond delay="indefinite"/>
+                      </p:stCondLst>
+                      <p:childTnLst>
+                        <p:par>
+                          <p:cTn id="4" fill="hold">
+                            <p:stCondLst>
+                              <p:cond delay="0"/>
+                            </p:stCondLst>
+                            <p:childTnLst>
+                              <p:par>
+                                <p:cTn id="5" presetID="1" presetClass="entr" presetSubtype="0" fill="hold" nodeType="clickEffect">
+                                  <p:stCondLst>
+                                    <p:cond delay="0"/>
+                                  </p:stCondLst>
+                                  <p:childTnLst>
+                                    <p:set>
+                                      <p:cBhvr>
+                                        <p:cTn id="6" dur="1" fill="hold">
+                                          <p:stCondLst>
+                                            <p:cond delay="0"/>
+                                          </p:stCondLst>
+                                        </p:cTn>
+                                        <p:tgtEl>
+                                          <p:spTgt spid="9"/>
+                                        </p:tgtEl>
+                                        <p:attrNameLst>
+                                          <p:attrName>style.visibility</p:attrName>
+                                        </p:attrNameLst>
+                                      </p:cBhvr>
+                                      <p:to>
+                                        <p:strVal val="visible"/>
+                                      </p:to>
+                                    </p:set>
+                                  </p:childTnLst>
+                                </p:cTn>
+                              </p:par>
+                            </p:childTnLst>
+                          </p:cTn>
+                        </p:par>
+                      </p:childTnLst>
+                    </p:cTn>
+                  </p:par>
+                </p:childTnLst>
+              </p:cTn>
+              <p:prevCondLst>
+                <p:cond evt="onPrev" delay="0">
+                  <p:tgtEl>
+                    <p:sldTgt/>
+                  </p:tgtEl>
+                </p:cond>
+              </p:prevCondLst>
+              <p:nextCondLst>
+                <p:cond evt="onNext" delay="0">
+                  <p:tgtEl>
+                    <p:sldTgt/>
+                  </p:tgtEl>
+                </p:cond>
+              </p:nextCondLst>
+            </p:seq>
+          </p:childTnLst>
+        </p:cTn>
       </p:par>
     </p:tnLst>
   </p:timing>
@@ -27593,70 +28498,70 @@
                 <a:gridCol w="1156723">
                   <a:extLst>
                     <a:ext uri="{9D8B030D-6E8A-4147-A177-3AD203B41FA5}">
-                      <a16:colId xmlns="" xmlns:a16="http://schemas.microsoft.com/office/drawing/2014/main" val="3209943541"/>
+                      <a16:colId xmlns:a16="http://schemas.microsoft.com/office/drawing/2014/main" val="3209943541"/>
                     </a:ext>
                   </a:extLst>
                 </a:gridCol>
                 <a:gridCol w="1260841">
                   <a:extLst>
                     <a:ext uri="{9D8B030D-6E8A-4147-A177-3AD203B41FA5}">
-                      <a16:colId xmlns="" xmlns:a16="http://schemas.microsoft.com/office/drawing/2014/main" val="2100578376"/>
+                      <a16:colId xmlns:a16="http://schemas.microsoft.com/office/drawing/2014/main" val="2100578376"/>
                     </a:ext>
                   </a:extLst>
                 </a:gridCol>
                 <a:gridCol w="530580">
                   <a:extLst>
                     <a:ext uri="{9D8B030D-6E8A-4147-A177-3AD203B41FA5}">
-                      <a16:colId xmlns="" xmlns:a16="http://schemas.microsoft.com/office/drawing/2014/main" val="75355962"/>
+                      <a16:colId xmlns:a16="http://schemas.microsoft.com/office/drawing/2014/main" val="75355962"/>
                     </a:ext>
                   </a:extLst>
                 </a:gridCol>
                 <a:gridCol w="740246">
                   <a:extLst>
                     <a:ext uri="{9D8B030D-6E8A-4147-A177-3AD203B41FA5}">
-                      <a16:colId xmlns="" xmlns:a16="http://schemas.microsoft.com/office/drawing/2014/main" val="703225415"/>
+                      <a16:colId xmlns:a16="http://schemas.microsoft.com/office/drawing/2014/main" val="703225415"/>
                     </a:ext>
                   </a:extLst>
                 </a:gridCol>
                 <a:gridCol w="917105">
                   <a:extLst>
                     <a:ext uri="{9D8B030D-6E8A-4147-A177-3AD203B41FA5}">
-                      <a16:colId xmlns="" xmlns:a16="http://schemas.microsoft.com/office/drawing/2014/main" val="4266181011"/>
+                      <a16:colId xmlns:a16="http://schemas.microsoft.com/office/drawing/2014/main" val="4266181011"/>
                     </a:ext>
                   </a:extLst>
                 </a:gridCol>
                 <a:gridCol w="718850">
                   <a:extLst>
                     <a:ext uri="{9D8B030D-6E8A-4147-A177-3AD203B41FA5}">
-                      <a16:colId xmlns="" xmlns:a16="http://schemas.microsoft.com/office/drawing/2014/main" val="2833811841"/>
+                      <a16:colId xmlns:a16="http://schemas.microsoft.com/office/drawing/2014/main" val="2833811841"/>
                     </a:ext>
                   </a:extLst>
                 </a:gridCol>
                 <a:gridCol w="1162427">
                   <a:extLst>
                     <a:ext uri="{9D8B030D-6E8A-4147-A177-3AD203B41FA5}">
-                      <a16:colId xmlns="" xmlns:a16="http://schemas.microsoft.com/office/drawing/2014/main" val="1260269007"/>
+                      <a16:colId xmlns:a16="http://schemas.microsoft.com/office/drawing/2014/main" val="1260269007"/>
                     </a:ext>
                   </a:extLst>
                 </a:gridCol>
                 <a:gridCol w="775902">
                   <a:extLst>
                     <a:ext uri="{9D8B030D-6E8A-4147-A177-3AD203B41FA5}">
-                      <a16:colId xmlns="" xmlns:a16="http://schemas.microsoft.com/office/drawing/2014/main" val="1292009890"/>
+                      <a16:colId xmlns:a16="http://schemas.microsoft.com/office/drawing/2014/main" val="1292009890"/>
                     </a:ext>
                   </a:extLst>
                 </a:gridCol>
                 <a:gridCol w="904269">
                   <a:extLst>
                     <a:ext uri="{9D8B030D-6E8A-4147-A177-3AD203B41FA5}">
-                      <a16:colId xmlns="" xmlns:a16="http://schemas.microsoft.com/office/drawing/2014/main" val="3567343325"/>
+                      <a16:colId xmlns:a16="http://schemas.microsoft.com/office/drawing/2014/main" val="3567343325"/>
                     </a:ext>
                   </a:extLst>
                 </a:gridCol>
                 <a:gridCol w="1082554">
                   <a:extLst>
                     <a:ext uri="{9D8B030D-6E8A-4147-A177-3AD203B41FA5}">
-                      <a16:colId xmlns="" xmlns:a16="http://schemas.microsoft.com/office/drawing/2014/main" val="2508265451"/>
+                      <a16:colId xmlns:a16="http://schemas.microsoft.com/office/drawing/2014/main" val="2508265451"/>
                     </a:ext>
                   </a:extLst>
                 </a:gridCol>
@@ -27934,7 +28839,7 @@
                 </a:tc>
                 <a:extLst>
                   <a:ext uri="{0D108BD9-81ED-4DB2-BD59-A6C34878D82A}">
-                    <a16:rowId xmlns="" xmlns:a16="http://schemas.microsoft.com/office/drawing/2014/main" val="2658127765"/>
+                    <a16:rowId xmlns:a16="http://schemas.microsoft.com/office/drawing/2014/main" val="2658127765"/>
                   </a:ext>
                 </a:extLst>
               </a:tr>
@@ -28211,7 +29116,7 @@
                 </a:tc>
                 <a:extLst>
                   <a:ext uri="{0D108BD9-81ED-4DB2-BD59-A6C34878D82A}">
-                    <a16:rowId xmlns="" xmlns:a16="http://schemas.microsoft.com/office/drawing/2014/main" val="2188284860"/>
+                    <a16:rowId xmlns:a16="http://schemas.microsoft.com/office/drawing/2014/main" val="2188284860"/>
                   </a:ext>
                 </a:extLst>
               </a:tr>
@@ -28488,7 +29393,7 @@
                 </a:tc>
                 <a:extLst>
                   <a:ext uri="{0D108BD9-81ED-4DB2-BD59-A6C34878D82A}">
-                    <a16:rowId xmlns="" xmlns:a16="http://schemas.microsoft.com/office/drawing/2014/main" val="1306071958"/>
+                    <a16:rowId xmlns:a16="http://schemas.microsoft.com/office/drawing/2014/main" val="1306071958"/>
                   </a:ext>
                 </a:extLst>
               </a:tr>
@@ -28555,133 +29460,133 @@
                 <a:gridCol w="926064">
                   <a:extLst>
                     <a:ext uri="{9D8B030D-6E8A-4147-A177-3AD203B41FA5}">
-                      <a16:colId xmlns="" xmlns:a16="http://schemas.microsoft.com/office/drawing/2014/main" val="1019926350"/>
+                      <a16:colId xmlns:a16="http://schemas.microsoft.com/office/drawing/2014/main" val="1019926350"/>
                     </a:ext>
                   </a:extLst>
                 </a:gridCol>
                 <a:gridCol w="623942">
                   <a:extLst>
                     <a:ext uri="{9D8B030D-6E8A-4147-A177-3AD203B41FA5}">
-                      <a16:colId xmlns="" xmlns:a16="http://schemas.microsoft.com/office/drawing/2014/main" val="1366633884"/>
+                      <a16:colId xmlns:a16="http://schemas.microsoft.com/office/drawing/2014/main" val="1366633884"/>
                     </a:ext>
                   </a:extLst>
                 </a:gridCol>
                 <a:gridCol w="464127">
                   <a:extLst>
                     <a:ext uri="{9D8B030D-6E8A-4147-A177-3AD203B41FA5}">
-                      <a16:colId xmlns="" xmlns:a16="http://schemas.microsoft.com/office/drawing/2014/main" val="1203188509"/>
+                      <a16:colId xmlns:a16="http://schemas.microsoft.com/office/drawing/2014/main" val="1203188509"/>
                     </a:ext>
                   </a:extLst>
                 </a:gridCol>
                 <a:gridCol w="363421">
                   <a:extLst>
                     <a:ext uri="{9D8B030D-6E8A-4147-A177-3AD203B41FA5}">
-                      <a16:colId xmlns="" xmlns:a16="http://schemas.microsoft.com/office/drawing/2014/main" val="3955462489"/>
+                      <a16:colId xmlns:a16="http://schemas.microsoft.com/office/drawing/2014/main" val="3955462489"/>
                     </a:ext>
                   </a:extLst>
                 </a:gridCol>
                 <a:gridCol w="569212">
                   <a:extLst>
                     <a:ext uri="{9D8B030D-6E8A-4147-A177-3AD203B41FA5}">
-                      <a16:colId xmlns="" xmlns:a16="http://schemas.microsoft.com/office/drawing/2014/main" val="2040685962"/>
+                      <a16:colId xmlns:a16="http://schemas.microsoft.com/office/drawing/2014/main" val="2040685962"/>
                     </a:ext>
                   </a:extLst>
                 </a:gridCol>
                 <a:gridCol w="623942">
                   <a:extLst>
                     <a:ext uri="{9D8B030D-6E8A-4147-A177-3AD203B41FA5}">
-                      <a16:colId xmlns="" xmlns:a16="http://schemas.microsoft.com/office/drawing/2014/main" val="3029554536"/>
+                      <a16:colId xmlns:a16="http://schemas.microsoft.com/office/drawing/2014/main" val="3029554536"/>
                     </a:ext>
                   </a:extLst>
                 </a:gridCol>
                 <a:gridCol w="1082599">
                   <a:extLst>
                     <a:ext uri="{9D8B030D-6E8A-4147-A177-3AD203B41FA5}">
-                      <a16:colId xmlns="" xmlns:a16="http://schemas.microsoft.com/office/drawing/2014/main" val="1624095574"/>
+                      <a16:colId xmlns:a16="http://schemas.microsoft.com/office/drawing/2014/main" val="1624095574"/>
                     </a:ext>
                   </a:extLst>
                 </a:gridCol>
                 <a:gridCol w="776098">
                   <a:extLst>
                     <a:ext uri="{9D8B030D-6E8A-4147-A177-3AD203B41FA5}">
-                      <a16:colId xmlns="" xmlns:a16="http://schemas.microsoft.com/office/drawing/2014/main" val="1963546674"/>
+                      <a16:colId xmlns:a16="http://schemas.microsoft.com/office/drawing/2014/main" val="1963546674"/>
                     </a:ext>
                   </a:extLst>
                 </a:gridCol>
                 <a:gridCol w="929347">
                   <a:extLst>
                     <a:ext uri="{9D8B030D-6E8A-4147-A177-3AD203B41FA5}">
-                      <a16:colId xmlns="" xmlns:a16="http://schemas.microsoft.com/office/drawing/2014/main" val="2846790725"/>
+                      <a16:colId xmlns:a16="http://schemas.microsoft.com/office/drawing/2014/main" val="2846790725"/>
                     </a:ext>
                   </a:extLst>
                 </a:gridCol>
                 <a:gridCol w="465221">
                   <a:extLst>
                     <a:ext uri="{9D8B030D-6E8A-4147-A177-3AD203B41FA5}">
-                      <a16:colId xmlns="" xmlns:a16="http://schemas.microsoft.com/office/drawing/2014/main" val="1745787932"/>
+                      <a16:colId xmlns:a16="http://schemas.microsoft.com/office/drawing/2014/main" val="1745787932"/>
                     </a:ext>
                   </a:extLst>
                 </a:gridCol>
                 <a:gridCol w="786503">
                   <a:extLst>
                     <a:ext uri="{9D8B030D-6E8A-4147-A177-3AD203B41FA5}">
-                      <a16:colId xmlns="" xmlns:a16="http://schemas.microsoft.com/office/drawing/2014/main" val="2608921950"/>
+                      <a16:colId xmlns:a16="http://schemas.microsoft.com/office/drawing/2014/main" val="2608921950"/>
                     </a:ext>
                   </a:extLst>
                 </a:gridCol>
                 <a:gridCol w="301486">
                   <a:extLst>
                     <a:ext uri="{9D8B030D-6E8A-4147-A177-3AD203B41FA5}">
-                      <a16:colId xmlns="" xmlns:a16="http://schemas.microsoft.com/office/drawing/2014/main" val="932157743"/>
+                      <a16:colId xmlns:a16="http://schemas.microsoft.com/office/drawing/2014/main" val="932157743"/>
                     </a:ext>
                   </a:extLst>
                 </a:gridCol>
                 <a:gridCol w="630405">
                   <a:extLst>
                     <a:ext uri="{9D8B030D-6E8A-4147-A177-3AD203B41FA5}">
-                      <a16:colId xmlns="" xmlns:a16="http://schemas.microsoft.com/office/drawing/2014/main" val="1087033832"/>
+                      <a16:colId xmlns:a16="http://schemas.microsoft.com/office/drawing/2014/main" val="1087033832"/>
                     </a:ext>
                   </a:extLst>
                 </a:gridCol>
                 <a:gridCol w="360758">
                   <a:extLst>
                     <a:ext uri="{9D8B030D-6E8A-4147-A177-3AD203B41FA5}">
-                      <a16:colId xmlns="" xmlns:a16="http://schemas.microsoft.com/office/drawing/2014/main" val="1394780793"/>
+                      <a16:colId xmlns:a16="http://schemas.microsoft.com/office/drawing/2014/main" val="1394780793"/>
                     </a:ext>
                   </a:extLst>
                 </a:gridCol>
                 <a:gridCol w="788416">
                   <a:extLst>
                     <a:ext uri="{9D8B030D-6E8A-4147-A177-3AD203B41FA5}">
-                      <a16:colId xmlns="" xmlns:a16="http://schemas.microsoft.com/office/drawing/2014/main" val="3177576158"/>
+                      <a16:colId xmlns:a16="http://schemas.microsoft.com/office/drawing/2014/main" val="3177576158"/>
                     </a:ext>
                   </a:extLst>
                 </a:gridCol>
                 <a:gridCol w="693807">
                   <a:extLst>
                     <a:ext uri="{9D8B030D-6E8A-4147-A177-3AD203B41FA5}">
-                      <a16:colId xmlns="" xmlns:a16="http://schemas.microsoft.com/office/drawing/2014/main" val="2097883519"/>
+                      <a16:colId xmlns:a16="http://schemas.microsoft.com/office/drawing/2014/main" val="2097883519"/>
                     </a:ext>
                   </a:extLst>
                 </a:gridCol>
                 <a:gridCol w="819953">
                   <a:extLst>
                     <a:ext uri="{9D8B030D-6E8A-4147-A177-3AD203B41FA5}">
-                      <a16:colId xmlns="" xmlns:a16="http://schemas.microsoft.com/office/drawing/2014/main" val="2132594911"/>
+                      <a16:colId xmlns:a16="http://schemas.microsoft.com/office/drawing/2014/main" val="2132594911"/>
                     </a:ext>
                   </a:extLst>
                 </a:gridCol>
                 <a:gridCol w="536123">
                   <a:extLst>
                     <a:ext uri="{9D8B030D-6E8A-4147-A177-3AD203B41FA5}">
-                      <a16:colId xmlns="" xmlns:a16="http://schemas.microsoft.com/office/drawing/2014/main" val="3087822251"/>
+                      <a16:colId xmlns:a16="http://schemas.microsoft.com/office/drawing/2014/main" val="3087822251"/>
                     </a:ext>
                   </a:extLst>
                 </a:gridCol>
                 <a:gridCol w="961866">
                   <a:extLst>
                     <a:ext uri="{9D8B030D-6E8A-4147-A177-3AD203B41FA5}">
-                      <a16:colId xmlns="" xmlns:a16="http://schemas.microsoft.com/office/drawing/2014/main" val="1280327180"/>
+                      <a16:colId xmlns:a16="http://schemas.microsoft.com/office/drawing/2014/main" val="1280327180"/>
                     </a:ext>
                   </a:extLst>
                 </a:gridCol>
@@ -29253,7 +30158,7 @@
                 </a:tc>
                 <a:extLst>
                   <a:ext uri="{0D108BD9-81ED-4DB2-BD59-A6C34878D82A}">
-                    <a16:rowId xmlns="" xmlns:a16="http://schemas.microsoft.com/office/drawing/2014/main" val="3596903039"/>
+                    <a16:rowId xmlns:a16="http://schemas.microsoft.com/office/drawing/2014/main" val="3596903039"/>
                   </a:ext>
                 </a:extLst>
               </a:tr>
@@ -29779,7 +30684,7 @@
                 </a:tc>
                 <a:extLst>
                   <a:ext uri="{0D108BD9-81ED-4DB2-BD59-A6C34878D82A}">
-                    <a16:rowId xmlns="" xmlns:a16="http://schemas.microsoft.com/office/drawing/2014/main" val="3615953348"/>
+                    <a16:rowId xmlns:a16="http://schemas.microsoft.com/office/drawing/2014/main" val="3615953348"/>
                   </a:ext>
                 </a:extLst>
               </a:tr>
@@ -30305,7 +31210,7 @@
                 </a:tc>
                 <a:extLst>
                   <a:ext uri="{0D108BD9-81ED-4DB2-BD59-A6C34878D82A}">
-                    <a16:rowId xmlns="" xmlns:a16="http://schemas.microsoft.com/office/drawing/2014/main" val="1826018797"/>
+                    <a16:rowId xmlns:a16="http://schemas.microsoft.com/office/drawing/2014/main" val="1826018797"/>
                   </a:ext>
                 </a:extLst>
               </a:tr>
@@ -30338,7 +31243,75 @@
   <p:timing>
     <p:tnLst>
       <p:par>
-        <p:cTn id="1" dur="indefinite" restart="never" nodeType="tmRoot"/>
+        <p:cTn id="1" dur="indefinite" restart="never" nodeType="tmRoot">
+          <p:childTnLst>
+            <p:seq concurrent="1" nextAc="seek">
+              <p:cTn id="2" dur="indefinite" nodeType="mainSeq">
+                <p:childTnLst>
+                  <p:par>
+                    <p:cTn id="3" fill="hold">
+                      <p:stCondLst>
+                        <p:cond delay="indefinite"/>
+                      </p:stCondLst>
+                      <p:childTnLst>
+                        <p:par>
+                          <p:cTn id="4" fill="hold">
+                            <p:stCondLst>
+                              <p:cond delay="0"/>
+                            </p:stCondLst>
+                            <p:childTnLst>
+                              <p:par>
+                                <p:cTn id="5" presetID="1" presetClass="entr" presetSubtype="0" fill="hold" nodeType="clickEffect">
+                                  <p:stCondLst>
+                                    <p:cond delay="0"/>
+                                  </p:stCondLst>
+                                  <p:childTnLst>
+                                    <p:set>
+                                      <p:cBhvr>
+                                        <p:cTn id="6" dur="1" fill="hold">
+                                          <p:stCondLst>
+                                            <p:cond delay="0"/>
+                                          </p:stCondLst>
+                                        </p:cTn>
+                                        <p:tgtEl>
+                                          <p:spTgt spid="5"/>
+                                        </p:tgtEl>
+                                        <p:attrNameLst>
+                                          <p:attrName>style.visibility</p:attrName>
+                                        </p:attrNameLst>
+                                      </p:cBhvr>
+                                      <p:to>
+                                        <p:strVal val="visible"/>
+                                      </p:to>
+                                    </p:set>
+                                  </p:childTnLst>
+                                </p:cTn>
+                              </p:par>
+                            </p:childTnLst>
+                          </p:cTn>
+                        </p:par>
+                      </p:childTnLst>
+                    </p:cTn>
+                  </p:par>
+                </p:childTnLst>
+              </p:cTn>
+              <p:prevCondLst>
+                <p:cond evt="onPrev" delay="0">
+                  <p:tgtEl>
+                    <p:sldTgt/>
+                  </p:tgtEl>
+                </p:cond>
+              </p:prevCondLst>
+              <p:nextCondLst>
+                <p:cond evt="onNext" delay="0">
+                  <p:tgtEl>
+                    <p:sldTgt/>
+                  </p:tgtEl>
+                </p:cond>
+              </p:nextCondLst>
+            </p:seq>
+          </p:childTnLst>
+        </p:cTn>
       </p:par>
     </p:tnLst>
   </p:timing>
@@ -30390,70 +31363,70 @@
                 <a:gridCol w="1156723">
                   <a:extLst>
                     <a:ext uri="{9D8B030D-6E8A-4147-A177-3AD203B41FA5}">
-                      <a16:colId xmlns="" xmlns:a16="http://schemas.microsoft.com/office/drawing/2014/main" val="3209943541"/>
+                      <a16:colId xmlns:a16="http://schemas.microsoft.com/office/drawing/2014/main" val="3209943541"/>
                     </a:ext>
                   </a:extLst>
                 </a:gridCol>
                 <a:gridCol w="1260841">
                   <a:extLst>
                     <a:ext uri="{9D8B030D-6E8A-4147-A177-3AD203B41FA5}">
-                      <a16:colId xmlns="" xmlns:a16="http://schemas.microsoft.com/office/drawing/2014/main" val="2100578376"/>
+                      <a16:colId xmlns:a16="http://schemas.microsoft.com/office/drawing/2014/main" val="2100578376"/>
                     </a:ext>
                   </a:extLst>
                 </a:gridCol>
                 <a:gridCol w="530580">
                   <a:extLst>
                     <a:ext uri="{9D8B030D-6E8A-4147-A177-3AD203B41FA5}">
-                      <a16:colId xmlns="" xmlns:a16="http://schemas.microsoft.com/office/drawing/2014/main" val="75355962"/>
+                      <a16:colId xmlns:a16="http://schemas.microsoft.com/office/drawing/2014/main" val="75355962"/>
                     </a:ext>
                   </a:extLst>
                 </a:gridCol>
                 <a:gridCol w="740246">
                   <a:extLst>
                     <a:ext uri="{9D8B030D-6E8A-4147-A177-3AD203B41FA5}">
-                      <a16:colId xmlns="" xmlns:a16="http://schemas.microsoft.com/office/drawing/2014/main" val="703225415"/>
+                      <a16:colId xmlns:a16="http://schemas.microsoft.com/office/drawing/2014/main" val="703225415"/>
                     </a:ext>
                   </a:extLst>
                 </a:gridCol>
                 <a:gridCol w="917105">
                   <a:extLst>
                     <a:ext uri="{9D8B030D-6E8A-4147-A177-3AD203B41FA5}">
-                      <a16:colId xmlns="" xmlns:a16="http://schemas.microsoft.com/office/drawing/2014/main" val="4266181011"/>
+                      <a16:colId xmlns:a16="http://schemas.microsoft.com/office/drawing/2014/main" val="4266181011"/>
                     </a:ext>
                   </a:extLst>
                 </a:gridCol>
                 <a:gridCol w="718850">
                   <a:extLst>
                     <a:ext uri="{9D8B030D-6E8A-4147-A177-3AD203B41FA5}">
-                      <a16:colId xmlns="" xmlns:a16="http://schemas.microsoft.com/office/drawing/2014/main" val="2833811841"/>
+                      <a16:colId xmlns:a16="http://schemas.microsoft.com/office/drawing/2014/main" val="2833811841"/>
                     </a:ext>
                   </a:extLst>
                 </a:gridCol>
                 <a:gridCol w="1162427">
                   <a:extLst>
                     <a:ext uri="{9D8B030D-6E8A-4147-A177-3AD203B41FA5}">
-                      <a16:colId xmlns="" xmlns:a16="http://schemas.microsoft.com/office/drawing/2014/main" val="1260269007"/>
+                      <a16:colId xmlns:a16="http://schemas.microsoft.com/office/drawing/2014/main" val="1260269007"/>
                     </a:ext>
                   </a:extLst>
                 </a:gridCol>
                 <a:gridCol w="775902">
                   <a:extLst>
                     <a:ext uri="{9D8B030D-6E8A-4147-A177-3AD203B41FA5}">
-                      <a16:colId xmlns="" xmlns:a16="http://schemas.microsoft.com/office/drawing/2014/main" val="1292009890"/>
+                      <a16:colId xmlns:a16="http://schemas.microsoft.com/office/drawing/2014/main" val="1292009890"/>
                     </a:ext>
                   </a:extLst>
                 </a:gridCol>
                 <a:gridCol w="904269">
                   <a:extLst>
                     <a:ext uri="{9D8B030D-6E8A-4147-A177-3AD203B41FA5}">
-                      <a16:colId xmlns="" xmlns:a16="http://schemas.microsoft.com/office/drawing/2014/main" val="3567343325"/>
+                      <a16:colId xmlns:a16="http://schemas.microsoft.com/office/drawing/2014/main" val="3567343325"/>
                     </a:ext>
                   </a:extLst>
                 </a:gridCol>
                 <a:gridCol w="1082554">
                   <a:extLst>
                     <a:ext uri="{9D8B030D-6E8A-4147-A177-3AD203B41FA5}">
-                      <a16:colId xmlns="" xmlns:a16="http://schemas.microsoft.com/office/drawing/2014/main" val="2508265451"/>
+                      <a16:colId xmlns:a16="http://schemas.microsoft.com/office/drawing/2014/main" val="2508265451"/>
                     </a:ext>
                   </a:extLst>
                 </a:gridCol>
@@ -30731,7 +31704,7 @@
                 </a:tc>
                 <a:extLst>
                   <a:ext uri="{0D108BD9-81ED-4DB2-BD59-A6C34878D82A}">
-                    <a16:rowId xmlns="" xmlns:a16="http://schemas.microsoft.com/office/drawing/2014/main" val="2658127765"/>
+                    <a16:rowId xmlns:a16="http://schemas.microsoft.com/office/drawing/2014/main" val="2658127765"/>
                   </a:ext>
                 </a:extLst>
               </a:tr>
@@ -31008,7 +31981,7 @@
                 </a:tc>
                 <a:extLst>
                   <a:ext uri="{0D108BD9-81ED-4DB2-BD59-A6C34878D82A}">
-                    <a16:rowId xmlns="" xmlns:a16="http://schemas.microsoft.com/office/drawing/2014/main" val="2188284860"/>
+                    <a16:rowId xmlns:a16="http://schemas.microsoft.com/office/drawing/2014/main" val="2188284860"/>
                   </a:ext>
                 </a:extLst>
               </a:tr>
@@ -31285,7 +32258,7 @@
                 </a:tc>
                 <a:extLst>
                   <a:ext uri="{0D108BD9-81ED-4DB2-BD59-A6C34878D82A}">
-                    <a16:rowId xmlns="" xmlns:a16="http://schemas.microsoft.com/office/drawing/2014/main" val="1306071958"/>
+                    <a16:rowId xmlns:a16="http://schemas.microsoft.com/office/drawing/2014/main" val="1306071958"/>
                   </a:ext>
                 </a:extLst>
               </a:tr>
@@ -31977,8 +32950,8 @@
             </p:nvSpPr>
             <p:spPr>
               <a:xfrm>
-                <a:off x="1967472" y="2227577"/>
-                <a:ext cx="4994286" cy="4261616"/>
+                <a:off x="862149" y="2227577"/>
+                <a:ext cx="6099609" cy="4092723"/>
               </a:xfrm>
               <a:prstGeom prst="rect">
                 <a:avLst/>
@@ -32137,6 +33110,261 @@
                     </m:f>
                   </m:oMath>
                 </a14:m>
+                <a:endParaRPr lang="en-US" sz="2400" kern="150" dirty="0" smtClean="0">
+                  <a:effectLst/>
+                  <a:latin typeface="Liberation Serif"/>
+                  <a:ea typeface="Noto Sans CJK SC Regular"/>
+                  <a:cs typeface="FreeSans"/>
+                </a:endParaRPr>
+              </a:p>
+              <a:p>
+                <a:pPr fontAlgn="auto">
+                  <a:spcAft>
+                    <a:spcPts val="0"/>
+                  </a:spcAft>
+                </a:pPr>
+                <a:r>
+                  <a:rPr lang="en-US" sz="1600" kern="0" dirty="0">
+                    <a:solidFill>
+                      <a:prstClr val="black"/>
+                    </a:solidFill>
+                    <a:latin typeface="TimesNewRoman"/>
+                    <a:ea typeface="Noto Sans CJK SC Regular"/>
+                    <a:cs typeface="Arial" panose="020B0604020202020204" pitchFamily="34" charset="0"/>
+                  </a:rPr>
+                  <a:t>P(</a:t>
+                </a:r>
+                <a:r>
+                  <a:rPr lang="en-US" sz="1600" kern="0" dirty="0" err="1">
+                    <a:solidFill>
+                      <a:prstClr val="black"/>
+                    </a:solidFill>
+                    <a:latin typeface="TimesNewRoman"/>
+                    <a:ea typeface="Noto Sans CJK SC Regular"/>
+                    <a:cs typeface="Arial" panose="020B0604020202020204" pitchFamily="34" charset="0"/>
+                  </a:rPr>
+                  <a:t>game|document</a:t>
+                </a:r>
+                <a:r>
+                  <a:rPr lang="en-US" sz="1600" kern="0" dirty="0">
+                    <a:solidFill>
+                      <a:prstClr val="black"/>
+                    </a:solidFill>
+                    <a:latin typeface="TimesNewRoman"/>
+                    <a:ea typeface="Noto Sans CJK SC Regular"/>
+                    <a:cs typeface="Arial" panose="020B0604020202020204" pitchFamily="34" charset="0"/>
+                  </a:rPr>
+                  <a:t>)=P(</a:t>
+                </a:r>
+                <a:r>
+                  <a:rPr lang="en-US" sz="1600" kern="0" dirty="0" err="1">
+                    <a:solidFill>
+                      <a:prstClr val="black"/>
+                    </a:solidFill>
+                    <a:latin typeface="TimesNewRoman"/>
+                    <a:ea typeface="Noto Sans CJK SC Regular"/>
+                    <a:cs typeface="Arial" panose="020B0604020202020204" pitchFamily="34" charset="0"/>
+                  </a:rPr>
+                  <a:t>is|document</a:t>
+                </a:r>
+                <a:r>
+                  <a:rPr lang="en-US" sz="1600" kern="0" dirty="0">
+                    <a:solidFill>
+                      <a:prstClr val="black"/>
+                    </a:solidFill>
+                    <a:latin typeface="TimesNewRoman"/>
+                    <a:ea typeface="Noto Sans CJK SC Regular"/>
+                    <a:cs typeface="Arial" panose="020B0604020202020204" pitchFamily="34" charset="0"/>
+                  </a:rPr>
+                  <a:t>)=  </a:t>
+                </a:r>
+                <a14:m>
+                  <m:oMath xmlns:m="http://schemas.openxmlformats.org/officeDocument/2006/math">
+                    <m:r>
+                      <a:rPr lang="en-US" sz="1600" i="1" kern="0">
+                        <a:solidFill>
+                          <a:prstClr val="black"/>
+                        </a:solidFill>
+                        <a:latin typeface="Cambria Math" panose="02040503050406030204" pitchFamily="18" charset="0"/>
+                        <a:ea typeface="Noto Sans CJK SC Regular"/>
+                        <a:cs typeface="Arial" panose="020B0604020202020204" pitchFamily="34" charset="0"/>
+                      </a:rPr>
+                      <m:t> </m:t>
+                    </m:r>
+                    <m:f>
+                      <m:fPr>
+                        <m:ctrlPr>
+                          <a:rPr lang="en-US" sz="1600" i="1" kern="0">
+                            <a:solidFill>
+                              <a:prstClr val="black"/>
+                            </a:solidFill>
+                            <a:latin typeface="Cambria Math" panose="02040503050406030204" pitchFamily="18" charset="0"/>
+                            <a:ea typeface="Noto Sans CJK SC Regular"/>
+                            <a:cs typeface="Arial" panose="020B0604020202020204" pitchFamily="34" charset="0"/>
+                          </a:rPr>
+                        </m:ctrlPr>
+                      </m:fPr>
+                      <m:num>
+                        <m:r>
+                          <a:rPr lang="en-US" sz="1600" i="1" kern="0">
+                            <a:solidFill>
+                              <a:prstClr val="black"/>
+                            </a:solidFill>
+                            <a:latin typeface="Cambria Math" panose="02040503050406030204" pitchFamily="18" charset="0"/>
+                            <a:ea typeface="Noto Sans CJK SC Regular"/>
+                            <a:cs typeface="Arial" panose="020B0604020202020204" pitchFamily="34" charset="0"/>
+                          </a:rPr>
+                          <m:t>2</m:t>
+                        </m:r>
+                        <m:r>
+                          <a:rPr lang="en-US" sz="1600" i="1" kern="0">
+                            <a:solidFill>
+                              <a:prstClr val="black"/>
+                            </a:solidFill>
+                            <a:latin typeface="Cambria Math" panose="02040503050406030204" pitchFamily="18" charset="0"/>
+                            <a:ea typeface="Noto Sans CJK SC Regular"/>
+                            <a:cs typeface="Arial" panose="020B0604020202020204" pitchFamily="34" charset="0"/>
+                          </a:rPr>
+                          <m:t>+</m:t>
+                        </m:r>
+                        <m:r>
+                          <a:rPr lang="en-US" sz="1600" i="1" kern="0">
+                            <a:solidFill>
+                              <a:prstClr val="black"/>
+                            </a:solidFill>
+                            <a:latin typeface="Cambria Math" panose="02040503050406030204" pitchFamily="18" charset="0"/>
+                            <a:ea typeface="Noto Sans CJK SC Regular"/>
+                            <a:cs typeface="Arial" panose="020B0604020202020204" pitchFamily="34" charset="0"/>
+                          </a:rPr>
+                          <m:t>1</m:t>
+                        </m:r>
+                      </m:num>
+                      <m:den>
+                        <m:r>
+                          <a:rPr lang="en-US" sz="1600" i="1" kern="0">
+                            <a:solidFill>
+                              <a:prstClr val="black"/>
+                            </a:solidFill>
+                            <a:latin typeface="Cambria Math" panose="02040503050406030204" pitchFamily="18" charset="0"/>
+                            <a:ea typeface="Noto Sans CJK SC Regular"/>
+                            <a:cs typeface="Arial" panose="020B0604020202020204" pitchFamily="34" charset="0"/>
+                          </a:rPr>
+                          <m:t>9</m:t>
+                        </m:r>
+                        <m:r>
+                          <a:rPr lang="en-US" sz="1600" i="1" kern="0">
+                            <a:solidFill>
+                              <a:prstClr val="black"/>
+                            </a:solidFill>
+                            <a:latin typeface="Cambria Math" panose="02040503050406030204" pitchFamily="18" charset="0"/>
+                            <a:ea typeface="Noto Sans CJK SC Regular"/>
+                            <a:cs typeface="Arial" panose="020B0604020202020204" pitchFamily="34" charset="0"/>
+                          </a:rPr>
+                          <m:t>+(</m:t>
+                        </m:r>
+                        <m:r>
+                          <a:rPr lang="en-US" sz="1600" i="1" kern="0">
+                            <a:solidFill>
+                              <a:prstClr val="black"/>
+                            </a:solidFill>
+                            <a:latin typeface="Cambria Math" panose="02040503050406030204" pitchFamily="18" charset="0"/>
+                            <a:ea typeface="Noto Sans CJK SC Regular"/>
+                            <a:cs typeface="Arial" panose="020B0604020202020204" pitchFamily="34" charset="0"/>
+                          </a:rPr>
+                          <m:t>19</m:t>
+                        </m:r>
+                        <m:r>
+                          <a:rPr lang="en-US" sz="1600" i="1" kern="0">
+                            <a:solidFill>
+                              <a:prstClr val="black"/>
+                            </a:solidFill>
+                            <a:latin typeface="Cambria Math" panose="02040503050406030204" pitchFamily="18" charset="0"/>
+                            <a:ea typeface="Noto Sans CJK SC Regular"/>
+                            <a:cs typeface="Arial" panose="020B0604020202020204" pitchFamily="34" charset="0"/>
+                          </a:rPr>
+                          <m:t>)</m:t>
+                        </m:r>
+                      </m:den>
+                    </m:f>
+                    <m:r>
+                      <a:rPr lang="fa-IR" sz="1600" i="1" kern="0">
+                        <a:solidFill>
+                          <a:prstClr val="black"/>
+                        </a:solidFill>
+                        <a:latin typeface="Cambria Math" panose="02040503050406030204" pitchFamily="18" charset="0"/>
+                        <a:ea typeface="Noto Sans CJK SC Regular"/>
+                        <a:cs typeface="Arial" panose="020B0604020202020204" pitchFamily="34" charset="0"/>
+                      </a:rPr>
+                      <m:t> </m:t>
+                    </m:r>
+                  </m:oMath>
+                </a14:m>
+                <a:r>
+                  <a:rPr lang="fa-IR" sz="2000" kern="0" dirty="0">
+                    <a:solidFill>
+                      <a:prstClr val="black"/>
+                    </a:solidFill>
+                    <a:latin typeface="TimesNewRoman"/>
+                    <a:ea typeface="Noto Sans CJK SC Regular"/>
+                    <a:cs typeface="B Nazanin" panose="00000400000000000000" pitchFamily="2" charset="-78"/>
+                  </a:rPr>
+                  <a:t>=</a:t>
+                </a:r>
+                <a14:m>
+                  <m:oMath xmlns:m="http://schemas.openxmlformats.org/officeDocument/2006/math">
+                    <m:r>
+                      <a:rPr lang="fa-IR" sz="2000" i="1" kern="0">
+                        <a:solidFill>
+                          <a:prstClr val="black"/>
+                        </a:solidFill>
+                        <a:latin typeface="Cambria Math" panose="02040503050406030204" pitchFamily="18" charset="0"/>
+                        <a:ea typeface="Noto Sans CJK SC Regular"/>
+                        <a:cs typeface="Cambria Math" panose="02040503050406030204" pitchFamily="18" charset="0"/>
+                      </a:rPr>
+                      <m:t> </m:t>
+                    </m:r>
+                    <m:f>
+                      <m:fPr>
+                        <m:ctrlPr>
+                          <a:rPr lang="en-US" sz="2000" i="1" kern="0">
+                            <a:solidFill>
+                              <a:prstClr val="black"/>
+                            </a:solidFill>
+                            <a:latin typeface="Cambria Math" panose="02040503050406030204" pitchFamily="18" charset="0"/>
+                            <a:ea typeface="Noto Sans CJK SC Regular"/>
+                            <a:cs typeface="Arial" panose="020B0604020202020204" pitchFamily="34" charset="0"/>
+                          </a:rPr>
+                        </m:ctrlPr>
+                      </m:fPr>
+                      <m:num>
+                        <m:r>
+                          <a:rPr lang="en-US" sz="2000" i="1" kern="0">
+                            <a:solidFill>
+                              <a:prstClr val="black"/>
+                            </a:solidFill>
+                            <a:latin typeface="Cambria Math" panose="02040503050406030204" pitchFamily="18" charset="0"/>
+                            <a:ea typeface="Noto Sans CJK SC Regular"/>
+                            <a:cs typeface="Arial" panose="020B0604020202020204" pitchFamily="34" charset="0"/>
+                          </a:rPr>
+                          <m:t>3</m:t>
+                        </m:r>
+                      </m:num>
+                      <m:den>
+                        <m:r>
+                          <a:rPr lang="en-US" sz="2000" i="1" kern="0">
+                            <a:solidFill>
+                              <a:prstClr val="black"/>
+                            </a:solidFill>
+                            <a:latin typeface="Cambria Math" panose="02040503050406030204" pitchFamily="18" charset="0"/>
+                            <a:ea typeface="Noto Sans CJK SC Regular"/>
+                            <a:cs typeface="Arial" panose="020B0604020202020204" pitchFamily="34" charset="0"/>
+                          </a:rPr>
+                          <m:t>28</m:t>
+                        </m:r>
+                      </m:den>
+                    </m:f>
+                  </m:oMath>
+                </a14:m>
                 <a:endParaRPr lang="en-US" sz="2400" kern="150" dirty="0">
                   <a:effectLst/>
                   <a:latin typeface="Liberation Serif"/>
@@ -32172,7 +33400,31 @@
                     <a:ea typeface="Noto Sans CJK SC Regular"/>
                     <a:cs typeface="Arial" panose="020B0604020202020204" pitchFamily="34" charset="0"/>
                   </a:rPr>
-                  <a:t> |document)=  </a:t>
+                  <a:t> |document)= </a:t>
+                </a:r>
+                <a:r>
+                  <a:rPr lang="en-US" sz="1600" kern="0" dirty="0" smtClean="0">
+                    <a:latin typeface="TimesNewRoman"/>
+                    <a:ea typeface="Noto Sans CJK SC Regular"/>
+                    <a:cs typeface="Arial" panose="020B0604020202020204" pitchFamily="34" charset="0"/>
+                  </a:rPr>
+                  <a:t>P(I </a:t>
+                </a:r>
+                <a:r>
+                  <a:rPr lang="en-US" sz="1600" kern="0" dirty="0">
+                    <a:latin typeface="TimesNewRoman"/>
+                    <a:ea typeface="Noto Sans CJK SC Regular"/>
+                    <a:cs typeface="Arial" panose="020B0604020202020204" pitchFamily="34" charset="0"/>
+                  </a:rPr>
+                  <a:t>|document)=</a:t>
+                </a:r>
+                <a:r>
+                  <a:rPr lang="en-US" sz="1600" kern="0" dirty="0" smtClean="0">
+                    <a:latin typeface="TimesNewRoman"/>
+                    <a:ea typeface="Noto Sans CJK SC Regular"/>
+                    <a:cs typeface="Arial" panose="020B0604020202020204" pitchFamily="34" charset="0"/>
+                  </a:rPr>
+                  <a:t>…=</a:t>
                 </a:r>
                 <a14:m>
                   <m:oMath xmlns:m="http://schemas.openxmlformats.org/officeDocument/2006/math">
@@ -32343,185 +33595,6 @@
                     <a:ea typeface="Noto Sans CJK SC Regular"/>
                     <a:cs typeface="Arial" panose="020B0604020202020204" pitchFamily="34" charset="0"/>
                   </a:rPr>
-                  <a:t>game|document</a:t>
-                </a:r>
-                <a:r>
-                  <a:rPr lang="en-US" sz="1600" kern="0" dirty="0">
-                    <a:latin typeface="TimesNewRoman"/>
-                    <a:ea typeface="Noto Sans CJK SC Regular"/>
-                    <a:cs typeface="Arial" panose="020B0604020202020204" pitchFamily="34" charset="0"/>
-                  </a:rPr>
-                  <a:t>)=  </a:t>
-                </a:r>
-                <a14:m>
-                  <m:oMath xmlns:m="http://schemas.openxmlformats.org/officeDocument/2006/math">
-                    <m:r>
-                      <a:rPr lang="en-US" sz="1600" i="1" kern="0">
-                        <a:latin typeface="Cambria Math" panose="02040503050406030204" pitchFamily="18" charset="0"/>
-                        <a:ea typeface="Noto Sans CJK SC Regular"/>
-                        <a:cs typeface="Arial" panose="020B0604020202020204" pitchFamily="34" charset="0"/>
-                      </a:rPr>
-                      <m:t> </m:t>
-                    </m:r>
-                    <m:f>
-                      <m:fPr>
-                        <m:ctrlPr>
-                          <a:rPr lang="en-US" sz="1600" i="1" kern="0">
-                            <a:latin typeface="Cambria Math" panose="02040503050406030204" pitchFamily="18" charset="0"/>
-                            <a:ea typeface="Noto Sans CJK SC Regular"/>
-                            <a:cs typeface="Arial" panose="020B0604020202020204" pitchFamily="34" charset="0"/>
-                          </a:rPr>
-                        </m:ctrlPr>
-                      </m:fPr>
-                      <m:num>
-                        <m:r>
-                          <a:rPr lang="en-US" sz="1600" i="1" kern="0">
-                            <a:latin typeface="Cambria Math" panose="02040503050406030204" pitchFamily="18" charset="0"/>
-                            <a:ea typeface="Noto Sans CJK SC Regular"/>
-                            <a:cs typeface="Arial" panose="020B0604020202020204" pitchFamily="34" charset="0"/>
-                          </a:rPr>
-                          <m:t>2</m:t>
-                        </m:r>
-                        <m:r>
-                          <a:rPr lang="en-US" sz="1600" i="1" kern="0">
-                            <a:latin typeface="Cambria Math" panose="02040503050406030204" pitchFamily="18" charset="0"/>
-                            <a:ea typeface="Noto Sans CJK SC Regular"/>
-                            <a:cs typeface="Arial" panose="020B0604020202020204" pitchFamily="34" charset="0"/>
-                          </a:rPr>
-                          <m:t>+</m:t>
-                        </m:r>
-                        <m:r>
-                          <a:rPr lang="en-US" sz="1600" i="1" kern="0">
-                            <a:latin typeface="Cambria Math" panose="02040503050406030204" pitchFamily="18" charset="0"/>
-                            <a:ea typeface="Noto Sans CJK SC Regular"/>
-                            <a:cs typeface="Arial" panose="020B0604020202020204" pitchFamily="34" charset="0"/>
-                          </a:rPr>
-                          <m:t>1</m:t>
-                        </m:r>
-                      </m:num>
-                      <m:den>
-                        <m:r>
-                          <a:rPr lang="en-US" sz="1600" i="1" kern="0">
-                            <a:latin typeface="Cambria Math" panose="02040503050406030204" pitchFamily="18" charset="0"/>
-                            <a:ea typeface="Noto Sans CJK SC Regular"/>
-                            <a:cs typeface="Arial" panose="020B0604020202020204" pitchFamily="34" charset="0"/>
-                          </a:rPr>
-                          <m:t>9</m:t>
-                        </m:r>
-                        <m:r>
-                          <a:rPr lang="en-US" sz="1600" i="1" kern="0">
-                            <a:latin typeface="Cambria Math" panose="02040503050406030204" pitchFamily="18" charset="0"/>
-                            <a:ea typeface="Noto Sans CJK SC Regular"/>
-                            <a:cs typeface="Arial" panose="020B0604020202020204" pitchFamily="34" charset="0"/>
-                          </a:rPr>
-                          <m:t>+(</m:t>
-                        </m:r>
-                        <m:r>
-                          <a:rPr lang="en-US" sz="1600" i="1" kern="0">
-                            <a:latin typeface="Cambria Math" panose="02040503050406030204" pitchFamily="18" charset="0"/>
-                            <a:ea typeface="Noto Sans CJK SC Regular"/>
-                            <a:cs typeface="Arial" panose="020B0604020202020204" pitchFamily="34" charset="0"/>
-                          </a:rPr>
-                          <m:t>19</m:t>
-                        </m:r>
-                        <m:r>
-                          <a:rPr lang="en-US" sz="1600" i="1" kern="0">
-                            <a:latin typeface="Cambria Math" panose="02040503050406030204" pitchFamily="18" charset="0"/>
-                            <a:ea typeface="Noto Sans CJK SC Regular"/>
-                            <a:cs typeface="Arial" panose="020B0604020202020204" pitchFamily="34" charset="0"/>
-                          </a:rPr>
-                          <m:t>)</m:t>
-                        </m:r>
-                      </m:den>
-                    </m:f>
-                    <m:r>
-                      <a:rPr lang="fa-IR" sz="1600" b="0" i="1" kern="0" smtClean="0">
-                        <a:latin typeface="Cambria Math" panose="02040503050406030204" pitchFamily="18" charset="0"/>
-                        <a:ea typeface="Noto Sans CJK SC Regular"/>
-                        <a:cs typeface="Arial" panose="020B0604020202020204" pitchFamily="34" charset="0"/>
-                      </a:rPr>
-                      <m:t> </m:t>
-                    </m:r>
-                  </m:oMath>
-                </a14:m>
-                <a:r>
-                  <a:rPr lang="fa-IR" sz="2000" kern="0" dirty="0">
-                    <a:latin typeface="TimesNewRoman"/>
-                    <a:ea typeface="Noto Sans CJK SC Regular"/>
-                    <a:cs typeface="B Nazanin" panose="00000400000000000000" pitchFamily="2" charset="-78"/>
-                  </a:rPr>
-                  <a:t>=</a:t>
-                </a:r>
-                <a14:m>
-                  <m:oMath xmlns:m="http://schemas.openxmlformats.org/officeDocument/2006/math">
-                    <m:r>
-                      <a:rPr lang="fa-IR" sz="2000" i="1" kern="0">
-                        <a:latin typeface="Cambria Math" panose="02040503050406030204" pitchFamily="18" charset="0"/>
-                        <a:ea typeface="Noto Sans CJK SC Regular"/>
-                        <a:cs typeface="Cambria Math" panose="02040503050406030204" pitchFamily="18" charset="0"/>
-                      </a:rPr>
-                      <m:t> </m:t>
-                    </m:r>
-                    <m:f>
-                      <m:fPr>
-                        <m:ctrlPr>
-                          <a:rPr lang="en-US" sz="2000" i="1" kern="0">
-                            <a:latin typeface="Cambria Math" panose="02040503050406030204" pitchFamily="18" charset="0"/>
-                            <a:ea typeface="Noto Sans CJK SC Regular"/>
-                            <a:cs typeface="Arial" panose="020B0604020202020204" pitchFamily="34" charset="0"/>
-                          </a:rPr>
-                        </m:ctrlPr>
-                      </m:fPr>
-                      <m:num>
-                        <m:r>
-                          <a:rPr lang="en-US" sz="2000" i="1" kern="0">
-                            <a:latin typeface="Cambria Math" panose="02040503050406030204" pitchFamily="18" charset="0"/>
-                            <a:ea typeface="Noto Sans CJK SC Regular"/>
-                            <a:cs typeface="Arial" panose="020B0604020202020204" pitchFamily="34" charset="0"/>
-                          </a:rPr>
-                          <m:t>3</m:t>
-                        </m:r>
-                      </m:num>
-                      <m:den>
-                        <m:r>
-                          <a:rPr lang="en-US" sz="2000" i="1" kern="0">
-                            <a:latin typeface="Cambria Math" panose="02040503050406030204" pitchFamily="18" charset="0"/>
-                            <a:ea typeface="Noto Sans CJK SC Regular"/>
-                            <a:cs typeface="Arial" panose="020B0604020202020204" pitchFamily="34" charset="0"/>
-                          </a:rPr>
-                          <m:t>28</m:t>
-                        </m:r>
-                      </m:den>
-                    </m:f>
-                  </m:oMath>
-                </a14:m>
-                <a:endParaRPr lang="en-US" sz="2400" kern="150" dirty="0">
-                  <a:effectLst/>
-                  <a:latin typeface="Liberation Serif"/>
-                  <a:ea typeface="Noto Sans CJK SC Regular"/>
-                  <a:cs typeface="FreeSans"/>
-                </a:endParaRPr>
-              </a:p>
-              <a:p>
-                <a:pPr fontAlgn="auto">
-                  <a:spcAft>
-                    <a:spcPts val="0"/>
-                  </a:spcAft>
-                </a:pPr>
-                <a:r>
-                  <a:rPr lang="en-US" sz="1600" kern="0" dirty="0">
-                    <a:latin typeface="TimesNewRoman"/>
-                    <a:ea typeface="Noto Sans CJK SC Regular"/>
-                    <a:cs typeface="Arial" panose="020B0604020202020204" pitchFamily="34" charset="0"/>
-                  </a:rPr>
-                  <a:t>P(</a:t>
-                </a:r>
-                <a:r>
-                  <a:rPr lang="en-US" sz="1600" kern="0" dirty="0" err="1">
-                    <a:latin typeface="TimesNewRoman"/>
-                    <a:ea typeface="Noto Sans CJK SC Regular"/>
-                    <a:cs typeface="Arial" panose="020B0604020202020204" pitchFamily="34" charset="0"/>
-                  </a:rPr>
                   <a:t>positive|document</a:t>
                 </a:r>
                 <a:r>
@@ -32620,20 +33693,20 @@
                           <m:t>28</m:t>
                         </m:r>
                         <m:r>
-                          <a:rPr lang="en-US" sz="1600" i="1" kern="0">
+                          <a:rPr lang="en-US" sz="1600" b="0" i="1" kern="0" smtClean="0">
                             <a:latin typeface="Cambria Math" panose="02040503050406030204" pitchFamily="18" charset="0"/>
                             <a:ea typeface="Noto Sans CJK SC Regular"/>
                             <a:cs typeface="Arial" panose="020B0604020202020204" pitchFamily="34" charset="0"/>
                           </a:rPr>
-                          <m:t>∗</m:t>
+                          <m:t>^</m:t>
                         </m:r>
                         <m:r>
-                          <a:rPr lang="en-US" sz="1600" i="1" kern="0">
+                          <a:rPr lang="en-US" sz="1600" b="0" i="1" kern="0" smtClean="0">
                             <a:latin typeface="Cambria Math" panose="02040503050406030204" pitchFamily="18" charset="0"/>
                             <a:ea typeface="Noto Sans CJK SC Regular"/>
                             <a:cs typeface="Arial" panose="020B0604020202020204" pitchFamily="34" charset="0"/>
                           </a:rPr>
-                          <m:t>28</m:t>
+                          <m:t>9</m:t>
                         </m:r>
                       </m:den>
                     </m:f>
@@ -32658,53 +33731,30 @@
                 <a14:m>
                   <m:oMath xmlns:m="http://schemas.openxmlformats.org/officeDocument/2006/math">
                     <m:r>
-                      <a:rPr lang="fa-IR" sz="2000" i="1" kern="0">
+                      <a:rPr lang="fa-IR" sz="2000" i="1" kern="0" smtClean="0">
                         <a:latin typeface="Cambria Math" panose="02040503050406030204" pitchFamily="18" charset="0"/>
                         <a:ea typeface="Noto Sans CJK SC Regular"/>
                         <a:cs typeface="Cambria Math" panose="02040503050406030204" pitchFamily="18" charset="0"/>
                       </a:rPr>
                       <m:t> </m:t>
                     </m:r>
-                    <m:f>
-                      <m:fPr>
-                        <m:ctrlPr>
-                          <a:rPr lang="en-US" sz="2000" i="1" kern="0">
-                            <a:latin typeface="Cambria Math" panose="02040503050406030204" pitchFamily="18" charset="0"/>
-                            <a:ea typeface="Noto Sans CJK SC Regular"/>
-                            <a:cs typeface="Arial" panose="020B0604020202020204" pitchFamily="34" charset="0"/>
-                          </a:rPr>
-                        </m:ctrlPr>
-                      </m:fPr>
-                      <m:num>
-                        <m:r>
-                          <a:rPr lang="en-US" sz="2000" i="1" kern="0">
-                            <a:latin typeface="Cambria Math" panose="02040503050406030204" pitchFamily="18" charset="0"/>
-                            <a:ea typeface="Noto Sans CJK SC Regular"/>
-                            <a:cs typeface="Arial" panose="020B0604020202020204" pitchFamily="34" charset="0"/>
-                          </a:rPr>
-                          <m:t>81</m:t>
-                        </m:r>
-                      </m:num>
-                      <m:den>
-                        <m:r>
-                          <a:rPr lang="en-US" sz="2000" i="1" kern="0">
-                            <a:latin typeface="Cambria Math" panose="02040503050406030204" pitchFamily="18" charset="0"/>
-                            <a:ea typeface="Noto Sans CJK SC Regular"/>
-                            <a:cs typeface="Arial" panose="020B0604020202020204" pitchFamily="34" charset="0"/>
-                          </a:rPr>
-                          <m:t>16464</m:t>
-                        </m:r>
-                      </m:den>
-                    </m:f>
                   </m:oMath>
                 </a14:m>
                 <a:r>
-                  <a:rPr lang="en-US" sz="2000" kern="0" dirty="0">
+                  <a:rPr lang="en-US" sz="2000" kern="0" dirty="0" smtClean="0">
                     <a:latin typeface="TimesNewRoman"/>
                     <a:ea typeface="Noto Sans CJK SC Regular"/>
                     <a:cs typeface="Arial" panose="020B0604020202020204" pitchFamily="34" charset="0"/>
                   </a:rPr>
-                  <a:t>=.0.004</a:t>
+                  <a:t>0.34 * </a:t>
+                </a:r>
+                <a:r>
+                  <a:rPr lang="en-US" dirty="0"/>
+                  <a:t>10</a:t>
+                </a:r>
+                <a:r>
+                  <a:rPr lang="en-US" baseline="30000" dirty="0"/>
+                  <a:t>-12</a:t>
                 </a:r>
                 <a:endParaRPr lang="en-US" sz="2400" kern="150" dirty="0">
                   <a:effectLst/>
@@ -32929,17 +33979,110 @@
                     <a:ea typeface="Noto Sans CJK SC Regular"/>
                     <a:cs typeface="Arial" panose="020B0604020202020204" pitchFamily="34" charset="0"/>
                   </a:rPr>
-                  <a:t>)=  </a:t>
+                  <a:t>)= </a:t>
+                </a:r>
+                <a:r>
+                  <a:rPr lang="en-US" sz="1600" kern="0" dirty="0" smtClean="0">
+                    <a:latin typeface="TimesNewRoman"/>
+                    <a:ea typeface="Noto Sans CJK SC Regular"/>
+                    <a:cs typeface="Arial" panose="020B0604020202020204" pitchFamily="34" charset="0"/>
+                  </a:rPr>
+                  <a:t>P(</a:t>
+                </a:r>
+                <a:r>
+                  <a:rPr lang="en-US" sz="1600" kern="0" dirty="0" err="1" smtClean="0">
+                    <a:latin typeface="TimesNewRoman"/>
+                    <a:ea typeface="Noto Sans CJK SC Regular"/>
+                    <a:cs typeface="Arial" panose="020B0604020202020204" pitchFamily="34" charset="0"/>
+                  </a:rPr>
+                  <a:t>it|neg</a:t>
+                </a:r>
+                <a:r>
+                  <a:rPr lang="en-US" sz="1600" kern="0" dirty="0">
+                    <a:latin typeface="TimesNewRoman"/>
+                    <a:ea typeface="Noto Sans CJK SC Regular"/>
+                    <a:cs typeface="Arial" panose="020B0604020202020204" pitchFamily="34" charset="0"/>
+                  </a:rPr>
+                  <a:t>)=</a:t>
                 </a:r>
                 <a14:m>
                   <m:oMath xmlns:m="http://schemas.openxmlformats.org/officeDocument/2006/math">
                     <m:r>
-                      <a:rPr lang="en-US" sz="1600" i="1" kern="0">
-                        <a:latin typeface="Cambria Math" panose="02040503050406030204" pitchFamily="18" charset="0"/>
+                      <m:rPr>
+                        <m:nor/>
+                      </m:rPr>
+                      <a:rPr lang="en-US" sz="1600" kern="0" dirty="0">
+                        <a:latin typeface="TimesNewRoman"/>
                         <a:ea typeface="Noto Sans CJK SC Regular"/>
                         <a:cs typeface="Arial" panose="020B0604020202020204" pitchFamily="34" charset="0"/>
                       </a:rPr>
                       <m:t> </m:t>
+                    </m:r>
+                    <m:r>
+                      <m:rPr>
+                        <m:nor/>
+                      </m:rPr>
+                      <a:rPr lang="en-US" sz="1600" kern="0" dirty="0">
+                        <a:latin typeface="TimesNewRoman"/>
+                        <a:ea typeface="Noto Sans CJK SC Regular"/>
+                        <a:cs typeface="Arial" panose="020B0604020202020204" pitchFamily="34" charset="0"/>
+                      </a:rPr>
+                      <m:t>P</m:t>
+                    </m:r>
+                    <m:r>
+                      <m:rPr>
+                        <m:nor/>
+                      </m:rPr>
+                      <a:rPr lang="en-US" sz="1600" kern="0" dirty="0">
+                        <a:latin typeface="TimesNewRoman"/>
+                        <a:ea typeface="Noto Sans CJK SC Regular"/>
+                        <a:cs typeface="Arial" panose="020B0604020202020204" pitchFamily="34" charset="0"/>
+                      </a:rPr>
+                      <m:t>(</m:t>
+                    </m:r>
+                    <m:r>
+                      <m:rPr>
+                        <m:nor/>
+                      </m:rPr>
+                      <a:rPr lang="en-US" sz="1600" kern="0" dirty="0">
+                        <a:latin typeface="TimesNewRoman"/>
+                        <a:ea typeface="Noto Sans CJK SC Regular"/>
+                        <a:cs typeface="Arial" panose="020B0604020202020204" pitchFamily="34" charset="0"/>
+                      </a:rPr>
+                      <m:t>is</m:t>
+                    </m:r>
+                    <m:r>
+                      <m:rPr>
+                        <m:nor/>
+                      </m:rPr>
+                      <a:rPr lang="en-US" sz="1600" kern="0" dirty="0">
+                        <a:latin typeface="TimesNewRoman"/>
+                        <a:ea typeface="Noto Sans CJK SC Regular"/>
+                        <a:cs typeface="Arial" panose="020B0604020202020204" pitchFamily="34" charset="0"/>
+                      </a:rPr>
+                      <m:t>|</m:t>
+                    </m:r>
+                    <m:r>
+                      <m:rPr>
+                        <m:nor/>
+                      </m:rPr>
+                      <a:rPr lang="en-US" sz="1600" kern="0" dirty="0">
+                        <a:latin typeface="TimesNewRoman"/>
+                        <a:ea typeface="Noto Sans CJK SC Regular"/>
+                        <a:cs typeface="Arial" panose="020B0604020202020204" pitchFamily="34" charset="0"/>
+                      </a:rPr>
+                      <m:t>neg</m:t>
+                    </m:r>
+                    <m:r>
+                      <m:rPr>
+                        <m:nor/>
+                      </m:rPr>
+                      <a:rPr lang="en-US" sz="1600" kern="0" dirty="0">
+                        <a:latin typeface="TimesNewRoman"/>
+                        <a:ea typeface="Noto Sans CJK SC Regular"/>
+                        <a:cs typeface="Arial" panose="020B0604020202020204" pitchFamily="34" charset="0"/>
+                      </a:rPr>
+                      <m:t>)=</m:t>
                     </m:r>
                     <m:f>
                       <m:fPr>
@@ -33133,10 +34276,58 @@
                     <a:ea typeface="Noto Sans CJK SC Regular"/>
                     <a:cs typeface="Arial" panose="020B0604020202020204" pitchFamily="34" charset="0"/>
                   </a:rPr>
-                  <a:t>)=  </a:t>
+                  <a:t>)= </a:t>
+                </a:r>
+                <a:r>
+                  <a:rPr lang="en-US" sz="1600" kern="0" dirty="0" smtClean="0">
+                    <a:latin typeface="TimesNewRoman"/>
+                    <a:ea typeface="Noto Sans CJK SC Regular"/>
+                    <a:cs typeface="Arial" panose="020B0604020202020204" pitchFamily="34" charset="0"/>
+                  </a:rPr>
+                  <a:t>P(I </a:t>
+                </a:r>
+                <a:r>
+                  <a:rPr lang="en-US" sz="1600" kern="0" dirty="0">
+                    <a:latin typeface="TimesNewRoman"/>
+                    <a:ea typeface="Noto Sans CJK SC Regular"/>
+                    <a:cs typeface="Arial" panose="020B0604020202020204" pitchFamily="34" charset="0"/>
+                  </a:rPr>
+                  <a:t>|</a:t>
+                </a:r>
+                <a:r>
+                  <a:rPr lang="en-US" sz="1600" kern="150" dirty="0">
+                    <a:latin typeface="Liberation Serif"/>
+                    <a:ea typeface="Noto Sans CJK SC Regular"/>
+                    <a:cs typeface="FreeSans"/>
+                  </a:rPr>
+                  <a:t> </a:t>
+                </a:r>
+                <a:r>
+                  <a:rPr lang="en-US" sz="1600" kern="0" dirty="0" err="1">
+                    <a:latin typeface="TimesNewRoman"/>
+                    <a:ea typeface="Noto Sans CJK SC Regular"/>
+                    <a:cs typeface="Arial" panose="020B0604020202020204" pitchFamily="34" charset="0"/>
+                  </a:rPr>
+                  <a:t>neg</a:t>
+                </a:r>
+                <a:r>
+                  <a:rPr lang="en-US" sz="1600" kern="0" dirty="0">
+                    <a:latin typeface="TimesNewRoman"/>
+                    <a:ea typeface="Noto Sans CJK SC Regular"/>
+                    <a:cs typeface="Arial" panose="020B0604020202020204" pitchFamily="34" charset="0"/>
+                  </a:rPr>
+                  <a:t>)=</a:t>
                 </a:r>
                 <a14:m>
                   <m:oMath xmlns:m="http://schemas.openxmlformats.org/officeDocument/2006/math">
+                    <m:r>
+                      <a:rPr lang="en-US" sz="1600" b="0" i="0" kern="0" smtClean="0">
+                        <a:latin typeface="Cambria Math" panose="02040503050406030204" pitchFamily="18" charset="0"/>
+                        <a:ea typeface="Noto Sans CJK SC Regular"/>
+                        <a:cs typeface="Arial" panose="020B0604020202020204" pitchFamily="34" charset="0"/>
+                      </a:rPr>
+                      <m:t>…=</m:t>
+                    </m:r>
                     <m:r>
                       <a:rPr lang="en-US" sz="1600" i="1" kern="0">
                         <a:latin typeface="Cambria Math" panose="02040503050406030204" pitchFamily="18" charset="0"/>
@@ -33360,84 +34551,20 @@
                           <m:t>2</m:t>
                         </m:r>
                         <m:r>
-                          <a:rPr lang="en-US" sz="1600" i="1" kern="0">
+                          <a:rPr lang="en-US" sz="1600" b="0" i="1" kern="0" smtClean="0">
                             <a:latin typeface="Cambria Math" panose="02040503050406030204" pitchFamily="18" charset="0"/>
                             <a:ea typeface="Noto Sans CJK SC Regular"/>
                             <a:cs typeface="Arial" panose="020B0604020202020204" pitchFamily="34" charset="0"/>
                           </a:rPr>
-                          <m:t>∗</m:t>
+                          <m:t>^</m:t>
                         </m:r>
                         <m:r>
-                          <a:rPr lang="en-US" sz="1600" i="1" kern="0">
+                          <a:rPr lang="en-US" sz="1600" b="0" i="1" kern="0" smtClean="0">
                             <a:latin typeface="Cambria Math" panose="02040503050406030204" pitchFamily="18" charset="0"/>
                             <a:ea typeface="Noto Sans CJK SC Regular"/>
                             <a:cs typeface="Arial" panose="020B0604020202020204" pitchFamily="34" charset="0"/>
                           </a:rPr>
-                          <m:t>2</m:t>
-                        </m:r>
-                        <m:r>
-                          <a:rPr lang="en-US" sz="1600" i="1" kern="0">
-                            <a:latin typeface="Cambria Math" panose="02040503050406030204" pitchFamily="18" charset="0"/>
-                            <a:ea typeface="Noto Sans CJK SC Regular"/>
-                            <a:cs typeface="Arial" panose="020B0604020202020204" pitchFamily="34" charset="0"/>
-                          </a:rPr>
-                          <m:t>∗</m:t>
-                        </m:r>
-                        <m:r>
-                          <a:rPr lang="en-US" sz="1600" i="1" kern="0">
-                            <a:latin typeface="Cambria Math" panose="02040503050406030204" pitchFamily="18" charset="0"/>
-                            <a:ea typeface="Noto Sans CJK SC Regular"/>
-                            <a:cs typeface="Arial" panose="020B0604020202020204" pitchFamily="34" charset="0"/>
-                          </a:rPr>
-                          <m:t>2</m:t>
-                        </m:r>
-                        <m:r>
-                          <a:rPr lang="en-US" sz="1600" i="1" kern="0">
-                            <a:latin typeface="Cambria Math" panose="02040503050406030204" pitchFamily="18" charset="0"/>
-                            <a:ea typeface="Noto Sans CJK SC Regular"/>
-                            <a:cs typeface="Arial" panose="020B0604020202020204" pitchFamily="34" charset="0"/>
-                          </a:rPr>
-                          <m:t>∗</m:t>
-                        </m:r>
-                        <m:r>
-                          <a:rPr lang="en-US" sz="1600" i="1" kern="0">
-                            <a:latin typeface="Cambria Math" panose="02040503050406030204" pitchFamily="18" charset="0"/>
-                            <a:ea typeface="Noto Sans CJK SC Regular"/>
-                            <a:cs typeface="Arial" panose="020B0604020202020204" pitchFamily="34" charset="0"/>
-                          </a:rPr>
-                          <m:t>2</m:t>
-                        </m:r>
-                        <m:r>
-                          <a:rPr lang="en-US" sz="1600" i="1" kern="0">
-                            <a:latin typeface="Cambria Math" panose="02040503050406030204" pitchFamily="18" charset="0"/>
-                            <a:ea typeface="Noto Sans CJK SC Regular"/>
-                            <a:cs typeface="Arial" panose="020B0604020202020204" pitchFamily="34" charset="0"/>
-                          </a:rPr>
-                          <m:t>∗</m:t>
-                        </m:r>
-                        <m:r>
-                          <a:rPr lang="en-US" sz="1600" i="1" kern="0">
-                            <a:latin typeface="Cambria Math" panose="02040503050406030204" pitchFamily="18" charset="0"/>
-                            <a:ea typeface="Noto Sans CJK SC Regular"/>
-                            <a:cs typeface="Arial" panose="020B0604020202020204" pitchFamily="34" charset="0"/>
-                          </a:rPr>
-                          <m:t>2</m:t>
-                        </m:r>
-                        <m:r>
-                          <a:rPr lang="en-US" sz="1600" i="1" kern="0">
-                            <a:latin typeface="Cambria Math" panose="02040503050406030204" pitchFamily="18" charset="0"/>
-                            <a:ea typeface="Noto Sans CJK SC Regular"/>
-                            <a:cs typeface="Arial" panose="020B0604020202020204" pitchFamily="34" charset="0"/>
-                          </a:rPr>
-                          <m:t>∗</m:t>
-                        </m:r>
-                        <m:r>
-                          <a:rPr lang="en-US" sz="1600" i="1" kern="0">
-                            <a:latin typeface="Cambria Math" panose="02040503050406030204" pitchFamily="18" charset="0"/>
-                            <a:ea typeface="Noto Sans CJK SC Regular"/>
-                            <a:cs typeface="Arial" panose="020B0604020202020204" pitchFamily="34" charset="0"/>
-                          </a:rPr>
-                          <m:t>2</m:t>
+                          <m:t>6</m:t>
                         </m:r>
                       </m:num>
                       <m:den>
@@ -33466,20 +34593,20 @@
                           <m:t>31</m:t>
                         </m:r>
                         <m:r>
-                          <a:rPr lang="en-US" sz="1600" i="1" kern="0">
+                          <a:rPr lang="en-US" sz="1600" b="0" i="1" kern="0" smtClean="0">
                             <a:latin typeface="Cambria Math" panose="02040503050406030204" pitchFamily="18" charset="0"/>
                             <a:ea typeface="Noto Sans CJK SC Regular"/>
                             <a:cs typeface="Arial" panose="020B0604020202020204" pitchFamily="34" charset="0"/>
                           </a:rPr>
-                          <m:t>∗</m:t>
+                          <m:t>^</m:t>
                         </m:r>
                         <m:r>
-                          <a:rPr lang="en-US" sz="1600" i="1" kern="0">
+                          <a:rPr lang="en-US" sz="1600" b="0" i="1" kern="0" smtClean="0">
                             <a:latin typeface="Cambria Math" panose="02040503050406030204" pitchFamily="18" charset="0"/>
                             <a:ea typeface="Noto Sans CJK SC Regular"/>
                             <a:cs typeface="Arial" panose="020B0604020202020204" pitchFamily="34" charset="0"/>
                           </a:rPr>
-                          <m:t>31</m:t>
+                          <m:t>9</m:t>
                         </m:r>
                       </m:den>
                     </m:f>
@@ -33511,37 +34638,6 @@
                       </a:rPr>
                       <m:t> </m:t>
                     </m:r>
-                    <m:f>
-                      <m:fPr>
-                        <m:ctrlPr>
-                          <a:rPr lang="en-US" sz="2000" i="1" kern="0">
-                            <a:latin typeface="Cambria Math" panose="02040503050406030204" pitchFamily="18" charset="0"/>
-                            <a:ea typeface="Noto Sans CJK SC Regular"/>
-                            <a:cs typeface="Arial" panose="020B0604020202020204" pitchFamily="34" charset="0"/>
-                          </a:rPr>
-                        </m:ctrlPr>
-                      </m:fPr>
-                      <m:num>
-                        <m:r>
-                          <a:rPr lang="en-US" sz="2000" i="1" kern="0">
-                            <a:latin typeface="Cambria Math" panose="02040503050406030204" pitchFamily="18" charset="0"/>
-                            <a:ea typeface="Noto Sans CJK SC Regular"/>
-                            <a:cs typeface="Arial" panose="020B0604020202020204" pitchFamily="34" charset="0"/>
-                          </a:rPr>
-                          <m:t>768</m:t>
-                        </m:r>
-                      </m:num>
-                      <m:den>
-                        <m:r>
-                          <a:rPr lang="en-US" sz="2000" i="1" kern="0">
-                            <a:latin typeface="Cambria Math" panose="02040503050406030204" pitchFamily="18" charset="0"/>
-                            <a:ea typeface="Noto Sans CJK SC Regular"/>
-                            <a:cs typeface="Arial" panose="020B0604020202020204" pitchFamily="34" charset="0"/>
-                          </a:rPr>
-                          <m:t>20181</m:t>
-                        </m:r>
-                      </m:den>
-                    </m:f>
                   </m:oMath>
                 </a14:m>
                 <a:r>
@@ -33550,15 +34646,15 @@
                     <a:ea typeface="Noto Sans CJK SC Regular"/>
                     <a:cs typeface="Arial" panose="020B0604020202020204" pitchFamily="34" charset="0"/>
                   </a:rPr>
-                  <a:t>=</a:t>
+                  <a:t>1.38*</a:t>
                 </a:r>
                 <a:r>
-                  <a:rPr lang="en-US" sz="2000" kern="0" dirty="0">
-                    <a:latin typeface="TimesNewRoman"/>
-                    <a:ea typeface="Noto Sans CJK SC Regular"/>
-                    <a:cs typeface="Arial" panose="020B0604020202020204" pitchFamily="34" charset="0"/>
-                  </a:rPr>
-                  <a:t>0.038</a:t>
+                  <a:rPr lang="en-US" dirty="0" smtClean="0"/>
+                  <a:t>10</a:t>
+                </a:r>
+                <a:r>
+                  <a:rPr lang="en-US" baseline="30000" dirty="0" smtClean="0"/>
+                  <a:t>-12</a:t>
                 </a:r>
                 <a:endParaRPr lang="en-US" sz="2400" kern="150" dirty="0">
                   <a:effectLst/>
@@ -33581,8 +34677,8 @@
             </p:nvSpPr>
             <p:spPr>
               <a:xfrm>
-                <a:off x="1967472" y="2227577"/>
-                <a:ext cx="4994286" cy="4261616"/>
+                <a:off x="862149" y="2227577"/>
+                <a:ext cx="6099609" cy="4092723"/>
               </a:xfrm>
               <a:prstGeom prst="rect">
                 <a:avLst/>
@@ -33590,7 +34686,7 @@
               <a:blipFill>
                 <a:blip r:embed="rId3"/>
                 <a:stretch>
-                  <a:fillRect l="-733" b="-857"/>
+                  <a:fillRect l="-500" b="-1637"/>
                 </a:stretch>
               </a:blipFill>
             </p:spPr>
@@ -33689,6 +34785,35 @@
           <a:chExt cx="0" cy="0"/>
         </a:xfrm>
       </p:grpSpPr>
+      <p:pic>
+        <p:nvPicPr>
+          <p:cNvPr id="9" name="Content Placeholder 8"/>
+          <p:cNvPicPr>
+            <a:picLocks noGrp="1" noChangeAspect="1"/>
+          </p:cNvPicPr>
+          <p:nvPr>
+            <p:ph idx="1"/>
+          </p:nvPr>
+        </p:nvPicPr>
+        <p:blipFill>
+          <a:blip r:embed="rId2" cstate="print">
+            <a:extLst>
+              <a:ext uri="{28A0092B-C50C-407E-A947-70E740481C1C}">
+                <a14:useLocalDpi xmlns:a14="http://schemas.microsoft.com/office/drawing/2010/main" val="0"/>
+              </a:ext>
+            </a:extLst>
+          </a:blip>
+          <a:stretch>
+            <a:fillRect/>
+          </a:stretch>
+        </p:blipFill>
+        <p:spPr>
+          <a:xfrm>
+            <a:off x="3394628" y="1383121"/>
+            <a:ext cx="5402744" cy="3778250"/>
+          </a:xfrm>
+        </p:spPr>
+      </p:pic>
       <p:sp>
         <p:nvSpPr>
           <p:cNvPr id="2" name="Title 1"/>
@@ -33699,61 +34824,108 @@
             <p:ph type="title"/>
           </p:nvPr>
         </p:nvSpPr>
-        <p:spPr/>
-        <p:txBody>
-          <a:bodyPr/>
-          <a:lstStyle/>
-          <a:p>
-            <a:endParaRPr lang="en-US"/>
-          </a:p>
-        </p:txBody>
-      </p:sp>
-      <p:sp>
-        <p:nvSpPr>
-          <p:cNvPr id="3" name="Content Placeholder 2"/>
-          <p:cNvSpPr>
-            <a:spLocks noGrp="1"/>
-          </p:cNvSpPr>
-          <p:nvPr>
-            <p:ph idx="1"/>
-          </p:nvPr>
-        </p:nvSpPr>
-        <p:spPr/>
+        <p:spPr>
+          <a:xfrm>
+            <a:off x="1640157" y="2788555"/>
+            <a:ext cx="8911687" cy="1280890"/>
+          </a:xfrm>
+        </p:spPr>
         <p:txBody>
           <a:bodyPr>
-            <a:normAutofit/>
+            <a:normAutofit fontScale="90000"/>
           </a:bodyPr>
           <a:lstStyle/>
           <a:p>
-            <a:pPr marL="0" indent="0" algn="ctr">
-              <a:buNone/>
-            </a:pPr>
-            <a:r>
-              <a:rPr lang="fa-IR" sz="2800" dirty="0" smtClean="0">
-                <a:cs typeface="B Nazanin" panose="00000400000000000000" pitchFamily="2" charset="-78"/>
-              </a:rPr>
-              <a:t>با تشکر</a:t>
-            </a:r>
-          </a:p>
-          <a:p>
-            <a:pPr marL="0" indent="0" algn="ctr">
-              <a:buNone/>
-            </a:pPr>
-            <a:endParaRPr lang="fa-IR" sz="2800" dirty="0">
-              <a:cs typeface="B Nazanin" panose="00000400000000000000" pitchFamily="2" charset="-78"/>
+            <a:pPr algn="ctr" rtl="1"/>
+            <a:r>
+              <a:rPr lang="fa-IR" dirty="0" smtClean="0">
+                <a:solidFill>
+                  <a:schemeClr val="tx1"/>
+                </a:solidFill>
+                <a:cs typeface="B Nazanin" panose="00000400000000000000" pitchFamily="2" charset="-78"/>
+              </a:rPr>
+              <a:t> با </a:t>
+            </a:r>
+            <a:r>
+              <a:rPr lang="fa-IR" dirty="0">
+                <a:solidFill>
+                  <a:schemeClr val="tx1"/>
+                </a:solidFill>
+                <a:cs typeface="B Nazanin" panose="00000400000000000000" pitchFamily="2" charset="-78"/>
+              </a:rPr>
+              <a:t>تشکر</a:t>
+            </a:r>
+            <a:r>
+              <a:rPr lang="en-US" dirty="0">
+                <a:solidFill>
+                  <a:schemeClr val="tx1"/>
+                </a:solidFill>
+                <a:cs typeface="B Nazanin" panose="00000400000000000000" pitchFamily="2" charset="-78"/>
+              </a:rPr>
+              <a:t/>
+            </a:r>
+            <a:br>
+              <a:rPr lang="en-US" dirty="0">
+                <a:solidFill>
+                  <a:schemeClr val="tx1"/>
+                </a:solidFill>
+                <a:cs typeface="B Nazanin" panose="00000400000000000000" pitchFamily="2" charset="-78"/>
+              </a:rPr>
+            </a:br>
+            <a:r>
+              <a:rPr lang="fa-IR" dirty="0">
+                <a:solidFill>
+                  <a:schemeClr val="tx1"/>
+                </a:solidFill>
+                <a:cs typeface="B Nazanin" panose="00000400000000000000" pitchFamily="2" charset="-78"/>
+              </a:rPr>
+              <a:t/>
+            </a:r>
+            <a:br>
+              <a:rPr lang="fa-IR" dirty="0">
+                <a:solidFill>
+                  <a:schemeClr val="tx1"/>
+                </a:solidFill>
+                <a:cs typeface="B Nazanin" panose="00000400000000000000" pitchFamily="2" charset="-78"/>
+              </a:rPr>
+            </a:br>
+            <a:r>
+              <a:rPr lang="fa-IR" dirty="0">
+                <a:solidFill>
+                  <a:schemeClr val="tx1"/>
+                </a:solidFill>
+                <a:cs typeface="B Nazanin" panose="00000400000000000000" pitchFamily="2" charset="-78"/>
+              </a:rPr>
+              <a:t/>
+            </a:r>
+            <a:br>
+              <a:rPr lang="fa-IR" dirty="0">
+                <a:solidFill>
+                  <a:schemeClr val="tx1"/>
+                </a:solidFill>
+                <a:cs typeface="B Nazanin" panose="00000400000000000000" pitchFamily="2" charset="-78"/>
+              </a:rPr>
+            </a:br>
+            <a:r>
+              <a:rPr lang="en-US" dirty="0">
+                <a:solidFill>
+                  <a:schemeClr val="tx1"/>
+                </a:solidFill>
+              </a:rPr>
+              <a:t/>
+            </a:r>
+            <a:br>
+              <a:rPr lang="en-US" dirty="0">
+                <a:solidFill>
+                  <a:schemeClr val="tx1"/>
+                </a:solidFill>
+              </a:rPr>
+            </a:br>
+            <a:endParaRPr lang="en-US" dirty="0">
+              <a:solidFill>
+                <a:schemeClr val="tx1"/>
+              </a:solidFill>
             </a:endParaRPr>
-          </a:p>
-          <a:p>
-            <a:pPr marL="0" indent="0" algn="ctr">
-              <a:buNone/>
-            </a:pPr>
-            <a:endParaRPr lang="fa-IR" sz="2800" dirty="0" smtClean="0">
-              <a:cs typeface="B Nazanin" panose="00000400000000000000" pitchFamily="2" charset="-78"/>
-            </a:endParaRPr>
-          </a:p>
-          <a:p>
-            <a:pPr algn="ctr"/>
-            <a:endParaRPr lang="en-US" sz="2800" dirty="0"/>
           </a:p>
         </p:txBody>
       </p:sp>
@@ -34188,12 +35360,6 @@
               </a:rPr>
               <a:t> , Opinion mining and information fusion: a survey, Inf. Fusion 27 (2016) 95–110 .". </a:t>
             </a:r>
-            <a:endParaRPr lang="en-US" sz="2400" dirty="0">
-              <a:solidFill>
-                <a:schemeClr val="tx1"/>
-              </a:solidFill>
-              <a:cs typeface="Times New Roman" panose="02020603050405020304" pitchFamily="18" charset="0"/>
-            </a:endParaRPr>
           </a:p>
         </p:txBody>
       </p:sp>
@@ -34231,7 +35397,7 @@
     </p:spTree>
     <p:extLst>
       <p:ext uri="{BB962C8B-B14F-4D97-AF65-F5344CB8AC3E}">
-        <p14:creationId xmlns:p14="http://schemas.microsoft.com/office/powerpoint/2010/main" val="2911593635"/>
+        <p14:creationId xmlns:p14="http://schemas.microsoft.com/office/powerpoint/2010/main" val="442066618"/>
       </p:ext>
     </p:extLst>
   </p:cSld>
@@ -34531,11 +35697,6 @@
               </a:rPr>
               <a:t> and J. Chen, "A review of natural language processing techniques for opinion mining systems," Information Fusion 36 (2017) 10–25. </a:t>
             </a:r>
-            <a:endParaRPr lang="en-US" sz="2400" dirty="0">
-              <a:solidFill>
-                <a:schemeClr val="tx1"/>
-              </a:solidFill>
-            </a:endParaRPr>
           </a:p>
         </p:txBody>
       </p:sp>
@@ -34565,7 +35726,7 @@
     </p:spTree>
     <p:extLst>
       <p:ext uri="{BB962C8B-B14F-4D97-AF65-F5344CB8AC3E}">
-        <p14:creationId xmlns:p14="http://schemas.microsoft.com/office/powerpoint/2010/main" val="3755677016"/>
+        <p14:creationId xmlns:p14="http://schemas.microsoft.com/office/powerpoint/2010/main" val="4134463941"/>
       </p:ext>
     </p:extLst>
   </p:cSld>
@@ -34675,12 +35836,20 @@
           <a:lstStyle/>
           <a:p>
             <a:r>
+              <a:rPr lang="en-US" sz="2400" dirty="0" smtClean="0">
+                <a:solidFill>
+                  <a:schemeClr val="tx1"/>
+                </a:solidFill>
+              </a:rPr>
+              <a:t>[11] </a:t>
+            </a:r>
+            <a:r>
               <a:rPr lang="en-US" sz="2400" dirty="0">
                 <a:solidFill>
                   <a:schemeClr val="tx1"/>
                 </a:solidFill>
               </a:rPr>
-              <a:t>[11] 	" a review of </a:t>
+              <a:t>	"S.-M. Kim , E. </a:t>
             </a:r>
             <a:r>
               <a:rPr lang="en-US" sz="2400" dirty="0" err="1">
@@ -34688,7 +35857,7 @@
                   <a:schemeClr val="tx1"/>
                 </a:solidFill>
               </a:rPr>
-              <a:t>nlp</a:t>
+              <a:t>Hovy</a:t>
             </a:r>
             <a:r>
               <a:rPr lang="en-US" sz="2400" dirty="0">
@@ -34696,7 +35865,7 @@
                   <a:schemeClr val="tx1"/>
                 </a:solidFill>
               </a:rPr>
-              <a:t> </a:t>
+              <a:t> , Determining the sentiment of opinions, in: Proceed- </a:t>
             </a:r>
             <a:r>
               <a:rPr lang="en-US" sz="2400" dirty="0" err="1">
@@ -34704,7 +35873,7 @@
                   <a:schemeClr val="tx1"/>
                 </a:solidFill>
               </a:rPr>
-              <a:t>tecch</a:t>
+              <a:t>ings</a:t>
             </a:r>
             <a:r>
               <a:rPr lang="en-US" sz="2400" dirty="0">
@@ -34712,7 +35881,33 @@
                   <a:schemeClr val="tx1"/>
                 </a:solidFill>
               </a:rPr>
-              <a:t> for </a:t>
+              <a:t> of the 20th". </a:t>
+            </a:r>
+          </a:p>
+          <a:p>
+            <a:r>
+              <a:rPr lang="en-US" sz="2400" dirty="0">
+                <a:solidFill>
+                  <a:schemeClr val="tx1"/>
+                </a:solidFill>
+              </a:rPr>
+              <a:t>[</a:t>
+            </a:r>
+            <a:r>
+              <a:rPr lang="en-US" sz="2400" dirty="0" smtClean="0">
+                <a:solidFill>
+                  <a:schemeClr val="tx1"/>
+                </a:solidFill>
+              </a:rPr>
+              <a:t>12] </a:t>
+            </a:r>
+            <a:r>
+              <a:rPr lang="en-US" sz="2400" dirty="0">
+                <a:solidFill>
+                  <a:schemeClr val="tx1"/>
+                </a:solidFill>
+              </a:rPr>
+              <a:t>	"W. </a:t>
             </a:r>
             <a:r>
               <a:rPr lang="en-US" sz="2400" dirty="0" err="1">
@@ -34720,7 +35915,7 @@
                   <a:schemeClr val="tx1"/>
                 </a:solidFill>
               </a:rPr>
-              <a:t>om</a:t>
+              <a:t>Medhat</a:t>
             </a:r>
             <a:r>
               <a:rPr lang="en-US" sz="2400" dirty="0">
@@ -34728,7 +35923,7 @@
                   <a:schemeClr val="tx1"/>
                 </a:solidFill>
               </a:rPr>
-              <a:t> systems". </a:t>
+              <a:t> et al., Sentiment analysis algorithms and applications: a survey,". </a:t>
             </a:r>
           </a:p>
           <a:p>
@@ -34738,7 +35933,23 @@
                   <a:schemeClr val="tx1"/>
                 </a:solidFill>
               </a:rPr>
-              <a:t>[12] 	"S.-M. Kim , E. </a:t>
+              <a:t>[</a:t>
+            </a:r>
+            <a:r>
+              <a:rPr lang="en-US" sz="2400" dirty="0" smtClean="0">
+                <a:solidFill>
+                  <a:schemeClr val="tx1"/>
+                </a:solidFill>
+              </a:rPr>
+              <a:t>13] </a:t>
+            </a:r>
+            <a:r>
+              <a:rPr lang="en-US" sz="2400" dirty="0">
+                <a:solidFill>
+                  <a:schemeClr val="tx1"/>
+                </a:solidFill>
+              </a:rPr>
+              <a:t>	"B. Pang, L. Lee, S. </a:t>
             </a:r>
             <a:r>
               <a:rPr lang="en-US" sz="2400" dirty="0" err="1">
@@ -34746,7 +35957,7 @@
                   <a:schemeClr val="tx1"/>
                 </a:solidFill>
               </a:rPr>
-              <a:t>Hovy</a:t>
+              <a:t>Vaithyanathan</a:t>
             </a:r>
             <a:r>
               <a:rPr lang="en-US" sz="2400" dirty="0">
@@ -34754,7 +35965,33 @@
                   <a:schemeClr val="tx1"/>
                 </a:solidFill>
               </a:rPr>
-              <a:t> , Determining the sentiment of opinions, in: Proceed- </a:t>
+              <a:t>, Thumbs up? Sentiment classification using machine learning techniques, Proceedings of the ACL-02 Conference on Empirical Methods in Natural Language Processing, vol. 10, Association for Computational Linguistics, 2002, p". </a:t>
+            </a:r>
+          </a:p>
+          <a:p>
+            <a:r>
+              <a:rPr lang="en-US" sz="2400" dirty="0">
+                <a:solidFill>
+                  <a:schemeClr val="tx1"/>
+                </a:solidFill>
+              </a:rPr>
+              <a:t>[</a:t>
+            </a:r>
+            <a:r>
+              <a:rPr lang="en-US" sz="2400" dirty="0" smtClean="0">
+                <a:solidFill>
+                  <a:schemeClr val="tx1"/>
+                </a:solidFill>
+              </a:rPr>
+              <a:t>14] </a:t>
+            </a:r>
+            <a:r>
+              <a:rPr lang="en-US" sz="2400" dirty="0">
+                <a:solidFill>
+                  <a:schemeClr val="tx1"/>
+                </a:solidFill>
+              </a:rPr>
+              <a:t>	"Miller, G.A., R. Beckwith, C. </a:t>
             </a:r>
             <a:r>
               <a:rPr lang="en-US" sz="2400" dirty="0" err="1">
@@ -34762,7 +35999,7 @@
                   <a:schemeClr val="tx1"/>
                 </a:solidFill>
               </a:rPr>
-              <a:t>ings</a:t>
+              <a:t>Fellbaum</a:t>
             </a:r>
             <a:r>
               <a:rPr lang="en-US" sz="2400" dirty="0">
@@ -34770,17 +36007,23 @@
                   <a:schemeClr val="tx1"/>
                 </a:solidFill>
               </a:rPr>
-              <a:t> of the 20th". </a:t>
-            </a:r>
-          </a:p>
-          <a:p>
+              <a:t>, </a:t>
+            </a:r>
+            <a:r>
+              <a:rPr lang="en-US" sz="2400" dirty="0" err="1">
+                <a:solidFill>
+                  <a:schemeClr val="tx1"/>
+                </a:solidFill>
+              </a:rPr>
+              <a:t>D.Gross</a:t>
+            </a:r>
             <a:r>
               <a:rPr lang="en-US" sz="2400" dirty="0">
                 <a:solidFill>
                   <a:schemeClr val="tx1"/>
                 </a:solidFill>
               </a:rPr>
-              <a:t>[13] 	"W. </a:t>
+              <a:t>, and K. Miller. 1993. Introduction to </a:t>
             </a:r>
             <a:r>
               <a:rPr lang="en-US" sz="2400" dirty="0" err="1">
@@ -34788,7 +36031,7 @@
                   <a:schemeClr val="tx1"/>
                 </a:solidFill>
               </a:rPr>
-              <a:t>Medhat</a:t>
+              <a:t>WordNet</a:t>
             </a:r>
             <a:r>
               <a:rPr lang="en-US" sz="2400" dirty="0">
@@ -34796,97 +36039,8 @@
                   <a:schemeClr val="tx1"/>
                 </a:solidFill>
               </a:rPr>
-              <a:t> et al., Sentiment analysis algorithms and applications: a survey,". </a:t>
-            </a:r>
-          </a:p>
-          <a:p>
-            <a:r>
-              <a:rPr lang="en-US" sz="2400" dirty="0">
-                <a:solidFill>
-                  <a:schemeClr val="tx1"/>
-                </a:solidFill>
-              </a:rPr>
-              <a:t>[14] 	"B. Pang, L. Lee, S. </a:t>
-            </a:r>
-            <a:r>
-              <a:rPr lang="en-US" sz="2400" dirty="0" err="1">
-                <a:solidFill>
-                  <a:schemeClr val="tx1"/>
-                </a:solidFill>
-              </a:rPr>
-              <a:t>Vaithyanathan</a:t>
-            </a:r>
-            <a:r>
-              <a:rPr lang="en-US" sz="2400" dirty="0">
-                <a:solidFill>
-                  <a:schemeClr val="tx1"/>
-                </a:solidFill>
-              </a:rPr>
-              <a:t>, Thumbs up? Sentiment classification using machine learning techniques, Proceedings of the ACL-02 Conference on Empirical Methods in Natural Language Processing, vol. 10, Association for Computational Linguistics, 2002, p". </a:t>
-            </a:r>
-          </a:p>
-          <a:p>
-            <a:r>
-              <a:rPr lang="en-US" sz="2400" dirty="0">
-                <a:solidFill>
-                  <a:schemeClr val="tx1"/>
-                </a:solidFill>
-              </a:rPr>
-              <a:t>[15] 	"Miller, G.A., R. Beckwith, C. </a:t>
-            </a:r>
-            <a:r>
-              <a:rPr lang="en-US" sz="2400" dirty="0" err="1">
-                <a:solidFill>
-                  <a:schemeClr val="tx1"/>
-                </a:solidFill>
-              </a:rPr>
-              <a:t>Fellbaum</a:t>
-            </a:r>
-            <a:r>
-              <a:rPr lang="en-US" sz="2400" dirty="0">
-                <a:solidFill>
-                  <a:schemeClr val="tx1"/>
-                </a:solidFill>
-              </a:rPr>
-              <a:t>, </a:t>
-            </a:r>
-            <a:r>
-              <a:rPr lang="en-US" sz="2400" dirty="0" err="1">
-                <a:solidFill>
-                  <a:schemeClr val="tx1"/>
-                </a:solidFill>
-              </a:rPr>
-              <a:t>D.Gross</a:t>
-            </a:r>
-            <a:r>
-              <a:rPr lang="en-US" sz="2400" dirty="0">
-                <a:solidFill>
-                  <a:schemeClr val="tx1"/>
-                </a:solidFill>
-              </a:rPr>
-              <a:t>, and K. Miller. 1993. Introduction to </a:t>
-            </a:r>
-            <a:r>
-              <a:rPr lang="en-US" sz="2400" dirty="0" err="1">
-                <a:solidFill>
-                  <a:schemeClr val="tx1"/>
-                </a:solidFill>
-              </a:rPr>
-              <a:t>WordNet</a:t>
-            </a:r>
-            <a:r>
-              <a:rPr lang="en-US" sz="2400" dirty="0">
-                <a:solidFill>
-                  <a:schemeClr val="tx1"/>
-                </a:solidFill>
-              </a:rPr>
               <a:t>: An On-Line Lexical Database. http://www.cosgi.princeton.edu/~wn.". </a:t>
             </a:r>
-            <a:endParaRPr lang="en-US" sz="2400" dirty="0">
-              <a:solidFill>
-                <a:schemeClr val="tx1"/>
-              </a:solidFill>
-            </a:endParaRPr>
           </a:p>
         </p:txBody>
       </p:sp>
@@ -34924,7 +36078,7 @@
     </p:spTree>
     <p:extLst>
       <p:ext uri="{BB962C8B-B14F-4D97-AF65-F5344CB8AC3E}">
-        <p14:creationId xmlns:p14="http://schemas.microsoft.com/office/powerpoint/2010/main" val="371219010"/>
+        <p14:creationId xmlns:p14="http://schemas.microsoft.com/office/powerpoint/2010/main" val="1119761988"/>
       </p:ext>
     </p:extLst>
   </p:cSld>
